--- a/thesis-defense.pptx
+++ b/thesis-defense.pptx
@@ -2,10 +2,43 @@
 <file path=ppt/presentation.xml><?xml version="1.0" encoding="utf-8"?>
 <p:presentation xmlns:a="http://schemas.openxmlformats.org/drawingml/2006/main" xmlns:r="http://schemas.openxmlformats.org/officeDocument/2006/relationships" xmlns:p="http://schemas.openxmlformats.org/presentationml/2006/main" saveSubsetFonts="1">
   <p:sldMasterIdLst>
-    <p:sldMasterId id="2147483648" r:id="rId1"/>
+    <p:sldMasterId id="2147483672" r:id="rId1"/>
   </p:sldMasterIdLst>
+  <p:notesMasterIdLst>
+    <p:notesMasterId r:id="rId33"/>
+  </p:notesMasterIdLst>
   <p:sldIdLst>
     <p:sldId id="256" r:id="rId2"/>
+    <p:sldId id="257" r:id="rId3"/>
+    <p:sldId id="258" r:id="rId4"/>
+    <p:sldId id="259" r:id="rId5"/>
+    <p:sldId id="262" r:id="rId6"/>
+    <p:sldId id="260" r:id="rId7"/>
+    <p:sldId id="263" r:id="rId8"/>
+    <p:sldId id="264" r:id="rId9"/>
+    <p:sldId id="261" r:id="rId10"/>
+    <p:sldId id="265" r:id="rId11"/>
+    <p:sldId id="266" r:id="rId12"/>
+    <p:sldId id="267" r:id="rId13"/>
+    <p:sldId id="268" r:id="rId14"/>
+    <p:sldId id="269" r:id="rId15"/>
+    <p:sldId id="270" r:id="rId16"/>
+    <p:sldId id="271" r:id="rId17"/>
+    <p:sldId id="272" r:id="rId18"/>
+    <p:sldId id="273" r:id="rId19"/>
+    <p:sldId id="274" r:id="rId20"/>
+    <p:sldId id="275" r:id="rId21"/>
+    <p:sldId id="276" r:id="rId22"/>
+    <p:sldId id="278" r:id="rId23"/>
+    <p:sldId id="277" r:id="rId24"/>
+    <p:sldId id="282" r:id="rId25"/>
+    <p:sldId id="279" r:id="rId26"/>
+    <p:sldId id="280" r:id="rId27"/>
+    <p:sldId id="281" r:id="rId28"/>
+    <p:sldId id="283" r:id="rId29"/>
+    <p:sldId id="284" r:id="rId30"/>
+    <p:sldId id="285" r:id="rId31"/>
+    <p:sldId id="287" r:id="rId32"/>
   </p:sldIdLst>
   <p:sldSz cx="9144000" cy="6858000" type="screen4x3"/>
   <p:notesSz cx="6858000" cy="9144000"/>
@@ -107,8 +140,355 @@
 </p:presentation>
 </file>
 
+<file path=ppt/notesMasters/notesMaster1.xml><?xml version="1.0" encoding="utf-8"?>
+<p:notesMaster xmlns:a="http://schemas.openxmlformats.org/drawingml/2006/main" xmlns:r="http://schemas.openxmlformats.org/officeDocument/2006/relationships" xmlns:p="http://schemas.openxmlformats.org/presentationml/2006/main">
+  <p:cSld>
+    <p:bg>
+      <p:bgRef idx="1001">
+        <a:schemeClr val="bg1"/>
+      </p:bgRef>
+    </p:bg>
+    <p:spTree>
+      <p:nvGrpSpPr>
+        <p:cNvPr id="1" name=""/>
+        <p:cNvGrpSpPr/>
+        <p:nvPr/>
+      </p:nvGrpSpPr>
+      <p:grpSpPr>
+        <a:xfrm>
+          <a:off x="0" y="0"/>
+          <a:ext cx="0" cy="0"/>
+          <a:chOff x="0" y="0"/>
+          <a:chExt cx="0" cy="0"/>
+        </a:xfrm>
+      </p:grpSpPr>
+      <p:sp>
+        <p:nvSpPr>
+          <p:cNvPr id="2" name="Header Placeholder 1"/>
+          <p:cNvSpPr>
+            <a:spLocks noGrp="1"/>
+          </p:cNvSpPr>
+          <p:nvPr>
+            <p:ph type="hdr" sz="quarter"/>
+          </p:nvPr>
+        </p:nvSpPr>
+        <p:spPr>
+          <a:xfrm>
+            <a:off x="0" y="0"/>
+            <a:ext cx="2971800" cy="457200"/>
+          </a:xfrm>
+          <a:prstGeom prst="rect">
+            <a:avLst/>
+          </a:prstGeom>
+        </p:spPr>
+        <p:txBody>
+          <a:bodyPr vert="horz" lIns="91440" tIns="45720" rIns="91440" bIns="45720" rtlCol="0"/>
+          <a:lstStyle>
+            <a:lvl1pPr algn="l">
+              <a:defRPr sz="1200"/>
+            </a:lvl1pPr>
+          </a:lstStyle>
+          <a:p>
+            <a:endParaRPr lang="en-US"/>
+          </a:p>
+        </p:txBody>
+      </p:sp>
+      <p:sp>
+        <p:nvSpPr>
+          <p:cNvPr id="3" name="Date Placeholder 2"/>
+          <p:cNvSpPr>
+            <a:spLocks noGrp="1"/>
+          </p:cNvSpPr>
+          <p:nvPr>
+            <p:ph type="dt" idx="1"/>
+          </p:nvPr>
+        </p:nvSpPr>
+        <p:spPr>
+          <a:xfrm>
+            <a:off x="3884613" y="0"/>
+            <a:ext cx="2971800" cy="457200"/>
+          </a:xfrm>
+          <a:prstGeom prst="rect">
+            <a:avLst/>
+          </a:prstGeom>
+        </p:spPr>
+        <p:txBody>
+          <a:bodyPr vert="horz" lIns="91440" tIns="45720" rIns="91440" bIns="45720" rtlCol="0"/>
+          <a:lstStyle>
+            <a:lvl1pPr algn="r">
+              <a:defRPr sz="1200"/>
+            </a:lvl1pPr>
+          </a:lstStyle>
+          <a:p>
+            <a:fld id="{89A63FFC-6951-4EEA-8642-9964646C7E7A}" type="datetimeFigureOut">
+              <a:rPr lang="en-US" smtClean="0"/>
+              <a:t>4/18/2009</a:t>
+            </a:fld>
+            <a:endParaRPr lang="en-US"/>
+          </a:p>
+        </p:txBody>
+      </p:sp>
+      <p:sp>
+        <p:nvSpPr>
+          <p:cNvPr id="4" name="Slide Image Placeholder 3"/>
+          <p:cNvSpPr>
+            <a:spLocks noGrp="1" noRot="1" noChangeAspect="1"/>
+          </p:cNvSpPr>
+          <p:nvPr>
+            <p:ph type="sldImg" idx="2"/>
+          </p:nvPr>
+        </p:nvSpPr>
+        <p:spPr>
+          <a:xfrm>
+            <a:off x="1143000" y="685800"/>
+            <a:ext cx="4572000" cy="3429000"/>
+          </a:xfrm>
+          <a:prstGeom prst="rect">
+            <a:avLst/>
+          </a:prstGeom>
+          <a:noFill/>
+          <a:ln w="12700">
+            <a:solidFill>
+              <a:prstClr val="black"/>
+            </a:solidFill>
+          </a:ln>
+        </p:spPr>
+        <p:txBody>
+          <a:bodyPr vert="horz" lIns="91440" tIns="45720" rIns="91440" bIns="45720" rtlCol="0" anchor="ctr"/>
+          <a:lstStyle/>
+          <a:p>
+            <a:endParaRPr lang="en-US"/>
+          </a:p>
+        </p:txBody>
+      </p:sp>
+      <p:sp>
+        <p:nvSpPr>
+          <p:cNvPr id="5" name="Notes Placeholder 4"/>
+          <p:cNvSpPr>
+            <a:spLocks noGrp="1"/>
+          </p:cNvSpPr>
+          <p:nvPr>
+            <p:ph type="body" sz="quarter" idx="3"/>
+          </p:nvPr>
+        </p:nvSpPr>
+        <p:spPr>
+          <a:xfrm>
+            <a:off x="685800" y="4343400"/>
+            <a:ext cx="5486400" cy="4114800"/>
+          </a:xfrm>
+          <a:prstGeom prst="rect">
+            <a:avLst/>
+          </a:prstGeom>
+        </p:spPr>
+        <p:txBody>
+          <a:bodyPr vert="horz" lIns="91440" tIns="45720" rIns="91440" bIns="45720" rtlCol="0">
+            <a:normAutofit/>
+          </a:bodyPr>
+          <a:lstStyle/>
+          <a:p>
+            <a:pPr lvl="0"/>
+            <a:r>
+              <a:rPr lang="en-US" smtClean="0"/>
+              <a:t>Click to edit Master text styles</a:t>
+            </a:r>
+          </a:p>
+          <a:p>
+            <a:pPr lvl="1"/>
+            <a:r>
+              <a:rPr lang="en-US" smtClean="0"/>
+              <a:t>Second level</a:t>
+            </a:r>
+          </a:p>
+          <a:p>
+            <a:pPr lvl="2"/>
+            <a:r>
+              <a:rPr lang="en-US" smtClean="0"/>
+              <a:t>Third level</a:t>
+            </a:r>
+          </a:p>
+          <a:p>
+            <a:pPr lvl="3"/>
+            <a:r>
+              <a:rPr lang="en-US" smtClean="0"/>
+              <a:t>Fourth level</a:t>
+            </a:r>
+          </a:p>
+          <a:p>
+            <a:pPr lvl="4"/>
+            <a:r>
+              <a:rPr lang="en-US" smtClean="0"/>
+              <a:t>Fifth level</a:t>
+            </a:r>
+            <a:endParaRPr lang="en-US"/>
+          </a:p>
+        </p:txBody>
+      </p:sp>
+      <p:sp>
+        <p:nvSpPr>
+          <p:cNvPr id="6" name="Footer Placeholder 5"/>
+          <p:cNvSpPr>
+            <a:spLocks noGrp="1"/>
+          </p:cNvSpPr>
+          <p:nvPr>
+            <p:ph type="ftr" sz="quarter" idx="4"/>
+          </p:nvPr>
+        </p:nvSpPr>
+        <p:spPr>
+          <a:xfrm>
+            <a:off x="0" y="8685213"/>
+            <a:ext cx="2971800" cy="457200"/>
+          </a:xfrm>
+          <a:prstGeom prst="rect">
+            <a:avLst/>
+          </a:prstGeom>
+        </p:spPr>
+        <p:txBody>
+          <a:bodyPr vert="horz" lIns="91440" tIns="45720" rIns="91440" bIns="45720" rtlCol="0" anchor="b"/>
+          <a:lstStyle>
+            <a:lvl1pPr algn="l">
+              <a:defRPr sz="1200"/>
+            </a:lvl1pPr>
+          </a:lstStyle>
+          <a:p>
+            <a:endParaRPr lang="en-US"/>
+          </a:p>
+        </p:txBody>
+      </p:sp>
+      <p:sp>
+        <p:nvSpPr>
+          <p:cNvPr id="7" name="Slide Number Placeholder 6"/>
+          <p:cNvSpPr>
+            <a:spLocks noGrp="1"/>
+          </p:cNvSpPr>
+          <p:nvPr>
+            <p:ph type="sldNum" sz="quarter" idx="5"/>
+          </p:nvPr>
+        </p:nvSpPr>
+        <p:spPr>
+          <a:xfrm>
+            <a:off x="3884613" y="8685213"/>
+            <a:ext cx="2971800" cy="457200"/>
+          </a:xfrm>
+          <a:prstGeom prst="rect">
+            <a:avLst/>
+          </a:prstGeom>
+        </p:spPr>
+        <p:txBody>
+          <a:bodyPr vert="horz" lIns="91440" tIns="45720" rIns="91440" bIns="45720" rtlCol="0" anchor="b"/>
+          <a:lstStyle>
+            <a:lvl1pPr algn="r">
+              <a:defRPr sz="1200"/>
+            </a:lvl1pPr>
+          </a:lstStyle>
+          <a:p>
+            <a:fld id="{5ECBF4DF-172D-42A1-9E0F-400D1B677C2C}" type="slidenum">
+              <a:rPr lang="en-US" smtClean="0"/>
+              <a:t>‹#›</a:t>
+            </a:fld>
+            <a:endParaRPr lang="en-US"/>
+          </a:p>
+        </p:txBody>
+      </p:sp>
+    </p:spTree>
+  </p:cSld>
+  <p:clrMap bg1="lt1" tx1="dk1" bg2="lt2" tx2="dk2" accent1="accent1" accent2="accent2" accent3="accent3" accent4="accent4" accent5="accent5" accent6="accent6" hlink="hlink" folHlink="folHlink"/>
+  <p:notesStyle>
+    <a:lvl1pPr marL="0" algn="l" defTabSz="914400" rtl="0" eaLnBrk="1" latinLnBrk="0" hangingPunct="1">
+      <a:defRPr sz="1200" kern="1200">
+        <a:solidFill>
+          <a:schemeClr val="tx1"/>
+        </a:solidFill>
+        <a:latin typeface="+mn-lt"/>
+        <a:ea typeface="+mn-ea"/>
+        <a:cs typeface="+mn-cs"/>
+      </a:defRPr>
+    </a:lvl1pPr>
+    <a:lvl2pPr marL="457200" algn="l" defTabSz="914400" rtl="0" eaLnBrk="1" latinLnBrk="0" hangingPunct="1">
+      <a:defRPr sz="1200" kern="1200">
+        <a:solidFill>
+          <a:schemeClr val="tx1"/>
+        </a:solidFill>
+        <a:latin typeface="+mn-lt"/>
+        <a:ea typeface="+mn-ea"/>
+        <a:cs typeface="+mn-cs"/>
+      </a:defRPr>
+    </a:lvl2pPr>
+    <a:lvl3pPr marL="914400" algn="l" defTabSz="914400" rtl="0" eaLnBrk="1" latinLnBrk="0" hangingPunct="1">
+      <a:defRPr sz="1200" kern="1200">
+        <a:solidFill>
+          <a:schemeClr val="tx1"/>
+        </a:solidFill>
+        <a:latin typeface="+mn-lt"/>
+        <a:ea typeface="+mn-ea"/>
+        <a:cs typeface="+mn-cs"/>
+      </a:defRPr>
+    </a:lvl3pPr>
+    <a:lvl4pPr marL="1371600" algn="l" defTabSz="914400" rtl="0" eaLnBrk="1" latinLnBrk="0" hangingPunct="1">
+      <a:defRPr sz="1200" kern="1200">
+        <a:solidFill>
+          <a:schemeClr val="tx1"/>
+        </a:solidFill>
+        <a:latin typeface="+mn-lt"/>
+        <a:ea typeface="+mn-ea"/>
+        <a:cs typeface="+mn-cs"/>
+      </a:defRPr>
+    </a:lvl4pPr>
+    <a:lvl5pPr marL="1828800" algn="l" defTabSz="914400" rtl="0" eaLnBrk="1" latinLnBrk="0" hangingPunct="1">
+      <a:defRPr sz="1200" kern="1200">
+        <a:solidFill>
+          <a:schemeClr val="tx1"/>
+        </a:solidFill>
+        <a:latin typeface="+mn-lt"/>
+        <a:ea typeface="+mn-ea"/>
+        <a:cs typeface="+mn-cs"/>
+      </a:defRPr>
+    </a:lvl5pPr>
+    <a:lvl6pPr marL="2286000" algn="l" defTabSz="914400" rtl="0" eaLnBrk="1" latinLnBrk="0" hangingPunct="1">
+      <a:defRPr sz="1200" kern="1200">
+        <a:solidFill>
+          <a:schemeClr val="tx1"/>
+        </a:solidFill>
+        <a:latin typeface="+mn-lt"/>
+        <a:ea typeface="+mn-ea"/>
+        <a:cs typeface="+mn-cs"/>
+      </a:defRPr>
+    </a:lvl6pPr>
+    <a:lvl7pPr marL="2743200" algn="l" defTabSz="914400" rtl="0" eaLnBrk="1" latinLnBrk="0" hangingPunct="1">
+      <a:defRPr sz="1200" kern="1200">
+        <a:solidFill>
+          <a:schemeClr val="tx1"/>
+        </a:solidFill>
+        <a:latin typeface="+mn-lt"/>
+        <a:ea typeface="+mn-ea"/>
+        <a:cs typeface="+mn-cs"/>
+      </a:defRPr>
+    </a:lvl7pPr>
+    <a:lvl8pPr marL="3200400" algn="l" defTabSz="914400" rtl="0" eaLnBrk="1" latinLnBrk="0" hangingPunct="1">
+      <a:defRPr sz="1200" kern="1200">
+        <a:solidFill>
+          <a:schemeClr val="tx1"/>
+        </a:solidFill>
+        <a:latin typeface="+mn-lt"/>
+        <a:ea typeface="+mn-ea"/>
+        <a:cs typeface="+mn-cs"/>
+      </a:defRPr>
+    </a:lvl8pPr>
+    <a:lvl9pPr marL="3657600" algn="l" defTabSz="914400" rtl="0" eaLnBrk="1" latinLnBrk="0" hangingPunct="1">
+      <a:defRPr sz="1200" kern="1200">
+        <a:solidFill>
+          <a:schemeClr val="tx1"/>
+        </a:solidFill>
+        <a:latin typeface="+mn-lt"/>
+        <a:ea typeface="+mn-ea"/>
+        <a:cs typeface="+mn-cs"/>
+      </a:defRPr>
+    </a:lvl9pPr>
+  </p:notesStyle>
+</p:notesMaster>
+</file>
+
 <file path=ppt/slideLayouts/slideLayout1.xml><?xml version="1.0" encoding="utf-8"?>
-<p:sldLayout xmlns:a="http://schemas.openxmlformats.org/drawingml/2006/main" xmlns:r="http://schemas.openxmlformats.org/officeDocument/2006/relationships" xmlns:p="http://schemas.openxmlformats.org/presentationml/2006/main" type="title" preserve="1">
+<p:sldLayout xmlns:a="http://schemas.openxmlformats.org/drawingml/2006/main" xmlns:r="http://schemas.openxmlformats.org/officeDocument/2006/relationships" xmlns:p="http://schemas.openxmlformats.org/presentationml/2006/main" showMasterSp="0" type="title" preserve="1">
   <p:cSld name="Title Slide">
     <p:spTree>
       <p:nvGrpSpPr>
@@ -126,7 +506,7 @@
       </p:grpSpPr>
       <p:sp>
         <p:nvSpPr>
-          <p:cNvPr id="2" name="Title 1"/>
+          <p:cNvPr id="8" name="Title 7"/>
           <p:cNvSpPr>
             <a:spLocks noGrp="1"/>
           </p:cNvSpPr>
@@ -136,25 +516,33 @@
         </p:nvSpPr>
         <p:spPr>
           <a:xfrm>
-            <a:off x="685800" y="2130425"/>
-            <a:ext cx="7772400" cy="1470025"/>
-          </a:xfrm>
-        </p:spPr>
-        <p:txBody>
-          <a:bodyPr/>
-          <a:lstStyle/>
-          <a:p>
-            <a:r>
-              <a:rPr lang="en-US" smtClean="0"/>
+            <a:off x="1219200" y="3886200"/>
+            <a:ext cx="6858000" cy="990600"/>
+          </a:xfrm>
+        </p:spPr>
+        <p:txBody>
+          <a:bodyPr anchor="t" anchorCtr="0"/>
+          <a:lstStyle>
+            <a:lvl1pPr algn="r">
+              <a:defRPr sz="3200">
+                <a:solidFill>
+                  <a:schemeClr val="tx1"/>
+                </a:solidFill>
+              </a:defRPr>
+            </a:lvl1pPr>
+          </a:lstStyle>
+          <a:p>
+            <a:r>
+              <a:rPr kumimoji="0" lang="en-US" smtClean="0"/>
               <a:t>Click to edit Master title style</a:t>
             </a:r>
-            <a:endParaRPr lang="en-US"/>
-          </a:p>
-        </p:txBody>
-      </p:sp>
-      <p:sp>
-        <p:nvSpPr>
-          <p:cNvPr id="3" name="Subtitle 2"/>
+            <a:endParaRPr kumimoji="0" lang="en-US"/>
+          </a:p>
+        </p:txBody>
+      </p:sp>
+      <p:sp>
+        <p:nvSpPr>
+          <p:cNvPr id="9" name="Subtitle 8"/>
           <p:cNvSpPr>
             <a:spLocks noGrp="1"/>
           </p:cNvSpPr>
@@ -164,116 +552,61 @@
         </p:nvSpPr>
         <p:spPr>
           <a:xfrm>
-            <a:off x="1371600" y="3886200"/>
-            <a:ext cx="6400800" cy="1752600"/>
+            <a:off x="1219200" y="5124450"/>
+            <a:ext cx="6858000" cy="533400"/>
           </a:xfrm>
         </p:spPr>
         <p:txBody>
           <a:bodyPr/>
           <a:lstStyle>
-            <a:lvl1pPr marL="0" indent="0" algn="ctr">
+            <a:lvl1pPr marL="0" indent="0" algn="r">
               <a:buNone/>
-              <a:defRPr>
+              <a:defRPr sz="2000">
                 <a:solidFill>
-                  <a:schemeClr val="tx1">
-                    <a:tint val="75000"/>
-                  </a:schemeClr>
+                  <a:schemeClr val="tx2"/>
                 </a:solidFill>
+                <a:latin typeface="+mj-lt"/>
+                <a:ea typeface="+mj-ea"/>
+                <a:cs typeface="+mj-cs"/>
               </a:defRPr>
             </a:lvl1pPr>
             <a:lvl2pPr marL="457200" indent="0" algn="ctr">
               <a:buNone/>
-              <a:defRPr>
-                <a:solidFill>
-                  <a:schemeClr val="tx1">
-                    <a:tint val="75000"/>
-                  </a:schemeClr>
-                </a:solidFill>
-              </a:defRPr>
             </a:lvl2pPr>
             <a:lvl3pPr marL="914400" indent="0" algn="ctr">
               <a:buNone/>
-              <a:defRPr>
-                <a:solidFill>
-                  <a:schemeClr val="tx1">
-                    <a:tint val="75000"/>
-                  </a:schemeClr>
-                </a:solidFill>
-              </a:defRPr>
             </a:lvl3pPr>
             <a:lvl4pPr marL="1371600" indent="0" algn="ctr">
               <a:buNone/>
-              <a:defRPr>
-                <a:solidFill>
-                  <a:schemeClr val="tx1">
-                    <a:tint val="75000"/>
-                  </a:schemeClr>
-                </a:solidFill>
-              </a:defRPr>
             </a:lvl4pPr>
             <a:lvl5pPr marL="1828800" indent="0" algn="ctr">
               <a:buNone/>
-              <a:defRPr>
-                <a:solidFill>
-                  <a:schemeClr val="tx1">
-                    <a:tint val="75000"/>
-                  </a:schemeClr>
-                </a:solidFill>
-              </a:defRPr>
             </a:lvl5pPr>
             <a:lvl6pPr marL="2286000" indent="0" algn="ctr">
               <a:buNone/>
-              <a:defRPr>
-                <a:solidFill>
-                  <a:schemeClr val="tx1">
-                    <a:tint val="75000"/>
-                  </a:schemeClr>
-                </a:solidFill>
-              </a:defRPr>
             </a:lvl6pPr>
             <a:lvl7pPr marL="2743200" indent="0" algn="ctr">
               <a:buNone/>
-              <a:defRPr>
-                <a:solidFill>
-                  <a:schemeClr val="tx1">
-                    <a:tint val="75000"/>
-                  </a:schemeClr>
-                </a:solidFill>
-              </a:defRPr>
             </a:lvl7pPr>
             <a:lvl8pPr marL="3200400" indent="0" algn="ctr">
               <a:buNone/>
-              <a:defRPr>
-                <a:solidFill>
-                  <a:schemeClr val="tx1">
-                    <a:tint val="75000"/>
-                  </a:schemeClr>
-                </a:solidFill>
-              </a:defRPr>
             </a:lvl8pPr>
             <a:lvl9pPr marL="3657600" indent="0" algn="ctr">
               <a:buNone/>
-              <a:defRPr>
-                <a:solidFill>
-                  <a:schemeClr val="tx1">
-                    <a:tint val="75000"/>
-                  </a:schemeClr>
-                </a:solidFill>
-              </a:defRPr>
             </a:lvl9pPr>
           </a:lstStyle>
           <a:p>
             <a:r>
-              <a:rPr lang="en-US" smtClean="0"/>
+              <a:rPr kumimoji="0" lang="en-US" smtClean="0"/>
               <a:t>Click to edit Master subtitle style</a:t>
             </a:r>
-            <a:endParaRPr lang="en-US"/>
-          </a:p>
-        </p:txBody>
-      </p:sp>
-      <p:sp>
-        <p:nvSpPr>
-          <p:cNvPr id="4" name="Date Placeholder 3"/>
+            <a:endParaRPr kumimoji="0" lang="en-US"/>
+          </a:p>
+        </p:txBody>
+      </p:sp>
+      <p:sp>
+        <p:nvSpPr>
+          <p:cNvPr id="28" name="Date Placeholder 27"/>
           <p:cNvSpPr>
             <a:spLocks noGrp="1"/>
           </p:cNvSpPr>
@@ -281,14 +614,24 @@
             <p:ph type="dt" sz="half" idx="10"/>
           </p:nvPr>
         </p:nvSpPr>
-        <p:spPr/>
-        <p:txBody>
-          <a:bodyPr/>
-          <a:lstStyle/>
+        <p:spPr>
+          <a:xfrm>
+            <a:off x="6400800" y="6355080"/>
+            <a:ext cx="2286000" cy="365760"/>
+          </a:xfrm>
+        </p:spPr>
+        <p:txBody>
+          <a:bodyPr/>
+          <a:lstStyle>
+            <a:lvl1pPr>
+              <a:defRPr sz="1400"/>
+            </a:lvl1pPr>
+          </a:lstStyle>
           <a:p>
             <a:fld id="{BE111A4F-694F-4D04-95B0-714038303B55}" type="datetimeFigureOut">
               <a:rPr lang="en-US" smtClean="0"/>
-              <a:t>4/14/2009</a:t>
+              <a:pPr/>
+              <a:t>4/18/2009</a:t>
             </a:fld>
             <a:endParaRPr lang="en-US"/>
           </a:p>
@@ -296,7 +639,7 @@
       </p:sp>
       <p:sp>
         <p:nvSpPr>
-          <p:cNvPr id="5" name="Footer Placeholder 4"/>
+          <p:cNvPr id="17" name="Footer Placeholder 16"/>
           <p:cNvSpPr>
             <a:spLocks noGrp="1"/>
           </p:cNvSpPr>
@@ -304,7 +647,12 @@
             <p:ph type="ftr" sz="quarter" idx="11"/>
           </p:nvPr>
         </p:nvSpPr>
-        <p:spPr/>
+        <p:spPr>
+          <a:xfrm>
+            <a:off x="2898648" y="6355080"/>
+            <a:ext cx="3474720" cy="365760"/>
+          </a:xfrm>
+        </p:spPr>
         <p:txBody>
           <a:bodyPr/>
           <a:lstStyle/>
@@ -315,7 +663,7 @@
       </p:sp>
       <p:sp>
         <p:nvSpPr>
-          <p:cNvPr id="6" name="Slide Number Placeholder 5"/>
+          <p:cNvPr id="29" name="Slide Number Placeholder 28"/>
           <p:cNvSpPr>
             <a:spLocks noGrp="1"/>
           </p:cNvSpPr>
@@ -323,16 +671,206 @@
             <p:ph type="sldNum" sz="quarter" idx="12"/>
           </p:nvPr>
         </p:nvSpPr>
-        <p:spPr/>
+        <p:spPr>
+          <a:xfrm>
+            <a:off x="1216152" y="6355080"/>
+            <a:ext cx="1219200" cy="365760"/>
+          </a:xfrm>
+        </p:spPr>
         <p:txBody>
           <a:bodyPr/>
           <a:lstStyle/>
           <a:p>
             <a:fld id="{45E96854-6E70-484C-818F-A5764320AC80}" type="slidenum">
               <a:rPr lang="en-US" smtClean="0"/>
+              <a:pPr/>
               <a:t>‹#›</a:t>
             </a:fld>
             <a:endParaRPr lang="en-US"/>
+          </a:p>
+        </p:txBody>
+      </p:sp>
+      <p:sp>
+        <p:nvSpPr>
+          <p:cNvPr id="21" name="Rectangle 20"/>
+          <p:cNvSpPr/>
+          <p:nvPr/>
+        </p:nvSpPr>
+        <p:spPr>
+          <a:xfrm>
+            <a:off x="904875" y="3648075"/>
+            <a:ext cx="7315200" cy="1280160"/>
+          </a:xfrm>
+          <a:prstGeom prst="rect">
+            <a:avLst/>
+          </a:prstGeom>
+          <a:noFill/>
+          <a:ln w="6350" cap="rnd" cmpd="sng" algn="ctr">
+            <a:solidFill>
+              <a:schemeClr val="accent1"/>
+            </a:solidFill>
+            <a:prstDash val="solid"/>
+          </a:ln>
+          <a:effectLst/>
+        </p:spPr>
+        <p:style>
+          <a:lnRef idx="3">
+            <a:schemeClr val="lt1"/>
+          </a:lnRef>
+          <a:fillRef idx="1">
+            <a:schemeClr val="accent1"/>
+          </a:fillRef>
+          <a:effectRef idx="1">
+            <a:schemeClr val="accent1"/>
+          </a:effectRef>
+          <a:fontRef idx="minor">
+            <a:schemeClr val="lt1"/>
+          </a:fontRef>
+        </p:style>
+        <p:txBody>
+          <a:bodyPr anchor="ctr"/>
+          <a:lstStyle/>
+          <a:p>
+            <a:pPr algn="ctr" eaLnBrk="1" latinLnBrk="0" hangingPunct="1"/>
+            <a:endParaRPr kumimoji="0" lang="en-US"/>
+          </a:p>
+        </p:txBody>
+      </p:sp>
+      <p:sp>
+        <p:nvSpPr>
+          <p:cNvPr id="33" name="Rectangle 32"/>
+          <p:cNvSpPr/>
+          <p:nvPr/>
+        </p:nvSpPr>
+        <p:spPr>
+          <a:xfrm>
+            <a:off x="914400" y="5048250"/>
+            <a:ext cx="7315200" cy="685800"/>
+          </a:xfrm>
+          <a:prstGeom prst="rect">
+            <a:avLst/>
+          </a:prstGeom>
+          <a:noFill/>
+          <a:ln w="6350" cap="rnd" cmpd="sng" algn="ctr">
+            <a:solidFill>
+              <a:schemeClr val="accent2"/>
+            </a:solidFill>
+            <a:prstDash val="solid"/>
+          </a:ln>
+          <a:effectLst/>
+        </p:spPr>
+        <p:style>
+          <a:lnRef idx="3">
+            <a:schemeClr val="lt1"/>
+          </a:lnRef>
+          <a:fillRef idx="1">
+            <a:schemeClr val="accent1"/>
+          </a:fillRef>
+          <a:effectRef idx="1">
+            <a:schemeClr val="accent1"/>
+          </a:effectRef>
+          <a:fontRef idx="minor">
+            <a:schemeClr val="lt1"/>
+          </a:fontRef>
+        </p:style>
+        <p:txBody>
+          <a:bodyPr anchor="ctr"/>
+          <a:lstStyle/>
+          <a:p>
+            <a:pPr algn="ctr" eaLnBrk="1" latinLnBrk="0" hangingPunct="1"/>
+            <a:endParaRPr kumimoji="0" lang="en-US"/>
+          </a:p>
+        </p:txBody>
+      </p:sp>
+      <p:sp>
+        <p:nvSpPr>
+          <p:cNvPr id="22" name="Rectangle 21"/>
+          <p:cNvSpPr/>
+          <p:nvPr/>
+        </p:nvSpPr>
+        <p:spPr>
+          <a:xfrm>
+            <a:off x="904875" y="3648075"/>
+            <a:ext cx="228600" cy="1280160"/>
+          </a:xfrm>
+          <a:prstGeom prst="rect">
+            <a:avLst/>
+          </a:prstGeom>
+          <a:solidFill>
+            <a:schemeClr val="accent1"/>
+          </a:solidFill>
+          <a:ln w="6350" cap="rnd" cmpd="sng" algn="ctr">
+            <a:noFill/>
+            <a:prstDash val="solid"/>
+          </a:ln>
+          <a:effectLst/>
+        </p:spPr>
+        <p:style>
+          <a:lnRef idx="3">
+            <a:schemeClr val="lt1"/>
+          </a:lnRef>
+          <a:fillRef idx="1">
+            <a:schemeClr val="accent1"/>
+          </a:fillRef>
+          <a:effectRef idx="1">
+            <a:schemeClr val="accent1"/>
+          </a:effectRef>
+          <a:fontRef idx="minor">
+            <a:schemeClr val="lt1"/>
+          </a:fontRef>
+        </p:style>
+        <p:txBody>
+          <a:bodyPr anchor="ctr"/>
+          <a:lstStyle/>
+          <a:p>
+            <a:pPr algn="ctr" eaLnBrk="1" latinLnBrk="0" hangingPunct="1"/>
+            <a:endParaRPr kumimoji="0" lang="en-US"/>
+          </a:p>
+        </p:txBody>
+      </p:sp>
+      <p:sp>
+        <p:nvSpPr>
+          <p:cNvPr id="32" name="Rectangle 31"/>
+          <p:cNvSpPr/>
+          <p:nvPr/>
+        </p:nvSpPr>
+        <p:spPr>
+          <a:xfrm>
+            <a:off x="914400" y="5048250"/>
+            <a:ext cx="228600" cy="685800"/>
+          </a:xfrm>
+          <a:prstGeom prst="rect">
+            <a:avLst/>
+          </a:prstGeom>
+          <a:solidFill>
+            <a:schemeClr val="accent2"/>
+          </a:solidFill>
+          <a:ln w="6350" cap="rnd" cmpd="sng" algn="ctr">
+            <a:noFill/>
+            <a:prstDash val="solid"/>
+          </a:ln>
+          <a:effectLst/>
+        </p:spPr>
+        <p:style>
+          <a:lnRef idx="3">
+            <a:schemeClr val="lt1"/>
+          </a:lnRef>
+          <a:fillRef idx="1">
+            <a:schemeClr val="accent1"/>
+          </a:fillRef>
+          <a:effectRef idx="1">
+            <a:schemeClr val="accent1"/>
+          </a:effectRef>
+          <a:fontRef idx="minor">
+            <a:schemeClr val="lt1"/>
+          </a:fontRef>
+        </p:style>
+        <p:txBody>
+          <a:bodyPr anchor="ctr"/>
+          <a:lstStyle/>
+          <a:p>
+            <a:pPr algn="ctr" eaLnBrk="1" latinLnBrk="0" hangingPunct="1"/>
+            <a:endParaRPr kumimoji="0" lang="en-US"/>
           </a:p>
         </p:txBody>
       </p:sp>
@@ -377,10 +915,10 @@
           <a:lstStyle/>
           <a:p>
             <a:r>
-              <a:rPr lang="en-US" smtClean="0"/>
+              <a:rPr kumimoji="0" lang="en-US" smtClean="0"/>
               <a:t>Click to edit Master title style</a:t>
             </a:r>
-            <a:endParaRPr lang="en-US"/>
+            <a:endParaRPr kumimoji="0" lang="en-US"/>
           </a:p>
         </p:txBody>
       </p:sp>
@@ -399,40 +937,40 @@
           <a:bodyPr vert="eaVert"/>
           <a:lstStyle/>
           <a:p>
-            <a:pPr lvl="0"/>
+            <a:pPr lvl="0" eaLnBrk="1" latinLnBrk="0" hangingPunct="1"/>
             <a:r>
               <a:rPr lang="en-US" smtClean="0"/>
               <a:t>Click to edit Master text styles</a:t>
             </a:r>
           </a:p>
           <a:p>
-            <a:pPr lvl="1"/>
+            <a:pPr lvl="1" eaLnBrk="1" latinLnBrk="0" hangingPunct="1"/>
             <a:r>
               <a:rPr lang="en-US" smtClean="0"/>
               <a:t>Second level</a:t>
             </a:r>
           </a:p>
           <a:p>
-            <a:pPr lvl="2"/>
+            <a:pPr lvl="2" eaLnBrk="1" latinLnBrk="0" hangingPunct="1"/>
             <a:r>
               <a:rPr lang="en-US" smtClean="0"/>
               <a:t>Third level</a:t>
             </a:r>
           </a:p>
           <a:p>
-            <a:pPr lvl="3"/>
+            <a:pPr lvl="3" eaLnBrk="1" latinLnBrk="0" hangingPunct="1"/>
             <a:r>
               <a:rPr lang="en-US" smtClean="0"/>
               <a:t>Fourth level</a:t>
             </a:r>
           </a:p>
           <a:p>
-            <a:pPr lvl="4"/>
+            <a:pPr lvl="4" eaLnBrk="1" latinLnBrk="0" hangingPunct="1"/>
             <a:r>
               <a:rPr lang="en-US" smtClean="0"/>
               <a:t>Fifth level</a:t>
             </a:r>
-            <a:endParaRPr lang="en-US"/>
+            <a:endParaRPr kumimoji="0" lang="en-US"/>
           </a:p>
         </p:txBody>
       </p:sp>
@@ -453,7 +991,8 @@
           <a:p>
             <a:fld id="{BE111A4F-694F-4D04-95B0-714038303B55}" type="datetimeFigureOut">
               <a:rPr lang="en-US" smtClean="0"/>
-              <a:t>4/14/2009</a:t>
+              <a:pPr/>
+              <a:t>4/18/2009</a:t>
             </a:fld>
             <a:endParaRPr lang="en-US"/>
           </a:p>
@@ -495,6 +1034,7 @@
           <a:p>
             <a:fld id="{45E96854-6E70-484C-818F-A5764320AC80}" type="slidenum">
               <a:rPr lang="en-US" smtClean="0"/>
+              <a:pPr/>
               <a:t>‹#›</a:t>
             </a:fld>
             <a:endParaRPr lang="en-US"/>
@@ -510,7 +1050,7 @@
 </file>
 
 <file path=ppt/slideLayouts/slideLayout11.xml><?xml version="1.0" encoding="utf-8"?>
-<p:sldLayout xmlns:a="http://schemas.openxmlformats.org/drawingml/2006/main" xmlns:r="http://schemas.openxmlformats.org/officeDocument/2006/relationships" xmlns:p="http://schemas.openxmlformats.org/presentationml/2006/main" type="vertTitleAndTx" preserve="1">
+<p:sldLayout xmlns:a="http://schemas.openxmlformats.org/drawingml/2006/main" xmlns:r="http://schemas.openxmlformats.org/officeDocument/2006/relationships" xmlns:p="http://schemas.openxmlformats.org/presentationml/2006/main" showMasterSp="0" type="vertTitleAndTx" preserve="1">
   <p:cSld name="Vertical Title and Text">
     <p:spTree>
       <p:nvGrpSpPr>
@@ -547,10 +1087,10 @@
           <a:lstStyle/>
           <a:p>
             <a:r>
-              <a:rPr lang="en-US" smtClean="0"/>
+              <a:rPr kumimoji="0" lang="en-US" smtClean="0"/>
               <a:t>Click to edit Master title style</a:t>
             </a:r>
-            <a:endParaRPr lang="en-US"/>
+            <a:endParaRPr kumimoji="0" lang="en-US"/>
           </a:p>
         </p:txBody>
       </p:sp>
@@ -574,40 +1114,40 @@
           <a:bodyPr vert="eaVert"/>
           <a:lstStyle/>
           <a:p>
-            <a:pPr lvl="0"/>
+            <a:pPr lvl="0" eaLnBrk="1" latinLnBrk="0" hangingPunct="1"/>
             <a:r>
               <a:rPr lang="en-US" smtClean="0"/>
               <a:t>Click to edit Master text styles</a:t>
             </a:r>
           </a:p>
           <a:p>
-            <a:pPr lvl="1"/>
+            <a:pPr lvl="1" eaLnBrk="1" latinLnBrk="0" hangingPunct="1"/>
             <a:r>
               <a:rPr lang="en-US" smtClean="0"/>
               <a:t>Second level</a:t>
             </a:r>
           </a:p>
           <a:p>
-            <a:pPr lvl="2"/>
+            <a:pPr lvl="2" eaLnBrk="1" latinLnBrk="0" hangingPunct="1"/>
             <a:r>
               <a:rPr lang="en-US" smtClean="0"/>
               <a:t>Third level</a:t>
             </a:r>
           </a:p>
           <a:p>
-            <a:pPr lvl="3"/>
+            <a:pPr lvl="3" eaLnBrk="1" latinLnBrk="0" hangingPunct="1"/>
             <a:r>
               <a:rPr lang="en-US" smtClean="0"/>
               <a:t>Fourth level</a:t>
             </a:r>
           </a:p>
           <a:p>
-            <a:pPr lvl="4"/>
+            <a:pPr lvl="4" eaLnBrk="1" latinLnBrk="0" hangingPunct="1"/>
             <a:r>
               <a:rPr lang="en-US" smtClean="0"/>
               <a:t>Fifth level</a:t>
             </a:r>
-            <a:endParaRPr lang="en-US"/>
+            <a:endParaRPr kumimoji="0" lang="en-US"/>
           </a:p>
         </p:txBody>
       </p:sp>
@@ -628,7 +1168,8 @@
           <a:p>
             <a:fld id="{BE111A4F-694F-4D04-95B0-714038303B55}" type="datetimeFigureOut">
               <a:rPr lang="en-US" smtClean="0"/>
-              <a:t>4/14/2009</a:t>
+              <a:pPr/>
+              <a:t>4/18/2009</a:t>
             </a:fld>
             <a:endParaRPr lang="en-US"/>
           </a:p>
@@ -670,9 +1211,132 @@
           <a:p>
             <a:fld id="{45E96854-6E70-484C-818F-A5764320AC80}" type="slidenum">
               <a:rPr lang="en-US" smtClean="0"/>
+              <a:pPr/>
               <a:t>‹#›</a:t>
             </a:fld>
             <a:endParaRPr lang="en-US"/>
+          </a:p>
+        </p:txBody>
+      </p:sp>
+      <p:sp>
+        <p:nvSpPr>
+          <p:cNvPr id="7" name="Straight Connector 6"/>
+          <p:cNvSpPr>
+            <a:spLocks noChangeShapeType="1"/>
+          </p:cNvSpPr>
+          <p:nvPr/>
+        </p:nvSpPr>
+        <p:spPr bwMode="auto">
+          <a:xfrm>
+            <a:off x="457200" y="6353175"/>
+            <a:ext cx="8229600" cy="0"/>
+          </a:xfrm>
+          <a:prstGeom prst="line">
+            <a:avLst/>
+          </a:prstGeom>
+          <a:noFill/>
+          <a:ln w="9525" cap="flat" cmpd="sng" algn="ctr">
+            <a:solidFill>
+              <a:schemeClr val="accent2"/>
+            </a:solidFill>
+            <a:prstDash val="dash"/>
+            <a:round/>
+            <a:headEnd type="none" w="med" len="med"/>
+            <a:tailEnd type="none" w="med" len="med"/>
+          </a:ln>
+          <a:effectLst/>
+        </p:spPr>
+        <p:txBody>
+          <a:bodyPr vert="horz" wrap="square" lIns="91440" tIns="45720" rIns="91440" bIns="45720" anchor="t" compatLnSpc="1"/>
+          <a:lstStyle/>
+          <a:p>
+            <a:endParaRPr kumimoji="0" lang="en-US"/>
+          </a:p>
+        </p:txBody>
+      </p:sp>
+      <p:sp>
+        <p:nvSpPr>
+          <p:cNvPr id="8" name="Isosceles Triangle 7"/>
+          <p:cNvSpPr>
+            <a:spLocks noChangeAspect="1"/>
+          </p:cNvSpPr>
+          <p:nvPr/>
+        </p:nvSpPr>
+        <p:spPr>
+          <a:xfrm rot="5400000">
+            <a:off x="419100" y="6467475"/>
+            <a:ext cx="190849" cy="120314"/>
+          </a:xfrm>
+          <a:prstGeom prst="triangle">
+            <a:avLst>
+              <a:gd name="adj" fmla="val 50000"/>
+            </a:avLst>
+          </a:prstGeom>
+          <a:solidFill>
+            <a:schemeClr val="accent2"/>
+          </a:solidFill>
+          <a:ln w="25400" cap="rnd" cmpd="sng" algn="ctr">
+            <a:noFill/>
+            <a:prstDash val="solid"/>
+          </a:ln>
+          <a:effectLst/>
+        </p:spPr>
+        <p:style>
+          <a:lnRef idx="3">
+            <a:schemeClr val="lt1"/>
+          </a:lnRef>
+          <a:fillRef idx="1">
+            <a:schemeClr val="accent1"/>
+          </a:fillRef>
+          <a:effectRef idx="1">
+            <a:schemeClr val="accent1"/>
+          </a:effectRef>
+          <a:fontRef idx="minor">
+            <a:schemeClr val="lt1"/>
+          </a:fontRef>
+        </p:style>
+        <p:txBody>
+          <a:bodyPr anchor="ctr"/>
+          <a:lstStyle/>
+          <a:p>
+            <a:pPr algn="ctr" eaLnBrk="1" latinLnBrk="0" hangingPunct="1"/>
+            <a:endParaRPr kumimoji="0" lang="en-US"/>
+          </a:p>
+        </p:txBody>
+      </p:sp>
+      <p:sp>
+        <p:nvSpPr>
+          <p:cNvPr id="9" name="Straight Connector 8"/>
+          <p:cNvSpPr>
+            <a:spLocks noChangeShapeType="1"/>
+          </p:cNvSpPr>
+          <p:nvPr/>
+        </p:nvSpPr>
+        <p:spPr bwMode="auto">
+          <a:xfrm rot="5400000">
+            <a:off x="3629607" y="3201952"/>
+            <a:ext cx="5852160" cy="0"/>
+          </a:xfrm>
+          <a:prstGeom prst="line">
+            <a:avLst/>
+          </a:prstGeom>
+          <a:noFill/>
+          <a:ln w="9525" cap="flat" cmpd="sng" algn="ctr">
+            <a:solidFill>
+              <a:schemeClr val="accent2"/>
+            </a:solidFill>
+            <a:prstDash val="dash"/>
+            <a:round/>
+            <a:headEnd type="none" w="med" len="med"/>
+            <a:tailEnd type="none" w="med" len="med"/>
+          </a:ln>
+          <a:effectLst/>
+        </p:spPr>
+        <p:txBody>
+          <a:bodyPr vert="horz" wrap="square" lIns="91440" tIns="45720" rIns="91440" bIns="45720" anchor="t" compatLnSpc="1"/>
+          <a:lstStyle/>
+          <a:p>
+            <a:endParaRPr kumimoji="0" lang="en-US"/>
           </a:p>
         </p:txBody>
       </p:sp>
@@ -717,62 +1381,10 @@
           <a:lstStyle/>
           <a:p>
             <a:r>
-              <a:rPr lang="en-US" smtClean="0"/>
+              <a:rPr kumimoji="0" lang="en-US" smtClean="0"/>
               <a:t>Click to edit Master title style</a:t>
             </a:r>
-            <a:endParaRPr lang="en-US"/>
-          </a:p>
-        </p:txBody>
-      </p:sp>
-      <p:sp>
-        <p:nvSpPr>
-          <p:cNvPr id="3" name="Content Placeholder 2"/>
-          <p:cNvSpPr>
-            <a:spLocks noGrp="1"/>
-          </p:cNvSpPr>
-          <p:nvPr>
-            <p:ph idx="1"/>
-          </p:nvPr>
-        </p:nvSpPr>
-        <p:spPr/>
-        <p:txBody>
-          <a:bodyPr/>
-          <a:lstStyle/>
-          <a:p>
-            <a:pPr lvl="0"/>
-            <a:r>
-              <a:rPr lang="en-US" smtClean="0"/>
-              <a:t>Click to edit Master text styles</a:t>
-            </a:r>
-          </a:p>
-          <a:p>
-            <a:pPr lvl="1"/>
-            <a:r>
-              <a:rPr lang="en-US" smtClean="0"/>
-              <a:t>Second level</a:t>
-            </a:r>
-          </a:p>
-          <a:p>
-            <a:pPr lvl="2"/>
-            <a:r>
-              <a:rPr lang="en-US" smtClean="0"/>
-              <a:t>Third level</a:t>
-            </a:r>
-          </a:p>
-          <a:p>
-            <a:pPr lvl="3"/>
-            <a:r>
-              <a:rPr lang="en-US" smtClean="0"/>
-              <a:t>Fourth level</a:t>
-            </a:r>
-          </a:p>
-          <a:p>
-            <a:pPr lvl="4"/>
-            <a:r>
-              <a:rPr lang="en-US" smtClean="0"/>
-              <a:t>Fifth level</a:t>
-            </a:r>
-            <a:endParaRPr lang="en-US"/>
+            <a:endParaRPr kumimoji="0" lang="en-US"/>
           </a:p>
         </p:txBody>
       </p:sp>
@@ -793,7 +1405,8 @@
           <a:p>
             <a:fld id="{BE111A4F-694F-4D04-95B0-714038303B55}" type="datetimeFigureOut">
               <a:rPr lang="en-US" smtClean="0"/>
-              <a:t>4/14/2009</a:t>
+              <a:pPr/>
+              <a:t>4/18/2009</a:t>
             </a:fld>
             <a:endParaRPr lang="en-US"/>
           </a:p>
@@ -835,9 +1448,67 @@
           <a:p>
             <a:fld id="{45E96854-6E70-484C-818F-A5764320AC80}" type="slidenum">
               <a:rPr lang="en-US" smtClean="0"/>
+              <a:pPr/>
               <a:t>‹#›</a:t>
             </a:fld>
             <a:endParaRPr lang="en-US"/>
+          </a:p>
+        </p:txBody>
+      </p:sp>
+      <p:sp>
+        <p:nvSpPr>
+          <p:cNvPr id="8" name="Content Placeholder 7"/>
+          <p:cNvSpPr>
+            <a:spLocks noGrp="1"/>
+          </p:cNvSpPr>
+          <p:nvPr>
+            <p:ph sz="quarter" idx="1"/>
+          </p:nvPr>
+        </p:nvSpPr>
+        <p:spPr>
+          <a:xfrm>
+            <a:off x="457200" y="1219200"/>
+            <a:ext cx="8229600" cy="4937760"/>
+          </a:xfrm>
+        </p:spPr>
+        <p:txBody>
+          <a:bodyPr/>
+          <a:lstStyle/>
+          <a:p>
+            <a:pPr lvl="0" eaLnBrk="1" latinLnBrk="0" hangingPunct="1"/>
+            <a:r>
+              <a:rPr lang="en-US" smtClean="0"/>
+              <a:t>Click to edit Master text styles</a:t>
+            </a:r>
+          </a:p>
+          <a:p>
+            <a:pPr lvl="1" eaLnBrk="1" latinLnBrk="0" hangingPunct="1"/>
+            <a:r>
+              <a:rPr lang="en-US" smtClean="0"/>
+              <a:t>Second level</a:t>
+            </a:r>
+          </a:p>
+          <a:p>
+            <a:pPr lvl="2" eaLnBrk="1" latinLnBrk="0" hangingPunct="1"/>
+            <a:r>
+              <a:rPr lang="en-US" smtClean="0"/>
+              <a:t>Third level</a:t>
+            </a:r>
+          </a:p>
+          <a:p>
+            <a:pPr lvl="3" eaLnBrk="1" latinLnBrk="0" hangingPunct="1"/>
+            <a:r>
+              <a:rPr lang="en-US" smtClean="0"/>
+              <a:t>Fourth level</a:t>
+            </a:r>
+          </a:p>
+          <a:p>
+            <a:pPr lvl="4" eaLnBrk="1" latinLnBrk="0" hangingPunct="1"/>
+            <a:r>
+              <a:rPr lang="en-US" smtClean="0"/>
+              <a:t>Fifth level</a:t>
+            </a:r>
+            <a:endParaRPr kumimoji="0" lang="en-US"/>
           </a:p>
         </p:txBody>
       </p:sp>
@@ -850,8 +1521,13 @@
 </file>
 
 <file path=ppt/slideLayouts/slideLayout3.xml><?xml version="1.0" encoding="utf-8"?>
-<p:sldLayout xmlns:a="http://schemas.openxmlformats.org/drawingml/2006/main" xmlns:r="http://schemas.openxmlformats.org/officeDocument/2006/relationships" xmlns:p="http://schemas.openxmlformats.org/presentationml/2006/main" type="secHead" preserve="1">
+<p:sldLayout xmlns:a="http://schemas.openxmlformats.org/drawingml/2006/main" xmlns:r="http://schemas.openxmlformats.org/officeDocument/2006/relationships" xmlns:p="http://schemas.openxmlformats.org/presentationml/2006/main" showMasterSp="0" type="secHead" preserve="1">
   <p:cSld name="Section Header">
+    <p:bg>
+      <p:bgRef idx="1001">
+        <a:schemeClr val="bg2"/>
+      </p:bgRef>
+    </p:bg>
     <p:spTree>
       <p:nvGrpSpPr>
         <p:cNvPr id="1" name=""/>
@@ -878,23 +1554,24 @@
         </p:nvSpPr>
         <p:spPr>
           <a:xfrm>
-            <a:off x="722313" y="4406900"/>
-            <a:ext cx="7772400" cy="1362075"/>
-          </a:xfrm>
-        </p:spPr>
-        <p:txBody>
-          <a:bodyPr anchor="t"/>
+            <a:off x="1219200" y="2971800"/>
+            <a:ext cx="6858000" cy="1066800"/>
+          </a:xfrm>
+        </p:spPr>
+        <p:txBody>
+          <a:bodyPr anchor="t" anchorCtr="0"/>
           <a:lstStyle>
-            <a:lvl1pPr algn="l">
-              <a:defRPr sz="4000" b="1" cap="all"/>
+            <a:lvl1pPr algn="r">
+              <a:buNone/>
+              <a:defRPr sz="3200" b="0" cap="none" baseline="0"/>
             </a:lvl1pPr>
           </a:lstStyle>
           <a:p>
             <a:r>
-              <a:rPr lang="en-US" smtClean="0"/>
+              <a:rPr kumimoji="0" lang="en-US" smtClean="0"/>
               <a:t>Click to edit Master title style</a:t>
             </a:r>
-            <a:endParaRPr lang="en-US"/>
+            <a:endParaRPr kumimoji="0" lang="en-US"/>
           </a:p>
         </p:txBody>
       </p:sp>
@@ -910,14 +1587,14 @@
         </p:nvSpPr>
         <p:spPr>
           <a:xfrm>
-            <a:off x="722313" y="2906713"/>
-            <a:ext cx="7772400" cy="1500187"/>
-          </a:xfrm>
-        </p:spPr>
-        <p:txBody>
-          <a:bodyPr anchor="b"/>
+            <a:off x="1295400" y="4267200"/>
+            <a:ext cx="6781800" cy="1143000"/>
+          </a:xfrm>
+        </p:spPr>
+        <p:txBody>
+          <a:bodyPr anchor="t" anchorCtr="0"/>
           <a:lstStyle>
-            <a:lvl1pPr marL="0" indent="0">
+            <a:lvl1pPr marL="0" indent="0" algn="r">
               <a:buNone/>
               <a:defRPr sz="2000">
                 <a:solidFill>
@@ -927,7 +1604,7 @@
                 </a:solidFill>
               </a:defRPr>
             </a:lvl1pPr>
-            <a:lvl2pPr marL="457200" indent="0">
+            <a:lvl2pPr>
               <a:buNone/>
               <a:defRPr sz="1800">
                 <a:solidFill>
@@ -937,7 +1614,7 @@
                 </a:solidFill>
               </a:defRPr>
             </a:lvl2pPr>
-            <a:lvl3pPr marL="914400" indent="0">
+            <a:lvl3pPr>
               <a:buNone/>
               <a:defRPr sz="1600">
                 <a:solidFill>
@@ -947,7 +1624,7 @@
                 </a:solidFill>
               </a:defRPr>
             </a:lvl3pPr>
-            <a:lvl4pPr marL="1371600" indent="0">
+            <a:lvl4pPr>
               <a:buNone/>
               <a:defRPr sz="1400">
                 <a:solidFill>
@@ -957,7 +1634,7 @@
                 </a:solidFill>
               </a:defRPr>
             </a:lvl4pPr>
-            <a:lvl5pPr marL="1828800" indent="0">
+            <a:lvl5pPr>
               <a:buNone/>
               <a:defRPr sz="1400">
                 <a:solidFill>
@@ -967,51 +1644,11 @@
                 </a:solidFill>
               </a:defRPr>
             </a:lvl5pPr>
-            <a:lvl6pPr marL="2286000" indent="0">
-              <a:buNone/>
-              <a:defRPr sz="1400">
-                <a:solidFill>
-                  <a:schemeClr val="tx1">
-                    <a:tint val="75000"/>
-                  </a:schemeClr>
-                </a:solidFill>
-              </a:defRPr>
-            </a:lvl6pPr>
-            <a:lvl7pPr marL="2743200" indent="0">
-              <a:buNone/>
-              <a:defRPr sz="1400">
-                <a:solidFill>
-                  <a:schemeClr val="tx1">
-                    <a:tint val="75000"/>
-                  </a:schemeClr>
-                </a:solidFill>
-              </a:defRPr>
-            </a:lvl7pPr>
-            <a:lvl8pPr marL="3200400" indent="0">
-              <a:buNone/>
-              <a:defRPr sz="1400">
-                <a:solidFill>
-                  <a:schemeClr val="tx1">
-                    <a:tint val="75000"/>
-                  </a:schemeClr>
-                </a:solidFill>
-              </a:defRPr>
-            </a:lvl8pPr>
-            <a:lvl9pPr marL="3657600" indent="0">
-              <a:buNone/>
-              <a:defRPr sz="1400">
-                <a:solidFill>
-                  <a:schemeClr val="tx1">
-                    <a:tint val="75000"/>
-                  </a:schemeClr>
-                </a:solidFill>
-              </a:defRPr>
-            </a:lvl9pPr>
           </a:lstStyle>
           <a:p>
-            <a:pPr lvl="0"/>
-            <a:r>
-              <a:rPr lang="en-US" smtClean="0"/>
+            <a:pPr lvl="0" eaLnBrk="1" latinLnBrk="0" hangingPunct="1"/>
+            <a:r>
+              <a:rPr kumimoji="0" lang="en-US" smtClean="0"/>
               <a:t>Click to edit Master text styles</a:t>
             </a:r>
           </a:p>
@@ -1027,14 +1664,20 @@
             <p:ph type="dt" sz="half" idx="10"/>
           </p:nvPr>
         </p:nvSpPr>
-        <p:spPr/>
+        <p:spPr>
+          <a:xfrm>
+            <a:off x="6400800" y="6355080"/>
+            <a:ext cx="2286000" cy="365760"/>
+          </a:xfrm>
+        </p:spPr>
         <p:txBody>
           <a:bodyPr/>
           <a:lstStyle/>
           <a:p>
             <a:fld id="{BE111A4F-694F-4D04-95B0-714038303B55}" type="datetimeFigureOut">
               <a:rPr lang="en-US" smtClean="0"/>
-              <a:t>4/14/2009</a:t>
+              <a:pPr/>
+              <a:t>4/18/2009</a:t>
             </a:fld>
             <a:endParaRPr lang="en-US"/>
           </a:p>
@@ -1050,7 +1693,12 @@
             <p:ph type="ftr" sz="quarter" idx="11"/>
           </p:nvPr>
         </p:nvSpPr>
-        <p:spPr/>
+        <p:spPr>
+          <a:xfrm>
+            <a:off x="2898648" y="6355080"/>
+            <a:ext cx="3474720" cy="365760"/>
+          </a:xfrm>
+        </p:spPr>
         <p:txBody>
           <a:bodyPr/>
           <a:lstStyle/>
@@ -1069,23 +1717,121 @@
             <p:ph type="sldNum" sz="quarter" idx="12"/>
           </p:nvPr>
         </p:nvSpPr>
-        <p:spPr/>
+        <p:spPr>
+          <a:xfrm>
+            <a:off x="1069848" y="6355080"/>
+            <a:ext cx="1520952" cy="365760"/>
+          </a:xfrm>
+        </p:spPr>
         <p:txBody>
           <a:bodyPr/>
           <a:lstStyle/>
           <a:p>
             <a:fld id="{45E96854-6E70-484C-818F-A5764320AC80}" type="slidenum">
               <a:rPr lang="en-US" smtClean="0"/>
+              <a:pPr/>
               <a:t>‹#›</a:t>
             </a:fld>
             <a:endParaRPr lang="en-US"/>
           </a:p>
         </p:txBody>
       </p:sp>
+      <p:sp>
+        <p:nvSpPr>
+          <p:cNvPr id="7" name="Rectangle 6"/>
+          <p:cNvSpPr/>
+          <p:nvPr/>
+        </p:nvSpPr>
+        <p:spPr>
+          <a:xfrm>
+            <a:off x="914400" y="2819400"/>
+            <a:ext cx="7315200" cy="1280160"/>
+          </a:xfrm>
+          <a:prstGeom prst="rect">
+            <a:avLst/>
+          </a:prstGeom>
+          <a:noFill/>
+          <a:ln w="6350" cap="rnd" cmpd="sng" algn="ctr">
+            <a:solidFill>
+              <a:schemeClr val="accent1"/>
+            </a:solidFill>
+            <a:prstDash val="solid"/>
+          </a:ln>
+          <a:effectLst/>
+        </p:spPr>
+        <p:style>
+          <a:lnRef idx="3">
+            <a:schemeClr val="lt1"/>
+          </a:lnRef>
+          <a:fillRef idx="1">
+            <a:schemeClr val="accent1"/>
+          </a:fillRef>
+          <a:effectRef idx="1">
+            <a:schemeClr val="accent1"/>
+          </a:effectRef>
+          <a:fontRef idx="minor">
+            <a:schemeClr val="lt1"/>
+          </a:fontRef>
+        </p:style>
+        <p:txBody>
+          <a:bodyPr anchor="ctr"/>
+          <a:lstStyle/>
+          <a:p>
+            <a:pPr algn="ctr" eaLnBrk="1" latinLnBrk="0" hangingPunct="1"/>
+            <a:endParaRPr kumimoji="0" lang="en-US"/>
+          </a:p>
+        </p:txBody>
+      </p:sp>
+      <p:sp>
+        <p:nvSpPr>
+          <p:cNvPr id="8" name="Rectangle 7"/>
+          <p:cNvSpPr/>
+          <p:nvPr/>
+        </p:nvSpPr>
+        <p:spPr>
+          <a:xfrm>
+            <a:off x="914400" y="2819400"/>
+            <a:ext cx="228600" cy="1280160"/>
+          </a:xfrm>
+          <a:prstGeom prst="rect">
+            <a:avLst/>
+          </a:prstGeom>
+          <a:solidFill>
+            <a:schemeClr val="accent1"/>
+          </a:solidFill>
+          <a:ln w="6350" cap="rnd" cmpd="sng" algn="ctr">
+            <a:noFill/>
+            <a:prstDash val="solid"/>
+          </a:ln>
+          <a:effectLst/>
+        </p:spPr>
+        <p:style>
+          <a:lnRef idx="3">
+            <a:schemeClr val="lt1"/>
+          </a:lnRef>
+          <a:fillRef idx="1">
+            <a:schemeClr val="accent1"/>
+          </a:fillRef>
+          <a:effectRef idx="1">
+            <a:schemeClr val="accent1"/>
+          </a:effectRef>
+          <a:fontRef idx="minor">
+            <a:schemeClr val="lt1"/>
+          </a:fontRef>
+        </p:style>
+        <p:txBody>
+          <a:bodyPr anchor="ctr"/>
+          <a:lstStyle/>
+          <a:p>
+            <a:pPr algn="ctr" eaLnBrk="1" latinLnBrk="0" hangingPunct="1"/>
+            <a:endParaRPr kumimoji="0" lang="en-US"/>
+          </a:p>
+        </p:txBody>
+      </p:sp>
     </p:spTree>
   </p:cSld>
   <p:clrMapOvr>
-    <a:masterClrMapping/>
+    <a:overrideClrMapping bg1="dk1" tx1="lt1" bg2="dk2" tx2="lt2" accent1="accent1" accent2="accent2" accent3="accent3" accent4="accent4" accent5="accent5" accent6="accent6" hlink="hlink" folHlink="folHlink"/>
   </p:clrMapOvr>
 </p:sldLayout>
 </file>
@@ -1117,186 +1863,21 @@
             <p:ph type="title"/>
           </p:nvPr>
         </p:nvSpPr>
-        <p:spPr/>
-        <p:txBody>
-          <a:bodyPr/>
-          <a:lstStyle/>
-          <a:p>
-            <a:r>
-              <a:rPr lang="en-US" smtClean="0"/>
-              <a:t>Click to edit Master title style</a:t>
-            </a:r>
-            <a:endParaRPr lang="en-US"/>
-          </a:p>
-        </p:txBody>
-      </p:sp>
-      <p:sp>
-        <p:nvSpPr>
-          <p:cNvPr id="3" name="Content Placeholder 2"/>
-          <p:cNvSpPr>
-            <a:spLocks noGrp="1"/>
-          </p:cNvSpPr>
-          <p:nvPr>
-            <p:ph sz="half" idx="1"/>
-          </p:nvPr>
-        </p:nvSpPr>
         <p:spPr>
           <a:xfrm>
-            <a:off x="457200" y="1600200"/>
-            <a:ext cx="4038600" cy="4525963"/>
-          </a:xfrm>
-        </p:spPr>
-        <p:txBody>
-          <a:bodyPr/>
-          <a:lstStyle>
-            <a:lvl1pPr>
-              <a:defRPr sz="2800"/>
-            </a:lvl1pPr>
-            <a:lvl2pPr>
-              <a:defRPr sz="2400"/>
-            </a:lvl2pPr>
-            <a:lvl3pPr>
-              <a:defRPr sz="2000"/>
-            </a:lvl3pPr>
-            <a:lvl4pPr>
-              <a:defRPr sz="1800"/>
-            </a:lvl4pPr>
-            <a:lvl5pPr>
-              <a:defRPr sz="1800"/>
-            </a:lvl5pPr>
-            <a:lvl6pPr>
-              <a:defRPr sz="1800"/>
-            </a:lvl6pPr>
-            <a:lvl7pPr>
-              <a:defRPr sz="1800"/>
-            </a:lvl7pPr>
-            <a:lvl8pPr>
-              <a:defRPr sz="1800"/>
-            </a:lvl8pPr>
-            <a:lvl9pPr>
-              <a:defRPr sz="1800"/>
-            </a:lvl9pPr>
-          </a:lstStyle>
-          <a:p>
-            <a:pPr lvl="0"/>
-            <a:r>
-              <a:rPr lang="en-US" smtClean="0"/>
-              <a:t>Click to edit Master text styles</a:t>
-            </a:r>
-          </a:p>
-          <a:p>
-            <a:pPr lvl="1"/>
-            <a:r>
-              <a:rPr lang="en-US" smtClean="0"/>
-              <a:t>Second level</a:t>
-            </a:r>
-          </a:p>
-          <a:p>
-            <a:pPr lvl="2"/>
-            <a:r>
-              <a:rPr lang="en-US" smtClean="0"/>
-              <a:t>Third level</a:t>
-            </a:r>
-          </a:p>
-          <a:p>
-            <a:pPr lvl="3"/>
-            <a:r>
-              <a:rPr lang="en-US" smtClean="0"/>
-              <a:t>Fourth level</a:t>
-            </a:r>
-          </a:p>
-          <a:p>
-            <a:pPr lvl="4"/>
-            <a:r>
-              <a:rPr lang="en-US" smtClean="0"/>
-              <a:t>Fifth level</a:t>
-            </a:r>
-            <a:endParaRPr lang="en-US"/>
-          </a:p>
-        </p:txBody>
-      </p:sp>
-      <p:sp>
-        <p:nvSpPr>
-          <p:cNvPr id="4" name="Content Placeholder 3"/>
-          <p:cNvSpPr>
-            <a:spLocks noGrp="1"/>
-          </p:cNvSpPr>
-          <p:nvPr>
-            <p:ph sz="half" idx="2"/>
-          </p:nvPr>
-        </p:nvSpPr>
-        <p:spPr>
-          <a:xfrm>
-            <a:off x="4648200" y="1600200"/>
-            <a:ext cx="4038600" cy="4525963"/>
-          </a:xfrm>
-        </p:spPr>
-        <p:txBody>
-          <a:bodyPr/>
-          <a:lstStyle>
-            <a:lvl1pPr>
-              <a:defRPr sz="2800"/>
-            </a:lvl1pPr>
-            <a:lvl2pPr>
-              <a:defRPr sz="2400"/>
-            </a:lvl2pPr>
-            <a:lvl3pPr>
-              <a:defRPr sz="2000"/>
-            </a:lvl3pPr>
-            <a:lvl4pPr>
-              <a:defRPr sz="1800"/>
-            </a:lvl4pPr>
-            <a:lvl5pPr>
-              <a:defRPr sz="1800"/>
-            </a:lvl5pPr>
-            <a:lvl6pPr>
-              <a:defRPr sz="1800"/>
-            </a:lvl6pPr>
-            <a:lvl7pPr>
-              <a:defRPr sz="1800"/>
-            </a:lvl7pPr>
-            <a:lvl8pPr>
-              <a:defRPr sz="1800"/>
-            </a:lvl8pPr>
-            <a:lvl9pPr>
-              <a:defRPr sz="1800"/>
-            </a:lvl9pPr>
-          </a:lstStyle>
-          <a:p>
-            <a:pPr lvl="0"/>
-            <a:r>
-              <a:rPr lang="en-US" smtClean="0"/>
-              <a:t>Click to edit Master text styles</a:t>
-            </a:r>
-          </a:p>
-          <a:p>
-            <a:pPr lvl="1"/>
-            <a:r>
-              <a:rPr lang="en-US" smtClean="0"/>
-              <a:t>Second level</a:t>
-            </a:r>
-          </a:p>
-          <a:p>
-            <a:pPr lvl="2"/>
-            <a:r>
-              <a:rPr lang="en-US" smtClean="0"/>
-              <a:t>Third level</a:t>
-            </a:r>
-          </a:p>
-          <a:p>
-            <a:pPr lvl="3"/>
-            <a:r>
-              <a:rPr lang="en-US" smtClean="0"/>
-              <a:t>Fourth level</a:t>
-            </a:r>
-          </a:p>
-          <a:p>
-            <a:pPr lvl="4"/>
-            <a:r>
-              <a:rPr lang="en-US" smtClean="0"/>
-              <a:t>Fifth level</a:t>
-            </a:r>
-            <a:endParaRPr lang="en-US"/>
+            <a:off x="457200" y="228600"/>
+            <a:ext cx="8229600" cy="914400"/>
+          </a:xfrm>
+        </p:spPr>
+        <p:txBody>
+          <a:bodyPr/>
+          <a:lstStyle/>
+          <a:p>
+            <a:r>
+              <a:rPr kumimoji="0" lang="en-US" smtClean="0"/>
+              <a:t>Click to edit Master title style</a:t>
+            </a:r>
+            <a:endParaRPr kumimoji="0" lang="en-US"/>
           </a:p>
         </p:txBody>
       </p:sp>
@@ -1317,7 +1898,8 @@
           <a:p>
             <a:fld id="{BE111A4F-694F-4D04-95B0-714038303B55}" type="datetimeFigureOut">
               <a:rPr lang="en-US" smtClean="0"/>
-              <a:t>4/14/2009</a:t>
+              <a:pPr/>
+              <a:t>4/18/2009</a:t>
             </a:fld>
             <a:endParaRPr lang="en-US"/>
           </a:p>
@@ -1359,9 +1941,124 @@
           <a:p>
             <a:fld id="{45E96854-6E70-484C-818F-A5764320AC80}" type="slidenum">
               <a:rPr lang="en-US" smtClean="0"/>
+              <a:pPr/>
               <a:t>‹#›</a:t>
             </a:fld>
             <a:endParaRPr lang="en-US"/>
+          </a:p>
+        </p:txBody>
+      </p:sp>
+      <p:sp>
+        <p:nvSpPr>
+          <p:cNvPr id="9" name="Content Placeholder 8"/>
+          <p:cNvSpPr>
+            <a:spLocks noGrp="1"/>
+          </p:cNvSpPr>
+          <p:nvPr>
+            <p:ph sz="quarter" idx="1"/>
+          </p:nvPr>
+        </p:nvSpPr>
+        <p:spPr>
+          <a:xfrm>
+            <a:off x="457200" y="1219200"/>
+            <a:ext cx="4041648" cy="4937760"/>
+          </a:xfrm>
+        </p:spPr>
+        <p:txBody>
+          <a:bodyPr/>
+          <a:lstStyle/>
+          <a:p>
+            <a:pPr lvl="0" eaLnBrk="1" latinLnBrk="0" hangingPunct="1"/>
+            <a:r>
+              <a:rPr lang="en-US" smtClean="0"/>
+              <a:t>Click to edit Master text styles</a:t>
+            </a:r>
+          </a:p>
+          <a:p>
+            <a:pPr lvl="1" eaLnBrk="1" latinLnBrk="0" hangingPunct="1"/>
+            <a:r>
+              <a:rPr lang="en-US" smtClean="0"/>
+              <a:t>Second level</a:t>
+            </a:r>
+          </a:p>
+          <a:p>
+            <a:pPr lvl="2" eaLnBrk="1" latinLnBrk="0" hangingPunct="1"/>
+            <a:r>
+              <a:rPr lang="en-US" smtClean="0"/>
+              <a:t>Third level</a:t>
+            </a:r>
+          </a:p>
+          <a:p>
+            <a:pPr lvl="3" eaLnBrk="1" latinLnBrk="0" hangingPunct="1"/>
+            <a:r>
+              <a:rPr lang="en-US" smtClean="0"/>
+              <a:t>Fourth level</a:t>
+            </a:r>
+          </a:p>
+          <a:p>
+            <a:pPr lvl="4" eaLnBrk="1" latinLnBrk="0" hangingPunct="1"/>
+            <a:r>
+              <a:rPr lang="en-US" smtClean="0"/>
+              <a:t>Fifth level</a:t>
+            </a:r>
+            <a:endParaRPr kumimoji="0" lang="en-US"/>
+          </a:p>
+        </p:txBody>
+      </p:sp>
+      <p:sp>
+        <p:nvSpPr>
+          <p:cNvPr id="11" name="Content Placeholder 10"/>
+          <p:cNvSpPr>
+            <a:spLocks noGrp="1"/>
+          </p:cNvSpPr>
+          <p:nvPr>
+            <p:ph sz="quarter" idx="2"/>
+          </p:nvPr>
+        </p:nvSpPr>
+        <p:spPr>
+          <a:xfrm>
+            <a:off x="4632198" y="1216152"/>
+            <a:ext cx="4041648" cy="4937760"/>
+          </a:xfrm>
+        </p:spPr>
+        <p:txBody>
+          <a:bodyPr/>
+          <a:lstStyle/>
+          <a:p>
+            <a:pPr lvl="0" eaLnBrk="1" latinLnBrk="0" hangingPunct="1"/>
+            <a:r>
+              <a:rPr lang="en-US" smtClean="0"/>
+              <a:t>Click to edit Master text styles</a:t>
+            </a:r>
+          </a:p>
+          <a:p>
+            <a:pPr lvl="1" eaLnBrk="1" latinLnBrk="0" hangingPunct="1"/>
+            <a:r>
+              <a:rPr lang="en-US" smtClean="0"/>
+              <a:t>Second level</a:t>
+            </a:r>
+          </a:p>
+          <a:p>
+            <a:pPr lvl="2" eaLnBrk="1" latinLnBrk="0" hangingPunct="1"/>
+            <a:r>
+              <a:rPr lang="en-US" smtClean="0"/>
+              <a:t>Third level</a:t>
+            </a:r>
+          </a:p>
+          <a:p>
+            <a:pPr lvl="3" eaLnBrk="1" latinLnBrk="0" hangingPunct="1"/>
+            <a:r>
+              <a:rPr lang="en-US" smtClean="0"/>
+              <a:t>Fourth level</a:t>
+            </a:r>
+          </a:p>
+          <a:p>
+            <a:pPr lvl="4" eaLnBrk="1" latinLnBrk="0" hangingPunct="1"/>
+            <a:r>
+              <a:rPr lang="en-US" smtClean="0"/>
+              <a:t>Fifth level</a:t>
+            </a:r>
+            <a:endParaRPr kumimoji="0" lang="en-US"/>
           </a:p>
         </p:txBody>
       </p:sp>
@@ -1400,9 +2097,14 @@
             <p:ph type="title"/>
           </p:nvPr>
         </p:nvSpPr>
-        <p:spPr/>
-        <p:txBody>
-          <a:bodyPr/>
+        <p:spPr>
+          <a:xfrm>
+            <a:off x="457200" y="228600"/>
+            <a:ext cx="8229600" cy="914400"/>
+          </a:xfrm>
+        </p:spPr>
+        <p:txBody>
+          <a:bodyPr anchor="ctr"/>
           <a:lstStyle>
             <a:lvl1pPr>
               <a:defRPr/>
@@ -1410,10 +2112,10 @@
           </a:lstStyle>
           <a:p>
             <a:r>
-              <a:rPr lang="en-US" smtClean="0"/>
+              <a:rPr kumimoji="0" lang="en-US" smtClean="0"/>
               <a:t>Click to edit Master title style</a:t>
             </a:r>
-            <a:endParaRPr lang="en-US"/>
+            <a:endParaRPr kumimoji="0" lang="en-US"/>
           </a:p>
         </p:txBody>
       </p:sp>
@@ -1429,54 +2131,48 @@
         </p:nvSpPr>
         <p:spPr>
           <a:xfrm>
-            <a:off x="457200" y="1535113"/>
-            <a:ext cx="4040188" cy="639762"/>
-          </a:xfrm>
-        </p:spPr>
-        <p:txBody>
-          <a:bodyPr anchor="b"/>
+            <a:off x="457200" y="1285875"/>
+            <a:ext cx="4040188" cy="685800"/>
+          </a:xfrm>
+          <a:noFill/>
+          <a:ln>
+            <a:noFill/>
+          </a:ln>
+        </p:spPr>
+        <p:txBody>
+          <a:bodyPr lIns="91440" anchor="b" anchorCtr="0">
+            <a:noAutofit/>
+          </a:bodyPr>
           <a:lstStyle>
             <a:lvl1pPr marL="0" indent="0">
               <a:buNone/>
-              <a:defRPr sz="2400" b="1"/>
+              <a:defRPr sz="2400" b="1">
+                <a:solidFill>
+                  <a:schemeClr val="accent2"/>
+                </a:solidFill>
+              </a:defRPr>
             </a:lvl1pPr>
-            <a:lvl2pPr marL="457200" indent="0">
+            <a:lvl2pPr>
               <a:buNone/>
               <a:defRPr sz="2000" b="1"/>
             </a:lvl2pPr>
-            <a:lvl3pPr marL="914400" indent="0">
+            <a:lvl3pPr>
               <a:buNone/>
               <a:defRPr sz="1800" b="1"/>
             </a:lvl3pPr>
-            <a:lvl4pPr marL="1371600" indent="0">
+            <a:lvl4pPr>
               <a:buNone/>
               <a:defRPr sz="1600" b="1"/>
             </a:lvl4pPr>
-            <a:lvl5pPr marL="1828800" indent="0">
+            <a:lvl5pPr>
               <a:buNone/>
               <a:defRPr sz="1600" b="1"/>
             </a:lvl5pPr>
-            <a:lvl6pPr marL="2286000" indent="0">
-              <a:buNone/>
-              <a:defRPr sz="1600" b="1"/>
-            </a:lvl6pPr>
-            <a:lvl7pPr marL="2743200" indent="0">
-              <a:buNone/>
-              <a:defRPr sz="1600" b="1"/>
-            </a:lvl7pPr>
-            <a:lvl8pPr marL="3200400" indent="0">
-              <a:buNone/>
-              <a:defRPr sz="1600" b="1"/>
-            </a:lvl8pPr>
-            <a:lvl9pPr marL="3657600" indent="0">
-              <a:buNone/>
-              <a:defRPr sz="1600" b="1"/>
-            </a:lvl9pPr>
           </a:lstStyle>
           <a:p>
-            <a:pPr lvl="0"/>
-            <a:r>
-              <a:rPr lang="en-US" smtClean="0"/>
+            <a:pPr lvl="0" eaLnBrk="1" latinLnBrk="0" hangingPunct="1"/>
+            <a:r>
+              <a:rPr kumimoji="0" lang="en-US" smtClean="0"/>
               <a:t>Click to edit Master text styles</a:t>
             </a:r>
           </a:p>
@@ -1484,236 +2180,58 @@
       </p:sp>
       <p:sp>
         <p:nvSpPr>
-          <p:cNvPr id="4" name="Content Placeholder 3"/>
-          <p:cNvSpPr>
-            <a:spLocks noGrp="1"/>
-          </p:cNvSpPr>
-          <p:nvPr>
-            <p:ph sz="half" idx="2"/>
+          <p:cNvPr id="4" name="Text Placeholder 3"/>
+          <p:cNvSpPr>
+            <a:spLocks noGrp="1"/>
+          </p:cNvSpPr>
+          <p:nvPr>
+            <p:ph type="body" sz="half" idx="3"/>
           </p:nvPr>
         </p:nvSpPr>
         <p:spPr>
           <a:xfrm>
-            <a:off x="457200" y="2174875"/>
-            <a:ext cx="4040188" cy="3951288"/>
-          </a:xfrm>
-        </p:spPr>
-        <p:txBody>
-          <a:bodyPr/>
-          <a:lstStyle>
-            <a:lvl1pPr>
-              <a:defRPr sz="2400"/>
-            </a:lvl1pPr>
-            <a:lvl2pPr>
-              <a:defRPr sz="2000"/>
-            </a:lvl2pPr>
-            <a:lvl3pPr>
-              <a:defRPr sz="1800"/>
-            </a:lvl3pPr>
-            <a:lvl4pPr>
-              <a:defRPr sz="1600"/>
-            </a:lvl4pPr>
-            <a:lvl5pPr>
-              <a:defRPr sz="1600"/>
-            </a:lvl5pPr>
-            <a:lvl6pPr>
-              <a:defRPr sz="1600"/>
-            </a:lvl6pPr>
-            <a:lvl7pPr>
-              <a:defRPr sz="1600"/>
-            </a:lvl7pPr>
-            <a:lvl8pPr>
-              <a:defRPr sz="1600"/>
-            </a:lvl8pPr>
-            <a:lvl9pPr>
-              <a:defRPr sz="1600"/>
-            </a:lvl9pPr>
-          </a:lstStyle>
-          <a:p>
-            <a:pPr lvl="0"/>
-            <a:r>
-              <a:rPr lang="en-US" smtClean="0"/>
-              <a:t>Click to edit Master text styles</a:t>
-            </a:r>
-          </a:p>
-          <a:p>
-            <a:pPr lvl="1"/>
-            <a:r>
-              <a:rPr lang="en-US" smtClean="0"/>
-              <a:t>Second level</a:t>
-            </a:r>
-          </a:p>
-          <a:p>
-            <a:pPr lvl="2"/>
-            <a:r>
-              <a:rPr lang="en-US" smtClean="0"/>
-              <a:t>Third level</a:t>
-            </a:r>
-          </a:p>
-          <a:p>
-            <a:pPr lvl="3"/>
-            <a:r>
-              <a:rPr lang="en-US" smtClean="0"/>
-              <a:t>Fourth level</a:t>
-            </a:r>
-          </a:p>
-          <a:p>
-            <a:pPr lvl="4"/>
-            <a:r>
-              <a:rPr lang="en-US" smtClean="0"/>
-              <a:t>Fifth level</a:t>
-            </a:r>
-            <a:endParaRPr lang="en-US"/>
-          </a:p>
-        </p:txBody>
-      </p:sp>
-      <p:sp>
-        <p:nvSpPr>
-          <p:cNvPr id="5" name="Text Placeholder 4"/>
-          <p:cNvSpPr>
-            <a:spLocks noGrp="1"/>
-          </p:cNvSpPr>
-          <p:nvPr>
-            <p:ph type="body" sz="quarter" idx="3"/>
-          </p:nvPr>
-        </p:nvSpPr>
-        <p:spPr>
-          <a:xfrm>
-            <a:off x="4645025" y="1535113"/>
-            <a:ext cx="4041775" cy="639762"/>
-          </a:xfrm>
-        </p:spPr>
-        <p:txBody>
-          <a:bodyPr anchor="b"/>
+            <a:off x="4648200" y="1295400"/>
+            <a:ext cx="4041775" cy="685800"/>
+          </a:xfrm>
+          <a:noFill/>
+          <a:ln>
+            <a:noFill/>
+          </a:ln>
+        </p:spPr>
+        <p:txBody>
+          <a:bodyPr lIns="91440" anchor="b" anchorCtr="0"/>
           <a:lstStyle>
             <a:lvl1pPr marL="0" indent="0">
               <a:buNone/>
-              <a:defRPr sz="2400" b="1"/>
+              <a:defRPr sz="2400" b="1">
+                <a:solidFill>
+                  <a:schemeClr val="accent2"/>
+                </a:solidFill>
+              </a:defRPr>
             </a:lvl1pPr>
-            <a:lvl2pPr marL="457200" indent="0">
+            <a:lvl2pPr>
               <a:buNone/>
               <a:defRPr sz="2000" b="1"/>
             </a:lvl2pPr>
-            <a:lvl3pPr marL="914400" indent="0">
+            <a:lvl3pPr>
               <a:buNone/>
               <a:defRPr sz="1800" b="1"/>
             </a:lvl3pPr>
-            <a:lvl4pPr marL="1371600" indent="0">
+            <a:lvl4pPr>
               <a:buNone/>
               <a:defRPr sz="1600" b="1"/>
             </a:lvl4pPr>
-            <a:lvl5pPr marL="1828800" indent="0">
+            <a:lvl5pPr>
               <a:buNone/>
               <a:defRPr sz="1600" b="1"/>
             </a:lvl5pPr>
-            <a:lvl6pPr marL="2286000" indent="0">
-              <a:buNone/>
-              <a:defRPr sz="1600" b="1"/>
-            </a:lvl6pPr>
-            <a:lvl7pPr marL="2743200" indent="0">
-              <a:buNone/>
-              <a:defRPr sz="1600" b="1"/>
-            </a:lvl7pPr>
-            <a:lvl8pPr marL="3200400" indent="0">
-              <a:buNone/>
-              <a:defRPr sz="1600" b="1"/>
-            </a:lvl8pPr>
-            <a:lvl9pPr marL="3657600" indent="0">
-              <a:buNone/>
-              <a:defRPr sz="1600" b="1"/>
-            </a:lvl9pPr>
           </a:lstStyle>
           <a:p>
-            <a:pPr lvl="0"/>
-            <a:r>
-              <a:rPr lang="en-US" smtClean="0"/>
+            <a:pPr lvl="0" eaLnBrk="1" latinLnBrk="0" hangingPunct="1"/>
+            <a:r>
+              <a:rPr kumimoji="0" lang="en-US" smtClean="0"/>
               <a:t>Click to edit Master text styles</a:t>
             </a:r>
-          </a:p>
-        </p:txBody>
-      </p:sp>
-      <p:sp>
-        <p:nvSpPr>
-          <p:cNvPr id="6" name="Content Placeholder 5"/>
-          <p:cNvSpPr>
-            <a:spLocks noGrp="1"/>
-          </p:cNvSpPr>
-          <p:nvPr>
-            <p:ph sz="quarter" idx="4"/>
-          </p:nvPr>
-        </p:nvSpPr>
-        <p:spPr>
-          <a:xfrm>
-            <a:off x="4645025" y="2174875"/>
-            <a:ext cx="4041775" cy="3951288"/>
-          </a:xfrm>
-        </p:spPr>
-        <p:txBody>
-          <a:bodyPr/>
-          <a:lstStyle>
-            <a:lvl1pPr>
-              <a:defRPr sz="2400"/>
-            </a:lvl1pPr>
-            <a:lvl2pPr>
-              <a:defRPr sz="2000"/>
-            </a:lvl2pPr>
-            <a:lvl3pPr>
-              <a:defRPr sz="1800"/>
-            </a:lvl3pPr>
-            <a:lvl4pPr>
-              <a:defRPr sz="1600"/>
-            </a:lvl4pPr>
-            <a:lvl5pPr>
-              <a:defRPr sz="1600"/>
-            </a:lvl5pPr>
-            <a:lvl6pPr>
-              <a:defRPr sz="1600"/>
-            </a:lvl6pPr>
-            <a:lvl7pPr>
-              <a:defRPr sz="1600"/>
-            </a:lvl7pPr>
-            <a:lvl8pPr>
-              <a:defRPr sz="1600"/>
-            </a:lvl8pPr>
-            <a:lvl9pPr>
-              <a:defRPr sz="1600"/>
-            </a:lvl9pPr>
-          </a:lstStyle>
-          <a:p>
-            <a:pPr lvl="0"/>
-            <a:r>
-              <a:rPr lang="en-US" smtClean="0"/>
-              <a:t>Click to edit Master text styles</a:t>
-            </a:r>
-          </a:p>
-          <a:p>
-            <a:pPr lvl="1"/>
-            <a:r>
-              <a:rPr lang="en-US" smtClean="0"/>
-              <a:t>Second level</a:t>
-            </a:r>
-          </a:p>
-          <a:p>
-            <a:pPr lvl="2"/>
-            <a:r>
-              <a:rPr lang="en-US" smtClean="0"/>
-              <a:t>Third level</a:t>
-            </a:r>
-          </a:p>
-          <a:p>
-            <a:pPr lvl="3"/>
-            <a:r>
-              <a:rPr lang="en-US" smtClean="0"/>
-              <a:t>Fourth level</a:t>
-            </a:r>
-          </a:p>
-          <a:p>
-            <a:pPr lvl="4"/>
-            <a:r>
-              <a:rPr lang="en-US" smtClean="0"/>
-              <a:t>Fifth level</a:t>
-            </a:r>
-            <a:endParaRPr lang="en-US"/>
           </a:p>
         </p:txBody>
       </p:sp>
@@ -1734,7 +2252,8 @@
           <a:p>
             <a:fld id="{BE111A4F-694F-4D04-95B0-714038303B55}" type="datetimeFigureOut">
               <a:rPr lang="en-US" smtClean="0"/>
-              <a:t>4/14/2009</a:t>
+              <a:pPr/>
+              <a:t>4/18/2009</a:t>
             </a:fld>
             <a:endParaRPr lang="en-US"/>
           </a:p>
@@ -1776,9 +2295,124 @@
           <a:p>
             <a:fld id="{45E96854-6E70-484C-818F-A5764320AC80}" type="slidenum">
               <a:rPr lang="en-US" smtClean="0"/>
+              <a:pPr/>
               <a:t>‹#›</a:t>
             </a:fld>
             <a:endParaRPr lang="en-US"/>
+          </a:p>
+        </p:txBody>
+      </p:sp>
+      <p:sp>
+        <p:nvSpPr>
+          <p:cNvPr id="11" name="Content Placeholder 10"/>
+          <p:cNvSpPr>
+            <a:spLocks noGrp="1"/>
+          </p:cNvSpPr>
+          <p:nvPr>
+            <p:ph sz="quarter" idx="2"/>
+          </p:nvPr>
+        </p:nvSpPr>
+        <p:spPr>
+          <a:xfrm>
+            <a:off x="457200" y="2133600"/>
+            <a:ext cx="4038600" cy="4038600"/>
+          </a:xfrm>
+        </p:spPr>
+        <p:txBody>
+          <a:bodyPr/>
+          <a:lstStyle/>
+          <a:p>
+            <a:pPr lvl="0" eaLnBrk="1" latinLnBrk="0" hangingPunct="1"/>
+            <a:r>
+              <a:rPr lang="en-US" smtClean="0"/>
+              <a:t>Click to edit Master text styles</a:t>
+            </a:r>
+          </a:p>
+          <a:p>
+            <a:pPr lvl="1" eaLnBrk="1" latinLnBrk="0" hangingPunct="1"/>
+            <a:r>
+              <a:rPr lang="en-US" smtClean="0"/>
+              <a:t>Second level</a:t>
+            </a:r>
+          </a:p>
+          <a:p>
+            <a:pPr lvl="2" eaLnBrk="1" latinLnBrk="0" hangingPunct="1"/>
+            <a:r>
+              <a:rPr lang="en-US" smtClean="0"/>
+              <a:t>Third level</a:t>
+            </a:r>
+          </a:p>
+          <a:p>
+            <a:pPr lvl="3" eaLnBrk="1" latinLnBrk="0" hangingPunct="1"/>
+            <a:r>
+              <a:rPr lang="en-US" smtClean="0"/>
+              <a:t>Fourth level</a:t>
+            </a:r>
+          </a:p>
+          <a:p>
+            <a:pPr lvl="4" eaLnBrk="1" latinLnBrk="0" hangingPunct="1"/>
+            <a:r>
+              <a:rPr lang="en-US" smtClean="0"/>
+              <a:t>Fifth level</a:t>
+            </a:r>
+            <a:endParaRPr kumimoji="0" lang="en-US"/>
+          </a:p>
+        </p:txBody>
+      </p:sp>
+      <p:sp>
+        <p:nvSpPr>
+          <p:cNvPr id="13" name="Content Placeholder 12"/>
+          <p:cNvSpPr>
+            <a:spLocks noGrp="1"/>
+          </p:cNvSpPr>
+          <p:nvPr>
+            <p:ph sz="quarter" idx="4"/>
+          </p:nvPr>
+        </p:nvSpPr>
+        <p:spPr>
+          <a:xfrm>
+            <a:off x="4648200" y="2133600"/>
+            <a:ext cx="4038600" cy="4038600"/>
+          </a:xfrm>
+        </p:spPr>
+        <p:txBody>
+          <a:bodyPr/>
+          <a:lstStyle/>
+          <a:p>
+            <a:pPr lvl="0" eaLnBrk="1" latinLnBrk="0" hangingPunct="1"/>
+            <a:r>
+              <a:rPr lang="en-US" smtClean="0"/>
+              <a:t>Click to edit Master text styles</a:t>
+            </a:r>
+          </a:p>
+          <a:p>
+            <a:pPr lvl="1" eaLnBrk="1" latinLnBrk="0" hangingPunct="1"/>
+            <a:r>
+              <a:rPr lang="en-US" smtClean="0"/>
+              <a:t>Second level</a:t>
+            </a:r>
+          </a:p>
+          <a:p>
+            <a:pPr lvl="2" eaLnBrk="1" latinLnBrk="0" hangingPunct="1"/>
+            <a:r>
+              <a:rPr lang="en-US" smtClean="0"/>
+              <a:t>Third level</a:t>
+            </a:r>
+          </a:p>
+          <a:p>
+            <a:pPr lvl="3" eaLnBrk="1" latinLnBrk="0" hangingPunct="1"/>
+            <a:r>
+              <a:rPr lang="en-US" smtClean="0"/>
+              <a:t>Fourth level</a:t>
+            </a:r>
+          </a:p>
+          <a:p>
+            <a:pPr lvl="4" eaLnBrk="1" latinLnBrk="0" hangingPunct="1"/>
+            <a:r>
+              <a:rPr lang="en-US" smtClean="0"/>
+              <a:t>Fifth level</a:t>
+            </a:r>
+            <a:endParaRPr kumimoji="0" lang="en-US"/>
           </a:p>
         </p:txBody>
       </p:sp>
@@ -1817,16 +2451,21 @@
             <p:ph type="title"/>
           </p:nvPr>
         </p:nvSpPr>
-        <p:spPr/>
-        <p:txBody>
-          <a:bodyPr/>
-          <a:lstStyle/>
-          <a:p>
-            <a:r>
-              <a:rPr lang="en-US" smtClean="0"/>
+        <p:spPr>
+          <a:xfrm>
+            <a:off x="457200" y="228600"/>
+            <a:ext cx="8229600" cy="914400"/>
+          </a:xfrm>
+        </p:spPr>
+        <p:txBody>
+          <a:bodyPr/>
+          <a:lstStyle/>
+          <a:p>
+            <a:r>
+              <a:rPr kumimoji="0" lang="en-US" smtClean="0"/>
               <a:t>Click to edit Master title style</a:t>
             </a:r>
-            <a:endParaRPr lang="en-US"/>
+            <a:endParaRPr kumimoji="0" lang="en-US"/>
           </a:p>
         </p:txBody>
       </p:sp>
@@ -1847,7 +2486,8 @@
           <a:p>
             <a:fld id="{BE111A4F-694F-4D04-95B0-714038303B55}" type="datetimeFigureOut">
               <a:rPr lang="en-US" smtClean="0"/>
-              <a:t>4/14/2009</a:t>
+              <a:pPr/>
+              <a:t>4/18/2009</a:t>
             </a:fld>
             <a:endParaRPr lang="en-US"/>
           </a:p>
@@ -1889,9 +2529,60 @@
           <a:p>
             <a:fld id="{45E96854-6E70-484C-818F-A5764320AC80}" type="slidenum">
               <a:rPr lang="en-US" smtClean="0"/>
+              <a:pPr/>
               <a:t>‹#›</a:t>
             </a:fld>
             <a:endParaRPr lang="en-US"/>
+          </a:p>
+        </p:txBody>
+      </p:sp>
+      <p:sp>
+        <p:nvSpPr>
+          <p:cNvPr id="6" name="Isosceles Triangle 5"/>
+          <p:cNvSpPr>
+            <a:spLocks noChangeAspect="1"/>
+          </p:cNvSpPr>
+          <p:nvPr/>
+        </p:nvSpPr>
+        <p:spPr>
+          <a:xfrm rot="5400000">
+            <a:off x="419100" y="6467475"/>
+            <a:ext cx="190849" cy="120314"/>
+          </a:xfrm>
+          <a:prstGeom prst="triangle">
+            <a:avLst>
+              <a:gd name="adj" fmla="val 50000"/>
+            </a:avLst>
+          </a:prstGeom>
+          <a:solidFill>
+            <a:schemeClr val="accent2"/>
+          </a:solidFill>
+          <a:ln w="25400" cap="rnd" cmpd="sng" algn="ctr">
+            <a:noFill/>
+            <a:prstDash val="solid"/>
+          </a:ln>
+          <a:effectLst/>
+        </p:spPr>
+        <p:style>
+          <a:lnRef idx="3">
+            <a:schemeClr val="lt1"/>
+          </a:lnRef>
+          <a:fillRef idx="1">
+            <a:schemeClr val="accent1"/>
+          </a:fillRef>
+          <a:effectRef idx="1">
+            <a:schemeClr val="accent1"/>
+          </a:effectRef>
+          <a:fontRef idx="minor">
+            <a:schemeClr val="lt1"/>
+          </a:fontRef>
+        </p:style>
+        <p:txBody>
+          <a:bodyPr anchor="ctr"/>
+          <a:lstStyle/>
+          <a:p>
+            <a:pPr algn="ctr" eaLnBrk="1" latinLnBrk="0" hangingPunct="1"/>
+            <a:endParaRPr kumimoji="0" lang="en-US"/>
           </a:p>
         </p:txBody>
       </p:sp>
@@ -1904,7 +2595,7 @@
 </file>
 
 <file path=ppt/slideLayouts/slideLayout7.xml><?xml version="1.0" encoding="utf-8"?>
-<p:sldLayout xmlns:a="http://schemas.openxmlformats.org/drawingml/2006/main" xmlns:r="http://schemas.openxmlformats.org/officeDocument/2006/relationships" xmlns:p="http://schemas.openxmlformats.org/presentationml/2006/main" type="blank" preserve="1">
+<p:sldLayout xmlns:a="http://schemas.openxmlformats.org/drawingml/2006/main" xmlns:r="http://schemas.openxmlformats.org/officeDocument/2006/relationships" xmlns:p="http://schemas.openxmlformats.org/presentationml/2006/main" showMasterSp="0" type="blank" preserve="1">
   <p:cSld name="Blank">
     <p:spTree>
       <p:nvGrpSpPr>
@@ -1937,7 +2628,8 @@
           <a:p>
             <a:fld id="{BE111A4F-694F-4D04-95B0-714038303B55}" type="datetimeFigureOut">
               <a:rPr lang="en-US" smtClean="0"/>
-              <a:t>4/14/2009</a:t>
+              <a:pPr/>
+              <a:t>4/18/2009</a:t>
             </a:fld>
             <a:endParaRPr lang="en-US"/>
           </a:p>
@@ -1979,9 +2671,96 @@
           <a:p>
             <a:fld id="{45E96854-6E70-484C-818F-A5764320AC80}" type="slidenum">
               <a:rPr lang="en-US" smtClean="0"/>
+              <a:pPr/>
               <a:t>‹#›</a:t>
             </a:fld>
             <a:endParaRPr lang="en-US"/>
+          </a:p>
+        </p:txBody>
+      </p:sp>
+      <p:sp>
+        <p:nvSpPr>
+          <p:cNvPr id="5" name="Straight Connector 4"/>
+          <p:cNvSpPr>
+            <a:spLocks noChangeShapeType="1"/>
+          </p:cNvSpPr>
+          <p:nvPr/>
+        </p:nvSpPr>
+        <p:spPr bwMode="auto">
+          <a:xfrm>
+            <a:off x="457200" y="6353175"/>
+            <a:ext cx="8229600" cy="0"/>
+          </a:xfrm>
+          <a:prstGeom prst="line">
+            <a:avLst/>
+          </a:prstGeom>
+          <a:noFill/>
+          <a:ln w="9525" cap="flat" cmpd="sng" algn="ctr">
+            <a:solidFill>
+              <a:schemeClr val="accent2"/>
+            </a:solidFill>
+            <a:prstDash val="dash"/>
+            <a:round/>
+            <a:headEnd type="none" w="med" len="med"/>
+            <a:tailEnd type="none" w="med" len="med"/>
+          </a:ln>
+          <a:effectLst/>
+        </p:spPr>
+        <p:txBody>
+          <a:bodyPr vert="horz" wrap="square" lIns="91440" tIns="45720" rIns="91440" bIns="45720" anchor="t" compatLnSpc="1"/>
+          <a:lstStyle/>
+          <a:p>
+            <a:endParaRPr kumimoji="0" lang="en-US"/>
+          </a:p>
+        </p:txBody>
+      </p:sp>
+      <p:sp>
+        <p:nvSpPr>
+          <p:cNvPr id="6" name="Isosceles Triangle 5"/>
+          <p:cNvSpPr>
+            <a:spLocks noChangeAspect="1"/>
+          </p:cNvSpPr>
+          <p:nvPr/>
+        </p:nvSpPr>
+        <p:spPr>
+          <a:xfrm rot="5400000">
+            <a:off x="419100" y="6467475"/>
+            <a:ext cx="190849" cy="120314"/>
+          </a:xfrm>
+          <a:prstGeom prst="triangle">
+            <a:avLst>
+              <a:gd name="adj" fmla="val 50000"/>
+            </a:avLst>
+          </a:prstGeom>
+          <a:solidFill>
+            <a:schemeClr val="accent2"/>
+          </a:solidFill>
+          <a:ln w="25400" cap="rnd" cmpd="sng" algn="ctr">
+            <a:noFill/>
+            <a:prstDash val="solid"/>
+          </a:ln>
+          <a:effectLst/>
+        </p:spPr>
+        <p:style>
+          <a:lnRef idx="3">
+            <a:schemeClr val="lt1"/>
+          </a:lnRef>
+          <a:fillRef idx="1">
+            <a:schemeClr val="accent1"/>
+          </a:fillRef>
+          <a:effectRef idx="1">
+            <a:schemeClr val="accent1"/>
+          </a:effectRef>
+          <a:fontRef idx="minor">
+            <a:schemeClr val="lt1"/>
+          </a:fontRef>
+        </p:style>
+        <p:txBody>
+          <a:bodyPr anchor="ctr"/>
+          <a:lstStyle/>
+          <a:p>
+            <a:pPr algn="ctr" eaLnBrk="1" latinLnBrk="0" hangingPunct="1"/>
+            <a:endParaRPr kumimoji="0" lang="en-US"/>
           </a:p>
         </p:txBody>
       </p:sp>
@@ -1994,7 +2773,7 @@
 </file>
 
 <file path=ppt/slideLayouts/slideLayout8.xml><?xml version="1.0" encoding="utf-8"?>
-<p:sldLayout xmlns:a="http://schemas.openxmlformats.org/drawingml/2006/main" xmlns:r="http://schemas.openxmlformats.org/officeDocument/2006/relationships" xmlns:p="http://schemas.openxmlformats.org/presentationml/2006/main" type="objTx" preserve="1">
+<p:sldLayout xmlns:a="http://schemas.openxmlformats.org/drawingml/2006/main" xmlns:r="http://schemas.openxmlformats.org/officeDocument/2006/relationships" xmlns:p="http://schemas.openxmlformats.org/presentationml/2006/main" showMasterSp="0" type="objTx" preserve="1">
   <p:cSld name="Content with Caption">
     <p:spTree>
       <p:nvGrpSpPr>
@@ -2022,171 +2801,90 @@
         </p:nvSpPr>
         <p:spPr>
           <a:xfrm>
-            <a:off x="457200" y="273050"/>
-            <a:ext cx="3008313" cy="1162050"/>
-          </a:xfrm>
-        </p:spPr>
-        <p:txBody>
-          <a:bodyPr anchor="b"/>
+            <a:off x="6324600" y="304800"/>
+            <a:ext cx="2514600" cy="838200"/>
+          </a:xfrm>
+        </p:spPr>
+        <p:txBody>
+          <a:bodyPr anchor="b" anchorCtr="0">
+            <a:noAutofit/>
+          </a:bodyPr>
           <a:lstStyle>
             <a:lvl1pPr algn="l">
-              <a:defRPr sz="2000" b="1"/>
+              <a:buNone/>
+              <a:defRPr sz="2000" b="1">
+                <a:solidFill>
+                  <a:schemeClr val="tx2"/>
+                </a:solidFill>
+                <a:latin typeface="+mn-lt"/>
+                <a:ea typeface="+mn-ea"/>
+                <a:cs typeface="+mn-cs"/>
+              </a:defRPr>
             </a:lvl1pPr>
           </a:lstStyle>
           <a:p>
             <a:r>
-              <a:rPr lang="en-US" smtClean="0"/>
+              <a:rPr kumimoji="0" lang="en-US" smtClean="0"/>
               <a:t>Click to edit Master title style</a:t>
             </a:r>
-            <a:endParaRPr lang="en-US"/>
-          </a:p>
-        </p:txBody>
-      </p:sp>
-      <p:sp>
-        <p:nvSpPr>
-          <p:cNvPr id="3" name="Content Placeholder 2"/>
-          <p:cNvSpPr>
-            <a:spLocks noGrp="1"/>
-          </p:cNvSpPr>
-          <p:nvPr>
-            <p:ph idx="1"/>
+            <a:endParaRPr kumimoji="0" lang="en-US"/>
+          </a:p>
+        </p:txBody>
+      </p:sp>
+      <p:sp>
+        <p:nvSpPr>
+          <p:cNvPr id="3" name="Text Placeholder 2"/>
+          <p:cNvSpPr>
+            <a:spLocks noGrp="1"/>
+          </p:cNvSpPr>
+          <p:nvPr>
+            <p:ph type="body" idx="2"/>
           </p:nvPr>
         </p:nvSpPr>
         <p:spPr>
           <a:xfrm>
-            <a:off x="3575050" y="273050"/>
-            <a:ext cx="5111750" cy="5853113"/>
+            <a:off x="6324600" y="1219200"/>
+            <a:ext cx="2514600" cy="4843463"/>
           </a:xfrm>
         </p:spPr>
         <p:txBody>
           <a:bodyPr/>
           <a:lstStyle>
-            <a:lvl1pPr>
-              <a:defRPr sz="3200"/>
+            <a:lvl1pPr marL="0" indent="0">
+              <a:lnSpc>
+                <a:spcPts val="2200"/>
+              </a:lnSpc>
+              <a:spcAft>
+                <a:spcPts val="1000"/>
+              </a:spcAft>
+              <a:buNone/>
+              <a:defRPr sz="1600">
+                <a:solidFill>
+                  <a:schemeClr val="tx2"/>
+                </a:solidFill>
+              </a:defRPr>
             </a:lvl1pPr>
             <a:lvl2pPr>
-              <a:defRPr sz="2800"/>
-            </a:lvl2pPr>
-            <a:lvl3pPr>
-              <a:defRPr sz="2400"/>
-            </a:lvl3pPr>
-            <a:lvl4pPr>
-              <a:defRPr sz="2000"/>
-            </a:lvl4pPr>
-            <a:lvl5pPr>
-              <a:defRPr sz="2000"/>
-            </a:lvl5pPr>
-            <a:lvl6pPr>
-              <a:defRPr sz="2000"/>
-            </a:lvl6pPr>
-            <a:lvl7pPr>
-              <a:defRPr sz="2000"/>
-            </a:lvl7pPr>
-            <a:lvl8pPr>
-              <a:defRPr sz="2000"/>
-            </a:lvl8pPr>
-            <a:lvl9pPr>
-              <a:defRPr sz="2000"/>
-            </a:lvl9pPr>
-          </a:lstStyle>
-          <a:p>
-            <a:pPr lvl="0"/>
-            <a:r>
-              <a:rPr lang="en-US" smtClean="0"/>
-              <a:t>Click to edit Master text styles</a:t>
-            </a:r>
-          </a:p>
-          <a:p>
-            <a:pPr lvl="1"/>
-            <a:r>
-              <a:rPr lang="en-US" smtClean="0"/>
-              <a:t>Second level</a:t>
-            </a:r>
-          </a:p>
-          <a:p>
-            <a:pPr lvl="2"/>
-            <a:r>
-              <a:rPr lang="en-US" smtClean="0"/>
-              <a:t>Third level</a:t>
-            </a:r>
-          </a:p>
-          <a:p>
-            <a:pPr lvl="3"/>
-            <a:r>
-              <a:rPr lang="en-US" smtClean="0"/>
-              <a:t>Fourth level</a:t>
-            </a:r>
-          </a:p>
-          <a:p>
-            <a:pPr lvl="4"/>
-            <a:r>
-              <a:rPr lang="en-US" smtClean="0"/>
-              <a:t>Fifth level</a:t>
-            </a:r>
-            <a:endParaRPr lang="en-US"/>
-          </a:p>
-        </p:txBody>
-      </p:sp>
-      <p:sp>
-        <p:nvSpPr>
-          <p:cNvPr id="4" name="Text Placeholder 3"/>
-          <p:cNvSpPr>
-            <a:spLocks noGrp="1"/>
-          </p:cNvSpPr>
-          <p:nvPr>
-            <p:ph type="body" sz="half" idx="2"/>
-          </p:nvPr>
-        </p:nvSpPr>
-        <p:spPr>
-          <a:xfrm>
-            <a:off x="457200" y="1435100"/>
-            <a:ext cx="3008313" cy="4691063"/>
-          </a:xfrm>
-        </p:spPr>
-        <p:txBody>
-          <a:bodyPr/>
-          <a:lstStyle>
-            <a:lvl1pPr marL="0" indent="0">
-              <a:buNone/>
-              <a:defRPr sz="1400"/>
-            </a:lvl1pPr>
-            <a:lvl2pPr marL="457200" indent="0">
               <a:buNone/>
               <a:defRPr sz="1200"/>
             </a:lvl2pPr>
-            <a:lvl3pPr marL="914400" indent="0">
+            <a:lvl3pPr>
               <a:buNone/>
               <a:defRPr sz="1000"/>
             </a:lvl3pPr>
-            <a:lvl4pPr marL="1371600" indent="0">
+            <a:lvl4pPr>
               <a:buNone/>
               <a:defRPr sz="900"/>
             </a:lvl4pPr>
-            <a:lvl5pPr marL="1828800" indent="0">
+            <a:lvl5pPr>
               <a:buNone/>
               <a:defRPr sz="900"/>
             </a:lvl5pPr>
-            <a:lvl6pPr marL="2286000" indent="0">
-              <a:buNone/>
-              <a:defRPr sz="900"/>
-            </a:lvl6pPr>
-            <a:lvl7pPr marL="2743200" indent="0">
-              <a:buNone/>
-              <a:defRPr sz="900"/>
-            </a:lvl7pPr>
-            <a:lvl8pPr marL="3200400" indent="0">
-              <a:buNone/>
-              <a:defRPr sz="900"/>
-            </a:lvl8pPr>
-            <a:lvl9pPr marL="3657600" indent="0">
-              <a:buNone/>
-              <a:defRPr sz="900"/>
-            </a:lvl9pPr>
           </a:lstStyle>
           <a:p>
-            <a:pPr lvl="0"/>
-            <a:r>
-              <a:rPr lang="en-US" smtClean="0"/>
+            <a:pPr lvl="0" eaLnBrk="1" latinLnBrk="0" hangingPunct="1"/>
+            <a:r>
+              <a:rPr kumimoji="0" lang="en-US" smtClean="0"/>
               <a:t>Click to edit Master text styles</a:t>
             </a:r>
           </a:p>
@@ -2209,7 +2907,8 @@
           <a:p>
             <a:fld id="{BE111A4F-694F-4D04-95B0-714038303B55}" type="datetimeFigureOut">
               <a:rPr lang="en-US" smtClean="0"/>
-              <a:t>4/14/2009</a:t>
+              <a:pPr/>
+              <a:t>4/18/2009</a:t>
             </a:fld>
             <a:endParaRPr lang="en-US"/>
           </a:p>
@@ -2251,9 +2950,189 @@
           <a:p>
             <a:fld id="{45E96854-6E70-484C-818F-A5764320AC80}" type="slidenum">
               <a:rPr lang="en-US" smtClean="0"/>
+              <a:pPr/>
               <a:t>‹#›</a:t>
             </a:fld>
             <a:endParaRPr lang="en-US"/>
+          </a:p>
+        </p:txBody>
+      </p:sp>
+      <p:sp>
+        <p:nvSpPr>
+          <p:cNvPr id="8" name="Straight Connector 7"/>
+          <p:cNvSpPr>
+            <a:spLocks noChangeShapeType="1"/>
+          </p:cNvSpPr>
+          <p:nvPr/>
+        </p:nvSpPr>
+        <p:spPr bwMode="auto">
+          <a:xfrm>
+            <a:off x="457200" y="6353175"/>
+            <a:ext cx="8229600" cy="0"/>
+          </a:xfrm>
+          <a:prstGeom prst="line">
+            <a:avLst/>
+          </a:prstGeom>
+          <a:noFill/>
+          <a:ln w="9525" cap="flat" cmpd="sng" algn="ctr">
+            <a:solidFill>
+              <a:schemeClr val="accent2"/>
+            </a:solidFill>
+            <a:prstDash val="dash"/>
+            <a:round/>
+            <a:headEnd type="none" w="med" len="med"/>
+            <a:tailEnd type="none" w="med" len="med"/>
+          </a:ln>
+          <a:effectLst/>
+        </p:spPr>
+        <p:txBody>
+          <a:bodyPr vert="horz" wrap="square" lIns="91440" tIns="45720" rIns="91440" bIns="45720" anchor="t" compatLnSpc="1"/>
+          <a:lstStyle/>
+          <a:p>
+            <a:endParaRPr kumimoji="0" lang="en-US"/>
+          </a:p>
+        </p:txBody>
+      </p:sp>
+      <p:sp>
+        <p:nvSpPr>
+          <p:cNvPr id="10" name="Straight Connector 9"/>
+          <p:cNvSpPr>
+            <a:spLocks noChangeShapeType="1"/>
+          </p:cNvSpPr>
+          <p:nvPr/>
+        </p:nvSpPr>
+        <p:spPr bwMode="auto">
+          <a:xfrm rot="5400000">
+            <a:off x="3160645" y="3324225"/>
+            <a:ext cx="6035040" cy="0"/>
+          </a:xfrm>
+          <a:prstGeom prst="line">
+            <a:avLst/>
+          </a:prstGeom>
+          <a:noFill/>
+          <a:ln w="9525" cap="flat" cmpd="sng" algn="ctr">
+            <a:solidFill>
+              <a:schemeClr val="accent2"/>
+            </a:solidFill>
+            <a:prstDash val="dash"/>
+            <a:round/>
+            <a:headEnd type="none" w="med" len="med"/>
+            <a:tailEnd type="none" w="med" len="med"/>
+          </a:ln>
+          <a:effectLst/>
+        </p:spPr>
+        <p:txBody>
+          <a:bodyPr vert="horz" wrap="square" lIns="91440" tIns="45720" rIns="91440" bIns="45720" anchor="t" compatLnSpc="1"/>
+          <a:lstStyle/>
+          <a:p>
+            <a:endParaRPr kumimoji="0" lang="en-US" dirty="0"/>
+          </a:p>
+        </p:txBody>
+      </p:sp>
+      <p:sp>
+        <p:nvSpPr>
+          <p:cNvPr id="9" name="Isosceles Triangle 8"/>
+          <p:cNvSpPr>
+            <a:spLocks noChangeAspect="1"/>
+          </p:cNvSpPr>
+          <p:nvPr/>
+        </p:nvSpPr>
+        <p:spPr>
+          <a:xfrm rot="5400000">
+            <a:off x="419100" y="6467475"/>
+            <a:ext cx="190849" cy="120314"/>
+          </a:xfrm>
+          <a:prstGeom prst="triangle">
+            <a:avLst>
+              <a:gd name="adj" fmla="val 50000"/>
+            </a:avLst>
+          </a:prstGeom>
+          <a:solidFill>
+            <a:schemeClr val="accent2"/>
+          </a:solidFill>
+          <a:ln w="25400" cap="rnd" cmpd="sng" algn="ctr">
+            <a:noFill/>
+            <a:prstDash val="solid"/>
+          </a:ln>
+          <a:effectLst/>
+        </p:spPr>
+        <p:style>
+          <a:lnRef idx="3">
+            <a:schemeClr val="lt1"/>
+          </a:lnRef>
+          <a:fillRef idx="1">
+            <a:schemeClr val="accent1"/>
+          </a:fillRef>
+          <a:effectRef idx="1">
+            <a:schemeClr val="accent1"/>
+          </a:effectRef>
+          <a:fontRef idx="minor">
+            <a:schemeClr val="lt1"/>
+          </a:fontRef>
+        </p:style>
+        <p:txBody>
+          <a:bodyPr anchor="ctr"/>
+          <a:lstStyle/>
+          <a:p>
+            <a:pPr algn="ctr" eaLnBrk="1" latinLnBrk="0" hangingPunct="1"/>
+            <a:endParaRPr kumimoji="0" lang="en-US"/>
+          </a:p>
+        </p:txBody>
+      </p:sp>
+      <p:sp>
+        <p:nvSpPr>
+          <p:cNvPr id="12" name="Content Placeholder 11"/>
+          <p:cNvSpPr>
+            <a:spLocks noGrp="1"/>
+          </p:cNvSpPr>
+          <p:nvPr>
+            <p:ph sz="quarter" idx="1"/>
+          </p:nvPr>
+        </p:nvSpPr>
+        <p:spPr>
+          <a:xfrm>
+            <a:off x="304800" y="304800"/>
+            <a:ext cx="5715000" cy="5715000"/>
+          </a:xfrm>
+        </p:spPr>
+        <p:txBody>
+          <a:bodyPr/>
+          <a:lstStyle/>
+          <a:p>
+            <a:pPr lvl="0" eaLnBrk="1" latinLnBrk="0" hangingPunct="1"/>
+            <a:r>
+              <a:rPr lang="en-US" smtClean="0"/>
+              <a:t>Click to edit Master text styles</a:t>
+            </a:r>
+          </a:p>
+          <a:p>
+            <a:pPr lvl="1" eaLnBrk="1" latinLnBrk="0" hangingPunct="1"/>
+            <a:r>
+              <a:rPr lang="en-US" smtClean="0"/>
+              <a:t>Second level</a:t>
+            </a:r>
+          </a:p>
+          <a:p>
+            <a:pPr lvl="2" eaLnBrk="1" latinLnBrk="0" hangingPunct="1"/>
+            <a:r>
+              <a:rPr lang="en-US" smtClean="0"/>
+              <a:t>Third level</a:t>
+            </a:r>
+          </a:p>
+          <a:p>
+            <a:pPr lvl="3" eaLnBrk="1" latinLnBrk="0" hangingPunct="1"/>
+            <a:r>
+              <a:rPr lang="en-US" smtClean="0"/>
+              <a:t>Fourth level</a:t>
+            </a:r>
+          </a:p>
+          <a:p>
+            <a:pPr lvl="4" eaLnBrk="1" latinLnBrk="0" hangingPunct="1"/>
+            <a:r>
+              <a:rPr lang="en-US" smtClean="0"/>
+              <a:t>Fifth level</a:t>
+            </a:r>
+            <a:endParaRPr kumimoji="0" lang="en-US"/>
           </a:p>
         </p:txBody>
       </p:sp>
@@ -2266,8 +3145,13 @@
 </file>
 
 <file path=ppt/slideLayouts/slideLayout9.xml><?xml version="1.0" encoding="utf-8"?>
-<p:sldLayout xmlns:a="http://schemas.openxmlformats.org/drawingml/2006/main" xmlns:r="http://schemas.openxmlformats.org/officeDocument/2006/relationships" xmlns:p="http://schemas.openxmlformats.org/presentationml/2006/main" type="picTx" preserve="1">
+<p:sldLayout xmlns:a="http://schemas.openxmlformats.org/drawingml/2006/main" xmlns:r="http://schemas.openxmlformats.org/officeDocument/2006/relationships" xmlns:p="http://schemas.openxmlformats.org/presentationml/2006/main" showMasterSp="0" type="picTx" preserve="1">
   <p:cSld name="Picture with Caption">
+    <p:bg>
+      <p:bgRef idx="1001">
+        <a:schemeClr val="bg2"/>
+      </p:bgRef>
+    </p:bg>
     <p:spTree>
       <p:nvGrpSpPr>
         <p:cNvPr id="1" name=""/>
@@ -2294,23 +3178,33 @@
         </p:nvSpPr>
         <p:spPr>
           <a:xfrm>
-            <a:off x="1792288" y="4800600"/>
-            <a:ext cx="5486400" cy="566738"/>
-          </a:xfrm>
-        </p:spPr>
-        <p:txBody>
-          <a:bodyPr anchor="b"/>
+            <a:off x="457200" y="500856"/>
+            <a:ext cx="8229600" cy="674688"/>
+          </a:xfrm>
+          <a:ln>
+            <a:solidFill>
+              <a:schemeClr val="accent1"/>
+            </a:solidFill>
+          </a:ln>
+        </p:spPr>
+        <p:txBody>
+          <a:bodyPr lIns="274320" anchor="ctr"/>
           <a:lstStyle>
-            <a:lvl1pPr algn="l">
-              <a:defRPr sz="2000" b="1"/>
+            <a:lvl1pPr algn="r">
+              <a:buNone/>
+              <a:defRPr sz="2000" b="0">
+                <a:solidFill>
+                  <a:schemeClr val="tx1"/>
+                </a:solidFill>
+              </a:defRPr>
             </a:lvl1pPr>
           </a:lstStyle>
           <a:p>
             <a:r>
-              <a:rPr lang="en-US" smtClean="0"/>
+              <a:rPr kumimoji="0" lang="en-US" smtClean="0"/>
               <a:t>Click to edit Master title style</a:t>
             </a:r>
-            <a:endParaRPr lang="en-US"/>
+            <a:endParaRPr kumimoji="0" lang="en-US"/>
           </a:p>
         </p:txBody>
       </p:sp>
@@ -2326,52 +3220,36 @@
         </p:nvSpPr>
         <p:spPr>
           <a:xfrm>
-            <a:off x="1792288" y="612775"/>
-            <a:ext cx="5486400" cy="4114800"/>
-          </a:xfrm>
+            <a:off x="457200" y="1905000"/>
+            <a:ext cx="8229600" cy="4270248"/>
+          </a:xfrm>
+          <a:solidFill>
+            <a:schemeClr val="tx1">
+              <a:shade val="50000"/>
+            </a:schemeClr>
+          </a:solidFill>
+          <a:ln>
+            <a:noFill/>
+          </a:ln>
+          <a:effectLst/>
         </p:spPr>
         <p:txBody>
           <a:bodyPr/>
           <a:lstStyle>
             <a:lvl1pPr marL="0" indent="0">
+              <a:spcBef>
+                <a:spcPts val="600"/>
+              </a:spcBef>
               <a:buNone/>
               <a:defRPr sz="3200"/>
             </a:lvl1pPr>
-            <a:lvl2pPr marL="457200" indent="0">
-              <a:buNone/>
-              <a:defRPr sz="2800"/>
-            </a:lvl2pPr>
-            <a:lvl3pPr marL="914400" indent="0">
-              <a:buNone/>
-              <a:defRPr sz="2400"/>
-            </a:lvl3pPr>
-            <a:lvl4pPr marL="1371600" indent="0">
-              <a:buNone/>
-              <a:defRPr sz="2000"/>
-            </a:lvl4pPr>
-            <a:lvl5pPr marL="1828800" indent="0">
-              <a:buNone/>
-              <a:defRPr sz="2000"/>
-            </a:lvl5pPr>
-            <a:lvl6pPr marL="2286000" indent="0">
-              <a:buNone/>
-              <a:defRPr sz="2000"/>
-            </a:lvl6pPr>
-            <a:lvl7pPr marL="2743200" indent="0">
-              <a:buNone/>
-              <a:defRPr sz="2000"/>
-            </a:lvl7pPr>
-            <a:lvl8pPr marL="3200400" indent="0">
-              <a:buNone/>
-              <a:defRPr sz="2000"/>
-            </a:lvl8pPr>
-            <a:lvl9pPr marL="3657600" indent="0">
-              <a:buNone/>
-              <a:defRPr sz="2000"/>
-            </a:lvl9pPr>
           </a:lstStyle>
           <a:p>
-            <a:endParaRPr lang="en-US"/>
+            <a:r>
+              <a:rPr kumimoji="0" lang="en-US" smtClean="0"/>
+              <a:t>Click icon to add picture</a:t>
+            </a:r>
+            <a:endParaRPr kumimoji="0" lang="en-US" dirty="0"/>
           </a:p>
         </p:txBody>
       </p:sp>
@@ -2387,54 +3265,35 @@
         </p:nvSpPr>
         <p:spPr>
           <a:xfrm>
-            <a:off x="1792288" y="5367338"/>
-            <a:ext cx="5486400" cy="804862"/>
-          </a:xfrm>
-        </p:spPr>
-        <p:txBody>
-          <a:bodyPr/>
+            <a:off x="457200" y="1219200"/>
+            <a:ext cx="8229600" cy="533400"/>
+          </a:xfrm>
+        </p:spPr>
+        <p:txBody>
+          <a:bodyPr anchor="ctr" anchorCtr="0"/>
           <a:lstStyle>
-            <a:lvl1pPr marL="0" indent="0">
+            <a:lvl1pPr marL="0" indent="0" algn="l">
+              <a:buFontTx/>
               <a:buNone/>
               <a:defRPr sz="1400"/>
             </a:lvl1pPr>
-            <a:lvl2pPr marL="457200" indent="0">
-              <a:buNone/>
+            <a:lvl2pPr>
               <a:defRPr sz="1200"/>
             </a:lvl2pPr>
-            <a:lvl3pPr marL="914400" indent="0">
-              <a:buNone/>
+            <a:lvl3pPr>
               <a:defRPr sz="1000"/>
             </a:lvl3pPr>
-            <a:lvl4pPr marL="1371600" indent="0">
-              <a:buNone/>
+            <a:lvl4pPr>
               <a:defRPr sz="900"/>
             </a:lvl4pPr>
-            <a:lvl5pPr marL="1828800" indent="0">
-              <a:buNone/>
+            <a:lvl5pPr>
               <a:defRPr sz="900"/>
             </a:lvl5pPr>
-            <a:lvl6pPr marL="2286000" indent="0">
-              <a:buNone/>
-              <a:defRPr sz="900"/>
-            </a:lvl6pPr>
-            <a:lvl7pPr marL="2743200" indent="0">
-              <a:buNone/>
-              <a:defRPr sz="900"/>
-            </a:lvl7pPr>
-            <a:lvl8pPr marL="3200400" indent="0">
-              <a:buNone/>
-              <a:defRPr sz="900"/>
-            </a:lvl8pPr>
-            <a:lvl9pPr marL="3657600" indent="0">
-              <a:buNone/>
-              <a:defRPr sz="900"/>
-            </a:lvl9pPr>
           </a:lstStyle>
           <a:p>
-            <a:pPr lvl="0"/>
-            <a:r>
-              <a:rPr lang="en-US" smtClean="0"/>
+            <a:pPr lvl="0" eaLnBrk="1" latinLnBrk="0" hangingPunct="1"/>
+            <a:r>
+              <a:rPr kumimoji="0" lang="en-US" smtClean="0"/>
               <a:t>Click to edit Master text styles</a:t>
             </a:r>
           </a:p>
@@ -2457,7 +3316,8 @@
           <a:p>
             <a:fld id="{BE111A4F-694F-4D04-95B0-714038303B55}" type="datetimeFigureOut">
               <a:rPr lang="en-US" smtClean="0"/>
-              <a:t>4/14/2009</a:t>
+              <a:pPr/>
+              <a:t>4/18/2009</a:t>
             </a:fld>
             <a:endParaRPr lang="en-US"/>
           </a:p>
@@ -2499,16 +3359,149 @@
           <a:p>
             <a:fld id="{45E96854-6E70-484C-818F-A5764320AC80}" type="slidenum">
               <a:rPr lang="en-US" smtClean="0"/>
+              <a:pPr/>
               <a:t>‹#›</a:t>
             </a:fld>
             <a:endParaRPr lang="en-US"/>
           </a:p>
         </p:txBody>
       </p:sp>
+      <p:sp>
+        <p:nvSpPr>
+          <p:cNvPr id="8" name="Straight Connector 7"/>
+          <p:cNvSpPr>
+            <a:spLocks noChangeShapeType="1"/>
+          </p:cNvSpPr>
+          <p:nvPr/>
+        </p:nvSpPr>
+        <p:spPr bwMode="auto">
+          <a:xfrm>
+            <a:off x="457200" y="6353175"/>
+            <a:ext cx="8229600" cy="0"/>
+          </a:xfrm>
+          <a:prstGeom prst="line">
+            <a:avLst/>
+          </a:prstGeom>
+          <a:noFill/>
+          <a:ln w="9525" cap="flat" cmpd="sng" algn="ctr">
+            <a:solidFill>
+              <a:schemeClr val="accent2"/>
+            </a:solidFill>
+            <a:prstDash val="dash"/>
+            <a:round/>
+            <a:headEnd type="none" w="med" len="med"/>
+            <a:tailEnd type="none" w="med" len="med"/>
+          </a:ln>
+          <a:effectLst/>
+        </p:spPr>
+        <p:txBody>
+          <a:bodyPr vert="horz" wrap="square" lIns="91440" tIns="45720" rIns="91440" bIns="45720" anchor="t" compatLnSpc="1"/>
+          <a:lstStyle/>
+          <a:p>
+            <a:endParaRPr kumimoji="0" lang="en-US"/>
+          </a:p>
+        </p:txBody>
+      </p:sp>
+      <p:sp>
+        <p:nvSpPr>
+          <p:cNvPr id="9" name="Isosceles Triangle 8"/>
+          <p:cNvSpPr>
+            <a:spLocks noChangeAspect="1"/>
+          </p:cNvSpPr>
+          <p:nvPr/>
+        </p:nvSpPr>
+        <p:spPr>
+          <a:xfrm rot="5400000">
+            <a:off x="419100" y="6467475"/>
+            <a:ext cx="190849" cy="120314"/>
+          </a:xfrm>
+          <a:prstGeom prst="triangle">
+            <a:avLst>
+              <a:gd name="adj" fmla="val 50000"/>
+            </a:avLst>
+          </a:prstGeom>
+          <a:solidFill>
+            <a:schemeClr val="accent2"/>
+          </a:solidFill>
+          <a:ln w="25400" cap="rnd" cmpd="sng" algn="ctr">
+            <a:noFill/>
+            <a:prstDash val="solid"/>
+          </a:ln>
+          <a:effectLst/>
+        </p:spPr>
+        <p:style>
+          <a:lnRef idx="3">
+            <a:schemeClr val="lt1"/>
+          </a:lnRef>
+          <a:fillRef idx="1">
+            <a:schemeClr val="accent1"/>
+          </a:fillRef>
+          <a:effectRef idx="1">
+            <a:schemeClr val="accent1"/>
+          </a:effectRef>
+          <a:fontRef idx="minor">
+            <a:schemeClr val="lt1"/>
+          </a:fontRef>
+        </p:style>
+        <p:txBody>
+          <a:bodyPr anchor="ctr"/>
+          <a:lstStyle/>
+          <a:p>
+            <a:pPr algn="ctr" eaLnBrk="1" latinLnBrk="0" hangingPunct="1"/>
+            <a:endParaRPr kumimoji="0" lang="en-US"/>
+          </a:p>
+        </p:txBody>
+      </p:sp>
+      <p:sp>
+        <p:nvSpPr>
+          <p:cNvPr id="10" name="Rectangle 9"/>
+          <p:cNvSpPr/>
+          <p:nvPr/>
+        </p:nvSpPr>
+        <p:spPr>
+          <a:xfrm>
+            <a:off x="457200" y="500856"/>
+            <a:ext cx="182880" cy="685800"/>
+          </a:xfrm>
+          <a:prstGeom prst="rect">
+            <a:avLst/>
+          </a:prstGeom>
+          <a:solidFill>
+            <a:schemeClr val="accent1"/>
+          </a:solidFill>
+          <a:ln w="6350" cap="rnd" cmpd="sng" algn="ctr">
+            <a:noFill/>
+            <a:prstDash val="solid"/>
+          </a:ln>
+          <a:effectLst/>
+        </p:spPr>
+        <p:style>
+          <a:lnRef idx="3">
+            <a:schemeClr val="lt1"/>
+          </a:lnRef>
+          <a:fillRef idx="1">
+            <a:schemeClr val="accent1"/>
+          </a:fillRef>
+          <a:effectRef idx="1">
+            <a:schemeClr val="accent1"/>
+          </a:effectRef>
+          <a:fontRef idx="minor">
+            <a:schemeClr val="lt1"/>
+          </a:fontRef>
+        </p:style>
+        <p:txBody>
+          <a:bodyPr anchor="ctr"/>
+          <a:lstStyle/>
+          <a:p>
+            <a:pPr algn="ctr" eaLnBrk="1" latinLnBrk="0" hangingPunct="1"/>
+            <a:endParaRPr kumimoji="0" lang="en-US"/>
+          </a:p>
+        </p:txBody>
+      </p:sp>
     </p:spTree>
   </p:cSld>
   <p:clrMapOvr>
-    <a:masterClrMapping/>
+    <a:overrideClrMapping bg1="dk1" tx1="lt1" bg2="dk2" tx2="lt2" accent1="accent1" accent2="accent2" accent3="accent3" accent4="accent4" accent5="accent5" accent6="accent6" hlink="hlink" folHlink="folHlink"/>
   </p:clrMapOvr>
 </p:sldLayout>
 </file>
@@ -2537,7 +3530,7 @@
       </p:grpSpPr>
       <p:sp>
         <p:nvSpPr>
-          <p:cNvPr id="2" name="Title Placeholder 1"/>
+          <p:cNvPr id="22" name="Title Placeholder 21"/>
           <p:cNvSpPr>
             <a:spLocks noGrp="1"/>
           </p:cNvSpPr>
@@ -2547,30 +3540,30 @@
         </p:nvSpPr>
         <p:spPr>
           <a:xfrm>
-            <a:off x="457200" y="274638"/>
-            <a:ext cx="8229600" cy="1143000"/>
+            <a:off x="457200" y="152400"/>
+            <a:ext cx="8229600" cy="990600"/>
           </a:xfrm>
           <a:prstGeom prst="rect">
             <a:avLst/>
           </a:prstGeom>
         </p:spPr>
         <p:txBody>
-          <a:bodyPr vert="horz" lIns="91440" tIns="45720" rIns="91440" bIns="45720" rtlCol="0" anchor="ctr">
+          <a:bodyPr vert="horz" anchor="b" anchorCtr="0">
             <a:normAutofit/>
           </a:bodyPr>
           <a:lstStyle/>
           <a:p>
             <a:r>
-              <a:rPr lang="en-US" smtClean="0"/>
+              <a:rPr kumimoji="0" lang="en-US" smtClean="0"/>
               <a:t>Click to edit Master title style</a:t>
             </a:r>
-            <a:endParaRPr lang="en-US"/>
-          </a:p>
-        </p:txBody>
-      </p:sp>
-      <p:sp>
-        <p:nvSpPr>
-          <p:cNvPr id="3" name="Text Placeholder 2"/>
+            <a:endParaRPr kumimoji="0" lang="en-US"/>
+          </a:p>
+        </p:txBody>
+      </p:sp>
+      <p:sp>
+        <p:nvSpPr>
+          <p:cNvPr id="13" name="Text Placeholder 12"/>
           <p:cNvSpPr>
             <a:spLocks noGrp="1"/>
           </p:cNvSpPr>
@@ -2580,59 +3573,59 @@
         </p:nvSpPr>
         <p:spPr>
           <a:xfrm>
-            <a:off x="457200" y="1600200"/>
-            <a:ext cx="8229600" cy="4525963"/>
+            <a:off x="457200" y="1219200"/>
+            <a:ext cx="8229600" cy="4910328"/>
           </a:xfrm>
           <a:prstGeom prst="rect">
             <a:avLst/>
           </a:prstGeom>
         </p:spPr>
         <p:txBody>
-          <a:bodyPr vert="horz" lIns="91440" tIns="45720" rIns="91440" bIns="45720" rtlCol="0">
+          <a:bodyPr vert="horz">
             <a:normAutofit/>
           </a:bodyPr>
           <a:lstStyle/>
           <a:p>
-            <a:pPr lvl="0"/>
-            <a:r>
-              <a:rPr lang="en-US" smtClean="0"/>
+            <a:pPr lvl="0" eaLnBrk="1" latinLnBrk="0" hangingPunct="1"/>
+            <a:r>
+              <a:rPr kumimoji="0" lang="en-US" smtClean="0"/>
               <a:t>Click to edit Master text styles</a:t>
             </a:r>
           </a:p>
           <a:p>
-            <a:pPr lvl="1"/>
-            <a:r>
-              <a:rPr lang="en-US" smtClean="0"/>
+            <a:pPr lvl="1" eaLnBrk="1" latinLnBrk="0" hangingPunct="1"/>
+            <a:r>
+              <a:rPr kumimoji="0" lang="en-US" smtClean="0"/>
               <a:t>Second level</a:t>
             </a:r>
           </a:p>
           <a:p>
-            <a:pPr lvl="2"/>
-            <a:r>
-              <a:rPr lang="en-US" smtClean="0"/>
+            <a:pPr lvl="2" eaLnBrk="1" latinLnBrk="0" hangingPunct="1"/>
+            <a:r>
+              <a:rPr kumimoji="0" lang="en-US" smtClean="0"/>
               <a:t>Third level</a:t>
             </a:r>
           </a:p>
           <a:p>
-            <a:pPr lvl="3"/>
-            <a:r>
-              <a:rPr lang="en-US" smtClean="0"/>
+            <a:pPr lvl="3" eaLnBrk="1" latinLnBrk="0" hangingPunct="1"/>
+            <a:r>
+              <a:rPr kumimoji="0" lang="en-US" smtClean="0"/>
               <a:t>Fourth level</a:t>
             </a:r>
           </a:p>
           <a:p>
-            <a:pPr lvl="4"/>
-            <a:r>
-              <a:rPr lang="en-US" smtClean="0"/>
+            <a:pPr lvl="4" eaLnBrk="1" latinLnBrk="0" hangingPunct="1"/>
+            <a:r>
+              <a:rPr kumimoji="0" lang="en-US" smtClean="0"/>
               <a:t>Fifth level</a:t>
             </a:r>
-            <a:endParaRPr lang="en-US"/>
-          </a:p>
-        </p:txBody>
-      </p:sp>
-      <p:sp>
-        <p:nvSpPr>
-          <p:cNvPr id="4" name="Date Placeholder 3"/>
+            <a:endParaRPr kumimoji="0" lang="en-US"/>
+          </a:p>
+        </p:txBody>
+      </p:sp>
+      <p:sp>
+        <p:nvSpPr>
+          <p:cNvPr id="14" name="Date Placeholder 13"/>
           <p:cNvSpPr>
             <a:spLocks noGrp="1"/>
           </p:cNvSpPr>
@@ -2642,22 +3635,20 @@
         </p:nvSpPr>
         <p:spPr>
           <a:xfrm>
-            <a:off x="457200" y="6356350"/>
-            <a:ext cx="2133600" cy="365125"/>
+            <a:off x="6400800" y="6356350"/>
+            <a:ext cx="2289048" cy="365760"/>
           </a:xfrm>
           <a:prstGeom prst="rect">
             <a:avLst/>
           </a:prstGeom>
         </p:spPr>
         <p:txBody>
-          <a:bodyPr vert="horz" lIns="91440" tIns="45720" rIns="91440" bIns="45720" rtlCol="0" anchor="ctr"/>
+          <a:bodyPr vert="horz"/>
           <a:lstStyle>
-            <a:lvl1pPr algn="l">
-              <a:defRPr sz="1200">
+            <a:lvl1pPr algn="l" eaLnBrk="1" latinLnBrk="0" hangingPunct="1">
+              <a:defRPr kumimoji="0" sz="1400">
                 <a:solidFill>
-                  <a:schemeClr val="tx1">
-                    <a:tint val="75000"/>
-                  </a:schemeClr>
+                  <a:schemeClr val="tx2"/>
                 </a:solidFill>
               </a:defRPr>
             </a:lvl1pPr>
@@ -2665,7 +3656,8 @@
           <a:p>
             <a:fld id="{BE111A4F-694F-4D04-95B0-714038303B55}" type="datetimeFigureOut">
               <a:rPr lang="en-US" smtClean="0"/>
-              <a:t>4/14/2009</a:t>
+              <a:pPr/>
+              <a:t>4/18/2009</a:t>
             </a:fld>
             <a:endParaRPr lang="en-US"/>
           </a:p>
@@ -2673,7 +3665,7 @@
       </p:sp>
       <p:sp>
         <p:nvSpPr>
-          <p:cNvPr id="5" name="Footer Placeholder 4"/>
+          <p:cNvPr id="3" name="Footer Placeholder 2"/>
           <p:cNvSpPr>
             <a:spLocks noGrp="1"/>
           </p:cNvSpPr>
@@ -2683,22 +3675,20 @@
         </p:nvSpPr>
         <p:spPr>
           <a:xfrm>
-            <a:off x="3124200" y="6356350"/>
-            <a:ext cx="2895600" cy="365125"/>
+            <a:off x="2898648" y="6356350"/>
+            <a:ext cx="3505200" cy="365760"/>
           </a:xfrm>
           <a:prstGeom prst="rect">
             <a:avLst/>
           </a:prstGeom>
         </p:spPr>
         <p:txBody>
-          <a:bodyPr vert="horz" lIns="91440" tIns="45720" rIns="91440" bIns="45720" rtlCol="0" anchor="ctr"/>
+          <a:bodyPr vert="horz"/>
           <a:lstStyle>
-            <a:lvl1pPr algn="ctr">
-              <a:defRPr sz="1200">
+            <a:lvl1pPr algn="r" eaLnBrk="1" latinLnBrk="0" hangingPunct="1">
+              <a:defRPr kumimoji="0" sz="1400">
                 <a:solidFill>
-                  <a:schemeClr val="tx1">
-                    <a:tint val="75000"/>
-                  </a:schemeClr>
+                  <a:schemeClr val="tx2"/>
                 </a:solidFill>
               </a:defRPr>
             </a:lvl1pPr>
@@ -2710,7 +3700,7 @@
       </p:sp>
       <p:sp>
         <p:nvSpPr>
-          <p:cNvPr id="6" name="Slide Number Placeholder 5"/>
+          <p:cNvPr id="23" name="Slide Number Placeholder 22"/>
           <p:cNvSpPr>
             <a:spLocks noGrp="1"/>
           </p:cNvSpPr>
@@ -2720,22 +3710,20 @@
         </p:nvSpPr>
         <p:spPr>
           <a:xfrm>
-            <a:off x="6553200" y="6356350"/>
-            <a:ext cx="2133600" cy="365125"/>
+            <a:off x="612648" y="6356350"/>
+            <a:ext cx="1981200" cy="365760"/>
           </a:xfrm>
           <a:prstGeom prst="rect">
             <a:avLst/>
           </a:prstGeom>
         </p:spPr>
         <p:txBody>
-          <a:bodyPr vert="horz" lIns="91440" tIns="45720" rIns="91440" bIns="45720" rtlCol="0" anchor="ctr"/>
+          <a:bodyPr vert="horz"/>
           <a:lstStyle>
-            <a:lvl1pPr algn="r">
-              <a:defRPr sz="1200">
+            <a:lvl1pPr algn="l" eaLnBrk="1" latinLnBrk="0" hangingPunct="1">
+              <a:defRPr kumimoji="0" sz="1400">
                 <a:solidFill>
-                  <a:schemeClr val="tx1">
-                    <a:tint val="75000"/>
-                  </a:schemeClr>
+                  <a:schemeClr val="tx2"/>
                 </a:solidFill>
               </a:defRPr>
             </a:lvl1pPr>
@@ -2743,9 +3731,132 @@
           <a:p>
             <a:fld id="{45E96854-6E70-484C-818F-A5764320AC80}" type="slidenum">
               <a:rPr lang="en-US" smtClean="0"/>
+              <a:pPr/>
               <a:t>‹#›</a:t>
             </a:fld>
             <a:endParaRPr lang="en-US"/>
+          </a:p>
+        </p:txBody>
+      </p:sp>
+      <p:sp>
+        <p:nvSpPr>
+          <p:cNvPr id="28" name="Straight Connector 27"/>
+          <p:cNvSpPr>
+            <a:spLocks noChangeShapeType="1"/>
+          </p:cNvSpPr>
+          <p:nvPr/>
+        </p:nvSpPr>
+        <p:spPr bwMode="auto">
+          <a:xfrm>
+            <a:off x="457200" y="6353175"/>
+            <a:ext cx="8229600" cy="0"/>
+          </a:xfrm>
+          <a:prstGeom prst="line">
+            <a:avLst/>
+          </a:prstGeom>
+          <a:noFill/>
+          <a:ln w="9525" cap="flat" cmpd="sng" algn="ctr">
+            <a:solidFill>
+              <a:schemeClr val="accent2"/>
+            </a:solidFill>
+            <a:prstDash val="dash"/>
+            <a:round/>
+            <a:headEnd type="none" w="med" len="med"/>
+            <a:tailEnd type="none" w="med" len="med"/>
+          </a:ln>
+          <a:effectLst/>
+        </p:spPr>
+        <p:txBody>
+          <a:bodyPr vert="horz" wrap="square" lIns="91440" tIns="45720" rIns="91440" bIns="45720" anchor="t" compatLnSpc="1"/>
+          <a:lstStyle/>
+          <a:p>
+            <a:endParaRPr kumimoji="0" lang="en-US"/>
+          </a:p>
+        </p:txBody>
+      </p:sp>
+      <p:sp>
+        <p:nvSpPr>
+          <p:cNvPr id="29" name="Straight Connector 28"/>
+          <p:cNvSpPr>
+            <a:spLocks noChangeShapeType="1"/>
+          </p:cNvSpPr>
+          <p:nvPr/>
+        </p:nvSpPr>
+        <p:spPr bwMode="auto">
+          <a:xfrm>
+            <a:off x="457200" y="1143000"/>
+            <a:ext cx="8229600" cy="0"/>
+          </a:xfrm>
+          <a:prstGeom prst="line">
+            <a:avLst/>
+          </a:prstGeom>
+          <a:noFill/>
+          <a:ln w="9525" cap="flat" cmpd="sng" algn="ctr">
+            <a:solidFill>
+              <a:schemeClr val="accent2"/>
+            </a:solidFill>
+            <a:prstDash val="dash"/>
+            <a:round/>
+            <a:headEnd type="none" w="med" len="med"/>
+            <a:tailEnd type="none" w="med" len="med"/>
+          </a:ln>
+          <a:effectLst/>
+        </p:spPr>
+        <p:txBody>
+          <a:bodyPr vert="horz" wrap="square" lIns="91440" tIns="45720" rIns="91440" bIns="45720" anchor="t" compatLnSpc="1"/>
+          <a:lstStyle/>
+          <a:p>
+            <a:endParaRPr kumimoji="0" lang="en-US"/>
+          </a:p>
+        </p:txBody>
+      </p:sp>
+      <p:sp>
+        <p:nvSpPr>
+          <p:cNvPr id="10" name="Isosceles Triangle 9"/>
+          <p:cNvSpPr>
+            <a:spLocks noChangeAspect="1"/>
+          </p:cNvSpPr>
+          <p:nvPr/>
+        </p:nvSpPr>
+        <p:spPr>
+          <a:xfrm rot="5400000">
+            <a:off x="419100" y="6467475"/>
+            <a:ext cx="190849" cy="120314"/>
+          </a:xfrm>
+          <a:prstGeom prst="triangle">
+            <a:avLst>
+              <a:gd name="adj" fmla="val 50000"/>
+            </a:avLst>
+          </a:prstGeom>
+          <a:solidFill>
+            <a:schemeClr val="accent2"/>
+          </a:solidFill>
+          <a:ln w="25400" cap="rnd" cmpd="sng" algn="ctr">
+            <a:noFill/>
+            <a:prstDash val="solid"/>
+          </a:ln>
+          <a:effectLst/>
+        </p:spPr>
+        <p:style>
+          <a:lnRef idx="3">
+            <a:schemeClr val="lt1"/>
+          </a:lnRef>
+          <a:fillRef idx="1">
+            <a:schemeClr val="accent1"/>
+          </a:fillRef>
+          <a:effectRef idx="1">
+            <a:schemeClr val="accent1"/>
+          </a:effectRef>
+          <a:fontRef idx="minor">
+            <a:schemeClr val="lt1"/>
+          </a:fontRef>
+        </p:style>
+        <p:txBody>
+          <a:bodyPr anchor="ctr"/>
+          <a:lstStyle/>
+          <a:p>
+            <a:pPr algn="ctr" eaLnBrk="1" latinLnBrk="0" hangingPunct="1"/>
+            <a:endParaRPr kumimoji="0" lang="en-US"/>
           </a:p>
         </p:txBody>
       </p:sp>
@@ -2753,28 +3864,28 @@
   </p:cSld>
   <p:clrMap bg1="lt1" tx1="dk1" bg2="lt2" tx2="dk2" accent1="accent1" accent2="accent2" accent3="accent3" accent4="accent4" accent5="accent5" accent6="accent6" hlink="hlink" folHlink="folHlink"/>
   <p:sldLayoutIdLst>
-    <p:sldLayoutId id="2147483649" r:id="rId1"/>
-    <p:sldLayoutId id="2147483650" r:id="rId2"/>
-    <p:sldLayoutId id="2147483651" r:id="rId3"/>
-    <p:sldLayoutId id="2147483652" r:id="rId4"/>
-    <p:sldLayoutId id="2147483653" r:id="rId5"/>
-    <p:sldLayoutId id="2147483654" r:id="rId6"/>
-    <p:sldLayoutId id="2147483655" r:id="rId7"/>
-    <p:sldLayoutId id="2147483656" r:id="rId8"/>
-    <p:sldLayoutId id="2147483657" r:id="rId9"/>
-    <p:sldLayoutId id="2147483658" r:id="rId10"/>
-    <p:sldLayoutId id="2147483659" r:id="rId11"/>
+    <p:sldLayoutId id="2147483673" r:id="rId1"/>
+    <p:sldLayoutId id="2147483674" r:id="rId2"/>
+    <p:sldLayoutId id="2147483675" r:id="rId3"/>
+    <p:sldLayoutId id="2147483676" r:id="rId4"/>
+    <p:sldLayoutId id="2147483677" r:id="rId5"/>
+    <p:sldLayoutId id="2147483678" r:id="rId6"/>
+    <p:sldLayoutId id="2147483679" r:id="rId7"/>
+    <p:sldLayoutId id="2147483680" r:id="rId8"/>
+    <p:sldLayoutId id="2147483681" r:id="rId9"/>
+    <p:sldLayoutId id="2147483682" r:id="rId10"/>
+    <p:sldLayoutId id="2147483683" r:id="rId11"/>
   </p:sldLayoutIdLst>
   <p:txStyles>
     <p:titleStyle>
-      <a:lvl1pPr algn="ctr" defTabSz="914400" rtl="0" eaLnBrk="1" latinLnBrk="0" hangingPunct="1">
+      <a:lvl1pPr algn="l" rtl="0" eaLnBrk="1" latinLnBrk="0" hangingPunct="1">
         <a:spcBef>
           <a:spcPct val="0"/>
         </a:spcBef>
         <a:buNone/>
-        <a:defRPr sz="4400" kern="1200">
+        <a:defRPr kumimoji="0" sz="3200" kern="1200">
           <a:solidFill>
-            <a:schemeClr val="tx1"/>
+            <a:schemeClr val="tx2"/>
           </a:solidFill>
           <a:latin typeface="+mj-lt"/>
           <a:ea typeface="+mj-ea"/>
@@ -2783,13 +3894,17 @@
       </a:lvl1pPr>
     </p:titleStyle>
     <p:bodyStyle>
-      <a:lvl1pPr marL="342900" indent="-342900" algn="l" defTabSz="914400" rtl="0" eaLnBrk="1" latinLnBrk="0" hangingPunct="1">
+      <a:lvl1pPr marL="274320" indent="-274320" algn="l" rtl="0" eaLnBrk="1" latinLnBrk="0" hangingPunct="1">
         <a:spcBef>
-          <a:spcPct val="20000"/>
+          <a:spcPts val="600"/>
         </a:spcBef>
-        <a:buFont typeface="Arial" pitchFamily="34" charset="0"/>
-        <a:buChar char="•"/>
-        <a:defRPr sz="3200" kern="1200">
+        <a:buClr>
+          <a:schemeClr val="accent1"/>
+        </a:buClr>
+        <a:buSzPct val="76000"/>
+        <a:buFont typeface="Wingdings 3"/>
+        <a:buChar char=""/>
+        <a:defRPr kumimoji="0" sz="2600" kern="1200">
           <a:solidFill>
             <a:schemeClr val="tx1"/>
           </a:solidFill>
@@ -2798,28 +3913,38 @@
           <a:cs typeface="+mn-cs"/>
         </a:defRPr>
       </a:lvl1pPr>
-      <a:lvl2pPr marL="742950" indent="-285750" algn="l" defTabSz="914400" rtl="0" eaLnBrk="1" latinLnBrk="0" hangingPunct="1">
+      <a:lvl2pPr marL="548640" indent="-274320" algn="l" rtl="0" eaLnBrk="1" latinLnBrk="0" hangingPunct="1">
         <a:spcBef>
-          <a:spcPct val="20000"/>
+          <a:spcPts val="500"/>
         </a:spcBef>
-        <a:buFont typeface="Arial" pitchFamily="34" charset="0"/>
-        <a:buChar char="–"/>
-        <a:defRPr sz="2800" kern="1200">
+        <a:buClr>
+          <a:schemeClr val="accent2"/>
+        </a:buClr>
+        <a:buSzPct val="76000"/>
+        <a:buFont typeface="Wingdings 3"/>
+        <a:buChar char=""/>
+        <a:defRPr kumimoji="0" sz="2300" kern="1200">
           <a:solidFill>
-            <a:schemeClr val="tx1"/>
+            <a:schemeClr val="tx2"/>
           </a:solidFill>
           <a:latin typeface="+mn-lt"/>
           <a:ea typeface="+mn-ea"/>
           <a:cs typeface="+mn-cs"/>
         </a:defRPr>
       </a:lvl2pPr>
-      <a:lvl3pPr marL="1143000" indent="-228600" algn="l" defTabSz="914400" rtl="0" eaLnBrk="1" latinLnBrk="0" hangingPunct="1">
+      <a:lvl3pPr marL="822960" indent="-228600" algn="l" rtl="0" eaLnBrk="1" latinLnBrk="0" hangingPunct="1">
         <a:spcBef>
-          <a:spcPct val="20000"/>
+          <a:spcPts val="500"/>
         </a:spcBef>
-        <a:buFont typeface="Arial" pitchFamily="34" charset="0"/>
-        <a:buChar char="•"/>
-        <a:defRPr sz="2400" kern="1200">
+        <a:buClr>
+          <a:schemeClr val="bg1">
+            <a:shade val="50000"/>
+          </a:schemeClr>
+        </a:buClr>
+        <a:buSzPct val="76000"/>
+        <a:buFont typeface="Wingdings 3"/>
+        <a:buChar char=""/>
+        <a:defRPr kumimoji="0" sz="2000" kern="1200">
           <a:solidFill>
             <a:schemeClr val="tx1"/>
           </a:solidFill>
@@ -2828,13 +3953,19 @@
           <a:cs typeface="+mn-cs"/>
         </a:defRPr>
       </a:lvl3pPr>
-      <a:lvl4pPr marL="1600200" indent="-228600" algn="l" defTabSz="914400" rtl="0" eaLnBrk="1" latinLnBrk="0" hangingPunct="1">
+      <a:lvl4pPr marL="1097280" indent="-228600" algn="l" rtl="0" eaLnBrk="1" latinLnBrk="0" hangingPunct="1">
         <a:spcBef>
-          <a:spcPct val="20000"/>
+          <a:spcPts val="400"/>
         </a:spcBef>
-        <a:buFont typeface="Arial" pitchFamily="34" charset="0"/>
-        <a:buChar char="–"/>
-        <a:defRPr sz="2000" kern="1200">
+        <a:buClr>
+          <a:schemeClr val="accent2">
+            <a:shade val="75000"/>
+          </a:schemeClr>
+        </a:buClr>
+        <a:buSzPct val="70000"/>
+        <a:buFont typeface="Wingdings"/>
+        <a:buChar char=""/>
+        <a:defRPr kumimoji="0" sz="1800" kern="1200">
           <a:solidFill>
             <a:schemeClr val="tx1"/>
           </a:solidFill>
@@ -2843,13 +3974,17 @@
           <a:cs typeface="+mn-cs"/>
         </a:defRPr>
       </a:lvl4pPr>
-      <a:lvl5pPr marL="2057400" indent="-228600" algn="l" defTabSz="914400" rtl="0" eaLnBrk="1" latinLnBrk="0" hangingPunct="1">
+      <a:lvl5pPr marL="1371600" indent="-228600" algn="l" rtl="0" eaLnBrk="1" latinLnBrk="0" hangingPunct="1">
         <a:spcBef>
-          <a:spcPct val="20000"/>
+          <a:spcPts val="300"/>
         </a:spcBef>
-        <a:buFont typeface="Arial" pitchFamily="34" charset="0"/>
-        <a:buChar char="»"/>
-        <a:defRPr sz="2000" kern="1200">
+        <a:buClr>
+          <a:schemeClr val="accent2"/>
+        </a:buClr>
+        <a:buSzPct val="70000"/>
+        <a:buFont typeface="Wingdings"/>
+        <a:buChar char=""/>
+        <a:defRPr kumimoji="0" sz="1600" kern="1200">
           <a:solidFill>
             <a:schemeClr val="tx1"/>
           </a:solidFill>
@@ -2858,13 +3993,19 @@
           <a:cs typeface="+mn-cs"/>
         </a:defRPr>
       </a:lvl5pPr>
-      <a:lvl6pPr marL="2514600" indent="-228600" algn="l" defTabSz="914400" rtl="0" eaLnBrk="1" latinLnBrk="0" hangingPunct="1">
+      <a:lvl6pPr marL="1645920" indent="-182880" algn="l" rtl="0" eaLnBrk="1" latinLnBrk="0" hangingPunct="1">
         <a:spcBef>
-          <a:spcPct val="20000"/>
+          <a:spcPts val="300"/>
         </a:spcBef>
-        <a:buFont typeface="Arial" pitchFamily="34" charset="0"/>
-        <a:buChar char="•"/>
-        <a:defRPr sz="2000" kern="1200">
+        <a:buClr>
+          <a:srgbClr val="9FB8CD">
+            <a:shade val="75000"/>
+          </a:srgbClr>
+        </a:buClr>
+        <a:buSzPct val="75000"/>
+        <a:buFont typeface="Wingdings 3"/>
+        <a:buChar char=""/>
+        <a:defRPr kumimoji="0" lang="en-US" sz="1600" kern="1200" smtClean="0">
           <a:solidFill>
             <a:schemeClr val="tx1"/>
           </a:solidFill>
@@ -2873,13 +4014,19 @@
           <a:cs typeface="+mn-cs"/>
         </a:defRPr>
       </a:lvl6pPr>
-      <a:lvl7pPr marL="2971800" indent="-228600" algn="l" defTabSz="914400" rtl="0" eaLnBrk="1" latinLnBrk="0" hangingPunct="1">
+      <a:lvl7pPr marL="1828800" indent="-182880" algn="l" rtl="0" eaLnBrk="1" latinLnBrk="0" hangingPunct="1">
         <a:spcBef>
-          <a:spcPct val="20000"/>
+          <a:spcPts val="300"/>
         </a:spcBef>
-        <a:buFont typeface="Arial" pitchFamily="34" charset="0"/>
-        <a:buChar char="•"/>
-        <a:defRPr sz="2000" kern="1200">
+        <a:buClr>
+          <a:srgbClr val="727CA3">
+            <a:shade val="75000"/>
+          </a:srgbClr>
+        </a:buClr>
+        <a:buSzPct val="75000"/>
+        <a:buFont typeface="Wingdings 3"/>
+        <a:buChar char=""/>
+        <a:defRPr kumimoji="0" lang="en-US" sz="1400" kern="1200" smtClean="0">
           <a:solidFill>
             <a:schemeClr val="tx1"/>
           </a:solidFill>
@@ -2888,13 +4035,19 @@
           <a:cs typeface="+mn-cs"/>
         </a:defRPr>
       </a:lvl7pPr>
-      <a:lvl8pPr marL="3429000" indent="-228600" algn="l" defTabSz="914400" rtl="0" eaLnBrk="1" latinLnBrk="0" hangingPunct="1">
+      <a:lvl8pPr marL="2011680" indent="-182880" algn="l" rtl="0" eaLnBrk="1" latinLnBrk="0" hangingPunct="1">
         <a:spcBef>
-          <a:spcPct val="20000"/>
+          <a:spcPts val="300"/>
         </a:spcBef>
-        <a:buFont typeface="Arial" pitchFamily="34" charset="0"/>
-        <a:buChar char="•"/>
-        <a:defRPr sz="2000" kern="1200">
+        <a:buClr>
+          <a:prstClr val="white">
+            <a:shade val="50000"/>
+          </a:prstClr>
+        </a:buClr>
+        <a:buSzPct val="75000"/>
+        <a:buFont typeface="Wingdings 3"/>
+        <a:buChar char=""/>
+        <a:defRPr kumimoji="0" lang="en-US" sz="1400" kern="1200" smtClean="0">
           <a:solidFill>
             <a:schemeClr val="tx1"/>
           </a:solidFill>
@@ -2903,13 +4056,17 @@
           <a:cs typeface="+mn-cs"/>
         </a:defRPr>
       </a:lvl8pPr>
-      <a:lvl9pPr marL="3886200" indent="-228600" algn="l" defTabSz="914400" rtl="0" eaLnBrk="1" latinLnBrk="0" hangingPunct="1">
+      <a:lvl9pPr marL="2194560" indent="-182880" algn="l" rtl="0" eaLnBrk="1" latinLnBrk="0" hangingPunct="1">
         <a:spcBef>
-          <a:spcPct val="20000"/>
+          <a:spcPts val="300"/>
         </a:spcBef>
-        <a:buFont typeface="Arial" pitchFamily="34" charset="0"/>
-        <a:buChar char="•"/>
-        <a:defRPr sz="2000" kern="1200">
+        <a:buClr>
+          <a:srgbClr val="9FB8CD"/>
+        </a:buClr>
+        <a:buSzPct val="75000"/>
+        <a:buFont typeface="Wingdings 3"/>
+        <a:buChar char=""/>
+        <a:defRPr kumimoji="0" lang="en-US" sz="1200" kern="1200" smtClean="0">
           <a:solidFill>
             <a:schemeClr val="tx1"/>
           </a:solidFill>
@@ -2920,11 +4077,8 @@
       </a:lvl9pPr>
     </p:bodyStyle>
     <p:otherStyle>
-      <a:defPPr>
-        <a:defRPr lang="en-US"/>
-      </a:defPPr>
-      <a:lvl1pPr marL="0" algn="l" defTabSz="914400" rtl="0" eaLnBrk="1" latinLnBrk="0" hangingPunct="1">
-        <a:defRPr sz="1800" kern="1200">
+      <a:lvl1pPr marL="0" algn="l" rtl="0" eaLnBrk="1" latinLnBrk="0" hangingPunct="1">
+        <a:defRPr kumimoji="0" kern="1200">
           <a:solidFill>
             <a:schemeClr val="tx1"/>
           </a:solidFill>
@@ -2933,8 +4087,8 @@
           <a:cs typeface="+mn-cs"/>
         </a:defRPr>
       </a:lvl1pPr>
-      <a:lvl2pPr marL="457200" algn="l" defTabSz="914400" rtl="0" eaLnBrk="1" latinLnBrk="0" hangingPunct="1">
-        <a:defRPr sz="1800" kern="1200">
+      <a:lvl2pPr marL="457200" algn="l" rtl="0" eaLnBrk="1" latinLnBrk="0" hangingPunct="1">
+        <a:defRPr kumimoji="0" kern="1200">
           <a:solidFill>
             <a:schemeClr val="tx1"/>
           </a:solidFill>
@@ -2943,8 +4097,8 @@
           <a:cs typeface="+mn-cs"/>
         </a:defRPr>
       </a:lvl2pPr>
-      <a:lvl3pPr marL="914400" algn="l" defTabSz="914400" rtl="0" eaLnBrk="1" latinLnBrk="0" hangingPunct="1">
-        <a:defRPr sz="1800" kern="1200">
+      <a:lvl3pPr marL="914400" algn="l" rtl="0" eaLnBrk="1" latinLnBrk="0" hangingPunct="1">
+        <a:defRPr kumimoji="0" kern="1200">
           <a:solidFill>
             <a:schemeClr val="tx1"/>
           </a:solidFill>
@@ -2953,8 +4107,8 @@
           <a:cs typeface="+mn-cs"/>
         </a:defRPr>
       </a:lvl3pPr>
-      <a:lvl4pPr marL="1371600" algn="l" defTabSz="914400" rtl="0" eaLnBrk="1" latinLnBrk="0" hangingPunct="1">
-        <a:defRPr sz="1800" kern="1200">
+      <a:lvl4pPr marL="1371600" algn="l" rtl="0" eaLnBrk="1" latinLnBrk="0" hangingPunct="1">
+        <a:defRPr kumimoji="0" kern="1200">
           <a:solidFill>
             <a:schemeClr val="tx1"/>
           </a:solidFill>
@@ -2963,8 +4117,8 @@
           <a:cs typeface="+mn-cs"/>
         </a:defRPr>
       </a:lvl4pPr>
-      <a:lvl5pPr marL="1828800" algn="l" defTabSz="914400" rtl="0" eaLnBrk="1" latinLnBrk="0" hangingPunct="1">
-        <a:defRPr sz="1800" kern="1200">
+      <a:lvl5pPr marL="1828800" algn="l" rtl="0" eaLnBrk="1" latinLnBrk="0" hangingPunct="1">
+        <a:defRPr kumimoji="0" kern="1200">
           <a:solidFill>
             <a:schemeClr val="tx1"/>
           </a:solidFill>
@@ -2973,8 +4127,8 @@
           <a:cs typeface="+mn-cs"/>
         </a:defRPr>
       </a:lvl5pPr>
-      <a:lvl6pPr marL="2286000" algn="l" defTabSz="914400" rtl="0" eaLnBrk="1" latinLnBrk="0" hangingPunct="1">
-        <a:defRPr sz="1800" kern="1200">
+      <a:lvl6pPr marL="2286000" algn="l" rtl="0" eaLnBrk="1" latinLnBrk="0" hangingPunct="1">
+        <a:defRPr kumimoji="0" kern="1200">
           <a:solidFill>
             <a:schemeClr val="tx1"/>
           </a:solidFill>
@@ -2983,8 +4137,8 @@
           <a:cs typeface="+mn-cs"/>
         </a:defRPr>
       </a:lvl6pPr>
-      <a:lvl7pPr marL="2743200" algn="l" defTabSz="914400" rtl="0" eaLnBrk="1" latinLnBrk="0" hangingPunct="1">
-        <a:defRPr sz="1800" kern="1200">
+      <a:lvl7pPr marL="2743200" algn="l" rtl="0" eaLnBrk="1" latinLnBrk="0" hangingPunct="1">
+        <a:defRPr kumimoji="0" kern="1200">
           <a:solidFill>
             <a:schemeClr val="tx1"/>
           </a:solidFill>
@@ -2993,8 +4147,8 @@
           <a:cs typeface="+mn-cs"/>
         </a:defRPr>
       </a:lvl7pPr>
-      <a:lvl8pPr marL="3200400" algn="l" defTabSz="914400" rtl="0" eaLnBrk="1" latinLnBrk="0" hangingPunct="1">
-        <a:defRPr sz="1800" kern="1200">
+      <a:lvl8pPr marL="3200400" algn="l" rtl="0" eaLnBrk="1" latinLnBrk="0" hangingPunct="1">
+        <a:defRPr kumimoji="0" kern="1200">
           <a:solidFill>
             <a:schemeClr val="tx1"/>
           </a:solidFill>
@@ -3003,8 +4157,8 @@
           <a:cs typeface="+mn-cs"/>
         </a:defRPr>
       </a:lvl8pPr>
-      <a:lvl9pPr marL="3657600" algn="l" defTabSz="914400" rtl="0" eaLnBrk="1" latinLnBrk="0" hangingPunct="1">
-        <a:defRPr sz="1800" kern="1200">
+      <a:lvl9pPr marL="3657600" algn="l" rtl="0" eaLnBrk="1" latinLnBrk="0" hangingPunct="1">
+        <a:defRPr kumimoji="0" kern="1200">
           <a:solidFill>
             <a:schemeClr val="tx1"/>
           </a:solidFill>
@@ -3045,6 +4199,471 @@
             <p:ph type="ctrTitle"/>
           </p:nvPr>
         </p:nvSpPr>
+        <p:spPr>
+          <a:xfrm>
+            <a:off x="1066800" y="4038600"/>
+            <a:ext cx="7162800" cy="1066800"/>
+          </a:xfrm>
+        </p:spPr>
+        <p:txBody>
+          <a:bodyPr>
+            <a:normAutofit/>
+          </a:bodyPr>
+          <a:lstStyle/>
+          <a:p>
+            <a:r>
+              <a:rPr lang="en-US" sz="2600" dirty="0" smtClean="0"/>
+              <a:t>Using Regression Techniques to Predict Weather Signals from Image Sequences</a:t>
+            </a:r>
+            <a:endParaRPr lang="en-US" sz="2600" dirty="0"/>
+          </a:p>
+        </p:txBody>
+      </p:sp>
+      <p:sp>
+        <p:nvSpPr>
+          <p:cNvPr id="3" name="Subtitle 2"/>
+          <p:cNvSpPr>
+            <a:spLocks noGrp="1"/>
+          </p:cNvSpPr>
+          <p:nvPr>
+            <p:ph type="subTitle" idx="1"/>
+          </p:nvPr>
+        </p:nvSpPr>
+        <p:spPr>
+          <a:xfrm>
+            <a:off x="1371600" y="5029200"/>
+            <a:ext cx="6781800" cy="685800"/>
+          </a:xfrm>
+        </p:spPr>
+        <p:txBody>
+          <a:bodyPr>
+            <a:noAutofit/>
+          </a:bodyPr>
+          <a:lstStyle/>
+          <a:p>
+            <a:pPr>
+              <a:spcBef>
+                <a:spcPts val="0"/>
+              </a:spcBef>
+              <a:spcAft>
+                <a:spcPts val="400"/>
+              </a:spcAft>
+            </a:pPr>
+            <a:r>
+              <a:rPr lang="en-US" sz="1500" dirty="0" smtClean="0"/>
+              <a:t>Richard Speyer</a:t>
+            </a:r>
+          </a:p>
+          <a:p>
+            <a:pPr>
+              <a:spcBef>
+                <a:spcPts val="0"/>
+              </a:spcBef>
+            </a:pPr>
+            <a:r>
+              <a:rPr lang="en-US" sz="1100" dirty="0" smtClean="0"/>
+              <a:t>Master of Science Thesis Defense</a:t>
+            </a:r>
+          </a:p>
+          <a:p>
+            <a:pPr>
+              <a:spcBef>
+                <a:spcPts val="0"/>
+              </a:spcBef>
+            </a:pPr>
+            <a:r>
+              <a:rPr lang="en-US" sz="1100" dirty="0" smtClean="0"/>
+              <a:t>April 22</a:t>
+            </a:r>
+            <a:r>
+              <a:rPr lang="en-US" sz="1100" baseline="30000" dirty="0" smtClean="0"/>
+              <a:t>nd</a:t>
+            </a:r>
+            <a:r>
+              <a:rPr lang="en-US" sz="1100" dirty="0" smtClean="0"/>
+              <a:t>, 2009</a:t>
+            </a:r>
+            <a:endParaRPr lang="en-US" sz="1100" dirty="0"/>
+          </a:p>
+        </p:txBody>
+      </p:sp>
+      <p:sp>
+        <p:nvSpPr>
+          <p:cNvPr id="4" name="Footer Placeholder 3"/>
+          <p:cNvSpPr>
+            <a:spLocks noGrp="1"/>
+          </p:cNvSpPr>
+          <p:nvPr>
+            <p:ph type="ftr" sz="quarter" idx="11"/>
+          </p:nvPr>
+        </p:nvSpPr>
+        <p:spPr>
+          <a:xfrm>
+            <a:off x="4572000" y="6492875"/>
+            <a:ext cx="4495800" cy="365125"/>
+          </a:xfrm>
+        </p:spPr>
+        <p:txBody>
+          <a:bodyPr/>
+          <a:lstStyle/>
+          <a:p>
+            <a:pPr algn="r"/>
+            <a:r>
+              <a:rPr lang="en-US" dirty="0" smtClean="0"/>
+              <a:t>with slides from Robert Pless and Nathan Jacobs</a:t>
+            </a:r>
+            <a:endParaRPr lang="en-US" dirty="0"/>
+          </a:p>
+        </p:txBody>
+      </p:sp>
+    </p:spTree>
+  </p:cSld>
+  <p:clrMapOvr>
+    <a:masterClrMapping/>
+  </p:clrMapOvr>
+</p:sld>
+</file>
+
+<file path=ppt/slides/slide10.xml><?xml version="1.0" encoding="utf-8"?>
+<p:sld xmlns:a="http://schemas.openxmlformats.org/drawingml/2006/main" xmlns:r="http://schemas.openxmlformats.org/officeDocument/2006/relationships" xmlns:p="http://schemas.openxmlformats.org/presentationml/2006/main">
+  <p:cSld>
+    <p:spTree>
+      <p:nvGrpSpPr>
+        <p:cNvPr id="1" name=""/>
+        <p:cNvGrpSpPr/>
+        <p:nvPr/>
+      </p:nvGrpSpPr>
+      <p:grpSpPr>
+        <a:xfrm>
+          <a:off x="0" y="0"/>
+          <a:ext cx="0" cy="0"/>
+          <a:chOff x="0" y="0"/>
+          <a:chExt cx="0" cy="0"/>
+        </a:xfrm>
+      </p:grpSpPr>
+      <p:sp>
+        <p:nvSpPr>
+          <p:cNvPr id="2" name="Title 1"/>
+          <p:cNvSpPr>
+            <a:spLocks noGrp="1"/>
+          </p:cNvSpPr>
+          <p:nvPr>
+            <p:ph type="title"/>
+          </p:nvPr>
+        </p:nvSpPr>
+        <p:spPr/>
+        <p:txBody>
+          <a:bodyPr>
+            <a:normAutofit/>
+          </a:bodyPr>
+          <a:lstStyle/>
+          <a:p>
+            <a:r>
+              <a:rPr lang="en-US" dirty="0" smtClean="0"/>
+              <a:t>Principal Coefficient Analysis (PCA)</a:t>
+            </a:r>
+            <a:endParaRPr lang="en-US" dirty="0"/>
+          </a:p>
+        </p:txBody>
+      </p:sp>
+      <p:sp>
+        <p:nvSpPr>
+          <p:cNvPr id="3" name="Content Placeholder 2"/>
+          <p:cNvSpPr>
+            <a:spLocks noGrp="1"/>
+          </p:cNvSpPr>
+          <p:nvPr>
+            <p:ph sz="quarter" idx="1"/>
+          </p:nvPr>
+        </p:nvSpPr>
+        <p:spPr/>
+        <p:txBody>
+          <a:bodyPr/>
+          <a:lstStyle/>
+          <a:p>
+            <a:r>
+              <a:rPr lang="en-US" dirty="0" smtClean="0"/>
+              <a:t>What PCA is, example?</a:t>
+            </a:r>
+            <a:endParaRPr lang="en-US" dirty="0"/>
+          </a:p>
+        </p:txBody>
+      </p:sp>
+    </p:spTree>
+  </p:cSld>
+  <p:clrMapOvr>
+    <a:masterClrMapping/>
+  </p:clrMapOvr>
+</p:sld>
+</file>
+
+<file path=ppt/slides/slide11.xml><?xml version="1.0" encoding="utf-8"?>
+<p:sld xmlns:a="http://schemas.openxmlformats.org/drawingml/2006/main" xmlns:r="http://schemas.openxmlformats.org/officeDocument/2006/relationships" xmlns:p="http://schemas.openxmlformats.org/presentationml/2006/main">
+  <p:cSld>
+    <p:spTree>
+      <p:nvGrpSpPr>
+        <p:cNvPr id="1" name=""/>
+        <p:cNvGrpSpPr/>
+        <p:nvPr/>
+      </p:nvGrpSpPr>
+      <p:grpSpPr>
+        <a:xfrm>
+          <a:off x="0" y="0"/>
+          <a:ext cx="0" cy="0"/>
+          <a:chOff x="0" y="0"/>
+          <a:chExt cx="0" cy="0"/>
+        </a:xfrm>
+      </p:grpSpPr>
+      <p:sp>
+        <p:nvSpPr>
+          <p:cNvPr id="2" name="Title 1"/>
+          <p:cNvSpPr>
+            <a:spLocks noGrp="1"/>
+          </p:cNvSpPr>
+          <p:nvPr>
+            <p:ph type="title"/>
+          </p:nvPr>
+        </p:nvSpPr>
+        <p:spPr/>
+        <p:txBody>
+          <a:bodyPr>
+            <a:normAutofit/>
+          </a:bodyPr>
+          <a:lstStyle/>
+          <a:p>
+            <a:r>
+              <a:rPr lang="en-US" dirty="0" smtClean="0"/>
+              <a:t>Principal Coefficient Analysis (PCA)</a:t>
+            </a:r>
+            <a:endParaRPr lang="en-US" dirty="0"/>
+          </a:p>
+        </p:txBody>
+      </p:sp>
+      <p:sp>
+        <p:nvSpPr>
+          <p:cNvPr id="3" name="Content Placeholder 2"/>
+          <p:cNvSpPr>
+            <a:spLocks noGrp="1"/>
+          </p:cNvSpPr>
+          <p:nvPr>
+            <p:ph sz="quarter" idx="1"/>
+          </p:nvPr>
+        </p:nvSpPr>
+        <p:spPr/>
+        <p:txBody>
+          <a:bodyPr/>
+          <a:lstStyle/>
+          <a:p>
+            <a:r>
+              <a:rPr lang="en-US" dirty="0" smtClean="0"/>
+              <a:t>Benefits for us</a:t>
+            </a:r>
+            <a:endParaRPr lang="en-US" dirty="0"/>
+          </a:p>
+        </p:txBody>
+      </p:sp>
+    </p:spTree>
+  </p:cSld>
+  <p:clrMapOvr>
+    <a:masterClrMapping/>
+  </p:clrMapOvr>
+</p:sld>
+</file>
+
+<file path=ppt/slides/slide12.xml><?xml version="1.0" encoding="utf-8"?>
+<p:sld xmlns:a="http://schemas.openxmlformats.org/drawingml/2006/main" xmlns:r="http://schemas.openxmlformats.org/officeDocument/2006/relationships" xmlns:p="http://schemas.openxmlformats.org/presentationml/2006/main">
+  <p:cSld>
+    <p:spTree>
+      <p:nvGrpSpPr>
+        <p:cNvPr id="1" name=""/>
+        <p:cNvGrpSpPr/>
+        <p:nvPr/>
+      </p:nvGrpSpPr>
+      <p:grpSpPr>
+        <a:xfrm>
+          <a:off x="0" y="0"/>
+          <a:ext cx="0" cy="0"/>
+          <a:chOff x="0" y="0"/>
+          <a:chExt cx="0" cy="0"/>
+        </a:xfrm>
+      </p:grpSpPr>
+      <p:sp>
+        <p:nvSpPr>
+          <p:cNvPr id="2" name="Title 1"/>
+          <p:cNvSpPr>
+            <a:spLocks noGrp="1"/>
+          </p:cNvSpPr>
+          <p:nvPr>
+            <p:ph type="title"/>
+          </p:nvPr>
+        </p:nvSpPr>
+        <p:spPr/>
+        <p:txBody>
+          <a:bodyPr>
+            <a:normAutofit/>
+          </a:bodyPr>
+          <a:lstStyle/>
+          <a:p>
+            <a:r>
+              <a:rPr lang="en-US" dirty="0" smtClean="0"/>
+              <a:t>Bringing it together - Algorithms</a:t>
+            </a:r>
+            <a:endParaRPr lang="en-US" dirty="0"/>
+          </a:p>
+        </p:txBody>
+      </p:sp>
+      <p:sp>
+        <p:nvSpPr>
+          <p:cNvPr id="3" name="Content Placeholder 2"/>
+          <p:cNvSpPr>
+            <a:spLocks noGrp="1"/>
+          </p:cNvSpPr>
+          <p:nvPr>
+            <p:ph sz="quarter" idx="1"/>
+          </p:nvPr>
+        </p:nvSpPr>
+        <p:spPr/>
+        <p:txBody>
+          <a:bodyPr/>
+          <a:lstStyle/>
+          <a:p>
+            <a:r>
+              <a:rPr lang="en-US" dirty="0" smtClean="0"/>
+              <a:t>English explanation of steps</a:t>
+            </a:r>
+            <a:endParaRPr lang="en-US" dirty="0"/>
+          </a:p>
+        </p:txBody>
+      </p:sp>
+    </p:spTree>
+  </p:cSld>
+  <p:clrMapOvr>
+    <a:masterClrMapping/>
+  </p:clrMapOvr>
+</p:sld>
+</file>
+
+<file path=ppt/slides/slide13.xml><?xml version="1.0" encoding="utf-8"?>
+<p:sld xmlns:a="http://schemas.openxmlformats.org/drawingml/2006/main" xmlns:r="http://schemas.openxmlformats.org/officeDocument/2006/relationships" xmlns:p="http://schemas.openxmlformats.org/presentationml/2006/main">
+  <p:cSld>
+    <p:spTree>
+      <p:nvGrpSpPr>
+        <p:cNvPr id="1" name=""/>
+        <p:cNvGrpSpPr/>
+        <p:nvPr/>
+      </p:nvGrpSpPr>
+      <p:grpSpPr>
+        <a:xfrm>
+          <a:off x="0" y="0"/>
+          <a:ext cx="0" cy="0"/>
+          <a:chOff x="0" y="0"/>
+          <a:chExt cx="0" cy="0"/>
+        </a:xfrm>
+      </p:grpSpPr>
+      <p:sp>
+        <p:nvSpPr>
+          <p:cNvPr id="2" name="Title 1"/>
+          <p:cNvSpPr>
+            <a:spLocks noGrp="1"/>
+          </p:cNvSpPr>
+          <p:nvPr>
+            <p:ph type="title"/>
+          </p:nvPr>
+        </p:nvSpPr>
+        <p:spPr/>
+        <p:txBody>
+          <a:bodyPr/>
+          <a:lstStyle/>
+          <a:p>
+            <a:r>
+              <a:rPr lang="en-US" dirty="0" smtClean="0"/>
+              <a:t>Predicting the Weather</a:t>
+            </a:r>
+            <a:endParaRPr lang="en-US" dirty="0"/>
+          </a:p>
+        </p:txBody>
+      </p:sp>
+      <p:sp>
+        <p:nvSpPr>
+          <p:cNvPr id="3" name="Content Placeholder 2"/>
+          <p:cNvSpPr>
+            <a:spLocks noGrp="1"/>
+          </p:cNvSpPr>
+          <p:nvPr>
+            <p:ph sz="quarter" idx="1"/>
+          </p:nvPr>
+        </p:nvSpPr>
+        <p:spPr/>
+        <p:txBody>
+          <a:bodyPr/>
+          <a:lstStyle/>
+          <a:p>
+            <a:r>
+              <a:rPr lang="en-US" dirty="0" smtClean="0"/>
+              <a:t>Predict from CCA, etc.</a:t>
+            </a:r>
+            <a:endParaRPr lang="en-US" dirty="0"/>
+          </a:p>
+        </p:txBody>
+      </p:sp>
+    </p:spTree>
+  </p:cSld>
+  <p:clrMapOvr>
+    <a:masterClrMapping/>
+  </p:clrMapOvr>
+</p:sld>
+</file>
+
+<file path=ppt/slides/slide14.xml><?xml version="1.0" encoding="utf-8"?>
+<p:sld xmlns:a="http://schemas.openxmlformats.org/drawingml/2006/main" xmlns:r="http://schemas.openxmlformats.org/officeDocument/2006/relationships" xmlns:p="http://schemas.openxmlformats.org/presentationml/2006/main">
+  <p:cSld>
+    <p:spTree>
+      <p:nvGrpSpPr>
+        <p:cNvPr id="1" name=""/>
+        <p:cNvGrpSpPr/>
+        <p:nvPr/>
+      </p:nvGrpSpPr>
+      <p:grpSpPr>
+        <a:xfrm>
+          <a:off x="0" y="0"/>
+          <a:ext cx="0" cy="0"/>
+          <a:chOff x="0" y="0"/>
+          <a:chExt cx="0" cy="0"/>
+        </a:xfrm>
+      </p:grpSpPr>
+      <p:sp>
+        <p:nvSpPr>
+          <p:cNvPr id="2" name="Title 1"/>
+          <p:cNvSpPr>
+            <a:spLocks noGrp="1"/>
+          </p:cNvSpPr>
+          <p:nvPr>
+            <p:ph type="title"/>
+          </p:nvPr>
+        </p:nvSpPr>
+        <p:spPr/>
+        <p:txBody>
+          <a:bodyPr/>
+          <a:lstStyle/>
+          <a:p>
+            <a:r>
+              <a:rPr lang="en-US" dirty="0" smtClean="0"/>
+              <a:t>Results &amp; Analysis</a:t>
+            </a:r>
+            <a:endParaRPr lang="en-US" dirty="0"/>
+          </a:p>
+        </p:txBody>
+      </p:sp>
+      <p:sp>
+        <p:nvSpPr>
+          <p:cNvPr id="3" name="Content Placeholder 2"/>
+          <p:cNvSpPr>
+            <a:spLocks noGrp="1"/>
+          </p:cNvSpPr>
+          <p:nvPr>
+            <p:ph sz="quarter" idx="1"/>
+          </p:nvPr>
+        </p:nvSpPr>
         <p:spPr/>
         <p:txBody>
           <a:bodyPr/>
@@ -3054,14 +4673,1464 @@
           </a:p>
         </p:txBody>
       </p:sp>
-      <p:sp>
-        <p:nvSpPr>
-          <p:cNvPr id="3" name="Subtitle 2"/>
-          <p:cNvSpPr>
-            <a:spLocks noGrp="1"/>
-          </p:cNvSpPr>
-          <p:nvPr>
-            <p:ph type="subTitle" idx="1"/>
+    </p:spTree>
+  </p:cSld>
+  <p:clrMapOvr>
+    <a:masterClrMapping/>
+  </p:clrMapOvr>
+</p:sld>
+</file>
+
+<file path=ppt/slides/slide15.xml><?xml version="1.0" encoding="utf-8"?>
+<p:sld xmlns:a="http://schemas.openxmlformats.org/drawingml/2006/main" xmlns:r="http://schemas.openxmlformats.org/officeDocument/2006/relationships" xmlns:p="http://schemas.openxmlformats.org/presentationml/2006/main">
+  <p:cSld>
+    <p:spTree>
+      <p:nvGrpSpPr>
+        <p:cNvPr id="1" name=""/>
+        <p:cNvGrpSpPr/>
+        <p:nvPr/>
+      </p:nvGrpSpPr>
+      <p:grpSpPr>
+        <a:xfrm>
+          <a:off x="0" y="0"/>
+          <a:ext cx="0" cy="0"/>
+          <a:chOff x="0" y="0"/>
+          <a:chExt cx="0" cy="0"/>
+        </a:xfrm>
+      </p:grpSpPr>
+      <p:sp>
+        <p:nvSpPr>
+          <p:cNvPr id="2" name="Title 1"/>
+          <p:cNvSpPr>
+            <a:spLocks noGrp="1"/>
+          </p:cNvSpPr>
+          <p:nvPr>
+            <p:ph type="title"/>
+          </p:nvPr>
+        </p:nvSpPr>
+        <p:spPr/>
+        <p:txBody>
+          <a:bodyPr/>
+          <a:lstStyle/>
+          <a:p>
+            <a:r>
+              <a:rPr lang="en-US" dirty="0" smtClean="0"/>
+              <a:t>Wind Velocity</a:t>
+            </a:r>
+            <a:endParaRPr lang="en-US" dirty="0"/>
+          </a:p>
+        </p:txBody>
+      </p:sp>
+      <p:sp>
+        <p:nvSpPr>
+          <p:cNvPr id="3" name="Content Placeholder 2"/>
+          <p:cNvSpPr>
+            <a:spLocks noGrp="1"/>
+          </p:cNvSpPr>
+          <p:nvPr>
+            <p:ph sz="quarter" idx="1"/>
+          </p:nvPr>
+        </p:nvSpPr>
+        <p:spPr/>
+        <p:txBody>
+          <a:bodyPr/>
+          <a:lstStyle/>
+          <a:p>
+            <a:r>
+              <a:rPr lang="en-US" dirty="0" smtClean="0"/>
+              <a:t>Goals, challenges</a:t>
+            </a:r>
+            <a:endParaRPr lang="en-US" dirty="0"/>
+          </a:p>
+        </p:txBody>
+      </p:sp>
+    </p:spTree>
+  </p:cSld>
+  <p:clrMapOvr>
+    <a:masterClrMapping/>
+  </p:clrMapOvr>
+</p:sld>
+</file>
+
+<file path=ppt/slides/slide16.xml><?xml version="1.0" encoding="utf-8"?>
+<p:sld xmlns:a="http://schemas.openxmlformats.org/drawingml/2006/main" xmlns:r="http://schemas.openxmlformats.org/officeDocument/2006/relationships" xmlns:p="http://schemas.openxmlformats.org/presentationml/2006/main">
+  <p:cSld>
+    <p:spTree>
+      <p:nvGrpSpPr>
+        <p:cNvPr id="1" name=""/>
+        <p:cNvGrpSpPr/>
+        <p:nvPr/>
+      </p:nvGrpSpPr>
+      <p:grpSpPr>
+        <a:xfrm>
+          <a:off x="0" y="0"/>
+          <a:ext cx="0" cy="0"/>
+          <a:chOff x="0" y="0"/>
+          <a:chExt cx="0" cy="0"/>
+        </a:xfrm>
+      </p:grpSpPr>
+      <p:sp>
+        <p:nvSpPr>
+          <p:cNvPr id="2" name="Title 1"/>
+          <p:cNvSpPr>
+            <a:spLocks noGrp="1"/>
+          </p:cNvSpPr>
+          <p:nvPr>
+            <p:ph type="title"/>
+          </p:nvPr>
+        </p:nvSpPr>
+        <p:spPr/>
+        <p:txBody>
+          <a:bodyPr/>
+          <a:lstStyle/>
+          <a:p>
+            <a:r>
+              <a:rPr lang="en-US" dirty="0" smtClean="0"/>
+              <a:t>Wind Velocity</a:t>
+            </a:r>
+            <a:endParaRPr lang="en-US" dirty="0"/>
+          </a:p>
+        </p:txBody>
+      </p:sp>
+      <p:pic>
+        <p:nvPicPr>
+          <p:cNvPr id="4" name="Content Placeholder 3" descr="windspeedcomponents2.jpg"/>
+          <p:cNvPicPr>
+            <a:picLocks noGrp="1" noChangeAspect="1"/>
+          </p:cNvPicPr>
+          <p:nvPr>
+            <p:ph sz="quarter" idx="1"/>
+          </p:nvPr>
+        </p:nvPicPr>
+        <p:blipFill>
+          <a:blip r:embed="rId2"/>
+          <a:stretch>
+            <a:fillRect/>
+          </a:stretch>
+        </p:blipFill>
+        <p:spPr>
+          <a:xfrm>
+            <a:off x="4724400" y="1981200"/>
+            <a:ext cx="4038600" cy="2713434"/>
+          </a:xfrm>
+        </p:spPr>
+      </p:pic>
+      <p:pic>
+        <p:nvPicPr>
+          <p:cNvPr id="5" name="Picture 4" descr="windspeedcomponents1.jpg"/>
+          <p:cNvPicPr>
+            <a:picLocks noChangeAspect="1"/>
+          </p:cNvPicPr>
+          <p:nvPr/>
+        </p:nvPicPr>
+        <p:blipFill>
+          <a:blip r:embed="rId3"/>
+          <a:stretch>
+            <a:fillRect/>
+          </a:stretch>
+        </p:blipFill>
+        <p:spPr>
+          <a:xfrm>
+            <a:off x="381000" y="1981200"/>
+            <a:ext cx="4082902" cy="2743200"/>
+          </a:xfrm>
+          <a:prstGeom prst="rect">
+            <a:avLst/>
+          </a:prstGeom>
+        </p:spPr>
+      </p:pic>
+    </p:spTree>
+  </p:cSld>
+  <p:clrMapOvr>
+    <a:masterClrMapping/>
+  </p:clrMapOvr>
+</p:sld>
+</file>
+
+<file path=ppt/slides/slide17.xml><?xml version="1.0" encoding="utf-8"?>
+<p:sld xmlns:a="http://schemas.openxmlformats.org/drawingml/2006/main" xmlns:r="http://schemas.openxmlformats.org/officeDocument/2006/relationships" xmlns:p="http://schemas.openxmlformats.org/presentationml/2006/main">
+  <p:cSld>
+    <p:spTree>
+      <p:nvGrpSpPr>
+        <p:cNvPr id="1" name=""/>
+        <p:cNvGrpSpPr/>
+        <p:nvPr/>
+      </p:nvGrpSpPr>
+      <p:grpSpPr>
+        <a:xfrm>
+          <a:off x="0" y="0"/>
+          <a:ext cx="0" cy="0"/>
+          <a:chOff x="0" y="0"/>
+          <a:chExt cx="0" cy="0"/>
+        </a:xfrm>
+      </p:grpSpPr>
+      <p:sp>
+        <p:nvSpPr>
+          <p:cNvPr id="2" name="Title 1"/>
+          <p:cNvSpPr>
+            <a:spLocks noGrp="1"/>
+          </p:cNvSpPr>
+          <p:nvPr>
+            <p:ph type="title"/>
+          </p:nvPr>
+        </p:nvSpPr>
+        <p:spPr/>
+        <p:txBody>
+          <a:bodyPr/>
+          <a:lstStyle/>
+          <a:p>
+            <a:r>
+              <a:rPr lang="en-US" dirty="0" smtClean="0"/>
+              <a:t>Wind Velocity</a:t>
+            </a:r>
+            <a:endParaRPr lang="en-US" dirty="0"/>
+          </a:p>
+        </p:txBody>
+      </p:sp>
+      <p:pic>
+        <p:nvPicPr>
+          <p:cNvPr id="1026" name="Picture 2" descr="C:\Documents and Settings\Richard Speyer\My Documents\Research\Webcam Signals\Thesis\figures\windspeedextremes.jpg"/>
+          <p:cNvPicPr>
+            <a:picLocks noChangeAspect="1" noChangeArrowheads="1"/>
+          </p:cNvPicPr>
+          <p:nvPr/>
+        </p:nvPicPr>
+        <p:blipFill>
+          <a:blip r:embed="rId2"/>
+          <a:srcRect/>
+          <a:stretch>
+            <a:fillRect/>
+          </a:stretch>
+        </p:blipFill>
+        <p:spPr bwMode="auto">
+          <a:xfrm>
+            <a:off x="533400" y="1371600"/>
+            <a:ext cx="5080000" cy="3810000"/>
+          </a:xfrm>
+          <a:prstGeom prst="rect">
+            <a:avLst/>
+          </a:prstGeom>
+          <a:noFill/>
+        </p:spPr>
+      </p:pic>
+      <p:pic>
+        <p:nvPicPr>
+          <p:cNvPr id="1027" name="Picture 3" descr="C:\Documents and Settings\Richard Speyer\My Documents\Research\Webcam Signals\Thesis\figures\windspeedcorr.jpg"/>
+          <p:cNvPicPr>
+            <a:picLocks noChangeAspect="1" noChangeArrowheads="1"/>
+          </p:cNvPicPr>
+          <p:nvPr/>
+        </p:nvPicPr>
+        <p:blipFill>
+          <a:blip r:embed="rId3"/>
+          <a:srcRect l="5814" t="5374" r="10465"/>
+          <a:stretch>
+            <a:fillRect/>
+          </a:stretch>
+        </p:blipFill>
+        <p:spPr bwMode="auto">
+          <a:xfrm>
+            <a:off x="5678078" y="3581400"/>
+            <a:ext cx="3214533" cy="2587625"/>
+          </a:xfrm>
+          <a:prstGeom prst="rect">
+            <a:avLst/>
+          </a:prstGeom>
+          <a:noFill/>
+        </p:spPr>
+      </p:pic>
+    </p:spTree>
+  </p:cSld>
+  <p:clrMapOvr>
+    <a:masterClrMapping/>
+  </p:clrMapOvr>
+</p:sld>
+</file>
+
+<file path=ppt/slides/slide18.xml><?xml version="1.0" encoding="utf-8"?>
+<p:sld xmlns:a="http://schemas.openxmlformats.org/drawingml/2006/main" xmlns:r="http://schemas.openxmlformats.org/officeDocument/2006/relationships" xmlns:p="http://schemas.openxmlformats.org/presentationml/2006/main">
+  <p:cSld>
+    <p:spTree>
+      <p:nvGrpSpPr>
+        <p:cNvPr id="1" name=""/>
+        <p:cNvGrpSpPr/>
+        <p:nvPr/>
+      </p:nvGrpSpPr>
+      <p:grpSpPr>
+        <a:xfrm>
+          <a:off x="0" y="0"/>
+          <a:ext cx="0" cy="0"/>
+          <a:chOff x="0" y="0"/>
+          <a:chExt cx="0" cy="0"/>
+        </a:xfrm>
+      </p:grpSpPr>
+      <p:sp>
+        <p:nvSpPr>
+          <p:cNvPr id="2" name="Title 1"/>
+          <p:cNvSpPr>
+            <a:spLocks noGrp="1"/>
+          </p:cNvSpPr>
+          <p:nvPr>
+            <p:ph type="title"/>
+          </p:nvPr>
+        </p:nvSpPr>
+        <p:spPr/>
+        <p:txBody>
+          <a:bodyPr/>
+          <a:lstStyle/>
+          <a:p>
+            <a:r>
+              <a:rPr lang="en-US" dirty="0" smtClean="0"/>
+              <a:t>Wind Velocity</a:t>
+            </a:r>
+            <a:endParaRPr lang="en-US" dirty="0"/>
+          </a:p>
+        </p:txBody>
+      </p:sp>
+      <p:pic>
+        <p:nvPicPr>
+          <p:cNvPr id="4" name="Content Placeholder 3" descr="windspeedtimeseries-pic.jpg"/>
+          <p:cNvPicPr>
+            <a:picLocks noGrp="1" noChangeAspect="1"/>
+          </p:cNvPicPr>
+          <p:nvPr>
+            <p:ph sz="quarter" idx="1"/>
+          </p:nvPr>
+        </p:nvPicPr>
+        <p:blipFill>
+          <a:blip r:embed="rId2" cstate="print"/>
+          <a:stretch>
+            <a:fillRect/>
+          </a:stretch>
+        </p:blipFill>
+        <p:spPr>
+          <a:xfrm>
+            <a:off x="1981200" y="1295400"/>
+            <a:ext cx="5114857" cy="3429000"/>
+          </a:xfrm>
+        </p:spPr>
+      </p:pic>
+      <p:pic>
+        <p:nvPicPr>
+          <p:cNvPr id="5" name="Picture 4" descr="windspeedtimeseriesimages.jpg"/>
+          <p:cNvPicPr>
+            <a:picLocks noChangeAspect="1"/>
+          </p:cNvPicPr>
+          <p:nvPr/>
+        </p:nvPicPr>
+        <p:blipFill>
+          <a:blip r:embed="rId3"/>
+          <a:stretch>
+            <a:fillRect/>
+          </a:stretch>
+        </p:blipFill>
+        <p:spPr>
+          <a:xfrm>
+            <a:off x="457200" y="4800600"/>
+            <a:ext cx="8458200" cy="1268730"/>
+          </a:xfrm>
+          <a:prstGeom prst="rect">
+            <a:avLst/>
+          </a:prstGeom>
+        </p:spPr>
+      </p:pic>
+    </p:spTree>
+  </p:cSld>
+  <p:clrMapOvr>
+    <a:masterClrMapping/>
+  </p:clrMapOvr>
+</p:sld>
+</file>
+
+<file path=ppt/slides/slide19.xml><?xml version="1.0" encoding="utf-8"?>
+<p:sld xmlns:a="http://schemas.openxmlformats.org/drawingml/2006/main" xmlns:r="http://schemas.openxmlformats.org/officeDocument/2006/relationships" xmlns:p="http://schemas.openxmlformats.org/presentationml/2006/main">
+  <p:cSld>
+    <p:spTree>
+      <p:nvGrpSpPr>
+        <p:cNvPr id="1" name=""/>
+        <p:cNvGrpSpPr/>
+        <p:nvPr/>
+      </p:nvGrpSpPr>
+      <p:grpSpPr>
+        <a:xfrm>
+          <a:off x="0" y="0"/>
+          <a:ext cx="0" cy="0"/>
+          <a:chOff x="0" y="0"/>
+          <a:chExt cx="0" cy="0"/>
+        </a:xfrm>
+      </p:grpSpPr>
+      <p:sp>
+        <p:nvSpPr>
+          <p:cNvPr id="2" name="Title 1"/>
+          <p:cNvSpPr>
+            <a:spLocks noGrp="1"/>
+          </p:cNvSpPr>
+          <p:nvPr>
+            <p:ph type="title"/>
+          </p:nvPr>
+        </p:nvSpPr>
+        <p:spPr/>
+        <p:txBody>
+          <a:bodyPr/>
+          <a:lstStyle/>
+          <a:p>
+            <a:r>
+              <a:rPr lang="en-US" dirty="0" smtClean="0"/>
+              <a:t>Wind Velocity</a:t>
+            </a:r>
+            <a:endParaRPr lang="en-US" dirty="0"/>
+          </a:p>
+        </p:txBody>
+      </p:sp>
+      <p:pic>
+        <p:nvPicPr>
+          <p:cNvPr id="4" name="Content Placeholder 3" descr="windspeedscatter-pic.jpg"/>
+          <p:cNvPicPr>
+            <a:picLocks noGrp="1" noChangeAspect="1"/>
+          </p:cNvPicPr>
+          <p:nvPr>
+            <p:ph sz="quarter" idx="1"/>
+          </p:nvPr>
+        </p:nvPicPr>
+        <p:blipFill>
+          <a:blip r:embed="rId2"/>
+          <a:stretch>
+            <a:fillRect/>
+          </a:stretch>
+        </p:blipFill>
+        <p:spPr>
+          <a:xfrm>
+            <a:off x="381000" y="1981200"/>
+            <a:ext cx="3829380" cy="3200400"/>
+          </a:xfrm>
+        </p:spPr>
+      </p:pic>
+      <p:pic>
+        <p:nvPicPr>
+          <p:cNvPr id="5" name="Picture 4" descr="decaturin.jpg"/>
+          <p:cNvPicPr>
+            <a:picLocks noChangeAspect="1"/>
+          </p:cNvPicPr>
+          <p:nvPr/>
+        </p:nvPicPr>
+        <p:blipFill>
+          <a:blip r:embed="rId3" cstate="print"/>
+          <a:stretch>
+            <a:fillRect/>
+          </a:stretch>
+        </p:blipFill>
+        <p:spPr>
+          <a:xfrm>
+            <a:off x="4648200" y="2057400"/>
+            <a:ext cx="3962640" cy="3169616"/>
+          </a:xfrm>
+          <a:prstGeom prst="rect">
+            <a:avLst/>
+          </a:prstGeom>
+        </p:spPr>
+      </p:pic>
+    </p:spTree>
+  </p:cSld>
+  <p:clrMapOvr>
+    <a:masterClrMapping/>
+  </p:clrMapOvr>
+</p:sld>
+</file>
+
+<file path=ppt/slides/slide2.xml><?xml version="1.0" encoding="utf-8"?>
+<p:sld xmlns:a="http://schemas.openxmlformats.org/drawingml/2006/main" xmlns:r="http://schemas.openxmlformats.org/officeDocument/2006/relationships" xmlns:p="http://schemas.openxmlformats.org/presentationml/2006/main">
+  <p:cSld>
+    <p:spTree>
+      <p:nvGrpSpPr>
+        <p:cNvPr id="1" name=""/>
+        <p:cNvGrpSpPr/>
+        <p:nvPr/>
+      </p:nvGrpSpPr>
+      <p:grpSpPr>
+        <a:xfrm>
+          <a:off x="0" y="0"/>
+          <a:ext cx="0" cy="0"/>
+          <a:chOff x="0" y="0"/>
+          <a:chExt cx="0" cy="0"/>
+        </a:xfrm>
+      </p:grpSpPr>
+      <p:sp>
+        <p:nvSpPr>
+          <p:cNvPr id="2" name="Title 1"/>
+          <p:cNvSpPr>
+            <a:spLocks noGrp="1"/>
+          </p:cNvSpPr>
+          <p:nvPr>
+            <p:ph type="title"/>
+          </p:nvPr>
+        </p:nvSpPr>
+        <p:spPr/>
+        <p:txBody>
+          <a:bodyPr/>
+          <a:lstStyle/>
+          <a:p>
+            <a:r>
+              <a:rPr lang="en-US" dirty="0" smtClean="0"/>
+              <a:t>Overview</a:t>
+            </a:r>
+            <a:endParaRPr lang="en-US" dirty="0"/>
+          </a:p>
+        </p:txBody>
+      </p:sp>
+      <p:sp>
+        <p:nvSpPr>
+          <p:cNvPr id="3" name="Content Placeholder 2"/>
+          <p:cNvSpPr>
+            <a:spLocks noGrp="1"/>
+          </p:cNvSpPr>
+          <p:nvPr>
+            <p:ph sz="quarter" idx="1"/>
+          </p:nvPr>
+        </p:nvSpPr>
+        <p:spPr/>
+        <p:txBody>
+          <a:bodyPr>
+            <a:normAutofit fontScale="92500" lnSpcReduction="10000"/>
+          </a:bodyPr>
+          <a:lstStyle/>
+          <a:p>
+            <a:pPr marL="514350" indent="-514350"/>
+            <a:r>
+              <a:rPr lang="en-US" dirty="0" smtClean="0"/>
+              <a:t>Background Information</a:t>
+            </a:r>
+          </a:p>
+          <a:p>
+            <a:pPr marL="914400" lvl="1" indent="-514350"/>
+            <a:r>
+              <a:rPr lang="en-US" dirty="0" smtClean="0"/>
+              <a:t>AMOS Dataset</a:t>
+            </a:r>
+          </a:p>
+          <a:p>
+            <a:pPr marL="914400" lvl="1" indent="-514350"/>
+            <a:r>
+              <a:rPr lang="en-US" dirty="0" smtClean="0"/>
+              <a:t>Weather Data</a:t>
+            </a:r>
+          </a:p>
+          <a:p>
+            <a:pPr marL="514350" indent="-514350"/>
+            <a:r>
+              <a:rPr lang="en-US" dirty="0" smtClean="0"/>
+              <a:t>Algorithms</a:t>
+            </a:r>
+          </a:p>
+          <a:p>
+            <a:pPr marL="914400" lvl="1" indent="-514350"/>
+            <a:r>
+              <a:rPr lang="en-US" dirty="0" smtClean="0"/>
+              <a:t>Canonical Correlation Analysis (CCA)</a:t>
+            </a:r>
+          </a:p>
+          <a:p>
+            <a:pPr marL="914400" lvl="1" indent="-514350"/>
+            <a:r>
+              <a:rPr lang="en-US" dirty="0" smtClean="0"/>
+              <a:t>Principal Coefficient Analysis (PCA)</a:t>
+            </a:r>
+          </a:p>
+          <a:p>
+            <a:pPr marL="914400" lvl="1" indent="-514350"/>
+            <a:r>
+              <a:rPr lang="en-US" dirty="0" smtClean="0"/>
+              <a:t>Putting everything together</a:t>
+            </a:r>
+          </a:p>
+          <a:p>
+            <a:pPr marL="514350" indent="-514350"/>
+            <a:r>
+              <a:rPr lang="en-US" dirty="0" smtClean="0"/>
+              <a:t>Results</a:t>
+            </a:r>
+          </a:p>
+          <a:p>
+            <a:pPr marL="914400" lvl="1" indent="-514350"/>
+            <a:r>
+              <a:rPr lang="en-US" dirty="0" smtClean="0"/>
+              <a:t>Wind Velocity</a:t>
+            </a:r>
+          </a:p>
+          <a:p>
+            <a:pPr marL="914400" lvl="1" indent="-514350"/>
+            <a:r>
+              <a:rPr lang="en-US" dirty="0" smtClean="0"/>
+              <a:t>Vapor Pressure</a:t>
+            </a:r>
+          </a:p>
+          <a:p>
+            <a:pPr marL="914400" lvl="1" indent="-514350"/>
+            <a:r>
+              <a:rPr lang="en-US" dirty="0" smtClean="0"/>
+              <a:t>Training set analysis</a:t>
+            </a:r>
+          </a:p>
+          <a:p>
+            <a:pPr marL="514350" indent="-514350"/>
+            <a:r>
+              <a:rPr lang="en-US" dirty="0" smtClean="0"/>
+              <a:t>Conclusion</a:t>
+            </a:r>
+          </a:p>
+          <a:p>
+            <a:pPr marL="514350" indent="-514350"/>
+            <a:r>
+              <a:rPr lang="en-US" dirty="0" smtClean="0"/>
+              <a:t>Future Work</a:t>
+            </a:r>
+          </a:p>
+        </p:txBody>
+      </p:sp>
+    </p:spTree>
+  </p:cSld>
+  <p:clrMapOvr>
+    <a:masterClrMapping/>
+  </p:clrMapOvr>
+</p:sld>
+</file>
+
+<file path=ppt/slides/slide20.xml><?xml version="1.0" encoding="utf-8"?>
+<p:sld xmlns:a="http://schemas.openxmlformats.org/drawingml/2006/main" xmlns:r="http://schemas.openxmlformats.org/officeDocument/2006/relationships" xmlns:p="http://schemas.openxmlformats.org/presentationml/2006/main">
+  <p:cSld>
+    <p:spTree>
+      <p:nvGrpSpPr>
+        <p:cNvPr id="1" name=""/>
+        <p:cNvGrpSpPr/>
+        <p:nvPr/>
+      </p:nvGrpSpPr>
+      <p:grpSpPr>
+        <a:xfrm>
+          <a:off x="0" y="0"/>
+          <a:ext cx="0" cy="0"/>
+          <a:chOff x="0" y="0"/>
+          <a:chExt cx="0" cy="0"/>
+        </a:xfrm>
+      </p:grpSpPr>
+      <p:sp>
+        <p:nvSpPr>
+          <p:cNvPr id="2" name="Title 1"/>
+          <p:cNvSpPr>
+            <a:spLocks noGrp="1"/>
+          </p:cNvSpPr>
+          <p:nvPr>
+            <p:ph type="title"/>
+          </p:nvPr>
+        </p:nvSpPr>
+        <p:spPr/>
+        <p:txBody>
+          <a:bodyPr>
+            <a:normAutofit/>
+          </a:bodyPr>
+          <a:lstStyle/>
+          <a:p>
+            <a:r>
+              <a:rPr lang="en-US" dirty="0" smtClean="0"/>
+              <a:t>Vapor Pressure</a:t>
+            </a:r>
+            <a:endParaRPr lang="en-US" dirty="0"/>
+          </a:p>
+        </p:txBody>
+      </p:sp>
+      <p:sp>
+        <p:nvSpPr>
+          <p:cNvPr id="3" name="Content Placeholder 2"/>
+          <p:cNvSpPr>
+            <a:spLocks noGrp="1"/>
+          </p:cNvSpPr>
+          <p:nvPr>
+            <p:ph sz="quarter" idx="1"/>
+          </p:nvPr>
+        </p:nvSpPr>
+        <p:spPr/>
+        <p:txBody>
+          <a:bodyPr/>
+          <a:lstStyle/>
+          <a:p>
+            <a:r>
+              <a:rPr lang="en-US" dirty="0" smtClean="0"/>
+              <a:t>Goals, challenges, gradient image</a:t>
+            </a:r>
+            <a:endParaRPr lang="en-US" dirty="0"/>
+          </a:p>
+        </p:txBody>
+      </p:sp>
+    </p:spTree>
+  </p:cSld>
+  <p:clrMapOvr>
+    <a:masterClrMapping/>
+  </p:clrMapOvr>
+</p:sld>
+</file>
+
+<file path=ppt/slides/slide21.xml><?xml version="1.0" encoding="utf-8"?>
+<p:sld xmlns:a="http://schemas.openxmlformats.org/drawingml/2006/main" xmlns:r="http://schemas.openxmlformats.org/officeDocument/2006/relationships" xmlns:p="http://schemas.openxmlformats.org/presentationml/2006/main">
+  <p:cSld>
+    <p:spTree>
+      <p:nvGrpSpPr>
+        <p:cNvPr id="1" name=""/>
+        <p:cNvGrpSpPr/>
+        <p:nvPr/>
+      </p:nvGrpSpPr>
+      <p:grpSpPr>
+        <a:xfrm>
+          <a:off x="0" y="0"/>
+          <a:ext cx="0" cy="0"/>
+          <a:chOff x="0" y="0"/>
+          <a:chExt cx="0" cy="0"/>
+        </a:xfrm>
+      </p:grpSpPr>
+      <p:sp>
+        <p:nvSpPr>
+          <p:cNvPr id="2" name="Title 1"/>
+          <p:cNvSpPr>
+            <a:spLocks noGrp="1"/>
+          </p:cNvSpPr>
+          <p:nvPr>
+            <p:ph type="title"/>
+          </p:nvPr>
+        </p:nvSpPr>
+        <p:spPr/>
+        <p:txBody>
+          <a:bodyPr>
+            <a:normAutofit/>
+          </a:bodyPr>
+          <a:lstStyle/>
+          <a:p>
+            <a:r>
+              <a:rPr lang="en-US" dirty="0" smtClean="0"/>
+              <a:t>Vapor Pressure</a:t>
+            </a:r>
+            <a:endParaRPr lang="en-US" dirty="0"/>
+          </a:p>
+        </p:txBody>
+      </p:sp>
+      <p:pic>
+        <p:nvPicPr>
+          <p:cNvPr id="4" name="Picture 3" descr="vaporcomponents1.jpg"/>
+          <p:cNvPicPr>
+            <a:picLocks noChangeAspect="1"/>
+          </p:cNvPicPr>
+          <p:nvPr/>
+        </p:nvPicPr>
+        <p:blipFill>
+          <a:blip r:embed="rId2"/>
+          <a:stretch>
+            <a:fillRect/>
+          </a:stretch>
+        </p:blipFill>
+        <p:spPr>
+          <a:xfrm>
+            <a:off x="4724400" y="2057400"/>
+            <a:ext cx="3969488" cy="2667000"/>
+          </a:xfrm>
+          <a:prstGeom prst="rect">
+            <a:avLst/>
+          </a:prstGeom>
+        </p:spPr>
+      </p:pic>
+      <p:pic>
+        <p:nvPicPr>
+          <p:cNvPr id="5" name="Picture 4" descr="vaporcomponents1-nongrad.jpg"/>
+          <p:cNvPicPr>
+            <a:picLocks noChangeAspect="1"/>
+          </p:cNvPicPr>
+          <p:nvPr/>
+        </p:nvPicPr>
+        <p:blipFill>
+          <a:blip r:embed="rId3"/>
+          <a:stretch>
+            <a:fillRect/>
+          </a:stretch>
+        </p:blipFill>
+        <p:spPr>
+          <a:xfrm>
+            <a:off x="381000" y="2057400"/>
+            <a:ext cx="3969488" cy="2667000"/>
+          </a:xfrm>
+          <a:prstGeom prst="rect">
+            <a:avLst/>
+          </a:prstGeom>
+        </p:spPr>
+      </p:pic>
+    </p:spTree>
+  </p:cSld>
+  <p:clrMapOvr>
+    <a:masterClrMapping/>
+  </p:clrMapOvr>
+</p:sld>
+</file>
+
+<file path=ppt/slides/slide22.xml><?xml version="1.0" encoding="utf-8"?>
+<p:sld xmlns:a="http://schemas.openxmlformats.org/drawingml/2006/main" xmlns:r="http://schemas.openxmlformats.org/officeDocument/2006/relationships" xmlns:p="http://schemas.openxmlformats.org/presentationml/2006/main">
+  <p:cSld>
+    <p:spTree>
+      <p:nvGrpSpPr>
+        <p:cNvPr id="1" name=""/>
+        <p:cNvGrpSpPr/>
+        <p:nvPr/>
+      </p:nvGrpSpPr>
+      <p:grpSpPr>
+        <a:xfrm>
+          <a:off x="0" y="0"/>
+          <a:ext cx="0" cy="0"/>
+          <a:chOff x="0" y="0"/>
+          <a:chExt cx="0" cy="0"/>
+        </a:xfrm>
+      </p:grpSpPr>
+      <p:sp>
+        <p:nvSpPr>
+          <p:cNvPr id="2" name="Title 1"/>
+          <p:cNvSpPr>
+            <a:spLocks noGrp="1"/>
+          </p:cNvSpPr>
+          <p:nvPr>
+            <p:ph type="title"/>
+          </p:nvPr>
+        </p:nvSpPr>
+        <p:spPr/>
+        <p:txBody>
+          <a:bodyPr>
+            <a:normAutofit/>
+          </a:bodyPr>
+          <a:lstStyle/>
+          <a:p>
+            <a:r>
+              <a:rPr lang="en-US" dirty="0" smtClean="0"/>
+              <a:t>Vapor Pressure</a:t>
+            </a:r>
+            <a:endParaRPr lang="en-US" dirty="0"/>
+          </a:p>
+        </p:txBody>
+      </p:sp>
+      <p:pic>
+        <p:nvPicPr>
+          <p:cNvPr id="4" name="Content Placeholder 3" descr="vaporcorr.jpg"/>
+          <p:cNvPicPr>
+            <a:picLocks noGrp="1" noChangeAspect="1"/>
+          </p:cNvPicPr>
+          <p:nvPr>
+            <p:ph sz="quarter" idx="1"/>
+          </p:nvPr>
+        </p:nvPicPr>
+        <p:blipFill>
+          <a:blip r:embed="rId2"/>
+          <a:srcRect l="5311" t="8027" r="7940" b="4971"/>
+          <a:stretch>
+            <a:fillRect/>
+          </a:stretch>
+        </p:blipFill>
+        <p:spPr>
+          <a:xfrm>
+            <a:off x="4495800" y="1905000"/>
+            <a:ext cx="4373880" cy="3124200"/>
+          </a:xfrm>
+        </p:spPr>
+      </p:pic>
+      <p:pic>
+        <p:nvPicPr>
+          <p:cNvPr id="5" name="Picture 4" descr="vaporcorr-nongrad.jpg"/>
+          <p:cNvPicPr>
+            <a:picLocks noChangeAspect="1"/>
+          </p:cNvPicPr>
+          <p:nvPr/>
+        </p:nvPicPr>
+        <p:blipFill>
+          <a:blip r:embed="rId3"/>
+          <a:srcRect l="6783" t="4762" r="8430"/>
+          <a:stretch>
+            <a:fillRect/>
+          </a:stretch>
+        </p:blipFill>
+        <p:spPr>
+          <a:xfrm>
+            <a:off x="304800" y="1874520"/>
+            <a:ext cx="4038600" cy="3230880"/>
+          </a:xfrm>
+          <a:prstGeom prst="rect">
+            <a:avLst/>
+          </a:prstGeom>
+        </p:spPr>
+      </p:pic>
+    </p:spTree>
+  </p:cSld>
+  <p:clrMapOvr>
+    <a:masterClrMapping/>
+  </p:clrMapOvr>
+</p:sld>
+</file>
+
+<file path=ppt/slides/slide23.xml><?xml version="1.0" encoding="utf-8"?>
+<p:sld xmlns:a="http://schemas.openxmlformats.org/drawingml/2006/main" xmlns:r="http://schemas.openxmlformats.org/officeDocument/2006/relationships" xmlns:p="http://schemas.openxmlformats.org/presentationml/2006/main">
+  <p:cSld>
+    <p:spTree>
+      <p:nvGrpSpPr>
+        <p:cNvPr id="1" name=""/>
+        <p:cNvGrpSpPr/>
+        <p:nvPr/>
+      </p:nvGrpSpPr>
+      <p:grpSpPr>
+        <a:xfrm>
+          <a:off x="0" y="0"/>
+          <a:ext cx="0" cy="0"/>
+          <a:chOff x="0" y="0"/>
+          <a:chExt cx="0" cy="0"/>
+        </a:xfrm>
+      </p:grpSpPr>
+      <p:sp>
+        <p:nvSpPr>
+          <p:cNvPr id="2" name="Title 1"/>
+          <p:cNvSpPr>
+            <a:spLocks noGrp="1"/>
+          </p:cNvSpPr>
+          <p:nvPr>
+            <p:ph type="title"/>
+          </p:nvPr>
+        </p:nvSpPr>
+        <p:spPr/>
+        <p:txBody>
+          <a:bodyPr>
+            <a:normAutofit/>
+          </a:bodyPr>
+          <a:lstStyle/>
+          <a:p>
+            <a:r>
+              <a:rPr lang="en-US" dirty="0" smtClean="0"/>
+              <a:t>Vapor Pressure</a:t>
+            </a:r>
+            <a:endParaRPr lang="en-US" dirty="0"/>
+          </a:p>
+        </p:txBody>
+      </p:sp>
+      <p:pic>
+        <p:nvPicPr>
+          <p:cNvPr id="4" name="Content Placeholder 3" descr="vaporextremes.jpg"/>
+          <p:cNvPicPr>
+            <a:picLocks noGrp="1" noChangeAspect="1"/>
+          </p:cNvPicPr>
+          <p:nvPr>
+            <p:ph sz="quarter" idx="1"/>
+          </p:nvPr>
+        </p:nvPicPr>
+        <p:blipFill>
+          <a:blip r:embed="rId2"/>
+          <a:stretch>
+            <a:fillRect/>
+          </a:stretch>
+        </p:blipFill>
+        <p:spPr>
+          <a:xfrm>
+            <a:off x="1524000" y="1401762"/>
+            <a:ext cx="6096000" cy="4572000"/>
+          </a:xfrm>
+        </p:spPr>
+      </p:pic>
+    </p:spTree>
+  </p:cSld>
+  <p:clrMapOvr>
+    <a:masterClrMapping/>
+  </p:clrMapOvr>
+</p:sld>
+</file>
+
+<file path=ppt/slides/slide24.xml><?xml version="1.0" encoding="utf-8"?>
+<p:sld xmlns:a="http://schemas.openxmlformats.org/drawingml/2006/main" xmlns:r="http://schemas.openxmlformats.org/officeDocument/2006/relationships" xmlns:p="http://schemas.openxmlformats.org/presentationml/2006/main">
+  <p:cSld>
+    <p:spTree>
+      <p:nvGrpSpPr>
+        <p:cNvPr id="1" name=""/>
+        <p:cNvGrpSpPr/>
+        <p:nvPr/>
+      </p:nvGrpSpPr>
+      <p:grpSpPr>
+        <a:xfrm>
+          <a:off x="0" y="0"/>
+          <a:ext cx="0" cy="0"/>
+          <a:chOff x="0" y="0"/>
+          <a:chExt cx="0" cy="0"/>
+        </a:xfrm>
+      </p:grpSpPr>
+      <p:sp>
+        <p:nvSpPr>
+          <p:cNvPr id="2" name="Title 1"/>
+          <p:cNvSpPr>
+            <a:spLocks noGrp="1"/>
+          </p:cNvSpPr>
+          <p:nvPr>
+            <p:ph type="title"/>
+          </p:nvPr>
+        </p:nvSpPr>
+        <p:spPr/>
+        <p:txBody>
+          <a:bodyPr>
+            <a:normAutofit/>
+          </a:bodyPr>
+          <a:lstStyle/>
+          <a:p>
+            <a:r>
+              <a:rPr lang="en-US" dirty="0" smtClean="0"/>
+              <a:t>Vapor Pressure</a:t>
+            </a:r>
+            <a:endParaRPr lang="en-US" dirty="0"/>
+          </a:p>
+        </p:txBody>
+      </p:sp>
+      <p:pic>
+        <p:nvPicPr>
+          <p:cNvPr id="4" name="Content Placeholder 3" descr="vaportimeseries-pic.jpg"/>
+          <p:cNvPicPr>
+            <a:picLocks noGrp="1" noChangeAspect="1"/>
+          </p:cNvPicPr>
+          <p:nvPr>
+            <p:ph sz="quarter" idx="1"/>
+          </p:nvPr>
+        </p:nvPicPr>
+        <p:blipFill>
+          <a:blip r:embed="rId2"/>
+          <a:stretch>
+            <a:fillRect/>
+          </a:stretch>
+        </p:blipFill>
+        <p:spPr>
+          <a:xfrm>
+            <a:off x="2097693" y="1283526"/>
+            <a:ext cx="5141307" cy="3517074"/>
+          </a:xfrm>
+        </p:spPr>
+      </p:pic>
+      <p:pic>
+        <p:nvPicPr>
+          <p:cNvPr id="5" name="Picture 4" descr="vaportimeseriesimages.jpg"/>
+          <p:cNvPicPr>
+            <a:picLocks noChangeAspect="1"/>
+          </p:cNvPicPr>
+          <p:nvPr/>
+        </p:nvPicPr>
+        <p:blipFill>
+          <a:blip r:embed="rId3"/>
+          <a:stretch>
+            <a:fillRect/>
+          </a:stretch>
+        </p:blipFill>
+        <p:spPr>
+          <a:xfrm>
+            <a:off x="457200" y="4991100"/>
+            <a:ext cx="8382000" cy="1257300"/>
+          </a:xfrm>
+          <a:prstGeom prst="rect">
+            <a:avLst/>
+          </a:prstGeom>
+        </p:spPr>
+      </p:pic>
+    </p:spTree>
+  </p:cSld>
+  <p:clrMapOvr>
+    <a:masterClrMapping/>
+  </p:clrMapOvr>
+</p:sld>
+</file>
+
+<file path=ppt/slides/slide25.xml><?xml version="1.0" encoding="utf-8"?>
+<p:sld xmlns:a="http://schemas.openxmlformats.org/drawingml/2006/main" xmlns:r="http://schemas.openxmlformats.org/officeDocument/2006/relationships" xmlns:p="http://schemas.openxmlformats.org/presentationml/2006/main">
+  <p:cSld>
+    <p:spTree>
+      <p:nvGrpSpPr>
+        <p:cNvPr id="1" name=""/>
+        <p:cNvGrpSpPr/>
+        <p:nvPr/>
+      </p:nvGrpSpPr>
+      <p:grpSpPr>
+        <a:xfrm>
+          <a:off x="0" y="0"/>
+          <a:ext cx="0" cy="0"/>
+          <a:chOff x="0" y="0"/>
+          <a:chExt cx="0" cy="0"/>
+        </a:xfrm>
+      </p:grpSpPr>
+      <p:sp>
+        <p:nvSpPr>
+          <p:cNvPr id="2" name="Title 1"/>
+          <p:cNvSpPr>
+            <a:spLocks noGrp="1"/>
+          </p:cNvSpPr>
+          <p:nvPr>
+            <p:ph type="title"/>
+          </p:nvPr>
+        </p:nvSpPr>
+        <p:spPr/>
+        <p:txBody>
+          <a:bodyPr/>
+          <a:lstStyle/>
+          <a:p>
+            <a:r>
+              <a:rPr lang="en-US" dirty="0" smtClean="0"/>
+              <a:t>Training Set Analysis</a:t>
+            </a:r>
+            <a:endParaRPr lang="en-US" dirty="0"/>
+          </a:p>
+        </p:txBody>
+      </p:sp>
+      <p:sp>
+        <p:nvSpPr>
+          <p:cNvPr id="3" name="Content Placeholder 2"/>
+          <p:cNvSpPr>
+            <a:spLocks noGrp="1"/>
+          </p:cNvSpPr>
+          <p:nvPr>
+            <p:ph sz="quarter" idx="1"/>
+          </p:nvPr>
+        </p:nvSpPr>
+        <p:spPr/>
+        <p:txBody>
+          <a:bodyPr/>
+          <a:lstStyle/>
+          <a:p>
+            <a:r>
+              <a:rPr lang="en-US" dirty="0" smtClean="0"/>
+              <a:t>What we want to do, why it is valuable, background?</a:t>
+            </a:r>
+            <a:endParaRPr lang="en-US" dirty="0"/>
+          </a:p>
+        </p:txBody>
+      </p:sp>
+    </p:spTree>
+  </p:cSld>
+  <p:clrMapOvr>
+    <a:masterClrMapping/>
+  </p:clrMapOvr>
+</p:sld>
+</file>
+
+<file path=ppt/slides/slide26.xml><?xml version="1.0" encoding="utf-8"?>
+<p:sld xmlns:a="http://schemas.openxmlformats.org/drawingml/2006/main" xmlns:r="http://schemas.openxmlformats.org/officeDocument/2006/relationships" xmlns:p="http://schemas.openxmlformats.org/presentationml/2006/main">
+  <p:cSld>
+    <p:spTree>
+      <p:nvGrpSpPr>
+        <p:cNvPr id="1" name=""/>
+        <p:cNvGrpSpPr/>
+        <p:nvPr/>
+      </p:nvGrpSpPr>
+      <p:grpSpPr>
+        <a:xfrm>
+          <a:off x="0" y="0"/>
+          <a:ext cx="0" cy="0"/>
+          <a:chOff x="0" y="0"/>
+          <a:chExt cx="0" cy="0"/>
+        </a:xfrm>
+      </p:grpSpPr>
+      <p:sp>
+        <p:nvSpPr>
+          <p:cNvPr id="2" name="Title 1"/>
+          <p:cNvSpPr>
+            <a:spLocks noGrp="1"/>
+          </p:cNvSpPr>
+          <p:nvPr>
+            <p:ph type="title"/>
+          </p:nvPr>
+        </p:nvSpPr>
+        <p:spPr/>
+        <p:txBody>
+          <a:bodyPr/>
+          <a:lstStyle/>
+          <a:p>
+            <a:r>
+              <a:rPr lang="en-US" dirty="0" smtClean="0"/>
+              <a:t>Training Set Analysis</a:t>
+            </a:r>
+            <a:endParaRPr lang="en-US" dirty="0"/>
+          </a:p>
+        </p:txBody>
+      </p:sp>
+      <p:sp>
+        <p:nvSpPr>
+          <p:cNvPr id="3" name="Content Placeholder 2"/>
+          <p:cNvSpPr>
+            <a:spLocks noGrp="1"/>
+          </p:cNvSpPr>
+          <p:nvPr>
+            <p:ph sz="quarter" idx="1"/>
+          </p:nvPr>
+        </p:nvSpPr>
+        <p:spPr/>
+        <p:txBody>
+          <a:bodyPr/>
+          <a:lstStyle/>
+          <a:p>
+            <a:r>
+              <a:rPr lang="en-US" dirty="0" smtClean="0"/>
+              <a:t>Method used to predict</a:t>
+            </a:r>
+            <a:endParaRPr lang="en-US" dirty="0"/>
+          </a:p>
+        </p:txBody>
+      </p:sp>
+    </p:spTree>
+  </p:cSld>
+  <p:clrMapOvr>
+    <a:masterClrMapping/>
+  </p:clrMapOvr>
+</p:sld>
+</file>
+
+<file path=ppt/slides/slide27.xml><?xml version="1.0" encoding="utf-8"?>
+<p:sld xmlns:a="http://schemas.openxmlformats.org/drawingml/2006/main" xmlns:r="http://schemas.openxmlformats.org/officeDocument/2006/relationships" xmlns:p="http://schemas.openxmlformats.org/presentationml/2006/main">
+  <p:cSld>
+    <p:spTree>
+      <p:nvGrpSpPr>
+        <p:cNvPr id="1" name=""/>
+        <p:cNvGrpSpPr/>
+        <p:nvPr/>
+      </p:nvGrpSpPr>
+      <p:grpSpPr>
+        <a:xfrm>
+          <a:off x="0" y="0"/>
+          <a:ext cx="0" cy="0"/>
+          <a:chOff x="0" y="0"/>
+          <a:chExt cx="0" cy="0"/>
+        </a:xfrm>
+      </p:grpSpPr>
+      <p:sp>
+        <p:nvSpPr>
+          <p:cNvPr id="2" name="Title 1"/>
+          <p:cNvSpPr>
+            <a:spLocks noGrp="1"/>
+          </p:cNvSpPr>
+          <p:nvPr>
+            <p:ph type="title"/>
+          </p:nvPr>
+        </p:nvSpPr>
+        <p:spPr/>
+        <p:txBody>
+          <a:bodyPr/>
+          <a:lstStyle/>
+          <a:p>
+            <a:r>
+              <a:rPr lang="en-US" dirty="0" smtClean="0"/>
+              <a:t>Training Set Analysis</a:t>
+            </a:r>
+            <a:endParaRPr lang="en-US" dirty="0"/>
+          </a:p>
+        </p:txBody>
+      </p:sp>
+      <p:sp>
+        <p:nvSpPr>
+          <p:cNvPr id="3" name="Content Placeholder 2"/>
+          <p:cNvSpPr>
+            <a:spLocks noGrp="1"/>
+          </p:cNvSpPr>
+          <p:nvPr>
+            <p:ph sz="quarter" idx="1"/>
+          </p:nvPr>
+        </p:nvSpPr>
+        <p:spPr/>
+        <p:txBody>
+          <a:bodyPr/>
+          <a:lstStyle/>
+          <a:p>
+            <a:r>
+              <a:rPr lang="en-US" dirty="0" smtClean="0"/>
+              <a:t>charts</a:t>
+            </a:r>
+            <a:endParaRPr lang="en-US" dirty="0"/>
+          </a:p>
+        </p:txBody>
+      </p:sp>
+    </p:spTree>
+  </p:cSld>
+  <p:clrMapOvr>
+    <a:masterClrMapping/>
+  </p:clrMapOvr>
+</p:sld>
+</file>
+
+<file path=ppt/slides/slide28.xml><?xml version="1.0" encoding="utf-8"?>
+<p:sld xmlns:a="http://schemas.openxmlformats.org/drawingml/2006/main" xmlns:r="http://schemas.openxmlformats.org/officeDocument/2006/relationships" xmlns:p="http://schemas.openxmlformats.org/presentationml/2006/main">
+  <p:cSld>
+    <p:spTree>
+      <p:nvGrpSpPr>
+        <p:cNvPr id="1" name=""/>
+        <p:cNvGrpSpPr/>
+        <p:nvPr/>
+      </p:nvGrpSpPr>
+      <p:grpSpPr>
+        <a:xfrm>
+          <a:off x="0" y="0"/>
+          <a:ext cx="0" cy="0"/>
+          <a:chOff x="0" y="0"/>
+          <a:chExt cx="0" cy="0"/>
+        </a:xfrm>
+      </p:grpSpPr>
+      <p:sp>
+        <p:nvSpPr>
+          <p:cNvPr id="2" name="Title 1"/>
+          <p:cNvSpPr>
+            <a:spLocks noGrp="1"/>
+          </p:cNvSpPr>
+          <p:nvPr>
+            <p:ph type="title"/>
+          </p:nvPr>
+        </p:nvSpPr>
+        <p:spPr/>
+        <p:txBody>
+          <a:bodyPr>
+            <a:normAutofit/>
+          </a:bodyPr>
+          <a:lstStyle/>
+          <a:p>
+            <a:r>
+              <a:rPr lang="en-US" dirty="0" smtClean="0"/>
+              <a:t>Conclusion</a:t>
+            </a:r>
+            <a:endParaRPr lang="en-US" dirty="0"/>
+          </a:p>
+        </p:txBody>
+      </p:sp>
+      <p:sp>
+        <p:nvSpPr>
+          <p:cNvPr id="3" name="Content Placeholder 2"/>
+          <p:cNvSpPr>
+            <a:spLocks noGrp="1"/>
+          </p:cNvSpPr>
+          <p:nvPr>
+            <p:ph sz="quarter" idx="1"/>
+          </p:nvPr>
+        </p:nvSpPr>
+        <p:spPr/>
+        <p:txBody>
+          <a:bodyPr/>
+          <a:lstStyle/>
+          <a:p>
+            <a:endParaRPr lang="en-US" dirty="0"/>
+          </a:p>
+        </p:txBody>
+      </p:sp>
+    </p:spTree>
+  </p:cSld>
+  <p:clrMapOvr>
+    <a:masterClrMapping/>
+  </p:clrMapOvr>
+</p:sld>
+</file>
+
+<file path=ppt/slides/slide29.xml><?xml version="1.0" encoding="utf-8"?>
+<p:sld xmlns:a="http://schemas.openxmlformats.org/drawingml/2006/main" xmlns:r="http://schemas.openxmlformats.org/officeDocument/2006/relationships" xmlns:p="http://schemas.openxmlformats.org/presentationml/2006/main">
+  <p:cSld>
+    <p:spTree>
+      <p:nvGrpSpPr>
+        <p:cNvPr id="1" name=""/>
+        <p:cNvGrpSpPr/>
+        <p:nvPr/>
+      </p:nvGrpSpPr>
+      <p:grpSpPr>
+        <a:xfrm>
+          <a:off x="0" y="0"/>
+          <a:ext cx="0" cy="0"/>
+          <a:chOff x="0" y="0"/>
+          <a:chExt cx="0" cy="0"/>
+        </a:xfrm>
+      </p:grpSpPr>
+      <p:sp>
+        <p:nvSpPr>
+          <p:cNvPr id="2" name="Title 1"/>
+          <p:cNvSpPr>
+            <a:spLocks noGrp="1"/>
+          </p:cNvSpPr>
+          <p:nvPr>
+            <p:ph type="title"/>
+          </p:nvPr>
+        </p:nvSpPr>
+        <p:spPr/>
+        <p:txBody>
+          <a:bodyPr/>
+          <a:lstStyle/>
+          <a:p>
+            <a:r>
+              <a:rPr lang="en-US" dirty="0" smtClean="0"/>
+              <a:t>Future Work</a:t>
+            </a:r>
+            <a:endParaRPr lang="en-US" dirty="0"/>
+          </a:p>
+        </p:txBody>
+      </p:sp>
+      <p:sp>
+        <p:nvSpPr>
+          <p:cNvPr id="3" name="Content Placeholder 2"/>
+          <p:cNvSpPr>
+            <a:spLocks noGrp="1"/>
+          </p:cNvSpPr>
+          <p:nvPr>
+            <p:ph sz="quarter" idx="1"/>
+          </p:nvPr>
+        </p:nvSpPr>
+        <p:spPr/>
+        <p:txBody>
+          <a:bodyPr/>
+          <a:lstStyle/>
+          <a:p>
+            <a:endParaRPr lang="en-US" dirty="0"/>
+          </a:p>
+        </p:txBody>
+      </p:sp>
+    </p:spTree>
+  </p:cSld>
+  <p:clrMapOvr>
+    <a:masterClrMapping/>
+  </p:clrMapOvr>
+</p:sld>
+</file>
+
+<file path=ppt/slides/slide3.xml><?xml version="1.0" encoding="utf-8"?>
+<p:sld xmlns:a="http://schemas.openxmlformats.org/drawingml/2006/main" xmlns:r="http://schemas.openxmlformats.org/officeDocument/2006/relationships" xmlns:p="http://schemas.openxmlformats.org/presentationml/2006/main">
+  <p:cSld>
+    <p:spTree>
+      <p:nvGrpSpPr>
+        <p:cNvPr id="1" name=""/>
+        <p:cNvGrpSpPr/>
+        <p:nvPr/>
+      </p:nvGrpSpPr>
+      <p:grpSpPr>
+        <a:xfrm>
+          <a:off x="0" y="0"/>
+          <a:ext cx="0" cy="0"/>
+          <a:chOff x="0" y="0"/>
+          <a:chExt cx="0" cy="0"/>
+        </a:xfrm>
+      </p:grpSpPr>
+      <p:sp>
+        <p:nvSpPr>
+          <p:cNvPr id="2" name="Title 1"/>
+          <p:cNvSpPr>
+            <a:spLocks noGrp="1"/>
+          </p:cNvSpPr>
+          <p:nvPr>
+            <p:ph type="title"/>
+          </p:nvPr>
+        </p:nvSpPr>
+        <p:spPr/>
+        <p:txBody>
+          <a:bodyPr/>
+          <a:lstStyle/>
+          <a:p>
+            <a:r>
+              <a:rPr lang="en-US" dirty="0" smtClean="0"/>
+              <a:t>Webcam Data</a:t>
+            </a:r>
+            <a:endParaRPr lang="en-US" dirty="0"/>
+          </a:p>
+        </p:txBody>
+      </p:sp>
+      <p:sp>
+        <p:nvSpPr>
+          <p:cNvPr id="3" name="Content Placeholder 2"/>
+          <p:cNvSpPr>
+            <a:spLocks noGrp="1"/>
+          </p:cNvSpPr>
+          <p:nvPr>
+            <p:ph sz="quarter" idx="1"/>
           </p:nvPr>
         </p:nvSpPr>
         <p:spPr/>
@@ -3070,6 +6139,587 @@
           <a:lstStyle/>
           <a:p>
             <a:endParaRPr lang="en-US"/>
+          </a:p>
+        </p:txBody>
+      </p:sp>
+    </p:spTree>
+  </p:cSld>
+  <p:clrMapOvr>
+    <a:masterClrMapping/>
+  </p:clrMapOvr>
+</p:sld>
+</file>
+
+<file path=ppt/slides/slide30.xml><?xml version="1.0" encoding="utf-8"?>
+<p:sld xmlns:a="http://schemas.openxmlformats.org/drawingml/2006/main" xmlns:r="http://schemas.openxmlformats.org/officeDocument/2006/relationships" xmlns:p="http://schemas.openxmlformats.org/presentationml/2006/main">
+  <p:cSld>
+    <p:spTree>
+      <p:nvGrpSpPr>
+        <p:cNvPr id="1" name=""/>
+        <p:cNvGrpSpPr/>
+        <p:nvPr/>
+      </p:nvGrpSpPr>
+      <p:grpSpPr>
+        <a:xfrm>
+          <a:off x="0" y="0"/>
+          <a:ext cx="0" cy="0"/>
+          <a:chOff x="0" y="0"/>
+          <a:chExt cx="0" cy="0"/>
+        </a:xfrm>
+      </p:grpSpPr>
+      <p:sp>
+        <p:nvSpPr>
+          <p:cNvPr id="2" name="Title 1"/>
+          <p:cNvSpPr>
+            <a:spLocks noGrp="1"/>
+          </p:cNvSpPr>
+          <p:nvPr>
+            <p:ph type="title"/>
+          </p:nvPr>
+        </p:nvSpPr>
+        <p:spPr/>
+        <p:txBody>
+          <a:bodyPr/>
+          <a:lstStyle/>
+          <a:p>
+            <a:r>
+              <a:rPr lang="en-US" dirty="0" smtClean="0"/>
+              <a:t>Acknowledgements</a:t>
+            </a:r>
+            <a:endParaRPr lang="en-US" dirty="0"/>
+          </a:p>
+        </p:txBody>
+      </p:sp>
+      <p:sp>
+        <p:nvSpPr>
+          <p:cNvPr id="3" name="Content Placeholder 2"/>
+          <p:cNvSpPr>
+            <a:spLocks noGrp="1"/>
+          </p:cNvSpPr>
+          <p:nvPr>
+            <p:ph sz="quarter" idx="1"/>
+          </p:nvPr>
+        </p:nvSpPr>
+        <p:spPr/>
+        <p:txBody>
+          <a:bodyPr/>
+          <a:lstStyle/>
+          <a:p>
+            <a:r>
+              <a:rPr lang="en-US" dirty="0" smtClean="0"/>
+              <a:t>Dr. Robert Pless</a:t>
+            </a:r>
+          </a:p>
+          <a:p>
+            <a:r>
+              <a:rPr lang="en-US" dirty="0" smtClean="0"/>
+              <a:t>Nathan Jacobs</a:t>
+            </a:r>
+          </a:p>
+          <a:p>
+            <a:r>
+              <a:rPr lang="en-US" dirty="0" smtClean="0"/>
+              <a:t>Thesis Examination Committee</a:t>
+            </a:r>
+          </a:p>
+          <a:p>
+            <a:pPr lvl="1"/>
+            <a:r>
+              <a:rPr lang="en-US" dirty="0" smtClean="0"/>
+              <a:t>Dr. Ron Cytron</a:t>
+            </a:r>
+          </a:p>
+          <a:p>
+            <a:pPr lvl="1"/>
+            <a:r>
+              <a:rPr lang="en-US" dirty="0" smtClean="0"/>
+              <a:t>Dr. Tao </a:t>
+            </a:r>
+            <a:r>
+              <a:rPr lang="en-US" dirty="0" err="1" smtClean="0"/>
+              <a:t>Ju</a:t>
+            </a:r>
+            <a:endParaRPr lang="en-US" dirty="0" smtClean="0"/>
+          </a:p>
+          <a:p>
+            <a:pPr lvl="1"/>
+            <a:r>
+              <a:rPr lang="en-US" dirty="0" smtClean="0"/>
+              <a:t>Dr. Robert Pless</a:t>
+            </a:r>
+          </a:p>
+        </p:txBody>
+      </p:sp>
+    </p:spTree>
+  </p:cSld>
+  <p:clrMapOvr>
+    <a:masterClrMapping/>
+  </p:clrMapOvr>
+</p:sld>
+</file>
+
+<file path=ppt/slides/slide31.xml><?xml version="1.0" encoding="utf-8"?>
+<p:sld xmlns:a="http://schemas.openxmlformats.org/drawingml/2006/main" xmlns:r="http://schemas.openxmlformats.org/officeDocument/2006/relationships" xmlns:p="http://schemas.openxmlformats.org/presentationml/2006/main">
+  <p:cSld>
+    <p:spTree>
+      <p:nvGrpSpPr>
+        <p:cNvPr id="1" name=""/>
+        <p:cNvGrpSpPr/>
+        <p:nvPr/>
+      </p:nvGrpSpPr>
+      <p:grpSpPr>
+        <a:xfrm>
+          <a:off x="0" y="0"/>
+          <a:ext cx="0" cy="0"/>
+          <a:chOff x="0" y="0"/>
+          <a:chExt cx="0" cy="0"/>
+        </a:xfrm>
+      </p:grpSpPr>
+      <p:sp>
+        <p:nvSpPr>
+          <p:cNvPr id="2" name="Title 1"/>
+          <p:cNvSpPr>
+            <a:spLocks noGrp="1"/>
+          </p:cNvSpPr>
+          <p:nvPr>
+            <p:ph type="title"/>
+          </p:nvPr>
+        </p:nvSpPr>
+        <p:spPr>
+          <a:xfrm>
+            <a:off x="457200" y="2743200"/>
+            <a:ext cx="8229600" cy="1143000"/>
+          </a:xfrm>
+        </p:spPr>
+        <p:txBody>
+          <a:bodyPr/>
+          <a:lstStyle/>
+          <a:p>
+            <a:r>
+              <a:rPr lang="en-US" dirty="0" smtClean="0"/>
+              <a:t>Questions?</a:t>
+            </a:r>
+            <a:endParaRPr lang="en-US" dirty="0"/>
+          </a:p>
+        </p:txBody>
+      </p:sp>
+    </p:spTree>
+  </p:cSld>
+  <p:clrMapOvr>
+    <a:masterClrMapping/>
+  </p:clrMapOvr>
+</p:sld>
+</file>
+
+<file path=ppt/slides/slide4.xml><?xml version="1.0" encoding="utf-8"?>
+<p:sld xmlns:a="http://schemas.openxmlformats.org/drawingml/2006/main" xmlns:r="http://schemas.openxmlformats.org/officeDocument/2006/relationships" xmlns:p="http://schemas.openxmlformats.org/presentationml/2006/main">
+  <p:cSld>
+    <p:spTree>
+      <p:nvGrpSpPr>
+        <p:cNvPr id="1" name=""/>
+        <p:cNvGrpSpPr/>
+        <p:nvPr/>
+      </p:nvGrpSpPr>
+      <p:grpSpPr>
+        <a:xfrm>
+          <a:off x="0" y="0"/>
+          <a:ext cx="0" cy="0"/>
+          <a:chOff x="0" y="0"/>
+          <a:chExt cx="0" cy="0"/>
+        </a:xfrm>
+      </p:grpSpPr>
+      <p:sp>
+        <p:nvSpPr>
+          <p:cNvPr id="2" name="Title 1"/>
+          <p:cNvSpPr>
+            <a:spLocks noGrp="1"/>
+          </p:cNvSpPr>
+          <p:nvPr>
+            <p:ph type="title"/>
+          </p:nvPr>
+        </p:nvSpPr>
+        <p:spPr/>
+        <p:txBody>
+          <a:bodyPr/>
+          <a:lstStyle/>
+          <a:p>
+            <a:r>
+              <a:rPr lang="en-US" dirty="0" smtClean="0"/>
+              <a:t>AMOS Dataset</a:t>
+            </a:r>
+            <a:endParaRPr lang="en-US" dirty="0"/>
+          </a:p>
+        </p:txBody>
+      </p:sp>
+      <p:sp>
+        <p:nvSpPr>
+          <p:cNvPr id="3" name="Content Placeholder 2"/>
+          <p:cNvSpPr>
+            <a:spLocks noGrp="1"/>
+          </p:cNvSpPr>
+          <p:nvPr>
+            <p:ph sz="quarter" idx="1"/>
+          </p:nvPr>
+        </p:nvSpPr>
+        <p:spPr/>
+        <p:txBody>
+          <a:bodyPr/>
+          <a:lstStyle/>
+          <a:p>
+            <a:endParaRPr lang="en-US"/>
+          </a:p>
+        </p:txBody>
+      </p:sp>
+    </p:spTree>
+  </p:cSld>
+  <p:clrMapOvr>
+    <a:masterClrMapping/>
+  </p:clrMapOvr>
+</p:sld>
+</file>
+
+<file path=ppt/slides/slide5.xml><?xml version="1.0" encoding="utf-8"?>
+<p:sld xmlns:a="http://schemas.openxmlformats.org/drawingml/2006/main" xmlns:r="http://schemas.openxmlformats.org/officeDocument/2006/relationships" xmlns:p="http://schemas.openxmlformats.org/presentationml/2006/main">
+  <p:cSld>
+    <p:spTree>
+      <p:nvGrpSpPr>
+        <p:cNvPr id="1" name=""/>
+        <p:cNvGrpSpPr/>
+        <p:nvPr/>
+      </p:nvGrpSpPr>
+      <p:grpSpPr>
+        <a:xfrm>
+          <a:off x="0" y="0"/>
+          <a:ext cx="0" cy="0"/>
+          <a:chOff x="0" y="0"/>
+          <a:chExt cx="0" cy="0"/>
+        </a:xfrm>
+      </p:grpSpPr>
+      <p:sp>
+        <p:nvSpPr>
+          <p:cNvPr id="2" name="Title 1"/>
+          <p:cNvSpPr>
+            <a:spLocks noGrp="1"/>
+          </p:cNvSpPr>
+          <p:nvPr>
+            <p:ph type="title"/>
+          </p:nvPr>
+        </p:nvSpPr>
+        <p:spPr/>
+        <p:txBody>
+          <a:bodyPr/>
+          <a:lstStyle/>
+          <a:p>
+            <a:r>
+              <a:rPr lang="en-US" dirty="0" smtClean="0"/>
+              <a:t>AMOS Dataset</a:t>
+            </a:r>
+            <a:endParaRPr lang="en-US" dirty="0"/>
+          </a:p>
+        </p:txBody>
+      </p:sp>
+      <p:sp>
+        <p:nvSpPr>
+          <p:cNvPr id="3" name="Content Placeholder 2"/>
+          <p:cNvSpPr>
+            <a:spLocks noGrp="1"/>
+          </p:cNvSpPr>
+          <p:nvPr>
+            <p:ph sz="quarter" idx="1"/>
+          </p:nvPr>
+        </p:nvSpPr>
+        <p:spPr/>
+        <p:txBody>
+          <a:bodyPr/>
+          <a:lstStyle/>
+          <a:p>
+            <a:endParaRPr lang="en-US"/>
+          </a:p>
+        </p:txBody>
+      </p:sp>
+    </p:spTree>
+  </p:cSld>
+  <p:clrMapOvr>
+    <a:masterClrMapping/>
+  </p:clrMapOvr>
+</p:sld>
+</file>
+
+<file path=ppt/slides/slide6.xml><?xml version="1.0" encoding="utf-8"?>
+<p:sld xmlns:a="http://schemas.openxmlformats.org/drawingml/2006/main" xmlns:r="http://schemas.openxmlformats.org/officeDocument/2006/relationships" xmlns:p="http://schemas.openxmlformats.org/presentationml/2006/main">
+  <p:cSld>
+    <p:spTree>
+      <p:nvGrpSpPr>
+        <p:cNvPr id="1" name=""/>
+        <p:cNvGrpSpPr/>
+        <p:nvPr/>
+      </p:nvGrpSpPr>
+      <p:grpSpPr>
+        <a:xfrm>
+          <a:off x="0" y="0"/>
+          <a:ext cx="0" cy="0"/>
+          <a:chOff x="0" y="0"/>
+          <a:chExt cx="0" cy="0"/>
+        </a:xfrm>
+      </p:grpSpPr>
+      <p:sp>
+        <p:nvSpPr>
+          <p:cNvPr id="2" name="Title 1"/>
+          <p:cNvSpPr>
+            <a:spLocks noGrp="1"/>
+          </p:cNvSpPr>
+          <p:nvPr>
+            <p:ph type="title"/>
+          </p:nvPr>
+        </p:nvSpPr>
+        <p:spPr/>
+        <p:txBody>
+          <a:bodyPr/>
+          <a:lstStyle/>
+          <a:p>
+            <a:r>
+              <a:rPr lang="en-US" dirty="0" smtClean="0"/>
+              <a:t>Weather Data</a:t>
+            </a:r>
+            <a:endParaRPr lang="en-US" dirty="0"/>
+          </a:p>
+        </p:txBody>
+      </p:sp>
+      <p:sp>
+        <p:nvSpPr>
+          <p:cNvPr id="3" name="Content Placeholder 2"/>
+          <p:cNvSpPr>
+            <a:spLocks noGrp="1"/>
+          </p:cNvSpPr>
+          <p:nvPr>
+            <p:ph sz="quarter" idx="1"/>
+          </p:nvPr>
+        </p:nvSpPr>
+        <p:spPr/>
+        <p:txBody>
+          <a:bodyPr/>
+          <a:lstStyle/>
+          <a:p>
+            <a:endParaRPr lang="en-US"/>
+          </a:p>
+        </p:txBody>
+      </p:sp>
+    </p:spTree>
+  </p:cSld>
+  <p:clrMapOvr>
+    <a:masterClrMapping/>
+  </p:clrMapOvr>
+</p:sld>
+</file>
+
+<file path=ppt/slides/slide7.xml><?xml version="1.0" encoding="utf-8"?>
+<p:sld xmlns:a="http://schemas.openxmlformats.org/drawingml/2006/main" xmlns:r="http://schemas.openxmlformats.org/officeDocument/2006/relationships" xmlns:p="http://schemas.openxmlformats.org/presentationml/2006/main">
+  <p:cSld>
+    <p:spTree>
+      <p:nvGrpSpPr>
+        <p:cNvPr id="1" name=""/>
+        <p:cNvGrpSpPr/>
+        <p:nvPr/>
+      </p:nvGrpSpPr>
+      <p:grpSpPr>
+        <a:xfrm>
+          <a:off x="0" y="0"/>
+          <a:ext cx="0" cy="0"/>
+          <a:chOff x="0" y="0"/>
+          <a:chExt cx="0" cy="0"/>
+        </a:xfrm>
+      </p:grpSpPr>
+      <p:sp>
+        <p:nvSpPr>
+          <p:cNvPr id="2" name="Title 1"/>
+          <p:cNvSpPr>
+            <a:spLocks noGrp="1"/>
+          </p:cNvSpPr>
+          <p:nvPr>
+            <p:ph type="title"/>
+          </p:nvPr>
+        </p:nvSpPr>
+        <p:spPr/>
+        <p:txBody>
+          <a:bodyPr>
+            <a:normAutofit/>
+          </a:bodyPr>
+          <a:lstStyle/>
+          <a:p>
+            <a:r>
+              <a:rPr lang="en-US" dirty="0" smtClean="0"/>
+              <a:t>Canonical Correlation Analysis (CCA)</a:t>
+            </a:r>
+            <a:endParaRPr lang="en-US" dirty="0"/>
+          </a:p>
+        </p:txBody>
+      </p:sp>
+      <p:sp>
+        <p:nvSpPr>
+          <p:cNvPr id="3" name="Content Placeholder 2"/>
+          <p:cNvSpPr>
+            <a:spLocks noGrp="1"/>
+          </p:cNvSpPr>
+          <p:nvPr>
+            <p:ph sz="quarter" idx="1"/>
+          </p:nvPr>
+        </p:nvSpPr>
+        <p:spPr/>
+        <p:txBody>
+          <a:bodyPr/>
+          <a:lstStyle/>
+          <a:p>
+            <a:r>
+              <a:rPr lang="en-US" dirty="0" smtClean="0"/>
+              <a:t>Given…Find…</a:t>
+            </a:r>
+            <a:endParaRPr lang="en-US" dirty="0"/>
+          </a:p>
+        </p:txBody>
+      </p:sp>
+    </p:spTree>
+  </p:cSld>
+  <p:clrMapOvr>
+    <a:masterClrMapping/>
+  </p:clrMapOvr>
+</p:sld>
+</file>
+
+<file path=ppt/slides/slide8.xml><?xml version="1.0" encoding="utf-8"?>
+<p:sld xmlns:a="http://schemas.openxmlformats.org/drawingml/2006/main" xmlns:r="http://schemas.openxmlformats.org/officeDocument/2006/relationships" xmlns:p="http://schemas.openxmlformats.org/presentationml/2006/main">
+  <p:cSld>
+    <p:spTree>
+      <p:nvGrpSpPr>
+        <p:cNvPr id="1" name=""/>
+        <p:cNvGrpSpPr/>
+        <p:nvPr/>
+      </p:nvGrpSpPr>
+      <p:grpSpPr>
+        <a:xfrm>
+          <a:off x="0" y="0"/>
+          <a:ext cx="0" cy="0"/>
+          <a:chOff x="0" y="0"/>
+          <a:chExt cx="0" cy="0"/>
+        </a:xfrm>
+      </p:grpSpPr>
+      <p:sp>
+        <p:nvSpPr>
+          <p:cNvPr id="2" name="Title 1"/>
+          <p:cNvSpPr>
+            <a:spLocks noGrp="1"/>
+          </p:cNvSpPr>
+          <p:nvPr>
+            <p:ph type="title"/>
+          </p:nvPr>
+        </p:nvSpPr>
+        <p:spPr/>
+        <p:txBody>
+          <a:bodyPr>
+            <a:normAutofit/>
+          </a:bodyPr>
+          <a:lstStyle/>
+          <a:p>
+            <a:r>
+              <a:rPr lang="en-US" dirty="0" smtClean="0"/>
+              <a:t>Canonical Correlation Analysis (CCA)</a:t>
+            </a:r>
+            <a:endParaRPr lang="en-US" dirty="0"/>
+          </a:p>
+        </p:txBody>
+      </p:sp>
+      <p:sp>
+        <p:nvSpPr>
+          <p:cNvPr id="3" name="Content Placeholder 2"/>
+          <p:cNvSpPr>
+            <a:spLocks noGrp="1"/>
+          </p:cNvSpPr>
+          <p:nvPr>
+            <p:ph sz="quarter" idx="1"/>
+          </p:nvPr>
+        </p:nvSpPr>
+        <p:spPr/>
+        <p:txBody>
+          <a:bodyPr/>
+          <a:lstStyle/>
+          <a:p>
+            <a:r>
+              <a:rPr lang="en-US" dirty="0" smtClean="0"/>
+              <a:t>How it works</a:t>
+            </a:r>
+            <a:endParaRPr lang="en-US" dirty="0"/>
+          </a:p>
+        </p:txBody>
+      </p:sp>
+    </p:spTree>
+  </p:cSld>
+  <p:clrMapOvr>
+    <a:masterClrMapping/>
+  </p:clrMapOvr>
+</p:sld>
+</file>
+
+<file path=ppt/slides/slide9.xml><?xml version="1.0" encoding="utf-8"?>
+<p:sld xmlns:a="http://schemas.openxmlformats.org/drawingml/2006/main" xmlns:r="http://schemas.openxmlformats.org/officeDocument/2006/relationships" xmlns:p="http://schemas.openxmlformats.org/presentationml/2006/main">
+  <p:cSld>
+    <p:spTree>
+      <p:nvGrpSpPr>
+        <p:cNvPr id="1" name=""/>
+        <p:cNvGrpSpPr/>
+        <p:nvPr/>
+      </p:nvGrpSpPr>
+      <p:grpSpPr>
+        <a:xfrm>
+          <a:off x="0" y="0"/>
+          <a:ext cx="0" cy="0"/>
+          <a:chOff x="0" y="0"/>
+          <a:chExt cx="0" cy="0"/>
+        </a:xfrm>
+      </p:grpSpPr>
+      <p:sp>
+        <p:nvSpPr>
+          <p:cNvPr id="2" name="Title 1"/>
+          <p:cNvSpPr>
+            <a:spLocks noGrp="1"/>
+          </p:cNvSpPr>
+          <p:nvPr>
+            <p:ph type="title"/>
+          </p:nvPr>
+        </p:nvSpPr>
+        <p:spPr/>
+        <p:txBody>
+          <a:bodyPr>
+            <a:normAutofit/>
+          </a:bodyPr>
+          <a:lstStyle/>
+          <a:p>
+            <a:r>
+              <a:rPr lang="en-US" dirty="0" smtClean="0"/>
+              <a:t>Canonical Correlation Analysis (CCA)</a:t>
+            </a:r>
+            <a:endParaRPr lang="en-US" dirty="0"/>
+          </a:p>
+        </p:txBody>
+      </p:sp>
+      <p:sp>
+        <p:nvSpPr>
+          <p:cNvPr id="3" name="Content Placeholder 2"/>
+          <p:cNvSpPr>
+            <a:spLocks noGrp="1"/>
+          </p:cNvSpPr>
+          <p:nvPr>
+            <p:ph sz="quarter" idx="1"/>
+          </p:nvPr>
+        </p:nvSpPr>
+        <p:spPr/>
+        <p:txBody>
+          <a:bodyPr/>
+          <a:lstStyle/>
+          <a:p>
+            <a:r>
+              <a:rPr lang="en-US" dirty="0" smtClean="0"/>
+              <a:t>Why it is cool, works for us, image size problem</a:t>
+            </a:r>
+            <a:endParaRPr lang="en-US" dirty="0"/>
           </a:p>
         </p:txBody>
       </p:sp>
@@ -3082,6 +6732,338 @@
 </file>
 
 <file path=ppt/theme/theme1.xml><?xml version="1.0" encoding="utf-8"?>
+<a:theme xmlns:a="http://schemas.openxmlformats.org/drawingml/2006/main" name="Origin">
+  <a:themeElements>
+    <a:clrScheme name="Origin">
+      <a:dk1>
+        <a:sysClr val="windowText" lastClr="000000"/>
+      </a:dk1>
+      <a:lt1>
+        <a:sysClr val="window" lastClr="FFFFFF"/>
+      </a:lt1>
+      <a:dk2>
+        <a:srgbClr val="464653"/>
+      </a:dk2>
+      <a:lt2>
+        <a:srgbClr val="DDE9EC"/>
+      </a:lt2>
+      <a:accent1>
+        <a:srgbClr val="727CA3"/>
+      </a:accent1>
+      <a:accent2>
+        <a:srgbClr val="9FB8CD"/>
+      </a:accent2>
+      <a:accent3>
+        <a:srgbClr val="D2DA7A"/>
+      </a:accent3>
+      <a:accent4>
+        <a:srgbClr val="FADA7A"/>
+      </a:accent4>
+      <a:accent5>
+        <a:srgbClr val="B88472"/>
+      </a:accent5>
+      <a:accent6>
+        <a:srgbClr val="8E736A"/>
+      </a:accent6>
+      <a:hlink>
+        <a:srgbClr val="B292CA"/>
+      </a:hlink>
+      <a:folHlink>
+        <a:srgbClr val="6B5680"/>
+      </a:folHlink>
+    </a:clrScheme>
+    <a:fontScheme name="Origin">
+      <a:majorFont>
+        <a:latin typeface="Bookman Old Style"/>
+        <a:ea typeface=""/>
+        <a:cs typeface=""/>
+        <a:font script="Grek" typeface="Cambria"/>
+        <a:font script="Cyrl" typeface="Cambria"/>
+        <a:font script="Jpan" typeface="HG明朝E"/>
+        <a:font script="Hang" typeface="돋움"/>
+        <a:font script="Hans" typeface="宋体"/>
+        <a:font script="Hant" typeface="標楷體"/>
+        <a:font script="Arab" typeface="Times New Roman"/>
+        <a:font script="Hebr" typeface="Times New Roman"/>
+        <a:font script="Thai" typeface="Browallia New"/>
+        <a:font script="Ethi" typeface="Nyala"/>
+        <a:font script="Beng" typeface="Vrinda"/>
+        <a:font script="Gujr" typeface="Shruti"/>
+        <a:font script="Khmr" typeface="MoolBoran"/>
+        <a:font script="Knda" typeface="Tunga"/>
+        <a:font script="Guru" typeface="Raavi"/>
+        <a:font script="Cans" typeface="Euphemia"/>
+        <a:font script="Cher" typeface="Plantagenet Cherokee"/>
+        <a:font script="Yiii" typeface="Microsoft Yi Baiti"/>
+        <a:font script="Tibt" typeface="Microsoft Himalaya"/>
+        <a:font script="Thaa" typeface="MV Boli"/>
+        <a:font script="Deva" typeface="Mangal"/>
+        <a:font script="Telu" typeface="Gautami"/>
+        <a:font script="Taml" typeface="Latha"/>
+        <a:font script="Syrc" typeface="Estrangelo Edessa"/>
+        <a:font script="Orya" typeface="Kalinga"/>
+        <a:font script="Mlym" typeface="Kartika"/>
+        <a:font script="Laoo" typeface="DokChampa"/>
+        <a:font script="Sinh" typeface="Iskoola Pota"/>
+        <a:font script="Mong" typeface="Mongolian Baiti"/>
+        <a:font script="Viet" typeface="Times New Roman"/>
+        <a:font script="Uigh" typeface="Microsoft Uighur"/>
+      </a:majorFont>
+      <a:minorFont>
+        <a:latin typeface="Gill Sans MT"/>
+        <a:ea typeface=""/>
+        <a:cs typeface=""/>
+        <a:font script="Grek" typeface="Calibri"/>
+        <a:font script="Cyrl" typeface="Calibri"/>
+        <a:font script="Jpan" typeface="ＭＳ Ｐゴシック"/>
+        <a:font script="Hang" typeface="맑은 고딕"/>
+        <a:font script="Hans" typeface="华文新魏"/>
+        <a:font script="Hant" typeface="新細明體"/>
+        <a:font script="Arab" typeface="Arial"/>
+        <a:font script="Hebr" typeface="Arial"/>
+        <a:font script="Thai" typeface="Cordia New"/>
+        <a:font script="Ethi" typeface="Nyala"/>
+        <a:font script="Beng" typeface="Vrinda"/>
+        <a:font script="Gujr" typeface="Shruti"/>
+        <a:font script="Khmr" typeface="DaunPenh"/>
+        <a:font script="Knda" typeface="Tunga"/>
+        <a:font script="Guru" typeface="Raavi"/>
+        <a:font script="Cans" typeface="Euphemia"/>
+        <a:font script="Cher" typeface="Plantagenet Cherokee"/>
+        <a:font script="Yiii" typeface="Microsoft Yi Baiti"/>
+        <a:font script="Tibt" typeface="Microsoft Himalaya"/>
+        <a:font script="Thaa" typeface="MV Boli"/>
+        <a:font script="Deva" typeface="Mangal"/>
+        <a:font script="Telu" typeface="Gautami"/>
+        <a:font script="Taml" typeface="Latha"/>
+        <a:font script="Syrc" typeface="Estrangelo Edessa"/>
+        <a:font script="Orya" typeface="Kalinga"/>
+        <a:font script="Mlym" typeface="Kartika"/>
+        <a:font script="Laoo" typeface="DokChampa"/>
+        <a:font script="Sinh" typeface="Iskoola Pota"/>
+        <a:font script="Mong" typeface="Mongolian Baiti"/>
+        <a:font script="Viet" typeface="Arial"/>
+        <a:font script="Uigh" typeface="Microsoft Uighur"/>
+      </a:minorFont>
+    </a:fontScheme>
+    <a:fmtScheme name="Origin">
+      <a:fillStyleLst>
+        <a:solidFill>
+          <a:schemeClr val="phClr"/>
+        </a:solidFill>
+        <a:gradFill rotWithShape="1">
+          <a:gsLst>
+            <a:gs pos="0">
+              <a:schemeClr val="phClr">
+                <a:tint val="45000"/>
+                <a:satMod val="200000"/>
+              </a:schemeClr>
+            </a:gs>
+            <a:gs pos="30000">
+              <a:schemeClr val="phClr">
+                <a:tint val="61000"/>
+                <a:satMod val="200000"/>
+              </a:schemeClr>
+            </a:gs>
+            <a:gs pos="45000">
+              <a:schemeClr val="phClr">
+                <a:tint val="66000"/>
+                <a:satMod val="200000"/>
+              </a:schemeClr>
+            </a:gs>
+            <a:gs pos="55000">
+              <a:schemeClr val="phClr">
+                <a:tint val="66000"/>
+                <a:satMod val="200000"/>
+              </a:schemeClr>
+            </a:gs>
+            <a:gs pos="73000">
+              <a:schemeClr val="phClr">
+                <a:tint val="61000"/>
+                <a:satMod val="200000"/>
+              </a:schemeClr>
+            </a:gs>
+            <a:gs pos="100000">
+              <a:schemeClr val="phClr">
+                <a:tint val="45000"/>
+                <a:satMod val="200000"/>
+              </a:schemeClr>
+            </a:gs>
+          </a:gsLst>
+          <a:lin ang="950000" scaled="1"/>
+        </a:gradFill>
+        <a:gradFill rotWithShape="1">
+          <a:gsLst>
+            <a:gs pos="0">
+              <a:schemeClr val="phClr">
+                <a:shade val="63000"/>
+              </a:schemeClr>
+            </a:gs>
+            <a:gs pos="30000">
+              <a:schemeClr val="phClr">
+                <a:shade val="90000"/>
+                <a:satMod val="110000"/>
+              </a:schemeClr>
+            </a:gs>
+            <a:gs pos="45000">
+              <a:schemeClr val="phClr">
+                <a:shade val="100000"/>
+                <a:satMod val="118000"/>
+              </a:schemeClr>
+            </a:gs>
+            <a:gs pos="55000">
+              <a:schemeClr val="phClr">
+                <a:shade val="100000"/>
+                <a:satMod val="118000"/>
+              </a:schemeClr>
+            </a:gs>
+            <a:gs pos="73000">
+              <a:schemeClr val="phClr">
+                <a:shade val="90000"/>
+                <a:satMod val="110000"/>
+              </a:schemeClr>
+            </a:gs>
+            <a:gs pos="100000">
+              <a:schemeClr val="phClr">
+                <a:shade val="63000"/>
+              </a:schemeClr>
+            </a:gs>
+          </a:gsLst>
+          <a:lin ang="950000" scaled="1"/>
+        </a:gradFill>
+      </a:fillStyleLst>
+      <a:lnStyleLst>
+        <a:ln w="9525" cap="flat" cmpd="sng" algn="ctr">
+          <a:solidFill>
+            <a:schemeClr val="phClr"/>
+          </a:solidFill>
+          <a:prstDash val="solid"/>
+        </a:ln>
+        <a:ln w="19050" cap="flat" cmpd="sng" algn="ctr">
+          <a:solidFill>
+            <a:schemeClr val="phClr"/>
+          </a:solidFill>
+          <a:prstDash val="solid"/>
+        </a:ln>
+        <a:ln w="25400" cap="flat" cmpd="sng" algn="ctr">
+          <a:solidFill>
+            <a:schemeClr val="phClr"/>
+          </a:solidFill>
+          <a:prstDash val="solid"/>
+        </a:ln>
+      </a:lnStyleLst>
+      <a:effectStyleLst>
+        <a:effectStyle>
+          <a:effectLst>
+            <a:outerShdw blurRad="38100" dist="25400" dir="5400000" rotWithShape="0">
+              <a:srgbClr val="000000">
+                <a:alpha val="40000"/>
+              </a:srgbClr>
+            </a:outerShdw>
+          </a:effectLst>
+        </a:effectStyle>
+        <a:effectStyle>
+          <a:effectLst>
+            <a:outerShdw blurRad="50800" dist="43000" dir="5400000" rotWithShape="0">
+              <a:srgbClr val="000000">
+                <a:alpha val="40000"/>
+              </a:srgbClr>
+            </a:outerShdw>
+          </a:effectLst>
+          <a:scene3d>
+            <a:camera prst="orthographicFront" fov="0">
+              <a:rot lat="0" lon="0" rev="0"/>
+            </a:camera>
+            <a:lightRig rig="balanced" dir="t">
+              <a:rot lat="0" lon="0" rev="0"/>
+            </a:lightRig>
+          </a:scene3d>
+          <a:sp3d prstMaterial="matte">
+            <a:bevelT w="0" h="0"/>
+            <a:contourClr>
+              <a:schemeClr val="phClr">
+                <a:tint val="100000"/>
+                <a:shade val="100000"/>
+                <a:hueMod val="100000"/>
+                <a:satMod val="100000"/>
+              </a:schemeClr>
+            </a:contourClr>
+          </a:sp3d>
+        </a:effectStyle>
+        <a:effectStyle>
+          <a:effectLst>
+            <a:outerShdw blurRad="50800" dist="25400" dir="5400000" rotWithShape="0">
+              <a:srgbClr val="000000">
+                <a:alpha val="50000"/>
+              </a:srgbClr>
+            </a:outerShdw>
+          </a:effectLst>
+          <a:scene3d>
+            <a:camera prst="orthographicFront" fov="0">
+              <a:rot lat="0" lon="0" rev="0"/>
+            </a:camera>
+            <a:lightRig rig="soft" dir="t">
+              <a:rot lat="0" lon="0" rev="2700000"/>
+            </a:lightRig>
+          </a:scene3d>
+          <a:sp3d prstMaterial="matte">
+            <a:bevelT w="50800" h="50800"/>
+            <a:contourClr>
+              <a:schemeClr val="phClr"/>
+            </a:contourClr>
+          </a:sp3d>
+        </a:effectStyle>
+      </a:effectStyleLst>
+      <a:bgFillStyleLst>
+        <a:solidFill>
+          <a:schemeClr val="phClr"/>
+        </a:solidFill>
+        <a:gradFill rotWithShape="1">
+          <a:gsLst>
+            <a:gs pos="0">
+              <a:schemeClr val="phClr">
+                <a:shade val="60000"/>
+                <a:satMod val="300000"/>
+              </a:schemeClr>
+            </a:gs>
+            <a:gs pos="30000">
+              <a:schemeClr val="phClr">
+                <a:shade val="80000"/>
+                <a:satMod val="230000"/>
+              </a:schemeClr>
+            </a:gs>
+            <a:gs pos="100000">
+              <a:schemeClr val="phClr">
+                <a:tint val="97000"/>
+                <a:satMod val="220000"/>
+              </a:schemeClr>
+            </a:gs>
+          </a:gsLst>
+          <a:lin ang="16200000" scaled="1"/>
+        </a:gradFill>
+        <a:blipFill>
+          <a:blip xmlns:r="http://schemas.openxmlformats.org/officeDocument/2006/relationships" r:embed="rId1">
+            <a:duotone>
+              <a:schemeClr val="phClr">
+                <a:shade val="6000"/>
+                <a:satMod val="120000"/>
+              </a:schemeClr>
+              <a:schemeClr val="phClr">
+                <a:tint val="90000"/>
+              </a:schemeClr>
+            </a:duotone>
+          </a:blip>
+          <a:tile tx="0" ty="0" sx="35000" sy="40000" flip="x" algn="tl"/>
+        </a:blipFill>
+      </a:bgFillStyleLst>
+    </a:fmtScheme>
+  </a:themeElements>
+  <a:objectDefaults/>
+  <a:extraClrSchemeLst/>
+</a:theme>
+</file>
+
+<file path=ppt/theme/theme2.xml><?xml version="1.0" encoding="utf-8"?>
 <a:theme xmlns:a="http://schemas.openxmlformats.org/drawingml/2006/main" name="Office Theme">
   <a:themeElements>
     <a:clrScheme name="Office">

--- a/thesis-defense.pptx
+++ b/thesis-defense.pptx
@@ -23,7 +23,7 @@
     <p:sldId id="268" r:id="rId14"/>
     <p:sldId id="269" r:id="rId15"/>
     <p:sldId id="270" r:id="rId16"/>
-    <p:sldId id="271" r:id="rId17"/>
+    <p:sldId id="288" r:id="rId17"/>
     <p:sldId id="272" r:id="rId18"/>
     <p:sldId id="273" r:id="rId19"/>
     <p:sldId id="274" r:id="rId20"/>
@@ -4669,7 +4669,36 @@
           <a:bodyPr/>
           <a:lstStyle/>
           <a:p>
-            <a:endParaRPr lang="en-US"/>
+            <a:r>
+              <a:rPr lang="en-US" dirty="0" smtClean="0"/>
+              <a:t>Predict two signals which present unique challenges</a:t>
+            </a:r>
+          </a:p>
+          <a:p>
+            <a:pPr lvl="1"/>
+            <a:r>
+              <a:rPr lang="en-US" dirty="0" smtClean="0"/>
+              <a:t>Wind Velocity</a:t>
+            </a:r>
+          </a:p>
+          <a:p>
+            <a:pPr lvl="1"/>
+            <a:r>
+              <a:rPr lang="en-US" dirty="0" smtClean="0"/>
+              <a:t>Vapor Pressure</a:t>
+            </a:r>
+          </a:p>
+          <a:p>
+            <a:r>
+              <a:rPr lang="en-US" dirty="0" smtClean="0"/>
+              <a:t>Analyze effect of training set size on performance</a:t>
+            </a:r>
+          </a:p>
+          <a:p>
+            <a:r>
+              <a:rPr lang="en-US" dirty="0" smtClean="0"/>
+              <a:t>Find minimum amount of data needed to build a good predictor</a:t>
+            </a:r>
           </a:p>
         </p:txBody>
       </p:sp>
@@ -4738,12 +4767,59 @@
           <a:p>
             <a:r>
               <a:rPr lang="en-US" dirty="0" smtClean="0"/>
-              <a:t>Goals, challenges</a:t>
+              <a:t>Effects are only noticeable on very local regions of the image</a:t>
+            </a:r>
+          </a:p>
+          <a:p>
+            <a:pPr lvl="1"/>
+            <a:r>
+              <a:rPr lang="en-US" dirty="0" smtClean="0"/>
+              <a:t>Trees</a:t>
+            </a:r>
+          </a:p>
+          <a:p>
+            <a:pPr lvl="1"/>
+            <a:r>
+              <a:rPr lang="en-US" dirty="0" smtClean="0"/>
+              <a:t>Flags</a:t>
+            </a:r>
+          </a:p>
+          <a:p>
+            <a:r>
+              <a:rPr lang="en-US" dirty="0" smtClean="0"/>
+              <a:t>In order to ignore changes due to time of day, all images are captured between 10 AM and 2 PM</a:t>
             </a:r>
             <a:endParaRPr lang="en-US" dirty="0"/>
           </a:p>
         </p:txBody>
       </p:sp>
+      <p:pic>
+        <p:nvPicPr>
+          <p:cNvPr id="4" name="Picture 3" descr="194.jpg"/>
+          <p:cNvPicPr>
+            <a:picLocks noChangeAspect="1"/>
+          </p:cNvPicPr>
+          <p:nvPr/>
+        </p:nvPicPr>
+        <p:blipFill>
+          <a:blip r:embed="rId2"/>
+          <a:stretch>
+            <a:fillRect/>
+          </a:stretch>
+        </p:blipFill>
+        <p:spPr>
+          <a:xfrm>
+            <a:off x="3048000" y="3924300"/>
+            <a:ext cx="2997200" cy="2247900"/>
+          </a:xfrm>
+          <a:prstGeom prst="rect">
+            <a:avLst/>
+          </a:prstGeom>
+          <a:ln>
+            <a:noFill/>
+          </a:ln>
+        </p:spPr>
+      </p:pic>
     </p:spTree>
   </p:cSld>
   <p:clrMapOvr>
@@ -4792,15 +4868,42 @@
           </a:p>
         </p:txBody>
       </p:sp>
+      <p:sp>
+        <p:nvSpPr>
+          <p:cNvPr id="3" name="Content Placeholder 2"/>
+          <p:cNvSpPr>
+            <a:spLocks noGrp="1"/>
+          </p:cNvSpPr>
+          <p:nvPr>
+            <p:ph sz="quarter" idx="1"/>
+          </p:nvPr>
+        </p:nvSpPr>
+        <p:spPr/>
+        <p:txBody>
+          <a:bodyPr/>
+          <a:lstStyle/>
+          <a:p>
+            <a:r>
+              <a:rPr lang="en-US" dirty="0" smtClean="0"/>
+              <a:t>Analysis of CCA basis images shows only one accurate dimension</a:t>
+            </a:r>
+          </a:p>
+          <a:p>
+            <a:r>
+              <a:rPr lang="en-US" dirty="0" smtClean="0"/>
+              <a:t>Makes sense since webcam captures in 2D so we can only see the flag blowing along one direction</a:t>
+            </a:r>
+            <a:endParaRPr lang="en-US" dirty="0"/>
+          </a:p>
+        </p:txBody>
+      </p:sp>
       <p:pic>
         <p:nvPicPr>
           <p:cNvPr id="4" name="Content Placeholder 3" descr="windspeedcomponents2.jpg"/>
           <p:cNvPicPr>
-            <a:picLocks noGrp="1" noChangeAspect="1"/>
+            <a:picLocks noChangeAspect="1"/>
           </p:cNvPicPr>
-          <p:nvPr>
-            <p:ph sz="quarter" idx="1"/>
-          </p:nvPr>
+          <p:nvPr/>
         </p:nvPicPr>
         <p:blipFill>
           <a:blip r:embed="rId2"/>
@@ -4810,9 +4913,12 @@
         </p:blipFill>
         <p:spPr>
           <a:xfrm>
-            <a:off x="4724400" y="1981200"/>
+            <a:off x="4724400" y="3124200"/>
             <a:ext cx="4038600" cy="2713434"/>
           </a:xfrm>
+          <a:prstGeom prst="rect">
+            <a:avLst/>
+          </a:prstGeom>
         </p:spPr>
       </p:pic>
       <p:pic>
@@ -4831,7 +4937,7 @@
         </p:blipFill>
         <p:spPr>
           <a:xfrm>
-            <a:off x="381000" y="1981200"/>
+            <a:off x="381000" y="3124200"/>
             <a:ext cx="4082902" cy="2743200"/>
           </a:xfrm>
           <a:prstGeom prst="rect">
@@ -6071,6 +6177,22 @@
           <a:bodyPr/>
           <a:lstStyle/>
           <a:p>
+            <a:r>
+              <a:rPr lang="en-US" dirty="0" smtClean="0"/>
+              <a:t>Take better advantage of AMOS dataset</a:t>
+            </a:r>
+          </a:p>
+          <a:p>
+            <a:r>
+              <a:rPr lang="en-US" dirty="0" smtClean="0"/>
+              <a:t>Further automate the methods used in order to apply to many cameras</a:t>
+            </a:r>
+          </a:p>
+          <a:p>
+            <a:r>
+              <a:rPr lang="en-US" dirty="0" smtClean="0"/>
+              <a:t>Begin to gain a better understanding of local weather variations by combining predicted weather data with locations of cameras</a:t>
+            </a:r>
             <a:endParaRPr lang="en-US" dirty="0"/>
           </a:p>
         </p:txBody>
@@ -6500,7 +6622,7 @@
           <a:bodyPr/>
           <a:lstStyle/>
           <a:p>
-            <a:endParaRPr lang="en-US"/>
+            <a:endParaRPr lang="en-US" dirty="0"/>
           </a:p>
         </p:txBody>
       </p:sp>

--- a/thesis-defense.pptx
+++ b/thesis-defense.pptx
@@ -5804,7 +5804,7 @@
         <p:spPr>
           <a:xfrm>
             <a:off x="2097693" y="1283526"/>
-            <a:ext cx="5141307" cy="3517074"/>
+            <a:ext cx="5141307" cy="3517073"/>
           </a:xfrm>
         </p:spPr>
       </p:pic>

--- a/thesis-defense.pptx
+++ b/thesis-defense.pptx
@@ -5,7 +5,7 @@
     <p:sldMasterId id="2147483672" r:id="rId1"/>
   </p:sldMasterIdLst>
   <p:notesMasterIdLst>
-    <p:notesMasterId r:id="rId33"/>
+    <p:notesMasterId r:id="rId35"/>
   </p:notesMasterIdLst>
   <p:sldIdLst>
     <p:sldId id="256" r:id="rId2"/>
@@ -18,27 +18,29 @@
     <p:sldId id="264" r:id="rId9"/>
     <p:sldId id="261" r:id="rId10"/>
     <p:sldId id="265" r:id="rId11"/>
-    <p:sldId id="266" r:id="rId12"/>
-    <p:sldId id="267" r:id="rId13"/>
-    <p:sldId id="268" r:id="rId14"/>
-    <p:sldId id="269" r:id="rId15"/>
-    <p:sldId id="270" r:id="rId16"/>
-    <p:sldId id="288" r:id="rId17"/>
-    <p:sldId id="272" r:id="rId18"/>
-    <p:sldId id="273" r:id="rId19"/>
-    <p:sldId id="274" r:id="rId20"/>
-    <p:sldId id="275" r:id="rId21"/>
-    <p:sldId id="276" r:id="rId22"/>
-    <p:sldId id="278" r:id="rId23"/>
-    <p:sldId id="277" r:id="rId24"/>
-    <p:sldId id="282" r:id="rId25"/>
-    <p:sldId id="279" r:id="rId26"/>
-    <p:sldId id="280" r:id="rId27"/>
-    <p:sldId id="281" r:id="rId28"/>
-    <p:sldId id="283" r:id="rId29"/>
-    <p:sldId id="284" r:id="rId30"/>
-    <p:sldId id="285" r:id="rId31"/>
-    <p:sldId id="287" r:id="rId32"/>
+    <p:sldId id="295" r:id="rId12"/>
+    <p:sldId id="266" r:id="rId13"/>
+    <p:sldId id="267" r:id="rId14"/>
+    <p:sldId id="268" r:id="rId15"/>
+    <p:sldId id="269" r:id="rId16"/>
+    <p:sldId id="270" r:id="rId17"/>
+    <p:sldId id="288" r:id="rId18"/>
+    <p:sldId id="290" r:id="rId19"/>
+    <p:sldId id="273" r:id="rId20"/>
+    <p:sldId id="292" r:id="rId21"/>
+    <p:sldId id="291" r:id="rId22"/>
+    <p:sldId id="275" r:id="rId23"/>
+    <p:sldId id="293" r:id="rId24"/>
+    <p:sldId id="294" r:id="rId25"/>
+    <p:sldId id="277" r:id="rId26"/>
+    <p:sldId id="282" r:id="rId27"/>
+    <p:sldId id="279" r:id="rId28"/>
+    <p:sldId id="280" r:id="rId29"/>
+    <p:sldId id="281" r:id="rId30"/>
+    <p:sldId id="283" r:id="rId31"/>
+    <p:sldId id="284" r:id="rId32"/>
+    <p:sldId id="285" r:id="rId33"/>
+    <p:sldId id="287" r:id="rId34"/>
   </p:sldIdLst>
   <p:sldSz cx="9144000" cy="6858000" type="screen4x3"/>
   <p:notesSz cx="6858000" cy="9144000"/>
@@ -4383,7 +4385,70 @@
           <a:p>
             <a:r>
               <a:rPr lang="en-US" dirty="0" smtClean="0"/>
-              <a:t>What PCA is, example?</a:t>
+              <a:t>PCA is a method used to extract the most significant scene variations from a set of images</a:t>
+            </a:r>
+          </a:p>
+          <a:p>
+            <a:r>
+              <a:rPr lang="en-US" dirty="0" smtClean="0"/>
+              <a:t>Given a set of images I and a number k&gt;0, finds the k most important features in the set of images</a:t>
+            </a:r>
+          </a:p>
+          <a:p>
+            <a:r>
+              <a:rPr lang="en-US" dirty="0" smtClean="0"/>
+              <a:t>[U S V] = PCA(</a:t>
+            </a:r>
+            <a:r>
+              <a:rPr lang="en-US" dirty="0" err="1" smtClean="0"/>
+              <a:t>I,k</a:t>
+            </a:r>
+            <a:r>
+              <a:rPr lang="en-US" dirty="0" smtClean="0"/>
+              <a:t>)</a:t>
+            </a:r>
+          </a:p>
+          <a:p>
+            <a:pPr lvl="1"/>
+            <a:r>
+              <a:rPr lang="en-US" dirty="0" smtClean="0"/>
+              <a:t>U contains the k feature vectors</a:t>
+            </a:r>
+          </a:p>
+          <a:p>
+            <a:pPr lvl="1"/>
+            <a:r>
+              <a:rPr lang="en-US" dirty="0" smtClean="0"/>
+              <a:t>S is a diagonal matrix which contains the weights of each feature vector</a:t>
+            </a:r>
+          </a:p>
+          <a:p>
+            <a:pPr lvl="1"/>
+            <a:r>
+              <a:rPr lang="en-US" dirty="0" smtClean="0"/>
+              <a:t>V contains the coefficients of each vector for each image</a:t>
+            </a:r>
+          </a:p>
+          <a:p>
+            <a:r>
+              <a:rPr lang="en-US" dirty="0" smtClean="0"/>
+              <a:t>We can reconstruct image x: i</a:t>
+            </a:r>
+            <a:r>
+              <a:rPr lang="en-US" baseline="-25000" dirty="0" smtClean="0"/>
+              <a:t>x</a:t>
+            </a:r>
+            <a:r>
+              <a:rPr lang="en-US" dirty="0" smtClean="0"/>
+              <a:t>=U*S*</a:t>
+            </a:r>
+            <a:r>
+              <a:rPr lang="en-US" dirty="0" err="1" smtClean="0"/>
+              <a:t>v</a:t>
+            </a:r>
+            <a:r>
+              <a:rPr lang="en-US" baseline="-25000" dirty="0" err="1" smtClean="0"/>
+              <a:t>x</a:t>
             </a:r>
             <a:endParaRPr lang="en-US" dirty="0"/>
           </a:p>
@@ -4426,47 +4491,555 @@
         </p:nvSpPr>
         <p:spPr/>
         <p:txBody>
-          <a:bodyPr>
-            <a:normAutofit/>
+          <a:bodyPr/>
+          <a:lstStyle/>
+          <a:p>
+            <a:r>
+              <a:rPr lang="en-US" dirty="0" smtClean="0"/>
+              <a:t>Principal Coefficient Analysis</a:t>
+            </a:r>
+            <a:endParaRPr lang="en-US" dirty="0"/>
+          </a:p>
+        </p:txBody>
+      </p:sp>
+      <p:sp>
+        <p:nvSpPr>
+          <p:cNvPr id="3" name="Content Placeholder 2"/>
+          <p:cNvSpPr>
+            <a:spLocks noGrp="1"/>
+          </p:cNvSpPr>
+          <p:nvPr>
+            <p:ph sz="quarter" idx="1"/>
+          </p:nvPr>
+        </p:nvSpPr>
+        <p:spPr>
+          <a:xfrm>
+            <a:off x="457200" y="3200400"/>
+            <a:ext cx="8229600" cy="2956560"/>
+          </a:xfrm>
+        </p:spPr>
+        <p:txBody>
+          <a:bodyPr/>
+          <a:lstStyle/>
+          <a:p>
+            <a:r>
+              <a:rPr lang="en-US" dirty="0" smtClean="0"/>
+              <a:t>Images will not be exact reconstructions of original images</a:t>
+            </a:r>
+          </a:p>
+          <a:p>
+            <a:pPr lvl="1"/>
+            <a:r>
+              <a:rPr lang="en-US" dirty="0" smtClean="0"/>
+              <a:t>Similarity increases as we increase the number of coefficients k</a:t>
+            </a:r>
+          </a:p>
+          <a:p>
+            <a:r>
+              <a:rPr lang="en-US" dirty="0" smtClean="0"/>
+              <a:t>Will extract the most significant features to minimize</a:t>
+            </a:r>
+            <a:endParaRPr lang="en-US" dirty="0"/>
+          </a:p>
+        </p:txBody>
+      </p:sp>
+      <p:sp>
+        <p:nvSpPr>
+          <p:cNvPr id="4" name="Rectangle 2"/>
+          <p:cNvSpPr>
+            <a:spLocks noChangeArrowheads="1"/>
+          </p:cNvSpPr>
+          <p:nvPr/>
+        </p:nvSpPr>
+        <p:spPr bwMode="auto">
+          <a:xfrm>
+            <a:off x="1295400" y="1295400"/>
+            <a:ext cx="914400" cy="1752600"/>
+          </a:xfrm>
+          <a:prstGeom prst="rect">
+            <a:avLst/>
+          </a:prstGeom>
+          <a:solidFill>
+            <a:schemeClr val="accent1"/>
+          </a:solidFill>
+          <a:ln w="9525">
+            <a:solidFill>
+              <a:schemeClr val="tx1"/>
+            </a:solidFill>
+            <a:miter lim="800000"/>
+            <a:headEnd/>
+            <a:tailEnd/>
+          </a:ln>
+          <a:effectLst/>
+        </p:spPr>
+        <p:txBody>
+          <a:bodyPr wrap="none" anchor="ctr"/>
+          <a:lstStyle/>
+          <a:p>
+            <a:pPr algn="ctr"/>
+            <a:r>
+              <a:rPr lang="en-US" sz="1800" b="0">
+                <a:latin typeface="Arial" pitchFamily="34" charset="0"/>
+              </a:rPr>
+              <a:t>D</a:t>
+            </a:r>
+          </a:p>
+        </p:txBody>
+      </p:sp>
+      <p:sp>
+        <p:nvSpPr>
+          <p:cNvPr id="5" name="Text Box 3"/>
+          <p:cNvSpPr txBox="1">
+            <a:spLocks noChangeArrowheads="1"/>
+          </p:cNvSpPr>
+          <p:nvPr/>
+        </p:nvSpPr>
+        <p:spPr bwMode="auto">
+          <a:xfrm>
+            <a:off x="2193925" y="2093913"/>
+            <a:ext cx="317500" cy="366712"/>
+          </a:xfrm>
+          <a:prstGeom prst="rect">
+            <a:avLst/>
+          </a:prstGeom>
+          <a:noFill/>
+          <a:ln w="9525">
+            <a:noFill/>
+            <a:miter lim="800000"/>
+            <a:headEnd/>
+            <a:tailEnd/>
+          </a:ln>
+          <a:effectLst/>
+        </p:spPr>
+        <p:txBody>
+          <a:bodyPr wrap="none">
+            <a:spAutoFit/>
           </a:bodyPr>
           <a:lstStyle/>
           <a:p>
             <a:r>
-              <a:rPr lang="en-US" dirty="0" smtClean="0"/>
-              <a:t>Principal Coefficient Analysis (PCA)</a:t>
-            </a:r>
-            <a:endParaRPr lang="en-US" dirty="0"/>
-          </a:p>
-        </p:txBody>
-      </p:sp>
-      <p:sp>
-        <p:nvSpPr>
-          <p:cNvPr id="3" name="Content Placeholder 2"/>
-          <p:cNvSpPr>
-            <a:spLocks noGrp="1"/>
-          </p:cNvSpPr>
-          <p:nvPr>
-            <p:ph sz="quarter" idx="1"/>
-          </p:nvPr>
-        </p:nvSpPr>
-        <p:spPr/>
-        <p:txBody>
-          <a:bodyPr/>
-          <a:lstStyle/>
-          <a:p>
-            <a:r>
-              <a:rPr lang="en-US" dirty="0" smtClean="0"/>
-              <a:t>Benefits for us</a:t>
-            </a:r>
-            <a:endParaRPr lang="en-US" dirty="0"/>
-          </a:p>
-        </p:txBody>
-      </p:sp>
+              <a:rPr lang="en-US" sz="1800" b="0">
+                <a:latin typeface="Arial" pitchFamily="34" charset="0"/>
+              </a:rPr>
+              <a:t>=</a:t>
+            </a:r>
+          </a:p>
+        </p:txBody>
+      </p:sp>
+      <p:sp>
+        <p:nvSpPr>
+          <p:cNvPr id="6" name="Rectangle 4"/>
+          <p:cNvSpPr>
+            <a:spLocks noChangeArrowheads="1"/>
+          </p:cNvSpPr>
+          <p:nvPr/>
+        </p:nvSpPr>
+        <p:spPr bwMode="auto">
+          <a:xfrm>
+            <a:off x="2590800" y="1295400"/>
+            <a:ext cx="381000" cy="1762125"/>
+          </a:xfrm>
+          <a:prstGeom prst="rect">
+            <a:avLst/>
+          </a:prstGeom>
+          <a:solidFill>
+            <a:schemeClr val="accent1"/>
+          </a:solidFill>
+          <a:ln w="9525">
+            <a:solidFill>
+              <a:schemeClr val="tx1"/>
+            </a:solidFill>
+            <a:miter lim="800000"/>
+            <a:headEnd/>
+            <a:tailEnd/>
+          </a:ln>
+          <a:effectLst/>
+        </p:spPr>
+        <p:txBody>
+          <a:bodyPr wrap="none" anchor="ctr"/>
+          <a:lstStyle/>
+          <a:p>
+            <a:pPr algn="ctr"/>
+            <a:r>
+              <a:rPr lang="en-US" sz="1800" b="0">
+                <a:latin typeface="Arial" pitchFamily="34" charset="0"/>
+              </a:rPr>
+              <a:t>U</a:t>
+            </a:r>
+          </a:p>
+        </p:txBody>
+      </p:sp>
+      <p:sp>
+        <p:nvSpPr>
+          <p:cNvPr id="7" name="Rectangle 5"/>
+          <p:cNvSpPr>
+            <a:spLocks noChangeArrowheads="1"/>
+          </p:cNvSpPr>
+          <p:nvPr/>
+        </p:nvSpPr>
+        <p:spPr bwMode="auto">
+          <a:xfrm>
+            <a:off x="3124200" y="1295400"/>
+            <a:ext cx="304800" cy="381000"/>
+          </a:xfrm>
+          <a:prstGeom prst="rect">
+            <a:avLst/>
+          </a:prstGeom>
+          <a:solidFill>
+            <a:schemeClr val="accent1"/>
+          </a:solidFill>
+          <a:ln w="9525">
+            <a:solidFill>
+              <a:schemeClr val="tx1"/>
+            </a:solidFill>
+            <a:miter lim="800000"/>
+            <a:headEnd/>
+            <a:tailEnd/>
+          </a:ln>
+          <a:effectLst/>
+        </p:spPr>
+        <p:txBody>
+          <a:bodyPr wrap="none" anchor="ctr"/>
+          <a:lstStyle/>
+          <a:p>
+            <a:pPr algn="ctr"/>
+            <a:r>
+              <a:rPr lang="en-US" sz="1800" b="0">
+                <a:latin typeface="Arial" pitchFamily="34" charset="0"/>
+              </a:rPr>
+              <a:t>S</a:t>
+            </a:r>
+          </a:p>
+        </p:txBody>
+      </p:sp>
+      <p:sp>
+        <p:nvSpPr>
+          <p:cNvPr id="8" name="Rectangle 6"/>
+          <p:cNvSpPr>
+            <a:spLocks noChangeArrowheads="1"/>
+          </p:cNvSpPr>
+          <p:nvPr/>
+        </p:nvSpPr>
+        <p:spPr bwMode="auto">
+          <a:xfrm>
+            <a:off x="3657600" y="1295400"/>
+            <a:ext cx="838200" cy="381000"/>
+          </a:xfrm>
+          <a:prstGeom prst="rect">
+            <a:avLst/>
+          </a:prstGeom>
+          <a:solidFill>
+            <a:schemeClr val="accent1"/>
+          </a:solidFill>
+          <a:ln w="9525">
+            <a:solidFill>
+              <a:schemeClr val="tx1"/>
+            </a:solidFill>
+            <a:miter lim="800000"/>
+            <a:headEnd/>
+            <a:tailEnd/>
+          </a:ln>
+          <a:effectLst/>
+        </p:spPr>
+        <p:txBody>
+          <a:bodyPr wrap="none" anchor="ctr"/>
+          <a:lstStyle/>
+          <a:p>
+            <a:pPr algn="ctr"/>
+            <a:r>
+              <a:rPr lang="en-US" sz="1800" b="0">
+                <a:latin typeface="Arial" pitchFamily="34" charset="0"/>
+              </a:rPr>
+              <a:t>V</a:t>
+            </a:r>
+          </a:p>
+        </p:txBody>
+      </p:sp>
+      <p:sp>
+        <p:nvSpPr>
+          <p:cNvPr id="9" name="Text Box 7"/>
+          <p:cNvSpPr txBox="1">
+            <a:spLocks noChangeArrowheads="1"/>
+          </p:cNvSpPr>
+          <p:nvPr/>
+        </p:nvSpPr>
+        <p:spPr bwMode="auto">
+          <a:xfrm>
+            <a:off x="381000" y="2671763"/>
+            <a:ext cx="962025" cy="366712"/>
+          </a:xfrm>
+          <a:prstGeom prst="rect">
+            <a:avLst/>
+          </a:prstGeom>
+          <a:noFill/>
+          <a:ln w="9525">
+            <a:noFill/>
+            <a:miter lim="800000"/>
+            <a:headEnd/>
+            <a:tailEnd/>
+          </a:ln>
+          <a:effectLst/>
+        </p:spPr>
+        <p:txBody>
+          <a:bodyPr wrap="none">
+            <a:spAutoFit/>
+          </a:bodyPr>
+          <a:lstStyle/>
+          <a:p>
+            <a:r>
+              <a:rPr lang="en-US" sz="1800" b="0"/>
+              <a:t>Images</a:t>
+            </a:r>
+          </a:p>
+        </p:txBody>
+      </p:sp>
+      <p:sp>
+        <p:nvSpPr>
+          <p:cNvPr id="10" name="Text Box 8"/>
+          <p:cNvSpPr txBox="1">
+            <a:spLocks noChangeArrowheads="1"/>
+          </p:cNvSpPr>
+          <p:nvPr/>
+        </p:nvSpPr>
+        <p:spPr bwMode="auto">
+          <a:xfrm>
+            <a:off x="3032125" y="2632075"/>
+            <a:ext cx="1577975" cy="366713"/>
+          </a:xfrm>
+          <a:prstGeom prst="rect">
+            <a:avLst/>
+          </a:prstGeom>
+          <a:noFill/>
+          <a:ln w="9525">
+            <a:noFill/>
+            <a:miter lim="800000"/>
+            <a:headEnd/>
+            <a:tailEnd/>
+          </a:ln>
+          <a:effectLst/>
+        </p:spPr>
+        <p:txBody>
+          <a:bodyPr wrap="none">
+            <a:spAutoFit/>
+          </a:bodyPr>
+          <a:lstStyle/>
+          <a:p>
+            <a:r>
+              <a:rPr lang="en-US" sz="1800" b="0"/>
+              <a:t>Basis Images</a:t>
+            </a:r>
+          </a:p>
+        </p:txBody>
+      </p:sp>
+      <p:sp>
+        <p:nvSpPr>
+          <p:cNvPr id="11" name="Text Box 9"/>
+          <p:cNvSpPr txBox="1">
+            <a:spLocks noChangeArrowheads="1"/>
+          </p:cNvSpPr>
+          <p:nvPr/>
+        </p:nvSpPr>
+        <p:spPr bwMode="auto">
+          <a:xfrm>
+            <a:off x="3810000" y="1676400"/>
+            <a:ext cx="1334661" cy="369332"/>
+          </a:xfrm>
+          <a:prstGeom prst="rect">
+            <a:avLst/>
+          </a:prstGeom>
+          <a:noFill/>
+          <a:ln w="9525">
+            <a:noFill/>
+            <a:miter lim="800000"/>
+            <a:headEnd/>
+            <a:tailEnd/>
+          </a:ln>
+          <a:effectLst/>
+        </p:spPr>
+        <p:txBody>
+          <a:bodyPr wrap="none">
+            <a:spAutoFit/>
+          </a:bodyPr>
+          <a:lstStyle/>
+          <a:p>
+            <a:r>
+              <a:rPr lang="en-US" sz="1800" b="0" dirty="0" smtClean="0">
+                <a:latin typeface="Arial" pitchFamily="34" charset="0"/>
+              </a:rPr>
+              <a:t>coefficients</a:t>
+            </a:r>
+            <a:endParaRPr lang="en-US" sz="1800" b="0" dirty="0">
+              <a:latin typeface="Arial" pitchFamily="34" charset="0"/>
+            </a:endParaRPr>
+          </a:p>
+        </p:txBody>
+      </p:sp>
+      <p:pic>
+        <p:nvPicPr>
+          <p:cNvPr id="2052" name="Picture 4"/>
+          <p:cNvPicPr>
+            <a:picLocks noChangeAspect="1" noChangeArrowheads="1"/>
+          </p:cNvPicPr>
+          <p:nvPr/>
+        </p:nvPicPr>
+        <p:blipFill>
+          <a:blip r:embed="rId2"/>
+          <a:srcRect t="17866" b="14364"/>
+          <a:stretch>
+            <a:fillRect/>
+          </a:stretch>
+        </p:blipFill>
+        <p:spPr bwMode="auto">
+          <a:xfrm>
+            <a:off x="3200400" y="5257800"/>
+            <a:ext cx="2590800" cy="990600"/>
+          </a:xfrm>
+          <a:prstGeom prst="rect">
+            <a:avLst/>
+          </a:prstGeom>
+          <a:noFill/>
+          <a:ln w="9525">
+            <a:noFill/>
+            <a:miter lim="800000"/>
+            <a:headEnd/>
+            <a:tailEnd/>
+          </a:ln>
+          <a:effectLst/>
+        </p:spPr>
+      </p:pic>
     </p:spTree>
   </p:cSld>
   <p:clrMapOvr>
     <a:masterClrMapping/>
   </p:clrMapOvr>
+  <p:timing>
+    <p:tnLst>
+      <p:par>
+        <p:cTn id="1" dur="indefinite" restart="never" nodeType="tmRoot">
+          <p:childTnLst>
+            <p:seq concurrent="1" nextAc="seek">
+              <p:cTn id="2" dur="indefinite" nodeType="mainSeq">
+                <p:childTnLst>
+                  <p:par>
+                    <p:cTn id="3" fill="hold">
+                      <p:stCondLst>
+                        <p:cond delay="indefinite"/>
+                        <p:cond evt="onBegin" delay="0">
+                          <p:tn val="2"/>
+                        </p:cond>
+                      </p:stCondLst>
+                      <p:childTnLst>
+                        <p:par>
+                          <p:cTn id="4" fill="hold">
+                            <p:stCondLst>
+                              <p:cond delay="0"/>
+                            </p:stCondLst>
+                            <p:childTnLst>
+                              <p:par>
+                                <p:cTn id="5" presetID="3" presetClass="entr" presetSubtype="10" fill="hold" grpId="0" nodeType="withEffect">
+                                  <p:stCondLst>
+                                    <p:cond delay="0"/>
+                                  </p:stCondLst>
+                                  <p:childTnLst>
+                                    <p:set>
+                                      <p:cBhvr>
+                                        <p:cTn id="6" dur="1" fill="hold">
+                                          <p:stCondLst>
+                                            <p:cond delay="0"/>
+                                          </p:stCondLst>
+                                        </p:cTn>
+                                        <p:tgtEl>
+                                          <p:spTgt spid="11"/>
+                                        </p:tgtEl>
+                                        <p:attrNameLst>
+                                          <p:attrName>style.visibility</p:attrName>
+                                        </p:attrNameLst>
+                                      </p:cBhvr>
+                                      <p:to>
+                                        <p:strVal val="visible"/>
+                                      </p:to>
+                                    </p:set>
+                                    <p:animEffect transition="in" filter="blinds(horizontal)">
+                                      <p:cBhvr>
+                                        <p:cTn id="7" dur="500"/>
+                                        <p:tgtEl>
+                                          <p:spTgt spid="11"/>
+                                        </p:tgtEl>
+                                      </p:cBhvr>
+                                    </p:animEffect>
+                                  </p:childTnLst>
+                                </p:cTn>
+                              </p:par>
+                              <p:par>
+                                <p:cTn id="8" presetID="24" presetClass="exit" presetSubtype="0" fill="hold" grpId="1" nodeType="withEffect">
+                                  <p:stCondLst>
+                                    <p:cond delay="0"/>
+                                  </p:stCondLst>
+                                  <p:childTnLst>
+                                    <p:anim to="" calcmode="lin" valueType="num">
+                                      <p:cBhvr>
+                                        <p:cTn id="9" dur="1"/>
+                                        <p:tgtEl>
+                                          <p:spTgt spid="11"/>
+                                        </p:tgtEl>
+                                        <p:attrNameLst>
+                                          <p:attrName/>
+                                        </p:attrNameLst>
+                                      </p:cBhvr>
+                                    </p:anim>
+                                    <p:set>
+                                      <p:cBhvr>
+                                        <p:cTn id="10" dur="1" fill="hold">
+                                          <p:stCondLst>
+                                            <p:cond delay="0"/>
+                                          </p:stCondLst>
+                                        </p:cTn>
+                                        <p:tgtEl>
+                                          <p:spTgt spid="11"/>
+                                        </p:tgtEl>
+                                        <p:attrNameLst>
+                                          <p:attrName>style.visibility</p:attrName>
+                                        </p:attrNameLst>
+                                      </p:cBhvr>
+                                      <p:to>
+                                        <p:strVal val="hidden"/>
+                                      </p:to>
+                                    </p:set>
+                                  </p:childTnLst>
+                                </p:cTn>
+                              </p:par>
+                            </p:childTnLst>
+                          </p:cTn>
+                        </p:par>
+                      </p:childTnLst>
+                    </p:cTn>
+                  </p:par>
+                </p:childTnLst>
+              </p:cTn>
+              <p:prevCondLst>
+                <p:cond evt="onPrev" delay="0">
+                  <p:tgtEl>
+                    <p:sldTgt/>
+                  </p:tgtEl>
+                </p:cond>
+              </p:prevCondLst>
+              <p:nextCondLst>
+                <p:cond evt="onNext" delay="0">
+                  <p:tgtEl>
+                    <p:sldTgt/>
+                  </p:tgtEl>
+                </p:cond>
+              </p:nextCondLst>
+            </p:seq>
+          </p:childTnLst>
+        </p:cTn>
+      </p:par>
+    </p:tnLst>
+    <p:bldLst>
+      <p:bldP spid="11" grpId="0"/>
+      <p:bldP spid="11" grpId="1"/>
+    </p:bldLst>
+  </p:timing>
 </p:sld>
 </file>
 
@@ -4506,7 +5079,7 @@
           <a:p>
             <a:r>
               <a:rPr lang="en-US" dirty="0" smtClean="0"/>
-              <a:t>Bringing it together - Algorithms</a:t>
+              <a:t>Principal Coefficient Analysis (PCA)</a:t>
             </a:r>
             <a:endParaRPr lang="en-US" dirty="0"/>
           </a:p>
@@ -4529,12 +5102,79 @@
           <a:p>
             <a:r>
               <a:rPr lang="en-US" dirty="0" smtClean="0"/>
-              <a:t>English explanation of steps</a:t>
-            </a:r>
-            <a:endParaRPr lang="en-US" dirty="0"/>
-          </a:p>
-        </p:txBody>
-      </p:sp>
+              <a:t>Most of the images in the AMOS dataset are 320 x 240 pixels = 76800 pixels</a:t>
+            </a:r>
+          </a:p>
+          <a:p>
+            <a:r>
+              <a:rPr lang="en-US" dirty="0" smtClean="0"/>
+              <a:t>Lots of dimensions for CCA, will greatly hurt the runtime of our algorithms</a:t>
+            </a:r>
+          </a:p>
+          <a:p>
+            <a:r>
+              <a:rPr lang="en-US" dirty="0" smtClean="0"/>
+              <a:t>We can reduce this number dramatically by instead using the PCA components of each image (k=10)</a:t>
+            </a:r>
+          </a:p>
+          <a:p>
+            <a:r>
+              <a:rPr lang="en-US" dirty="0" smtClean="0"/>
+              <a:t>PCA will still find the most</a:t>
+            </a:r>
+          </a:p>
+          <a:p>
+            <a:pPr>
+              <a:buNone/>
+            </a:pPr>
+            <a:r>
+              <a:rPr lang="en-US" dirty="0" smtClean="0"/>
+              <a:t> </a:t>
+            </a:r>
+            <a:r>
+              <a:rPr lang="en-US" dirty="0" smtClean="0"/>
+              <a:t>  significant features of the </a:t>
+            </a:r>
+          </a:p>
+          <a:p>
+            <a:pPr>
+              <a:buNone/>
+            </a:pPr>
+            <a:r>
+              <a:rPr lang="en-US" dirty="0" smtClean="0"/>
+              <a:t> </a:t>
+            </a:r>
+            <a:r>
+              <a:rPr lang="en-US" dirty="0" smtClean="0"/>
+              <a:t>  image</a:t>
+            </a:r>
+          </a:p>
+        </p:txBody>
+      </p:sp>
+      <p:pic>
+        <p:nvPicPr>
+          <p:cNvPr id="4" name="Picture 3" descr="imagedimensions-pic.jpg"/>
+          <p:cNvPicPr>
+            <a:picLocks noChangeAspect="1"/>
+          </p:cNvPicPr>
+          <p:nvPr/>
+        </p:nvPicPr>
+        <p:blipFill>
+          <a:blip r:embed="rId2" cstate="print"/>
+          <a:stretch>
+            <a:fillRect/>
+          </a:stretch>
+        </p:blipFill>
+        <p:spPr>
+          <a:xfrm>
+            <a:off x="5187270" y="3886200"/>
+            <a:ext cx="3194730" cy="2462784"/>
+          </a:xfrm>
+          <a:prstGeom prst="rect">
+            <a:avLst/>
+          </a:prstGeom>
+        </p:spPr>
+      </p:pic>
     </p:spTree>
   </p:cSld>
   <p:clrMapOvr>
@@ -4572,12 +5212,14 @@
         </p:nvSpPr>
         <p:spPr/>
         <p:txBody>
-          <a:bodyPr/>
-          <a:lstStyle/>
-          <a:p>
-            <a:r>
-              <a:rPr lang="en-US" dirty="0" smtClean="0"/>
-              <a:t>Predicting the Weather</a:t>
+          <a:bodyPr>
+            <a:normAutofit/>
+          </a:bodyPr>
+          <a:lstStyle/>
+          <a:p>
+            <a:r>
+              <a:rPr lang="en-US" dirty="0" smtClean="0"/>
+              <a:t>Bringing it together - Algorithms</a:t>
             </a:r>
             <a:endParaRPr lang="en-US" dirty="0"/>
           </a:p>
@@ -4600,9 +5242,115 @@
           <a:p>
             <a:r>
               <a:rPr lang="en-US" dirty="0" smtClean="0"/>
-              <a:t>Predict from CCA, etc.</a:t>
-            </a:r>
-            <a:endParaRPr lang="en-US" dirty="0"/>
+              <a:t>Given set of </a:t>
+            </a:r>
+            <a:r>
+              <a:rPr lang="en-US" dirty="0" err="1" smtClean="0"/>
+              <a:t>timestamped</a:t>
+            </a:r>
+            <a:r>
+              <a:rPr lang="en-US" dirty="0" smtClean="0"/>
+              <a:t> images I = i</a:t>
+            </a:r>
+            <a:r>
+              <a:rPr lang="en-US" baseline="-25000" dirty="0" smtClean="0"/>
+              <a:t>1</a:t>
+            </a:r>
+            <a:r>
+              <a:rPr lang="en-US" dirty="0" smtClean="0"/>
+              <a:t>,…,i</a:t>
+            </a:r>
+            <a:r>
+              <a:rPr lang="en-US" baseline="-25000" dirty="0" smtClean="0"/>
+              <a:t>x</a:t>
+            </a:r>
+            <a:r>
+              <a:rPr lang="en-US" dirty="0" smtClean="0"/>
+              <a:t> and weather data entries W = w</a:t>
+            </a:r>
+            <a:r>
+              <a:rPr lang="en-US" baseline="-25000" dirty="0" smtClean="0"/>
+              <a:t>1</a:t>
+            </a:r>
+            <a:r>
+              <a:rPr lang="en-US" dirty="0" smtClean="0"/>
+              <a:t>,…,</a:t>
+            </a:r>
+            <a:r>
+              <a:rPr lang="en-US" dirty="0" err="1" smtClean="0"/>
+              <a:t>w</a:t>
+            </a:r>
+            <a:r>
+              <a:rPr lang="en-US" baseline="-25000" dirty="0" err="1" smtClean="0"/>
+              <a:t>y</a:t>
+            </a:r>
+            <a:endParaRPr lang="en-US" baseline="-25000" dirty="0" smtClean="0"/>
+          </a:p>
+          <a:p>
+            <a:r>
+              <a:rPr lang="en-US" dirty="0" smtClean="0"/>
+              <a:t>Concurrently iterate through both sets and remove entries which do not have corresponding entries in opposite set so both sets now have n entries</a:t>
+            </a:r>
+          </a:p>
+          <a:p>
+            <a:r>
+              <a:rPr lang="en-US" dirty="0" smtClean="0"/>
+              <a:t>Run PCA on images; V = v</a:t>
+            </a:r>
+            <a:r>
+              <a:rPr lang="en-US" baseline="-25000" dirty="0" smtClean="0"/>
+              <a:t>1</a:t>
+            </a:r>
+            <a:r>
+              <a:rPr lang="en-US" dirty="0" smtClean="0"/>
+              <a:t>,…,</a:t>
+            </a:r>
+            <a:r>
+              <a:rPr lang="en-US" dirty="0" err="1" smtClean="0"/>
+              <a:t>v</a:t>
+            </a:r>
+            <a:r>
+              <a:rPr lang="en-US" baseline="-25000" dirty="0" err="1" smtClean="0"/>
+              <a:t>n</a:t>
+            </a:r>
+            <a:r>
+              <a:rPr lang="en-US" baseline="-25000" dirty="0" smtClean="0"/>
+              <a:t> </a:t>
+            </a:r>
+            <a:r>
+              <a:rPr lang="en-US" dirty="0" smtClean="0"/>
+              <a:t>are vectors of length k containing the coefficients for each image, U = u</a:t>
+            </a:r>
+            <a:r>
+              <a:rPr lang="en-US" baseline="-25000" dirty="0" smtClean="0"/>
+              <a:t>1</a:t>
+            </a:r>
+            <a:r>
+              <a:rPr lang="en-US" dirty="0" smtClean="0"/>
+              <a:t>,…</a:t>
+            </a:r>
+            <a:r>
+              <a:rPr lang="en-US" dirty="0" err="1" smtClean="0"/>
+              <a:t>u</a:t>
+            </a:r>
+            <a:r>
+              <a:rPr lang="en-US" baseline="-25000" dirty="0" err="1" smtClean="0"/>
+              <a:t>k</a:t>
+            </a:r>
+            <a:r>
+              <a:rPr lang="en-US" dirty="0" smtClean="0"/>
+              <a:t> </a:t>
+            </a:r>
+            <a:r>
+              <a:rPr lang="en-US" dirty="0" smtClean="0"/>
+              <a:t>are the basis vectors</a:t>
+            </a:r>
+          </a:p>
+          <a:p>
+            <a:r>
+              <a:rPr lang="en-US" dirty="0" smtClean="0"/>
+              <a:t>Run CCA using V and W as input matrices</a:t>
+            </a:r>
           </a:p>
         </p:txBody>
       </p:sp>
@@ -4648,7 +5396,7 @@
           <a:p>
             <a:r>
               <a:rPr lang="en-US" dirty="0" smtClean="0"/>
-              <a:t>Results &amp; Analysis</a:t>
+              <a:t>Predicting the Weather</a:t>
             </a:r>
             <a:endParaRPr lang="en-US" dirty="0"/>
           </a:p>
@@ -4671,34 +5419,59 @@
           <a:p>
             <a:r>
               <a:rPr lang="en-US" dirty="0" smtClean="0"/>
-              <a:t>Predict two signals which present unique challenges</a:t>
+              <a:t>Given a new image </a:t>
+            </a:r>
+            <a:r>
+              <a:rPr lang="en-US" dirty="0" err="1" smtClean="0"/>
+              <a:t>i</a:t>
+            </a:r>
+            <a:r>
+              <a:rPr lang="en-US" dirty="0" smtClean="0"/>
+              <a:t> </a:t>
+            </a:r>
+            <a:r>
+              <a:rPr lang="en-US" dirty="0" smtClean="0"/>
+              <a:t>and CCA projection matrices A and B, we can predict the value of the weather signal in the following way:</a:t>
             </a:r>
           </a:p>
           <a:p>
             <a:pPr lvl="1"/>
             <a:r>
               <a:rPr lang="en-US" dirty="0" smtClean="0"/>
-              <a:t>Wind Velocity</a:t>
+              <a:t>Find the PCA coefficients of the new image I on our existing basis vectors U (v</a:t>
+            </a:r>
+            <a:r>
+              <a:rPr lang="en-US" baseline="-25000" dirty="0" smtClean="0"/>
+              <a:t>i</a:t>
+            </a:r>
+            <a:r>
+              <a:rPr lang="en-US" dirty="0" smtClean="0"/>
+              <a:t>)</a:t>
             </a:r>
           </a:p>
           <a:p>
             <a:pPr lvl="1"/>
             <a:r>
               <a:rPr lang="en-US" dirty="0" smtClean="0"/>
-              <a:t>Vapor Pressure</a:t>
-            </a:r>
-          </a:p>
-          <a:p>
-            <a:r>
-              <a:rPr lang="en-US" dirty="0" smtClean="0"/>
-              <a:t>Analyze effect of training set size on performance</a:t>
-            </a:r>
-          </a:p>
-          <a:p>
-            <a:r>
-              <a:rPr lang="en-US" dirty="0" smtClean="0"/>
-              <a:t>Find minimum amount of data needed to build a good predictor</a:t>
-            </a:r>
+              <a:t>Value of weather signal </a:t>
+            </a:r>
+            <a:r>
+              <a:rPr lang="en-US" b="1" dirty="0" smtClean="0"/>
+              <a:t>w = Av</a:t>
+            </a:r>
+            <a:r>
+              <a:rPr lang="en-US" b="1" baseline="-25000" dirty="0" smtClean="0"/>
+              <a:t>i</a:t>
+            </a:r>
+            <a:r>
+              <a:rPr lang="en-US" b="1" dirty="0" smtClean="0"/>
+              <a:t>B</a:t>
+            </a:r>
+            <a:r>
+              <a:rPr lang="en-US" b="1" baseline="30000" dirty="0" smtClean="0"/>
+              <a:t>-1</a:t>
+            </a:r>
+            <a:endParaRPr lang="en-US" b="1" dirty="0"/>
           </a:p>
         </p:txBody>
       </p:sp>
@@ -4744,82 +5517,60 @@
           <a:p>
             <a:r>
               <a:rPr lang="en-US" dirty="0" smtClean="0"/>
+              <a:t>Results &amp; Analysis</a:t>
+            </a:r>
+            <a:endParaRPr lang="en-US" dirty="0"/>
+          </a:p>
+        </p:txBody>
+      </p:sp>
+      <p:sp>
+        <p:nvSpPr>
+          <p:cNvPr id="3" name="Content Placeholder 2"/>
+          <p:cNvSpPr>
+            <a:spLocks noGrp="1"/>
+          </p:cNvSpPr>
+          <p:nvPr>
+            <p:ph sz="quarter" idx="1"/>
+          </p:nvPr>
+        </p:nvSpPr>
+        <p:spPr/>
+        <p:txBody>
+          <a:bodyPr/>
+          <a:lstStyle/>
+          <a:p>
+            <a:r>
+              <a:rPr lang="en-US" dirty="0" smtClean="0"/>
+              <a:t>Predict two signals which present unique challenges</a:t>
+            </a:r>
+          </a:p>
+          <a:p>
+            <a:pPr lvl="1"/>
+            <a:r>
+              <a:rPr lang="en-US" dirty="0" smtClean="0"/>
               <a:t>Wind Velocity</a:t>
             </a:r>
-            <a:endParaRPr lang="en-US" dirty="0"/>
-          </a:p>
-        </p:txBody>
-      </p:sp>
-      <p:sp>
-        <p:nvSpPr>
-          <p:cNvPr id="3" name="Content Placeholder 2"/>
-          <p:cNvSpPr>
-            <a:spLocks noGrp="1"/>
-          </p:cNvSpPr>
-          <p:nvPr>
-            <p:ph sz="quarter" idx="1"/>
-          </p:nvPr>
-        </p:nvSpPr>
-        <p:spPr/>
-        <p:txBody>
-          <a:bodyPr/>
-          <a:lstStyle/>
-          <a:p>
-            <a:r>
-              <a:rPr lang="en-US" dirty="0" smtClean="0"/>
-              <a:t>Effects are only noticeable on very local regions of the image</a:t>
-            </a:r>
           </a:p>
           <a:p>
             <a:pPr lvl="1"/>
             <a:r>
               <a:rPr lang="en-US" dirty="0" smtClean="0"/>
-              <a:t>Trees</a:t>
-            </a:r>
-          </a:p>
-          <a:p>
-            <a:pPr lvl="1"/>
-            <a:r>
-              <a:rPr lang="en-US" dirty="0" smtClean="0"/>
-              <a:t>Flags</a:t>
-            </a:r>
-          </a:p>
-          <a:p>
-            <a:r>
-              <a:rPr lang="en-US" dirty="0" smtClean="0"/>
-              <a:t>In order to ignore changes due to time of day, all images are captured between 10 AM and 2 PM</a:t>
-            </a:r>
-            <a:endParaRPr lang="en-US" dirty="0"/>
-          </a:p>
-        </p:txBody>
-      </p:sp>
-      <p:pic>
-        <p:nvPicPr>
-          <p:cNvPr id="4" name="Picture 3" descr="194.jpg"/>
-          <p:cNvPicPr>
-            <a:picLocks noChangeAspect="1"/>
-          </p:cNvPicPr>
-          <p:nvPr/>
-        </p:nvPicPr>
-        <p:blipFill>
-          <a:blip r:embed="rId2"/>
-          <a:stretch>
-            <a:fillRect/>
-          </a:stretch>
-        </p:blipFill>
-        <p:spPr>
-          <a:xfrm>
-            <a:off x="3048000" y="3924300"/>
-            <a:ext cx="2997200" cy="2247900"/>
-          </a:xfrm>
-          <a:prstGeom prst="rect">
-            <a:avLst/>
-          </a:prstGeom>
-          <a:ln>
-            <a:noFill/>
-          </a:ln>
-        </p:spPr>
-      </p:pic>
+              <a:t>Vapor Pressure</a:t>
+            </a:r>
+          </a:p>
+          <a:p>
+            <a:r>
+              <a:rPr lang="en-US" dirty="0" smtClean="0"/>
+              <a:t>Analyze effect of training set size on performance</a:t>
+            </a:r>
+          </a:p>
+          <a:p>
+            <a:r>
+              <a:rPr lang="en-US" dirty="0" smtClean="0"/>
+              <a:t>Find minimum amount of data needed to build a good predictor</a:t>
+            </a:r>
+          </a:p>
+        </p:txBody>
+      </p:sp>
     </p:spTree>
   </p:cSld>
   <p:clrMapOvr>
@@ -4885,13 +5636,46 @@
           <a:p>
             <a:r>
               <a:rPr lang="en-US" dirty="0" smtClean="0"/>
-              <a:t>Analysis of CCA basis images shows only one accurate dimension</a:t>
-            </a:r>
-          </a:p>
-          <a:p>
-            <a:r>
-              <a:rPr lang="en-US" dirty="0" smtClean="0"/>
-              <a:t>Makes sense since webcam captures in 2D so we can only see the flag blowing along one direction</a:t>
+              <a:t>Effects are only noticeable on very local regions of the image</a:t>
+            </a:r>
+          </a:p>
+          <a:p>
+            <a:pPr lvl="1"/>
+            <a:r>
+              <a:rPr lang="en-US" dirty="0" smtClean="0"/>
+              <a:t>Trees</a:t>
+            </a:r>
+          </a:p>
+          <a:p>
+            <a:pPr lvl="1"/>
+            <a:r>
+              <a:rPr lang="en-US" dirty="0" smtClean="0"/>
+              <a:t>Flags</a:t>
+            </a:r>
+          </a:p>
+          <a:p>
+            <a:r>
+              <a:rPr lang="en-US" dirty="0" smtClean="0"/>
+              <a:t>In order to ignore changes due to time of day, all images are captured between 10 AM and 2 PM</a:t>
+            </a:r>
+          </a:p>
+          <a:p>
+            <a:r>
+              <a:rPr lang="en-US" dirty="0" smtClean="0"/>
+              <a:t>204 training images, 102 test</a:t>
+            </a:r>
+          </a:p>
+          <a:p>
+            <a:pPr>
+              <a:buNone/>
+            </a:pPr>
+            <a:r>
+              <a:rPr lang="en-US" dirty="0" smtClean="0"/>
+              <a:t> </a:t>
+            </a:r>
+            <a:r>
+              <a:rPr lang="en-US" dirty="0" smtClean="0"/>
+              <a:t>  images</a:t>
             </a:r>
             <a:endParaRPr lang="en-US" dirty="0"/>
           </a:p>
@@ -4899,7 +5683,7 @@
       </p:sp>
       <p:pic>
         <p:nvPicPr>
-          <p:cNvPr id="4" name="Content Placeholder 3" descr="windspeedcomponents2.jpg"/>
+          <p:cNvPr id="4" name="Picture 3" descr="194.jpg"/>
           <p:cNvPicPr>
             <a:picLocks noChangeAspect="1"/>
           </p:cNvPicPr>
@@ -4913,36 +5697,15 @@
         </p:blipFill>
         <p:spPr>
           <a:xfrm>
-            <a:off x="4724400" y="3124200"/>
-            <a:ext cx="4038600" cy="2713434"/>
+            <a:off x="5486400" y="3886200"/>
+            <a:ext cx="3200400" cy="2400300"/>
           </a:xfrm>
           <a:prstGeom prst="rect">
             <a:avLst/>
           </a:prstGeom>
-        </p:spPr>
-      </p:pic>
-      <p:pic>
-        <p:nvPicPr>
-          <p:cNvPr id="5" name="Picture 4" descr="windspeedcomponents1.jpg"/>
-          <p:cNvPicPr>
-            <a:picLocks noChangeAspect="1"/>
-          </p:cNvPicPr>
-          <p:nvPr/>
-        </p:nvPicPr>
-        <p:blipFill>
-          <a:blip r:embed="rId3"/>
-          <a:stretch>
-            <a:fillRect/>
-          </a:stretch>
-        </p:blipFill>
-        <p:spPr>
-          <a:xfrm>
-            <a:off x="381000" y="3124200"/>
-            <a:ext cx="4082902" cy="2743200"/>
-          </a:xfrm>
-          <a:prstGeom prst="rect">
-            <a:avLst/>
-          </a:prstGeom>
+          <a:ln>
+            <a:noFill/>
+          </a:ln>
         </p:spPr>
       </p:pic>
     </p:spTree>
@@ -4993,56 +5756,81 @@
           </a:p>
         </p:txBody>
       </p:sp>
+      <p:sp>
+        <p:nvSpPr>
+          <p:cNvPr id="3" name="Content Placeholder 2"/>
+          <p:cNvSpPr>
+            <a:spLocks noGrp="1"/>
+          </p:cNvSpPr>
+          <p:nvPr>
+            <p:ph sz="quarter" idx="1"/>
+          </p:nvPr>
+        </p:nvSpPr>
+        <p:spPr/>
+        <p:txBody>
+          <a:bodyPr/>
+          <a:lstStyle/>
+          <a:p>
+            <a:r>
+              <a:rPr lang="en-US" dirty="0" smtClean="0"/>
+              <a:t>Analysis of CCA basis images shows only one accurate dimension</a:t>
+            </a:r>
+          </a:p>
+          <a:p>
+            <a:r>
+              <a:rPr lang="en-US" dirty="0" smtClean="0"/>
+              <a:t>Makes sense since webcam captures in 2D so we can only see the flag blowing along one direction</a:t>
+            </a:r>
+            <a:endParaRPr lang="en-US" dirty="0"/>
+          </a:p>
+        </p:txBody>
+      </p:sp>
       <p:pic>
         <p:nvPicPr>
-          <p:cNvPr id="1026" name="Picture 2" descr="C:\Documents and Settings\Richard Speyer\My Documents\Research\Webcam Signals\Thesis\figures\windspeedextremes.jpg"/>
+          <p:cNvPr id="4" name="Content Placeholder 3" descr="windspeedcomponents2.jpg"/>
           <p:cNvPicPr>
-            <a:picLocks noChangeAspect="1" noChangeArrowheads="1"/>
+            <a:picLocks noChangeAspect="1"/>
           </p:cNvPicPr>
           <p:nvPr/>
         </p:nvPicPr>
         <p:blipFill>
           <a:blip r:embed="rId2"/>
-          <a:srcRect/>
           <a:stretch>
             <a:fillRect/>
           </a:stretch>
         </p:blipFill>
-        <p:spPr bwMode="auto">
-          <a:xfrm>
-            <a:off x="533400" y="1371600"/>
-            <a:ext cx="5080000" cy="3810000"/>
+        <p:spPr>
+          <a:xfrm>
+            <a:off x="4724400" y="3124200"/>
+            <a:ext cx="4038600" cy="2713434"/>
           </a:xfrm>
           <a:prstGeom prst="rect">
             <a:avLst/>
           </a:prstGeom>
-          <a:noFill/>
         </p:spPr>
       </p:pic>
       <p:pic>
         <p:nvPicPr>
-          <p:cNvPr id="1027" name="Picture 3" descr="C:\Documents and Settings\Richard Speyer\My Documents\Research\Webcam Signals\Thesis\figures\windspeedcorr.jpg"/>
+          <p:cNvPr id="5" name="Picture 4" descr="windspeedcomponents1.jpg"/>
           <p:cNvPicPr>
-            <a:picLocks noChangeAspect="1" noChangeArrowheads="1"/>
+            <a:picLocks noChangeAspect="1"/>
           </p:cNvPicPr>
           <p:nvPr/>
         </p:nvPicPr>
         <p:blipFill>
           <a:blip r:embed="rId3"/>
-          <a:srcRect l="5814" t="5374" r="10465"/>
           <a:stretch>
             <a:fillRect/>
           </a:stretch>
         </p:blipFill>
-        <p:spPr bwMode="auto">
-          <a:xfrm>
-            <a:off x="5678078" y="3581400"/>
-            <a:ext cx="3214533" cy="2587625"/>
+        <p:spPr>
+          <a:xfrm>
+            <a:off x="381000" y="3124200"/>
+            <a:ext cx="4082902" cy="2743200"/>
           </a:xfrm>
           <a:prstGeom prst="rect">
             <a:avLst/>
           </a:prstGeom>
-          <a:noFill/>
         </p:spPr>
       </p:pic>
     </p:spTree>
@@ -5093,53 +5881,111 @@
           </a:p>
         </p:txBody>
       </p:sp>
+      <p:sp>
+        <p:nvSpPr>
+          <p:cNvPr id="3" name="Content Placeholder 2"/>
+          <p:cNvSpPr>
+            <a:spLocks noGrp="1"/>
+          </p:cNvSpPr>
+          <p:nvPr>
+            <p:ph sz="quarter" idx="1"/>
+          </p:nvPr>
+        </p:nvSpPr>
+        <p:spPr/>
+        <p:txBody>
+          <a:bodyPr/>
+          <a:lstStyle/>
+          <a:p>
+            <a:r>
+              <a:rPr lang="en-US" dirty="0" smtClean="0"/>
+              <a:t>If we sort images by the value of the first CCA coefficient, it is clear that the direction of the flag is a key feature</a:t>
+            </a:r>
+            <a:endParaRPr lang="en-US" dirty="0"/>
+          </a:p>
+        </p:txBody>
+      </p:sp>
       <p:pic>
         <p:nvPicPr>
-          <p:cNvPr id="4" name="Content Placeholder 3" descr="windspeedtimeseries-pic.jpg"/>
+          <p:cNvPr id="4" name="Picture 2" descr="C:\Documents and Settings\Richard Speyer\My Documents\Research\Webcam Signals\Thesis\figures\windspeedextremes.jpg"/>
           <p:cNvPicPr>
-            <a:picLocks noGrp="1" noChangeAspect="1"/>
+            <a:picLocks noChangeAspect="1" noChangeArrowheads="1"/>
           </p:cNvPicPr>
-          <p:nvPr>
-            <p:ph sz="quarter" idx="1"/>
-          </p:nvPr>
+          <p:nvPr/>
         </p:nvPicPr>
         <p:blipFill>
-          <a:blip r:embed="rId2" cstate="print"/>
+          <a:blip r:embed="rId2"/>
+          <a:srcRect/>
           <a:stretch>
             <a:fillRect/>
           </a:stretch>
         </p:blipFill>
-        <p:spPr>
-          <a:xfrm>
-            <a:off x="1981200" y="1295400"/>
-            <a:ext cx="5114857" cy="3429000"/>
-          </a:xfrm>
+        <p:spPr bwMode="auto">
+          <a:xfrm>
+            <a:off x="762000" y="2724150"/>
+            <a:ext cx="4495800" cy="3371850"/>
+          </a:xfrm>
+          <a:prstGeom prst="rect">
+            <a:avLst/>
+          </a:prstGeom>
+          <a:noFill/>
         </p:spPr>
       </p:pic>
       <p:pic>
         <p:nvPicPr>
-          <p:cNvPr id="5" name="Picture 4" descr="windspeedtimeseriesimages.jpg"/>
+          <p:cNvPr id="5" name="Picture 3" descr="C:\Documents and Settings\Richard Speyer\My Documents\Research\Webcam Signals\Thesis\figures\windspeedcorr.jpg"/>
           <p:cNvPicPr>
-            <a:picLocks noChangeAspect="1"/>
+            <a:picLocks noChangeAspect="1" noChangeArrowheads="1"/>
           </p:cNvPicPr>
           <p:nvPr/>
         </p:nvPicPr>
         <p:blipFill>
           <a:blip r:embed="rId3"/>
+          <a:srcRect l="5814" t="5374" r="10465"/>
           <a:stretch>
             <a:fillRect/>
           </a:stretch>
         </p:blipFill>
-        <p:spPr>
-          <a:xfrm>
-            <a:off x="457200" y="4800600"/>
-            <a:ext cx="8458200" cy="1268730"/>
+        <p:spPr bwMode="auto">
+          <a:xfrm>
+            <a:off x="5416884" y="3124200"/>
+            <a:ext cx="3498516" cy="2816225"/>
           </a:xfrm>
           <a:prstGeom prst="rect">
             <a:avLst/>
           </a:prstGeom>
+          <a:noFill/>
         </p:spPr>
       </p:pic>
+      <p:sp>
+        <p:nvSpPr>
+          <p:cNvPr id="6" name="TextBox 5"/>
+          <p:cNvSpPr txBox="1"/>
+          <p:nvPr/>
+        </p:nvSpPr>
+        <p:spPr>
+          <a:xfrm>
+            <a:off x="5638800" y="5791200"/>
+            <a:ext cx="3200400" cy="523220"/>
+          </a:xfrm>
+          <a:prstGeom prst="rect">
+            <a:avLst/>
+          </a:prstGeom>
+          <a:noFill/>
+        </p:spPr>
+        <p:txBody>
+          <a:bodyPr wrap="square" rtlCol="0">
+            <a:spAutoFit/>
+          </a:bodyPr>
+          <a:lstStyle/>
+          <a:p>
+            <a:r>
+              <a:rPr lang="en-US" sz="1400" dirty="0" smtClean="0"/>
+              <a:t>Predicted vs. actual wind speeds (r=0.61759)</a:t>
+            </a:r>
+            <a:endParaRPr lang="en-US" sz="1400" dirty="0"/>
+          </a:p>
+        </p:txBody>
+      </p:sp>
     </p:spTree>
   </p:cSld>
   <p:clrMapOvr>
@@ -5190,7 +6036,7 @@
       </p:sp>
       <p:pic>
         <p:nvPicPr>
-          <p:cNvPr id="4" name="Content Placeholder 3" descr="windspeedscatter-pic.jpg"/>
+          <p:cNvPr id="4" name="Content Placeholder 3" descr="windspeedtimeseries-pic.jpg"/>
           <p:cNvPicPr>
             <a:picLocks noGrp="1" noChangeAspect="1"/>
           </p:cNvPicPr>
@@ -5199,36 +6045,36 @@
           </p:nvPr>
         </p:nvPicPr>
         <p:blipFill>
-          <a:blip r:embed="rId2"/>
+          <a:blip r:embed="rId2" cstate="print"/>
           <a:stretch>
             <a:fillRect/>
           </a:stretch>
         </p:blipFill>
         <p:spPr>
           <a:xfrm>
-            <a:off x="381000" y="1981200"/>
-            <a:ext cx="3829380" cy="3200400"/>
+            <a:off x="1981200" y="1295400"/>
+            <a:ext cx="5114857" cy="3429000"/>
           </a:xfrm>
         </p:spPr>
       </p:pic>
       <p:pic>
         <p:nvPicPr>
-          <p:cNvPr id="5" name="Picture 4" descr="decaturin.jpg"/>
+          <p:cNvPr id="5" name="Picture 4" descr="windspeedtimeseriesimages.jpg"/>
           <p:cNvPicPr>
             <a:picLocks noChangeAspect="1"/>
           </p:cNvPicPr>
           <p:nvPr/>
         </p:nvPicPr>
         <p:blipFill>
-          <a:blip r:embed="rId3" cstate="print"/>
+          <a:blip r:embed="rId3"/>
           <a:stretch>
             <a:fillRect/>
           </a:stretch>
         </p:blipFill>
         <p:spPr>
           <a:xfrm>
-            <a:off x="4648200" y="2057400"/>
-            <a:ext cx="3962640" cy="3169616"/>
+            <a:off x="457200" y="4800600"/>
+            <a:ext cx="8458200" cy="1268730"/>
           </a:xfrm>
           <a:prstGeom prst="rect">
             <a:avLst/>
@@ -5429,14 +6275,12 @@
         </p:nvSpPr>
         <p:spPr/>
         <p:txBody>
-          <a:bodyPr>
-            <a:normAutofit/>
-          </a:bodyPr>
-          <a:lstStyle/>
-          <a:p>
-            <a:r>
-              <a:rPr lang="en-US" dirty="0" smtClean="0"/>
-              <a:t>Vapor Pressure</a:t>
+          <a:bodyPr/>
+          <a:lstStyle/>
+          <a:p>
+            <a:r>
+              <a:rPr lang="en-US" dirty="0" smtClean="0"/>
+              <a:t>Wind Velocity</a:t>
             </a:r>
             <a:endParaRPr lang="en-US" dirty="0"/>
           </a:p>
@@ -5459,7 +6303,7 @@
           <a:p>
             <a:r>
               <a:rPr lang="en-US" dirty="0" smtClean="0"/>
-              <a:t>Goals, challenges, gradient image</a:t>
+              <a:t>Explanation of camera orientation</a:t>
             </a:r>
             <a:endParaRPr lang="en-US" dirty="0"/>
           </a:p>
@@ -5502,22 +6346,39 @@
         </p:nvSpPr>
         <p:spPr/>
         <p:txBody>
-          <a:bodyPr>
-            <a:normAutofit/>
-          </a:bodyPr>
-          <a:lstStyle/>
-          <a:p>
-            <a:r>
-              <a:rPr lang="en-US" dirty="0" smtClean="0"/>
-              <a:t>Vapor Pressure</a:t>
-            </a:r>
+          <a:bodyPr/>
+          <a:lstStyle/>
+          <a:p>
+            <a:r>
+              <a:rPr lang="en-US" dirty="0" smtClean="0"/>
+              <a:t>Wind Velocity</a:t>
+            </a:r>
+            <a:endParaRPr lang="en-US" dirty="0"/>
+          </a:p>
+        </p:txBody>
+      </p:sp>
+      <p:sp>
+        <p:nvSpPr>
+          <p:cNvPr id="3" name="Content Placeholder 2"/>
+          <p:cNvSpPr>
+            <a:spLocks noGrp="1"/>
+          </p:cNvSpPr>
+          <p:nvPr>
+            <p:ph sz="quarter" idx="1"/>
+          </p:nvPr>
+        </p:nvSpPr>
+        <p:spPr/>
+        <p:txBody>
+          <a:bodyPr/>
+          <a:lstStyle/>
+          <a:p>
             <a:endParaRPr lang="en-US" dirty="0"/>
           </a:p>
         </p:txBody>
       </p:sp>
       <p:pic>
         <p:nvPicPr>
-          <p:cNvPr id="4" name="Picture 3" descr="vaporcomponents1.jpg"/>
+          <p:cNvPr id="4" name="Content Placeholder 3" descr="windspeedscatter-pic.jpg"/>
           <p:cNvPicPr>
             <a:picLocks noChangeAspect="1"/>
           </p:cNvPicPr>
@@ -5531,8 +6392,8 @@
         </p:blipFill>
         <p:spPr>
           <a:xfrm>
-            <a:off x="4724400" y="2057400"/>
-            <a:ext cx="3969488" cy="2667000"/>
+            <a:off x="533400" y="3048000"/>
+            <a:ext cx="3829380" cy="3200400"/>
           </a:xfrm>
           <a:prstGeom prst="rect">
             <a:avLst/>
@@ -5541,22 +6402,22 @@
       </p:pic>
       <p:pic>
         <p:nvPicPr>
-          <p:cNvPr id="5" name="Picture 4" descr="vaporcomponents1-nongrad.jpg"/>
+          <p:cNvPr id="5" name="Picture 4" descr="decaturin.jpg"/>
           <p:cNvPicPr>
             <a:picLocks noChangeAspect="1"/>
           </p:cNvPicPr>
           <p:nvPr/>
         </p:nvPicPr>
         <p:blipFill>
-          <a:blip r:embed="rId3"/>
+          <a:blip r:embed="rId3" cstate="print"/>
           <a:stretch>
             <a:fillRect/>
           </a:stretch>
         </p:blipFill>
         <p:spPr>
           <a:xfrm>
-            <a:off x="381000" y="2057400"/>
-            <a:ext cx="3969488" cy="2667000"/>
+            <a:off x="4724044" y="3124200"/>
+            <a:ext cx="3810596" cy="3048000"/>
           </a:xfrm>
           <a:prstGeom prst="rect">
             <a:avLst/>
@@ -5613,49 +6474,101 @@
           </a:p>
         </p:txBody>
       </p:sp>
+      <p:sp>
+        <p:nvSpPr>
+          <p:cNvPr id="3" name="Content Placeholder 2"/>
+          <p:cNvSpPr>
+            <a:spLocks noGrp="1"/>
+          </p:cNvSpPr>
+          <p:nvPr>
+            <p:ph sz="quarter" idx="1"/>
+          </p:nvPr>
+        </p:nvSpPr>
+        <p:spPr/>
+        <p:txBody>
+          <a:bodyPr/>
+          <a:lstStyle/>
+          <a:p>
+            <a:r>
+              <a:rPr lang="en-US" dirty="0" smtClean="0"/>
+              <a:t>Contribution of water vapor to overall atmospheric pressure (</a:t>
+            </a:r>
+            <a:r>
+              <a:rPr lang="en-US" dirty="0" err="1" smtClean="0"/>
+              <a:t>millibars</a:t>
+            </a:r>
+            <a:r>
+              <a:rPr lang="en-US" dirty="0" smtClean="0"/>
+              <a:t>)</a:t>
+            </a:r>
+          </a:p>
+          <a:p>
+            <a:r>
+              <a:rPr lang="en-US" dirty="0" smtClean="0"/>
+              <a:t>As opposed to wind velocity, vapor pressure will likely have a more universal effect on the image</a:t>
+            </a:r>
+          </a:p>
+          <a:p>
+            <a:r>
+              <a:rPr lang="en-US" dirty="0" smtClean="0"/>
+              <a:t>Expect to see the cloud cover increase as vapor pressure increases</a:t>
+            </a:r>
+          </a:p>
+          <a:p>
+            <a:r>
+              <a:rPr lang="en-US" dirty="0" smtClean="0"/>
+              <a:t>Images captured between</a:t>
+            </a:r>
+          </a:p>
+          <a:p>
+            <a:pPr>
+              <a:buNone/>
+            </a:pPr>
+            <a:r>
+              <a:rPr lang="en-US" dirty="0" smtClean="0"/>
+              <a:t>   10 AM and 2 PM</a:t>
+            </a:r>
+          </a:p>
+          <a:p>
+            <a:r>
+              <a:rPr lang="en-US" dirty="0" smtClean="0"/>
+              <a:t>198 training images, 99 test </a:t>
+            </a:r>
+          </a:p>
+          <a:p>
+            <a:pPr>
+              <a:buNone/>
+            </a:pPr>
+            <a:r>
+              <a:rPr lang="en-US" dirty="0" smtClean="0"/>
+              <a:t> </a:t>
+            </a:r>
+            <a:r>
+              <a:rPr lang="en-US" dirty="0" smtClean="0"/>
+              <a:t>   images</a:t>
+            </a:r>
+            <a:endParaRPr lang="en-US" dirty="0"/>
+          </a:p>
+        </p:txBody>
+      </p:sp>
       <p:pic>
         <p:nvPicPr>
-          <p:cNvPr id="4" name="Content Placeholder 3" descr="vaporcorr.jpg"/>
-          <p:cNvPicPr>
-            <a:picLocks noGrp="1" noChangeAspect="1"/>
-          </p:cNvPicPr>
-          <p:nvPr>
-            <p:ph sz="quarter" idx="1"/>
-          </p:nvPr>
-        </p:nvPicPr>
-        <p:blipFill>
-          <a:blip r:embed="rId2"/>
-          <a:srcRect l="5311" t="8027" r="7940" b="4971"/>
-          <a:stretch>
-            <a:fillRect/>
-          </a:stretch>
-        </p:blipFill>
-        <p:spPr>
-          <a:xfrm>
-            <a:off x="4495800" y="1905000"/>
-            <a:ext cx="4373880" cy="3124200"/>
-          </a:xfrm>
-        </p:spPr>
-      </p:pic>
-      <p:pic>
-        <p:nvPicPr>
-          <p:cNvPr id="5" name="Picture 4" descr="vaporcorr-nongrad.jpg"/>
+          <p:cNvPr id="4" name="Picture 3" descr="619.jpg"/>
           <p:cNvPicPr>
             <a:picLocks noChangeAspect="1"/>
           </p:cNvPicPr>
           <p:nvPr/>
         </p:nvPicPr>
         <p:blipFill>
-          <a:blip r:embed="rId3"/>
-          <a:srcRect l="6783" t="4762" r="8430"/>
+          <a:blip r:embed="rId2"/>
           <a:stretch>
             <a:fillRect/>
           </a:stretch>
         </p:blipFill>
         <p:spPr>
           <a:xfrm>
-            <a:off x="304800" y="1874520"/>
-            <a:ext cx="4038600" cy="3230880"/>
+            <a:off x="5105400" y="3619500"/>
+            <a:ext cx="3525520" cy="2644140"/>
           </a:xfrm>
           <a:prstGeom prst="rect">
             <a:avLst/>
@@ -5699,14 +6612,60 @@
         </p:nvSpPr>
         <p:spPr/>
         <p:txBody>
+          <a:bodyPr/>
+          <a:lstStyle/>
+          <a:p>
+            <a:r>
+              <a:rPr lang="en-US" dirty="0" smtClean="0"/>
+              <a:t>Vapor Pressure</a:t>
+            </a:r>
+            <a:endParaRPr lang="en-US" dirty="0"/>
+          </a:p>
+        </p:txBody>
+      </p:sp>
+      <p:sp>
+        <p:nvSpPr>
+          <p:cNvPr id="3" name="Content Placeholder 2"/>
+          <p:cNvSpPr>
+            <a:spLocks noGrp="1"/>
+          </p:cNvSpPr>
+          <p:nvPr>
+            <p:ph sz="quarter" idx="1"/>
+          </p:nvPr>
+        </p:nvSpPr>
+        <p:spPr>
+          <a:xfrm>
+            <a:off x="457200" y="1219200"/>
+            <a:ext cx="8229600" cy="2286000"/>
+          </a:xfrm>
+        </p:spPr>
+        <p:txBody>
           <a:bodyPr>
-            <a:normAutofit/>
+            <a:normAutofit fontScale="77500" lnSpcReduction="20000"/>
           </a:bodyPr>
           <a:lstStyle/>
           <a:p>
             <a:r>
               <a:rPr lang="en-US" dirty="0" smtClean="0"/>
-              <a:t>Vapor Pressure</a:t>
+              <a:t>CCA projection image when original images are used (left) is not very compelling</a:t>
+            </a:r>
+          </a:p>
+          <a:p>
+            <a:r>
+              <a:rPr lang="en-US" dirty="0" smtClean="0"/>
+              <a:t>Seems to be identifying sunlight as a key indicator of vapor pressure</a:t>
+            </a:r>
+          </a:p>
+          <a:p>
+            <a:r>
+              <a:rPr lang="en-US" dirty="0" smtClean="0"/>
+              <a:t>When gradient images are used (right) image is far more compelling</a:t>
+            </a:r>
+          </a:p>
+          <a:p>
+            <a:r>
+              <a:rPr lang="en-US" dirty="0" smtClean="0"/>
+              <a:t>Appears to be identifying the clarity/visibility of building outlines as an important indicator of vapor pressure, which makes sense</a:t>
             </a:r>
             <a:endParaRPr lang="en-US" dirty="0"/>
           </a:p>
@@ -5714,13 +6673,11 @@
       </p:sp>
       <p:pic>
         <p:nvPicPr>
-          <p:cNvPr id="4" name="Content Placeholder 3" descr="vaporextremes.jpg"/>
+          <p:cNvPr id="4" name="Picture 3" descr="vaporcomponents1.jpg"/>
           <p:cNvPicPr>
-            <a:picLocks noGrp="1" noChangeAspect="1"/>
+            <a:picLocks noChangeAspect="1"/>
           </p:cNvPicPr>
-          <p:nvPr>
-            <p:ph sz="quarter" idx="1"/>
-          </p:nvPr>
+          <p:nvPr/>
         </p:nvPicPr>
         <p:blipFill>
           <a:blip r:embed="rId2"/>
@@ -5730,9 +6687,36 @@
         </p:blipFill>
         <p:spPr>
           <a:xfrm>
-            <a:off x="1524000" y="1401762"/>
-            <a:ext cx="6096000" cy="4572000"/>
-          </a:xfrm>
+            <a:off x="4648200" y="3581400"/>
+            <a:ext cx="3969488" cy="2667000"/>
+          </a:xfrm>
+          <a:prstGeom prst="rect">
+            <a:avLst/>
+          </a:prstGeom>
+        </p:spPr>
+      </p:pic>
+      <p:pic>
+        <p:nvPicPr>
+          <p:cNvPr id="5" name="Picture 4" descr="vaporcomponents1-nongrad.jpg"/>
+          <p:cNvPicPr>
+            <a:picLocks noChangeAspect="1"/>
+          </p:cNvPicPr>
+          <p:nvPr/>
+        </p:nvPicPr>
+        <p:blipFill>
+          <a:blip r:embed="rId3"/>
+          <a:stretch>
+            <a:fillRect/>
+          </a:stretch>
+        </p:blipFill>
+        <p:spPr>
+          <a:xfrm>
+            <a:off x="450112" y="3581400"/>
+            <a:ext cx="3969488" cy="2667000"/>
+          </a:xfrm>
+          <a:prstGeom prst="rect">
+            <a:avLst/>
+          </a:prstGeom>
         </p:spPr>
       </p:pic>
     </p:spTree>
@@ -5772,14 +6756,48 @@
         </p:nvSpPr>
         <p:spPr/>
         <p:txBody>
+          <a:bodyPr/>
+          <a:lstStyle/>
+          <a:p>
+            <a:r>
+              <a:rPr lang="en-US" dirty="0" smtClean="0"/>
+              <a:t>Vapor Pressure</a:t>
+            </a:r>
+            <a:endParaRPr lang="en-US" dirty="0"/>
+          </a:p>
+        </p:txBody>
+      </p:sp>
+      <p:sp>
+        <p:nvSpPr>
+          <p:cNvPr id="3" name="Content Placeholder 2"/>
+          <p:cNvSpPr>
+            <a:spLocks noGrp="1"/>
+          </p:cNvSpPr>
+          <p:nvPr>
+            <p:ph sz="quarter" idx="1"/>
+          </p:nvPr>
+        </p:nvSpPr>
+        <p:spPr>
+          <a:xfrm>
+            <a:off x="457200" y="1219200"/>
+            <a:ext cx="8229600" cy="1600200"/>
+          </a:xfrm>
+        </p:spPr>
+        <p:txBody>
           <a:bodyPr>
-            <a:normAutofit/>
+            <a:normAutofit lnSpcReduction="10000"/>
           </a:bodyPr>
           <a:lstStyle/>
           <a:p>
             <a:r>
               <a:rPr lang="en-US" dirty="0" smtClean="0"/>
-              <a:t>Vapor Pressure</a:t>
+              <a:t>Scatter plots of predicted vs. actual vapor pressures further verify the improvement with gradient images</a:t>
+            </a:r>
+          </a:p>
+          <a:p>
+            <a:r>
+              <a:rPr lang="en-US" dirty="0" smtClean="0"/>
+              <a:t>Agrees with expectations from CCA projection images</a:t>
             </a:r>
             <a:endParaRPr lang="en-US" dirty="0"/>
           </a:p>
@@ -5787,30 +6805,32 @@
       </p:sp>
       <p:pic>
         <p:nvPicPr>
-          <p:cNvPr id="4" name="Content Placeholder 3" descr="vaportimeseries-pic.jpg"/>
+          <p:cNvPr id="4" name="Content Placeholder 3" descr="vaporcorr.jpg"/>
           <p:cNvPicPr>
-            <a:picLocks noGrp="1" noChangeAspect="1"/>
+            <a:picLocks noChangeAspect="1"/>
           </p:cNvPicPr>
-          <p:nvPr>
-            <p:ph sz="quarter" idx="1"/>
-          </p:nvPr>
+          <p:nvPr/>
         </p:nvPicPr>
         <p:blipFill>
           <a:blip r:embed="rId2"/>
+          <a:srcRect l="5311" t="8027" r="7940" b="4971"/>
           <a:stretch>
             <a:fillRect/>
           </a:stretch>
         </p:blipFill>
         <p:spPr>
           <a:xfrm>
-            <a:off x="2097693" y="1283526"/>
-            <a:ext cx="5141307" cy="3517073"/>
-          </a:xfrm>
+            <a:off x="4495800" y="2971800"/>
+            <a:ext cx="4373880" cy="3124200"/>
+          </a:xfrm>
+          <a:prstGeom prst="rect">
+            <a:avLst/>
+          </a:prstGeom>
         </p:spPr>
       </p:pic>
       <p:pic>
         <p:nvPicPr>
-          <p:cNvPr id="5" name="Picture 4" descr="vaportimeseriesimages.jpg"/>
+          <p:cNvPr id="5" name="Picture 4" descr="vaporcorr-nongrad.jpg"/>
           <p:cNvPicPr>
             <a:picLocks noChangeAspect="1"/>
           </p:cNvPicPr>
@@ -5818,20 +6838,81 @@
         </p:nvPicPr>
         <p:blipFill>
           <a:blip r:embed="rId3"/>
+          <a:srcRect l="6783" t="4762" r="8430"/>
           <a:stretch>
             <a:fillRect/>
           </a:stretch>
         </p:blipFill>
         <p:spPr>
           <a:xfrm>
-            <a:off x="457200" y="4991100"/>
-            <a:ext cx="8382000" cy="1257300"/>
+            <a:off x="304800" y="2895600"/>
+            <a:ext cx="4038600" cy="3230880"/>
           </a:xfrm>
           <a:prstGeom prst="rect">
             <a:avLst/>
           </a:prstGeom>
         </p:spPr>
       </p:pic>
+      <p:sp>
+        <p:nvSpPr>
+          <p:cNvPr id="6" name="TextBox 5"/>
+          <p:cNvSpPr txBox="1"/>
+          <p:nvPr/>
+        </p:nvSpPr>
+        <p:spPr>
+          <a:xfrm>
+            <a:off x="533400" y="6016823"/>
+            <a:ext cx="3733800" cy="307777"/>
+          </a:xfrm>
+          <a:prstGeom prst="rect">
+            <a:avLst/>
+          </a:prstGeom>
+          <a:noFill/>
+        </p:spPr>
+        <p:txBody>
+          <a:bodyPr wrap="square" rtlCol="0">
+            <a:spAutoFit/>
+          </a:bodyPr>
+          <a:lstStyle/>
+          <a:p>
+            <a:r>
+              <a:rPr lang="en-US" sz="1400" dirty="0" smtClean="0"/>
+              <a:t>Original images (r=0.3894)</a:t>
+            </a:r>
+            <a:endParaRPr lang="en-US" sz="1400" dirty="0"/>
+          </a:p>
+        </p:txBody>
+      </p:sp>
+      <p:sp>
+        <p:nvSpPr>
+          <p:cNvPr id="8" name="TextBox 7"/>
+          <p:cNvSpPr txBox="1"/>
+          <p:nvPr/>
+        </p:nvSpPr>
+        <p:spPr>
+          <a:xfrm>
+            <a:off x="4876800" y="6016823"/>
+            <a:ext cx="3733800" cy="307777"/>
+          </a:xfrm>
+          <a:prstGeom prst="rect">
+            <a:avLst/>
+          </a:prstGeom>
+          <a:noFill/>
+        </p:spPr>
+        <p:txBody>
+          <a:bodyPr wrap="square" rtlCol="0">
+            <a:spAutoFit/>
+          </a:bodyPr>
+          <a:lstStyle/>
+          <a:p>
+            <a:r>
+              <a:rPr lang="en-US" sz="1400" dirty="0" smtClean="0"/>
+              <a:t>Gradient images (r=0.73684)</a:t>
+            </a:r>
+            <a:endParaRPr lang="en-US" sz="1400" dirty="0"/>
+          </a:p>
+        </p:txBody>
+      </p:sp>
     </p:spTree>
   </p:cSld>
   <p:clrMapOvr>
@@ -5869,40 +6950,42 @@
         </p:nvSpPr>
         <p:spPr/>
         <p:txBody>
-          <a:bodyPr/>
-          <a:lstStyle/>
-          <a:p>
-            <a:r>
-              <a:rPr lang="en-US" dirty="0" smtClean="0"/>
-              <a:t>Training Set Analysis</a:t>
+          <a:bodyPr>
+            <a:normAutofit/>
+          </a:bodyPr>
+          <a:lstStyle/>
+          <a:p>
+            <a:r>
+              <a:rPr lang="en-US" dirty="0" smtClean="0"/>
+              <a:t>Vapor Pressure</a:t>
             </a:r>
             <a:endParaRPr lang="en-US" dirty="0"/>
           </a:p>
         </p:txBody>
       </p:sp>
-      <p:sp>
-        <p:nvSpPr>
-          <p:cNvPr id="3" name="Content Placeholder 2"/>
-          <p:cNvSpPr>
-            <a:spLocks noGrp="1"/>
-          </p:cNvSpPr>
+      <p:pic>
+        <p:nvPicPr>
+          <p:cNvPr id="4" name="Content Placeholder 3" descr="vaporextremes.jpg"/>
+          <p:cNvPicPr>
+            <a:picLocks noGrp="1" noChangeAspect="1"/>
+          </p:cNvPicPr>
           <p:nvPr>
             <p:ph sz="quarter" idx="1"/>
           </p:nvPr>
-        </p:nvSpPr>
-        <p:spPr/>
-        <p:txBody>
-          <a:bodyPr/>
-          <a:lstStyle/>
-          <a:p>
-            <a:r>
-              <a:rPr lang="en-US" dirty="0" smtClean="0"/>
-              <a:t>What we want to do, why it is valuable, background?</a:t>
-            </a:r>
-            <a:endParaRPr lang="en-US" dirty="0"/>
-          </a:p>
-        </p:txBody>
-      </p:sp>
+        </p:nvPicPr>
+        <p:blipFill>
+          <a:blip r:embed="rId2"/>
+          <a:stretch>
+            <a:fillRect/>
+          </a:stretch>
+        </p:blipFill>
+        <p:spPr>
+          <a:xfrm>
+            <a:off x="1524000" y="1401762"/>
+            <a:ext cx="6096000" cy="4572000"/>
+          </a:xfrm>
+        </p:spPr>
+      </p:pic>
     </p:spTree>
   </p:cSld>
   <p:clrMapOvr>
@@ -5940,40 +7023,66 @@
         </p:nvSpPr>
         <p:spPr/>
         <p:txBody>
-          <a:bodyPr/>
-          <a:lstStyle/>
-          <a:p>
-            <a:r>
-              <a:rPr lang="en-US" dirty="0" smtClean="0"/>
-              <a:t>Training Set Analysis</a:t>
+          <a:bodyPr>
+            <a:normAutofit/>
+          </a:bodyPr>
+          <a:lstStyle/>
+          <a:p>
+            <a:r>
+              <a:rPr lang="en-US" dirty="0" smtClean="0"/>
+              <a:t>Vapor Pressure</a:t>
             </a:r>
             <a:endParaRPr lang="en-US" dirty="0"/>
           </a:p>
         </p:txBody>
       </p:sp>
-      <p:sp>
-        <p:nvSpPr>
-          <p:cNvPr id="3" name="Content Placeholder 2"/>
-          <p:cNvSpPr>
-            <a:spLocks noGrp="1"/>
-          </p:cNvSpPr>
+      <p:pic>
+        <p:nvPicPr>
+          <p:cNvPr id="4" name="Content Placeholder 3" descr="vaportimeseries-pic.jpg"/>
+          <p:cNvPicPr>
+            <a:picLocks noGrp="1" noChangeAspect="1"/>
+          </p:cNvPicPr>
           <p:nvPr>
             <p:ph sz="quarter" idx="1"/>
           </p:nvPr>
-        </p:nvSpPr>
-        <p:spPr/>
-        <p:txBody>
-          <a:bodyPr/>
-          <a:lstStyle/>
-          <a:p>
-            <a:r>
-              <a:rPr lang="en-US" dirty="0" smtClean="0"/>
-              <a:t>Method used to predict</a:t>
-            </a:r>
-            <a:endParaRPr lang="en-US" dirty="0"/>
-          </a:p>
-        </p:txBody>
-      </p:sp>
+        </p:nvPicPr>
+        <p:blipFill>
+          <a:blip r:embed="rId2"/>
+          <a:stretch>
+            <a:fillRect/>
+          </a:stretch>
+        </p:blipFill>
+        <p:spPr>
+          <a:xfrm>
+            <a:off x="2097693" y="1283526"/>
+            <a:ext cx="5141307" cy="3517073"/>
+          </a:xfrm>
+        </p:spPr>
+      </p:pic>
+      <p:pic>
+        <p:nvPicPr>
+          <p:cNvPr id="5" name="Picture 4" descr="vaportimeseriesimages.jpg"/>
+          <p:cNvPicPr>
+            <a:picLocks noChangeAspect="1"/>
+          </p:cNvPicPr>
+          <p:nvPr/>
+        </p:nvPicPr>
+        <p:blipFill>
+          <a:blip r:embed="rId3"/>
+          <a:stretch>
+            <a:fillRect/>
+          </a:stretch>
+        </p:blipFill>
+        <p:spPr>
+          <a:xfrm>
+            <a:off x="457200" y="4991100"/>
+            <a:ext cx="8382000" cy="1257300"/>
+          </a:xfrm>
+          <a:prstGeom prst="rect">
+            <a:avLst/>
+          </a:prstGeom>
+        </p:spPr>
+      </p:pic>
     </p:spTree>
   </p:cSld>
   <p:clrMapOvr>
@@ -6039,7 +7148,33 @@
           <a:p>
             <a:r>
               <a:rPr lang="en-US" dirty="0" smtClean="0"/>
-              <a:t>charts</a:t>
+              <a:t>How many images does it take to build a good weather predictor?</a:t>
+            </a:r>
+          </a:p>
+          <a:p>
+            <a:r>
+              <a:rPr lang="en-US" dirty="0" smtClean="0"/>
+              <a:t>Want to find out what the minimum amount of data is required to build an accurate and precise predictor of a given weather signal</a:t>
+            </a:r>
+          </a:p>
+          <a:p>
+            <a:r>
+              <a:rPr lang="en-US" dirty="0" smtClean="0"/>
+              <a:t>Previous studies (</a:t>
+            </a:r>
+            <a:r>
+              <a:rPr lang="en-US" dirty="0" err="1" smtClean="0"/>
+              <a:t>Barcikowski</a:t>
+            </a:r>
+            <a:r>
+              <a:rPr lang="en-US" dirty="0" smtClean="0"/>
+              <a:t> &amp; Stevens, 1975) indicates that CCA requires between 40 and 60 times the number of variables in training data</a:t>
+            </a:r>
+          </a:p>
+          <a:p>
+            <a:r>
+              <a:rPr lang="en-US" dirty="0" smtClean="0"/>
+              <a:t>May be less if data variations are limited and samples sufficiently cover possible range</a:t>
             </a:r>
             <a:endParaRPr lang="en-US" dirty="0"/>
           </a:p>
@@ -6082,14 +7217,12 @@
         </p:nvSpPr>
         <p:spPr/>
         <p:txBody>
-          <a:bodyPr>
-            <a:normAutofit/>
-          </a:bodyPr>
-          <a:lstStyle/>
-          <a:p>
-            <a:r>
-              <a:rPr lang="en-US" dirty="0" smtClean="0"/>
-              <a:t>Conclusion</a:t>
+          <a:bodyPr/>
+          <a:lstStyle/>
+          <a:p>
+            <a:r>
+              <a:rPr lang="en-US" dirty="0" smtClean="0"/>
+              <a:t>Training Set Analysis</a:t>
             </a:r>
             <a:endParaRPr lang="en-US" dirty="0"/>
           </a:p>
@@ -6110,6 +7243,41 @@
           <a:bodyPr/>
           <a:lstStyle/>
           <a:p>
+            <a:r>
+              <a:rPr lang="en-US" dirty="0" smtClean="0"/>
+              <a:t>Vary training size between 10 and 200 images</a:t>
+            </a:r>
+          </a:p>
+          <a:p>
+            <a:r>
+              <a:rPr lang="en-US" dirty="0" smtClean="0"/>
+              <a:t>Run PCA, CCA on images</a:t>
+            </a:r>
+          </a:p>
+          <a:p>
+            <a:r>
+              <a:rPr lang="en-US" dirty="0" smtClean="0"/>
+              <a:t>Take new set of test images, get PCA components on existing basis vectors U</a:t>
+            </a:r>
+          </a:p>
+          <a:p>
+            <a:r>
+              <a:rPr lang="en-US" dirty="0" smtClean="0"/>
+              <a:t>Predict value of weather signal, compute correlation coefficient r</a:t>
+            </a:r>
+          </a:p>
+          <a:p>
+            <a:r>
+              <a:rPr lang="en-US" dirty="0" smtClean="0"/>
+              <a:t>Repeat 10 times at each training size with different training sets</a:t>
+            </a:r>
+          </a:p>
+          <a:p>
+            <a:pPr lvl="1"/>
+            <a:r>
+              <a:rPr lang="en-US" dirty="0" smtClean="0"/>
+              <a:t>Reduces effect of lucky/unlucky selections, biases</a:t>
+            </a:r>
             <a:endParaRPr lang="en-US" dirty="0"/>
           </a:p>
         </p:txBody>
@@ -6156,7 +7324,7 @@
           <a:p>
             <a:r>
               <a:rPr lang="en-US" dirty="0" smtClean="0"/>
-              <a:t>Future Work</a:t>
+              <a:t>Training Set Analysis</a:t>
             </a:r>
             <a:endParaRPr lang="en-US" dirty="0"/>
           </a:p>
@@ -6164,7 +7332,7 @@
       </p:sp>
       <p:sp>
         <p:nvSpPr>
-          <p:cNvPr id="3" name="Content Placeholder 2"/>
+          <p:cNvPr id="6" name="Content Placeholder 5"/>
           <p:cNvSpPr>
             <a:spLocks noGrp="1"/>
           </p:cNvSpPr>
@@ -6172,28 +7340,151 @@
             <p:ph sz="quarter" idx="1"/>
           </p:nvPr>
         </p:nvSpPr>
-        <p:spPr/>
-        <p:txBody>
-          <a:bodyPr/>
-          <a:lstStyle/>
-          <a:p>
-            <a:r>
-              <a:rPr lang="en-US" dirty="0" smtClean="0"/>
-              <a:t>Take better advantage of AMOS dataset</a:t>
-            </a:r>
-          </a:p>
-          <a:p>
-            <a:r>
-              <a:rPr lang="en-US" dirty="0" smtClean="0"/>
-              <a:t>Further automate the methods used in order to apply to many cameras</a:t>
-            </a:r>
-          </a:p>
-          <a:p>
-            <a:r>
-              <a:rPr lang="en-US" dirty="0" smtClean="0"/>
-              <a:t>Begin to gain a better understanding of local weather variations by combining predicted weather data with locations of cameras</a:t>
+        <p:spPr>
+          <a:xfrm>
+            <a:off x="457200" y="1219200"/>
+            <a:ext cx="8229600" cy="2057400"/>
+          </a:xfrm>
+        </p:spPr>
+        <p:txBody>
+          <a:bodyPr>
+            <a:normAutofit lnSpcReduction="10000"/>
+          </a:bodyPr>
+          <a:lstStyle/>
+          <a:p>
+            <a:r>
+              <a:rPr lang="en-US" dirty="0" smtClean="0"/>
+              <a:t>Average correlation coefficient (red lines) steadily increase as training set size increases</a:t>
+            </a:r>
+          </a:p>
+          <a:p>
+            <a:r>
+              <a:rPr lang="en-US" dirty="0" smtClean="0"/>
+              <a:t>Stops rising rapidly around 80 images, amount of variation in coefficients decreases as well</a:t>
+            </a:r>
+          </a:p>
+          <a:p>
+            <a:r>
+              <a:rPr lang="en-US" dirty="0" smtClean="0"/>
+              <a:t>80 images = 2 weeks of data</a:t>
             </a:r>
             <a:endParaRPr lang="en-US" dirty="0"/>
+          </a:p>
+        </p:txBody>
+      </p:sp>
+      <p:pic>
+        <p:nvPicPr>
+          <p:cNvPr id="7" name="Content Placeholder 3" descr="windspeedtrainsize1.jpg"/>
+          <p:cNvPicPr>
+            <a:picLocks noChangeAspect="1"/>
+          </p:cNvPicPr>
+          <p:nvPr/>
+        </p:nvPicPr>
+        <p:blipFill>
+          <a:blip r:embed="rId2"/>
+          <a:stretch>
+            <a:fillRect/>
+          </a:stretch>
+        </p:blipFill>
+        <p:spPr>
+          <a:xfrm>
+            <a:off x="228600" y="3276600"/>
+            <a:ext cx="4209590" cy="2822575"/>
+          </a:xfrm>
+          <a:prstGeom prst="rect">
+            <a:avLst/>
+          </a:prstGeom>
+        </p:spPr>
+      </p:pic>
+      <p:pic>
+        <p:nvPicPr>
+          <p:cNvPr id="8" name="Picture 7" descr="vaportrainsize1.jpg"/>
+          <p:cNvPicPr>
+            <a:picLocks noChangeAspect="1"/>
+          </p:cNvPicPr>
+          <p:nvPr/>
+        </p:nvPicPr>
+        <p:blipFill>
+          <a:blip r:embed="rId3"/>
+          <a:stretch>
+            <a:fillRect/>
+          </a:stretch>
+        </p:blipFill>
+        <p:spPr>
+          <a:xfrm>
+            <a:off x="4574265" y="3276600"/>
+            <a:ext cx="4188735" cy="2806384"/>
+          </a:xfrm>
+          <a:prstGeom prst="rect">
+            <a:avLst/>
+          </a:prstGeom>
+        </p:spPr>
+      </p:pic>
+      <p:sp>
+        <p:nvSpPr>
+          <p:cNvPr id="9" name="TextBox 8"/>
+          <p:cNvSpPr txBox="1"/>
+          <p:nvPr/>
+        </p:nvSpPr>
+        <p:spPr>
+          <a:xfrm>
+            <a:off x="533400" y="6016823"/>
+            <a:ext cx="3886200" cy="307777"/>
+          </a:xfrm>
+          <a:prstGeom prst="rect">
+            <a:avLst/>
+          </a:prstGeom>
+          <a:noFill/>
+        </p:spPr>
+        <p:txBody>
+          <a:bodyPr wrap="square" rtlCol="0">
+            <a:spAutoFit/>
+          </a:bodyPr>
+          <a:lstStyle/>
+          <a:p>
+            <a:r>
+              <a:rPr lang="en-US" sz="1400" dirty="0" smtClean="0"/>
+              <a:t>Wind Velocity (m/s)</a:t>
+            </a:r>
+            <a:endParaRPr lang="en-US" sz="1400" dirty="0"/>
+          </a:p>
+        </p:txBody>
+      </p:sp>
+      <p:sp>
+        <p:nvSpPr>
+          <p:cNvPr id="10" name="TextBox 9"/>
+          <p:cNvSpPr txBox="1"/>
+          <p:nvPr/>
+        </p:nvSpPr>
+        <p:spPr>
+          <a:xfrm>
+            <a:off x="4876800" y="6019800"/>
+            <a:ext cx="3886200" cy="307777"/>
+          </a:xfrm>
+          <a:prstGeom prst="rect">
+            <a:avLst/>
+          </a:prstGeom>
+          <a:noFill/>
+        </p:spPr>
+        <p:txBody>
+          <a:bodyPr wrap="square" rtlCol="0">
+            <a:spAutoFit/>
+          </a:bodyPr>
+          <a:lstStyle/>
+          <a:p>
+            <a:r>
+              <a:rPr lang="en-US" sz="1400" dirty="0" smtClean="0"/>
+              <a:t>Vapor Pressure (</a:t>
+            </a:r>
+            <a:r>
+              <a:rPr lang="en-US" sz="1400" dirty="0" err="1" smtClean="0"/>
+              <a:t>millibars</a:t>
+            </a:r>
+            <a:r>
+              <a:rPr lang="en-US" sz="1400" dirty="0" smtClean="0"/>
+              <a:t>)</a:t>
+            </a:r>
+            <a:endParaRPr lang="en-US" sz="1400" dirty="0"/>
           </a:p>
         </p:txBody>
       </p:sp>
@@ -6301,12 +7592,14 @@
         </p:nvSpPr>
         <p:spPr/>
         <p:txBody>
-          <a:bodyPr/>
-          <a:lstStyle/>
-          <a:p>
-            <a:r>
-              <a:rPr lang="en-US" dirty="0" smtClean="0"/>
-              <a:t>Acknowledgements</a:t>
+          <a:bodyPr>
+            <a:normAutofit/>
+          </a:bodyPr>
+          <a:lstStyle/>
+          <a:p>
+            <a:r>
+              <a:rPr lang="en-US" dirty="0" smtClean="0"/>
+              <a:t>Conclusion</a:t>
             </a:r>
             <a:endParaRPr lang="en-US" dirty="0"/>
           </a:p>
@@ -6329,46 +7622,27 @@
           <a:p>
             <a:r>
               <a:rPr lang="en-US" dirty="0" smtClean="0"/>
-              <a:t>Dr. Robert Pless</a:t>
-            </a:r>
-          </a:p>
-          <a:p>
-            <a:r>
-              <a:rPr lang="en-US" dirty="0" smtClean="0"/>
-              <a:t>Nathan Jacobs</a:t>
-            </a:r>
-          </a:p>
-          <a:p>
-            <a:r>
-              <a:rPr lang="en-US" dirty="0" smtClean="0"/>
-              <a:t>Thesis Examination Committee</a:t>
-            </a:r>
-          </a:p>
-          <a:p>
-            <a:pPr lvl="1"/>
-            <a:r>
-              <a:rPr lang="en-US" dirty="0" smtClean="0"/>
-              <a:t>Dr. Ron Cytron</a:t>
-            </a:r>
-          </a:p>
-          <a:p>
-            <a:pPr lvl="1"/>
-            <a:r>
-              <a:rPr lang="en-US" dirty="0" smtClean="0"/>
-              <a:t>Dr. Tao </a:t>
-            </a:r>
-            <a:r>
-              <a:rPr lang="en-US" dirty="0" err="1" smtClean="0"/>
-              <a:t>Ju</a:t>
-            </a:r>
-            <a:endParaRPr lang="en-US" dirty="0" smtClean="0"/>
-          </a:p>
-          <a:p>
-            <a:pPr lvl="1"/>
-            <a:r>
-              <a:rPr lang="en-US" dirty="0" smtClean="0"/>
-              <a:t>Dr. Robert Pless</a:t>
-            </a:r>
+              <a:t>Images carry with them lots of higher level information</a:t>
+            </a:r>
+          </a:p>
+          <a:p>
+            <a:r>
+              <a:rPr lang="en-US" dirty="0" smtClean="0"/>
+              <a:t>Develop methods to extract this information to gain a better understanding of what is going on at a given location</a:t>
+            </a:r>
+          </a:p>
+          <a:p>
+            <a:r>
+              <a:rPr lang="en-US" dirty="0" smtClean="0"/>
+              <a:t>Using regression and correlation techniques, we can predict weather signals simply by observing a given webcam</a:t>
+            </a:r>
+          </a:p>
+          <a:p>
+            <a:r>
+              <a:rPr lang="en-US" dirty="0" smtClean="0"/>
+              <a:t>Only 2 weeks of data is required to build an accurate model</a:t>
+            </a:r>
+            <a:endParaRPr lang="en-US" dirty="0"/>
           </a:p>
         </p:txBody>
       </p:sp>
@@ -6407,6 +7681,197 @@
             <p:ph type="title"/>
           </p:nvPr>
         </p:nvSpPr>
+        <p:spPr/>
+        <p:txBody>
+          <a:bodyPr/>
+          <a:lstStyle/>
+          <a:p>
+            <a:r>
+              <a:rPr lang="en-US" dirty="0" smtClean="0"/>
+              <a:t>Future Work</a:t>
+            </a:r>
+            <a:endParaRPr lang="en-US" dirty="0"/>
+          </a:p>
+        </p:txBody>
+      </p:sp>
+      <p:sp>
+        <p:nvSpPr>
+          <p:cNvPr id="3" name="Content Placeholder 2"/>
+          <p:cNvSpPr>
+            <a:spLocks noGrp="1"/>
+          </p:cNvSpPr>
+          <p:nvPr>
+            <p:ph sz="quarter" idx="1"/>
+          </p:nvPr>
+        </p:nvSpPr>
+        <p:spPr/>
+        <p:txBody>
+          <a:bodyPr/>
+          <a:lstStyle/>
+          <a:p>
+            <a:r>
+              <a:rPr lang="en-US" dirty="0" smtClean="0"/>
+              <a:t>Take better advantage of AMOS dataset</a:t>
+            </a:r>
+          </a:p>
+          <a:p>
+            <a:r>
+              <a:rPr lang="en-US" dirty="0" smtClean="0"/>
+              <a:t>Further automate the methods used in order to apply to many cameras</a:t>
+            </a:r>
+          </a:p>
+          <a:p>
+            <a:r>
+              <a:rPr lang="en-US" dirty="0" smtClean="0"/>
+              <a:t>Begin to gain a better understanding of local weather variations by combining predicted weather data with locations of cameras</a:t>
+            </a:r>
+            <a:endParaRPr lang="en-US" dirty="0"/>
+          </a:p>
+        </p:txBody>
+      </p:sp>
+    </p:spTree>
+  </p:cSld>
+  <p:clrMapOvr>
+    <a:masterClrMapping/>
+  </p:clrMapOvr>
+</p:sld>
+</file>
+
+<file path=ppt/slides/slide32.xml><?xml version="1.0" encoding="utf-8"?>
+<p:sld xmlns:a="http://schemas.openxmlformats.org/drawingml/2006/main" xmlns:r="http://schemas.openxmlformats.org/officeDocument/2006/relationships" xmlns:p="http://schemas.openxmlformats.org/presentationml/2006/main">
+  <p:cSld>
+    <p:spTree>
+      <p:nvGrpSpPr>
+        <p:cNvPr id="1" name=""/>
+        <p:cNvGrpSpPr/>
+        <p:nvPr/>
+      </p:nvGrpSpPr>
+      <p:grpSpPr>
+        <a:xfrm>
+          <a:off x="0" y="0"/>
+          <a:ext cx="0" cy="0"/>
+          <a:chOff x="0" y="0"/>
+          <a:chExt cx="0" cy="0"/>
+        </a:xfrm>
+      </p:grpSpPr>
+      <p:sp>
+        <p:nvSpPr>
+          <p:cNvPr id="2" name="Title 1"/>
+          <p:cNvSpPr>
+            <a:spLocks noGrp="1"/>
+          </p:cNvSpPr>
+          <p:nvPr>
+            <p:ph type="title"/>
+          </p:nvPr>
+        </p:nvSpPr>
+        <p:spPr/>
+        <p:txBody>
+          <a:bodyPr/>
+          <a:lstStyle/>
+          <a:p>
+            <a:r>
+              <a:rPr lang="en-US" dirty="0" smtClean="0"/>
+              <a:t>Acknowledgements</a:t>
+            </a:r>
+            <a:endParaRPr lang="en-US" dirty="0"/>
+          </a:p>
+        </p:txBody>
+      </p:sp>
+      <p:sp>
+        <p:nvSpPr>
+          <p:cNvPr id="3" name="Content Placeholder 2"/>
+          <p:cNvSpPr>
+            <a:spLocks noGrp="1"/>
+          </p:cNvSpPr>
+          <p:nvPr>
+            <p:ph sz="quarter" idx="1"/>
+          </p:nvPr>
+        </p:nvSpPr>
+        <p:spPr/>
+        <p:txBody>
+          <a:bodyPr/>
+          <a:lstStyle/>
+          <a:p>
+            <a:r>
+              <a:rPr lang="en-US" dirty="0" smtClean="0"/>
+              <a:t>Dr. Robert Pless</a:t>
+            </a:r>
+          </a:p>
+          <a:p>
+            <a:r>
+              <a:rPr lang="en-US" dirty="0" smtClean="0"/>
+              <a:t>Nathan Jacobs</a:t>
+            </a:r>
+          </a:p>
+          <a:p>
+            <a:r>
+              <a:rPr lang="en-US" dirty="0" smtClean="0"/>
+              <a:t>Thesis Examination Committee</a:t>
+            </a:r>
+          </a:p>
+          <a:p>
+            <a:pPr lvl="1"/>
+            <a:r>
+              <a:rPr lang="en-US" dirty="0" smtClean="0"/>
+              <a:t>Dr. Ron Cytron</a:t>
+            </a:r>
+          </a:p>
+          <a:p>
+            <a:pPr lvl="1"/>
+            <a:r>
+              <a:rPr lang="en-US" dirty="0" smtClean="0"/>
+              <a:t>Dr. Tao </a:t>
+            </a:r>
+            <a:r>
+              <a:rPr lang="en-US" dirty="0" err="1" smtClean="0"/>
+              <a:t>Ju</a:t>
+            </a:r>
+            <a:endParaRPr lang="en-US" dirty="0" smtClean="0"/>
+          </a:p>
+          <a:p>
+            <a:pPr lvl="1"/>
+            <a:r>
+              <a:rPr lang="en-US" dirty="0" smtClean="0"/>
+              <a:t>Dr. Robert Pless</a:t>
+            </a:r>
+          </a:p>
+        </p:txBody>
+      </p:sp>
+    </p:spTree>
+  </p:cSld>
+  <p:clrMapOvr>
+    <a:masterClrMapping/>
+  </p:clrMapOvr>
+</p:sld>
+</file>
+
+<file path=ppt/slides/slide33.xml><?xml version="1.0" encoding="utf-8"?>
+<p:sld xmlns:a="http://schemas.openxmlformats.org/drawingml/2006/main" xmlns:r="http://schemas.openxmlformats.org/officeDocument/2006/relationships" xmlns:p="http://schemas.openxmlformats.org/presentationml/2006/main">
+  <p:cSld>
+    <p:spTree>
+      <p:nvGrpSpPr>
+        <p:cNvPr id="1" name=""/>
+        <p:cNvGrpSpPr/>
+        <p:nvPr/>
+      </p:nvGrpSpPr>
+      <p:grpSpPr>
+        <a:xfrm>
+          <a:off x="0" y="0"/>
+          <a:ext cx="0" cy="0"/>
+          <a:chOff x="0" y="0"/>
+          <a:chExt cx="0" cy="0"/>
+        </a:xfrm>
+      </p:grpSpPr>
+      <p:sp>
+        <p:nvSpPr>
+          <p:cNvPr id="2" name="Title 1"/>
+          <p:cNvSpPr>
+            <a:spLocks noGrp="1"/>
+          </p:cNvSpPr>
+          <p:nvPr>
+            <p:ph type="title"/>
+          </p:nvPr>
+        </p:nvSpPr>
         <p:spPr>
           <a:xfrm>
             <a:off x="457200" y="2743200"/>
@@ -6622,6 +8087,22 @@
           <a:bodyPr/>
           <a:lstStyle/>
           <a:p>
+            <a:r>
+              <a:rPr lang="en-US" dirty="0" smtClean="0"/>
+              <a:t>Historical Weather Data Archives (HWDA) maintained by the National Oceanic and Atmospheric Administration (NOAA)</a:t>
+            </a:r>
+          </a:p>
+          <a:p>
+            <a:r>
+              <a:rPr lang="en-US" dirty="0" smtClean="0"/>
+              <a:t>Maintains hourly weather data from about 6,000 weather stations across the country from January 1, 1933 to present</a:t>
+            </a:r>
+          </a:p>
+          <a:p>
+            <a:r>
+              <a:rPr lang="en-US" dirty="0" smtClean="0"/>
+              <a:t>But, there are segments of missing data due to broken equipment, failure to report, etc.</a:t>
+            </a:r>
             <a:endParaRPr lang="en-US" dirty="0"/>
           </a:p>
         </p:txBody>
@@ -6693,12 +8174,57 @@
           <a:p>
             <a:r>
               <a:rPr lang="en-US" dirty="0" smtClean="0"/>
-              <a:t>Given…Find…</a:t>
+              <a:t>Measures the linear relationship between two multi-dimensional variables</a:t>
+            </a:r>
+          </a:p>
+          <a:p>
+            <a:r>
+              <a:rPr lang="en-US" dirty="0" smtClean="0"/>
+              <a:t>Finds two sets of basis vectors such that the correlation between the projections of the variables onto these basis vectors is maximized</a:t>
+            </a:r>
+          </a:p>
+          <a:p>
+            <a:r>
+              <a:rPr lang="en-US" dirty="0" smtClean="0"/>
+              <a:t>Given two data matrices X and Y finds projection matrices A and B to maximize:</a:t>
             </a:r>
             <a:endParaRPr lang="en-US" dirty="0"/>
           </a:p>
         </p:txBody>
       </p:sp>
+      <p:pic>
+        <p:nvPicPr>
+          <p:cNvPr id="3074" name="Picture 2"/>
+          <p:cNvPicPr>
+            <a:picLocks noChangeAspect="1" noChangeArrowheads="1"/>
+          </p:cNvPicPr>
+          <p:nvPr/>
+        </p:nvPicPr>
+        <p:blipFill>
+          <a:blip r:embed="rId2"/>
+          <a:srcRect/>
+          <a:stretch>
+            <a:fillRect/>
+          </a:stretch>
+        </p:blipFill>
+        <p:spPr bwMode="auto">
+          <a:xfrm>
+            <a:off x="2819400" y="4267200"/>
+            <a:ext cx="2895600" cy="624407"/>
+          </a:xfrm>
+          <a:prstGeom prst="rect">
+            <a:avLst/>
+          </a:prstGeom>
+          <a:noFill/>
+          <a:ln w="9525">
+            <a:noFill/>
+            <a:miter lim="800000"/>
+            <a:headEnd/>
+            <a:tailEnd/>
+          </a:ln>
+          <a:effectLst/>
+        </p:spPr>
+      </p:pic>
     </p:spTree>
   </p:cSld>
   <p:clrMapOvr>
@@ -6766,12 +8292,47 @@
           <a:p>
             <a:r>
               <a:rPr lang="en-US" dirty="0" smtClean="0"/>
-              <a:t>How it works</a:t>
-            </a:r>
+              <a:t>Iteratively finds vectors which maximize the correlation between the two datasets and minimize the correlation between previously measured vectors</a:t>
+            </a:r>
+          </a:p>
+          <a:p>
+            <a:r>
+              <a:rPr lang="en-US" dirty="0" smtClean="0"/>
+              <a:t>Used in content-based image retrieval systems</a:t>
+            </a:r>
+          </a:p>
+          <a:p>
             <a:endParaRPr lang="en-US" dirty="0"/>
           </a:p>
         </p:txBody>
       </p:sp>
+      <p:pic>
+        <p:nvPicPr>
+          <p:cNvPr id="4" name="Picture 4"/>
+          <p:cNvPicPr>
+            <a:picLocks noChangeAspect="1" noChangeArrowheads="1"/>
+          </p:cNvPicPr>
+          <p:nvPr/>
+        </p:nvPicPr>
+        <p:blipFill>
+          <a:blip r:embed="rId2"/>
+          <a:srcRect l="6481" t="4138" r="3704" b="10345"/>
+          <a:stretch>
+            <a:fillRect/>
+          </a:stretch>
+        </p:blipFill>
+        <p:spPr>
+          <a:xfrm>
+            <a:off x="1828799" y="3048000"/>
+            <a:ext cx="5007079" cy="3200400"/>
+          </a:xfrm>
+          <a:prstGeom prst="rect">
+            <a:avLst/>
+          </a:prstGeom>
+          <a:noFill/>
+          <a:ln/>
+        </p:spPr>
+      </p:pic>
     </p:spTree>
   </p:cSld>
   <p:clrMapOvr>
@@ -6839,9 +8400,24 @@
           <a:p>
             <a:r>
               <a:rPr lang="en-US" dirty="0" smtClean="0"/>
-              <a:t>Why it is cool, works for us, image size problem</a:t>
-            </a:r>
-            <a:endParaRPr lang="en-US" dirty="0"/>
+              <a:t>Not dependent on the coordinate system of the variables</a:t>
+            </a:r>
+          </a:p>
+          <a:p>
+            <a:pPr lvl="1"/>
+            <a:r>
+              <a:rPr lang="en-US" dirty="0" smtClean="0"/>
+              <a:t>Can find correlations regardless of measurement system used, which is important since images and weather data use different forms of measurement</a:t>
+            </a:r>
+          </a:p>
+          <a:p>
+            <a:r>
+              <a:rPr lang="en-US" dirty="0" smtClean="0"/>
+              <a:t>It is important that each data entry in X has a corresponding entry in Y, and vice versa (same number of rows)</a:t>
+            </a:r>
+          </a:p>
+          <a:p>
+            <a:endParaRPr lang="en-US" dirty="0" smtClean="0"/>
           </a:p>
         </p:txBody>
       </p:sp>

--- a/thesis-defense.pptx
+++ b/thesis-defense.pptx
@@ -637,6 +637,7 @@
           <a:p>
             <a:fld id="{8105F344-3DBD-4778-AAA5-6563374F9B91}" type="datetime1">
               <a:rPr lang="en-US" smtClean="0"/>
+              <a:pPr/>
               <a:t>4/21/2009</a:t>
             </a:fld>
             <a:endParaRPr lang="en-US"/>
@@ -997,6 +998,7 @@
           <a:p>
             <a:fld id="{82EF1A37-1BD4-41B7-BFAE-6719C5D76165}" type="datetime1">
               <a:rPr lang="en-US" smtClean="0"/>
+              <a:pPr/>
               <a:t>4/21/2009</a:t>
             </a:fld>
             <a:endParaRPr lang="en-US"/>
@@ -1173,6 +1175,7 @@
           <a:p>
             <a:fld id="{C8C8F7C4-0816-4C28-8175-AE8BD7997A5B}" type="datetime1">
               <a:rPr lang="en-US" smtClean="0"/>
+              <a:pPr/>
               <a:t>4/21/2009</a:t>
             </a:fld>
             <a:endParaRPr lang="en-US"/>
@@ -1409,6 +1412,7 @@
           <a:p>
             <a:fld id="{B35D2ABF-009C-42F6-947A-F4D72046245B}" type="datetime1">
               <a:rPr lang="en-US" smtClean="0"/>
+              <a:pPr/>
               <a:t>4/21/2009</a:t>
             </a:fld>
             <a:endParaRPr lang="en-US"/>
@@ -1679,6 +1683,7 @@
           <a:p>
             <a:fld id="{80B7042C-82E7-48EF-A14E-A4656A89F026}" type="datetime1">
               <a:rPr lang="en-US" smtClean="0"/>
+              <a:pPr/>
               <a:t>4/21/2009</a:t>
             </a:fld>
             <a:endParaRPr lang="en-US"/>
@@ -1900,6 +1905,7 @@
           <a:p>
             <a:fld id="{D630007F-D2B4-43A3-905E-D39D2B5D7356}" type="datetime1">
               <a:rPr lang="en-US" smtClean="0"/>
+              <a:pPr/>
               <a:t>4/21/2009</a:t>
             </a:fld>
             <a:endParaRPr lang="en-US"/>
@@ -2253,6 +2259,7 @@
           <a:p>
             <a:fld id="{E66EAC63-9F67-4C80-9B62-AE200AB3DC43}" type="datetime1">
               <a:rPr lang="en-US" smtClean="0"/>
+              <a:pPr/>
               <a:t>4/21/2009</a:t>
             </a:fld>
             <a:endParaRPr lang="en-US"/>
@@ -2486,6 +2493,7 @@
           <a:p>
             <a:fld id="{59D5C2B5-460B-4899-9E3E-D9AC3201F7E3}" type="datetime1">
               <a:rPr lang="en-US" smtClean="0"/>
+              <a:pPr/>
               <a:t>4/21/2009</a:t>
             </a:fld>
             <a:endParaRPr lang="en-US"/>
@@ -2627,6 +2635,7 @@
           <a:p>
             <a:fld id="{E7BC9730-1566-450F-94C9-E858288E337A}" type="datetime1">
               <a:rPr lang="en-US" smtClean="0"/>
+              <a:pPr/>
               <a:t>4/21/2009</a:t>
             </a:fld>
             <a:endParaRPr lang="en-US"/>
@@ -2905,6 +2914,7 @@
           <a:p>
             <a:fld id="{A092A720-58D5-46CB-BBF1-812C7FAF0A61}" type="datetime1">
               <a:rPr lang="en-US" smtClean="0"/>
+              <a:pPr/>
               <a:t>4/21/2009</a:t>
             </a:fld>
             <a:endParaRPr lang="en-US"/>
@@ -3313,6 +3323,7 @@
           <a:p>
             <a:fld id="{C968394F-40D2-4C9C-A448-63F81833024A}" type="datetime1">
               <a:rPr lang="en-US" smtClean="0"/>
+              <a:pPr/>
               <a:t>4/21/2009</a:t>
             </a:fld>
             <a:endParaRPr lang="en-US"/>
@@ -3652,6 +3663,7 @@
           <a:p>
             <a:fld id="{368D6145-3C6A-4A63-A174-1E4380240448}" type="datetime1">
               <a:rPr lang="en-US" smtClean="0"/>
+              <a:pPr/>
               <a:t>4/21/2009</a:t>
             </a:fld>
             <a:endParaRPr lang="en-US"/>
@@ -4392,24 +4404,15 @@
           <a:p>
             <a:r>
               <a:rPr lang="en-US" dirty="0" smtClean="0"/>
-              <a:t>Iteratively finds vectors which maximize the correlation between the two datasets and minimize the correlation between previously measured </a:t>
-            </a:r>
-            <a:r>
-              <a:rPr lang="en-US" dirty="0" smtClean="0"/>
-              <a:t>vectors</a:t>
+              <a:t>Iteratively finds vectors which maximize the correlation between the two datasets and minimize the correlation between previously measured vectors</a:t>
             </a:r>
           </a:p>
           <a:p>
             <a:pPr lvl="1"/>
             <a:r>
               <a:rPr lang="en-US" dirty="0" smtClean="0"/>
-              <a:t>Vectors are not necessarily </a:t>
-            </a:r>
-            <a:r>
-              <a:rPr lang="en-US" dirty="0" smtClean="0"/>
-              <a:t>orthogonal</a:t>
-            </a:r>
-            <a:endParaRPr lang="en-US" dirty="0" smtClean="0"/>
+              <a:t>Vectors are not necessarily orthogonal</a:t>
+            </a:r>
           </a:p>
           <a:p>
             <a:r>
@@ -4554,11 +4557,7 @@
             <a:pPr lvl="1"/>
             <a:r>
               <a:rPr lang="en-US" dirty="0" smtClean="0"/>
-              <a:t>Can find correlations regardless of measurement system used, which is important since images and weather data use different forms of </a:t>
-            </a:r>
-            <a:r>
-              <a:rPr lang="en-US" dirty="0" smtClean="0"/>
-              <a:t>measurement</a:t>
+              <a:t>Can find correlations regardless of measurement system used, which is important since images and weather data use different forms of measurement</a:t>
             </a:r>
           </a:p>
           <a:p>
@@ -4566,7 +4565,6 @@
               <a:rPr lang="en-US" dirty="0" smtClean="0"/>
               <a:t>Invariant to affine transformations of the variables</a:t>
             </a:r>
-            <a:endParaRPr lang="en-US" dirty="0" smtClean="0"/>
           </a:p>
           <a:p>
             <a:r>
@@ -4677,21 +4675,8 @@
           <a:p>
             <a:r>
               <a:rPr lang="en-US" dirty="0" smtClean="0"/>
-              <a:t>PCA is a method used to extract the most significant </a:t>
-            </a:r>
-            <a:r>
-              <a:rPr lang="en-US" dirty="0" smtClean="0"/>
-              <a:t>features </a:t>
-            </a:r>
-            <a:r>
-              <a:rPr lang="en-US" dirty="0" smtClean="0"/>
-              <a:t>from </a:t>
-            </a:r>
-            <a:r>
-              <a:rPr lang="en-US" dirty="0" smtClean="0"/>
-              <a:t>given dataset</a:t>
-            </a:r>
-            <a:endParaRPr lang="en-US" dirty="0" smtClean="0"/>
+              <a:t>PCA is a method used to extract the most significant features from given dataset</a:t>
+            </a:r>
           </a:p>
           <a:p>
             <a:r>
@@ -4737,11 +4722,7 @@
           <a:p>
             <a:r>
               <a:rPr lang="en-US" dirty="0" smtClean="0"/>
-              <a:t>We can reconstruct image x: </a:t>
-            </a:r>
-            <a:r>
-              <a:rPr lang="en-US" dirty="0" smtClean="0"/>
-              <a:t>i</a:t>
+              <a:t>We can reconstruct image x: i</a:t>
             </a:r>
             <a:r>
               <a:rPr lang="en-US" baseline="-25000" dirty="0" smtClean="0"/>
@@ -6044,13 +6025,8 @@
           <a:p>
             <a:r>
               <a:rPr lang="en-US" dirty="0" smtClean="0"/>
-              <a:t>We can reduce this number dramatically by instead using the PCA components of each image (k=10</a:t>
-            </a:r>
-            <a:r>
-              <a:rPr lang="en-US" dirty="0" smtClean="0"/>
-              <a:t>)</a:t>
-            </a:r>
-            <a:endParaRPr lang="en-US" dirty="0" smtClean="0"/>
+              <a:t>We can reduce this number dramatically by instead using the PCA components of each image (k=10)</a:t>
+            </a:r>
           </a:p>
         </p:txBody>
       </p:sp>
@@ -6223,29 +6199,13 @@
           <a:p>
             <a:r>
               <a:rPr lang="en-US" dirty="0" smtClean="0"/>
-              <a:t>Concurrently iterate through both sets and remove entries which do not have corresponding entries in opposite </a:t>
-            </a:r>
-            <a:r>
-              <a:rPr lang="en-US" dirty="0" smtClean="0"/>
-              <a:t>set. Both </a:t>
-            </a:r>
-            <a:r>
-              <a:rPr lang="en-US" dirty="0" smtClean="0"/>
-              <a:t>sets now have n entries</a:t>
-            </a:r>
-          </a:p>
-          <a:p>
-            <a:r>
-              <a:rPr lang="en-US" dirty="0" smtClean="0"/>
-              <a:t>Run PCA on images; </a:t>
-            </a:r>
-            <a:r>
-              <a:rPr lang="en-US" dirty="0" smtClean="0"/>
-              <a:t> V </a:t>
-            </a:r>
-            <a:r>
-              <a:rPr lang="en-US" dirty="0" smtClean="0"/>
-              <a:t>= v</a:t>
+              <a:t>Concurrently iterate through both sets and remove entries which do not have corresponding entries in opposite set. Both sets now have n entries</a:t>
+            </a:r>
+          </a:p>
+          <a:p>
+            <a:r>
+              <a:rPr lang="en-US" dirty="0" smtClean="0"/>
+              <a:t>Run PCA on images;  V = v</a:t>
             </a:r>
             <a:r>
               <a:rPr lang="en-US" baseline="-25000" dirty="0" smtClean="0"/>
@@ -6269,15 +6229,7 @@
             </a:r>
             <a:r>
               <a:rPr lang="en-US" dirty="0" smtClean="0"/>
-              <a:t>are vectors of length k containing the </a:t>
-            </a:r>
-            <a:r>
-              <a:rPr lang="en-US" dirty="0" smtClean="0"/>
-              <a:t>principal coefficients </a:t>
-            </a:r>
-            <a:r>
-              <a:rPr lang="en-US" dirty="0" smtClean="0"/>
-              <a:t>for each image, U = u</a:t>
+              <a:t>are vectors of length k containing the principal coefficients for each image, U = u</a:t>
             </a:r>
             <a:r>
               <a:rPr lang="en-US" baseline="-25000" dirty="0" smtClean="0"/>
@@ -6303,19 +6255,7 @@
           <a:p>
             <a:r>
               <a:rPr lang="en-US" dirty="0" smtClean="0"/>
-              <a:t>Run CCA using </a:t>
-            </a:r>
-            <a:r>
-              <a:rPr lang="en-US" dirty="0" smtClean="0"/>
-              <a:t> V </a:t>
-            </a:r>
-            <a:r>
-              <a:rPr lang="en-US" dirty="0" smtClean="0"/>
-              <a:t>and W as input </a:t>
-            </a:r>
-            <a:r>
-              <a:rPr lang="en-US" dirty="0" smtClean="0"/>
-              <a:t>matrices</a:t>
+              <a:t>Run CCA using  V and W as input matrices</a:t>
             </a:r>
           </a:p>
           <a:p>
@@ -6324,7 +6264,6 @@
               <a:rPr lang="en-US" dirty="0" smtClean="0"/>
               <a:t>[A B] = CCA(V, W)</a:t>
             </a:r>
-            <a:endParaRPr lang="en-US" dirty="0" smtClean="0"/>
           </a:p>
         </p:txBody>
       </p:sp>
@@ -6454,11 +6393,7 @@
             <a:pPr lvl="1"/>
             <a:r>
               <a:rPr lang="en-US" dirty="0" smtClean="0"/>
-              <a:t>Value of weather </a:t>
-            </a:r>
-            <a:r>
-              <a:rPr lang="en-US" dirty="0" smtClean="0"/>
-              <a:t>signal is </a:t>
+              <a:t>Value of weather signal is </a:t>
             </a:r>
             <a:r>
               <a:rPr lang="en-US" b="1" dirty="0" err="1" smtClean="0"/>
@@ -6470,11 +6405,7 @@
             </a:r>
             <a:r>
               <a:rPr lang="en-US" b="1" dirty="0" smtClean="0"/>
-              <a:t> </a:t>
-            </a:r>
-            <a:r>
-              <a:rPr lang="en-US" b="1" dirty="0" smtClean="0"/>
-              <a:t>= Av</a:t>
+              <a:t> = Av</a:t>
             </a:r>
             <a:r>
               <a:rPr lang="en-US" b="1" baseline="-25000" dirty="0" smtClean="0"/>
@@ -8175,25 +8106,13 @@
           <a:p>
             <a:r>
               <a:rPr lang="en-US" dirty="0" smtClean="0"/>
-              <a:t>When gradient images are used (right</a:t>
-            </a:r>
-            <a:r>
-              <a:rPr lang="en-US" dirty="0" smtClean="0"/>
-              <a:t>), the </a:t>
-            </a:r>
-            <a:r>
-              <a:rPr lang="en-US" dirty="0" smtClean="0"/>
-              <a:t>image is far more compelling</a:t>
-            </a:r>
-          </a:p>
-          <a:p>
-            <a:r>
-              <a:rPr lang="en-US" dirty="0" smtClean="0"/>
-              <a:t>Appears to be identifying the clarity/visibility of building outlines as an important indicator of vapor </a:t>
-            </a:r>
-            <a:r>
-              <a:rPr lang="en-US" dirty="0" smtClean="0"/>
-              <a:t>pressure</a:t>
+              <a:t>When gradient images are used (right), the image is far more compelling</a:t>
+            </a:r>
+          </a:p>
+          <a:p>
+            <a:r>
+              <a:rPr lang="en-US" dirty="0" smtClean="0"/>
+              <a:t>Appears to be identifying the clarity/visibility of building outlines as an important indicator of vapor pressure</a:t>
             </a:r>
             <a:endParaRPr lang="en-US" dirty="0"/>
           </a:p>
@@ -8325,11 +8244,7 @@
           <a:p>
             <a:r>
               <a:rPr lang="en-US" sz="1400" dirty="0" smtClean="0"/>
-              <a:t>C</a:t>
-            </a:r>
-            <a:r>
-              <a:rPr lang="en-US" sz="1400" dirty="0" smtClean="0"/>
-              <a:t>CA basis vector projected onto the image space (gradient images)</a:t>
+              <a:t>CCA basis vector projected onto the image space (gradient images)</a:t>
             </a:r>
             <a:endParaRPr lang="en-US" sz="1400" dirty="0"/>
           </a:p>
@@ -8641,15 +8556,7 @@
           <a:p>
             <a:r>
               <a:rPr lang="en-US" dirty="0" smtClean="0"/>
-              <a:t>Scatter plots of predicted vs. actual vapor </a:t>
-            </a:r>
-            <a:r>
-              <a:rPr lang="en-US" dirty="0" smtClean="0"/>
-              <a:t>pressures (millibars) </a:t>
-            </a:r>
-            <a:r>
-              <a:rPr lang="en-US" dirty="0" smtClean="0"/>
-              <a:t>further verify the improvement with gradient images</a:t>
+              <a:t>Scatter plots of predicted vs. actual vapor pressures (millibars) further verify the improvement with gradient images</a:t>
             </a:r>
           </a:p>
           <a:p>
@@ -9150,11 +9057,7 @@
           <a:p>
             <a:r>
               <a:rPr lang="en-US" dirty="0" smtClean="0"/>
-              <a:t>Might less </a:t>
-            </a:r>
-            <a:r>
-              <a:rPr lang="en-US" dirty="0" smtClean="0"/>
-              <a:t>if data variations are limited and samples sufficiently cover possible range</a:t>
+              <a:t>Might less if data variations are limited and samples sufficiently cover possible range</a:t>
             </a:r>
             <a:endParaRPr lang="en-US" dirty="0"/>
           </a:p>
@@ -9268,27 +9171,14 @@
           <a:p>
             <a:r>
               <a:rPr lang="en-US" dirty="0" smtClean="0"/>
-              <a:t>Take new set of </a:t>
-            </a:r>
-            <a:r>
-              <a:rPr lang="en-US" dirty="0" smtClean="0"/>
-              <a:t>100 test </a:t>
-            </a:r>
-            <a:r>
-              <a:rPr lang="en-US" dirty="0" smtClean="0"/>
-              <a:t>images, get PCA components on existing basis vectors U</a:t>
-            </a:r>
-          </a:p>
-          <a:p>
-            <a:r>
-              <a:rPr lang="en-US" dirty="0" smtClean="0"/>
-              <a:t>Predict value of weather signal, compute correlation coefficient </a:t>
-            </a:r>
-            <a:r>
-              <a:rPr lang="en-US" dirty="0" smtClean="0"/>
-              <a:t>r with known actual values</a:t>
-            </a:r>
-            <a:endParaRPr lang="en-US" dirty="0" smtClean="0"/>
+              <a:t>Take new set of 100 test images, get PCA components on existing basis vectors U</a:t>
+            </a:r>
+          </a:p>
+          <a:p>
+            <a:r>
+              <a:rPr lang="en-US" dirty="0" smtClean="0"/>
+              <a:t>Predict value of weather signal, compute correlation coefficient r with known actual values</a:t>
+            </a:r>
           </a:p>
           <a:p>
             <a:r>
@@ -9300,11 +9190,7 @@
             <a:pPr lvl="1"/>
             <a:r>
               <a:rPr lang="en-US" dirty="0" smtClean="0"/>
-              <a:t>Reduces effect of lucky/unlucky </a:t>
-            </a:r>
-            <a:r>
-              <a:rPr lang="en-US" dirty="0" smtClean="0"/>
-              <a:t>selections of training data</a:t>
+              <a:t>Reduces effect of lucky/unlucky selections of training data</a:t>
             </a:r>
             <a:endParaRPr lang="en-US" dirty="0"/>
           </a:p>
@@ -9419,11 +9305,7 @@
           <a:p>
             <a:r>
               <a:rPr lang="en-US" dirty="0" smtClean="0"/>
-              <a:t>Stop </a:t>
-            </a:r>
-            <a:r>
-              <a:rPr lang="en-US" dirty="0" smtClean="0"/>
-              <a:t>rising rapidly around 80 images, amount of variation in coefficients decreases as well</a:t>
+              <a:t>Stop rising rapidly around 80 images, amount of variation in coefficients decreases as well</a:t>
             </a:r>
           </a:p>
           <a:p>
@@ -9761,15 +9643,7 @@
           <a:p>
             <a:r>
               <a:rPr lang="en-US" dirty="0" smtClean="0"/>
-              <a:t>Take </a:t>
-            </a:r>
-            <a:r>
-              <a:rPr lang="en-US" dirty="0" smtClean="0"/>
-              <a:t>greater advantage </a:t>
-            </a:r>
-            <a:r>
-              <a:rPr lang="en-US" dirty="0" smtClean="0"/>
-              <a:t>of AMOS dataset</a:t>
+              <a:t>Take greater advantage of AMOS dataset</a:t>
             </a:r>
           </a:p>
           <a:p>
@@ -9934,7 +9808,6 @@
               <a:rPr lang="en-US" dirty="0" smtClean="0"/>
               <a:t>Media &amp; Machines Lab</a:t>
             </a:r>
-            <a:endParaRPr lang="en-US" dirty="0" smtClean="0"/>
           </a:p>
         </p:txBody>
       </p:sp>
@@ -10124,13 +9997,8 @@
           <a:p>
             <a:r>
               <a:rPr lang="en-US" dirty="0" smtClean="0"/>
-              <a:t>Provides a vast resource of  “real world” data for us to test </a:t>
-            </a:r>
-            <a:r>
-              <a:rPr lang="en-US" dirty="0" smtClean="0"/>
-              <a:t>our methods</a:t>
-            </a:r>
-            <a:endParaRPr lang="en-US" dirty="0" smtClean="0"/>
+              <a:t>Provides a vast resource of  “real world” data for us to test our methods</a:t>
+            </a:r>
           </a:p>
           <a:p>
             <a:r>
@@ -10141,23 +10009,7 @@
           <a:p>
             <a:r>
               <a:rPr lang="en-US" dirty="0" smtClean="0"/>
-              <a:t>Our job as researchers is to develop methods to extract this information </a:t>
-            </a:r>
-            <a:r>
-              <a:rPr lang="en-US" dirty="0" smtClean="0"/>
-              <a:t>to gain a </a:t>
-            </a:r>
-            <a:r>
-              <a:rPr lang="en-US" dirty="0" smtClean="0"/>
-              <a:t>better </a:t>
-            </a:r>
-            <a:r>
-              <a:rPr lang="en-US" dirty="0" smtClean="0"/>
-              <a:t>understanding </a:t>
-            </a:r>
-            <a:r>
-              <a:rPr lang="en-US" dirty="0" smtClean="0"/>
-              <a:t>what is going on in a given scene</a:t>
+              <a:t>Our job as researchers is to develop methods to extract this information to gain a better understanding what is going on in a given scene</a:t>
             </a:r>
           </a:p>
           <a:p>
@@ -11131,13 +10983,24 @@
         <p:spPr/>
         <p:txBody>
           <a:bodyPr>
-            <a:normAutofit fontScale="92500" lnSpcReduction="10000"/>
+            <a:normAutofit/>
           </a:bodyPr>
           <a:lstStyle/>
           <a:p>
             <a:r>
               <a:rPr lang="en-US" dirty="0" smtClean="0"/>
-              <a:t>S.G. </a:t>
+              <a:t>Inferring information from large webcam datasets</a:t>
+            </a:r>
+          </a:p>
+          <a:p>
+            <a:pPr lvl="1"/>
+            <a:r>
+              <a:rPr lang="en-US" dirty="0" smtClean="0"/>
+              <a:t>S.G</a:t>
+            </a:r>
+            <a:r>
+              <a:rPr lang="en-US" dirty="0" smtClean="0"/>
+              <a:t>. </a:t>
             </a:r>
             <a:r>
               <a:rPr lang="en-US" dirty="0" err="1" smtClean="0"/>
@@ -11161,10 +11024,11 @@
             </a:r>
             <a:r>
               <a:rPr lang="en-US" dirty="0" smtClean="0"/>
-              <a:t>. In European Conference on Computer Vision (ECCV), volume III, pages148–162, May 2002.</a:t>
-            </a:r>
-          </a:p>
-          <a:p>
+              <a:t>. </a:t>
+            </a:r>
+          </a:p>
+          <a:p>
+            <a:pPr lvl="1"/>
             <a:r>
               <a:rPr lang="en-US" dirty="0" smtClean="0"/>
               <a:t>James Hays and Alexei A. </a:t>
@@ -11183,10 +11047,11 @@
             </a:r>
             <a:r>
               <a:rPr lang="en-US" dirty="0" smtClean="0"/>
-              <a:t>. In Proceedings of the IEEE Conf. on Computer Vision and Pattern Recognition (CVPR), 2008.</a:t>
-            </a:r>
-          </a:p>
-          <a:p>
+              <a:t>. </a:t>
+            </a:r>
+          </a:p>
+          <a:p>
+            <a:pPr lvl="1"/>
             <a:r>
               <a:rPr lang="en-US" dirty="0" smtClean="0"/>
               <a:t>Jean-Francois </a:t>
@@ -11227,15 +11092,23 @@
               <a:rPr lang="en-US" i="1" dirty="0" smtClean="0"/>
               <a:t>What does the sky tell us about the camera? </a:t>
             </a:r>
-            <a:r>
-              <a:rPr lang="en-US" dirty="0" smtClean="0"/>
-              <a:t>In European Conference on Computer Vision, 2008</a:t>
-            </a:r>
+            <a:endParaRPr lang="en-US" dirty="0" smtClean="0"/>
           </a:p>
           <a:p>
             <a:r>
               <a:rPr lang="it-IT" dirty="0" smtClean="0"/>
-              <a:t>Dongge Li, Nevenka Dimitrova, Mingkun Li, and Ishwar K. Sethi. </a:t>
+              <a:t>CCA and multimedia</a:t>
+            </a:r>
+          </a:p>
+          <a:p>
+            <a:pPr lvl="1"/>
+            <a:r>
+              <a:rPr lang="it-IT" dirty="0" smtClean="0"/>
+              <a:t>Dongge </a:t>
+            </a:r>
+            <a:r>
+              <a:rPr lang="it-IT" dirty="0" smtClean="0"/>
+              <a:t>Li, Nevenka Dimitrova, Mingkun Li, and Ishwar K. Sethi. </a:t>
             </a:r>
             <a:r>
               <a:rPr lang="it-IT" i="1" dirty="0" smtClean="0"/>
@@ -11251,11 +11124,7 @@
             </a:r>
             <a:r>
               <a:rPr lang="en-US" dirty="0" smtClean="0"/>
-              <a:t>. In MULTIMEDIA '03: Proceedings of the eleventh ACM international conference on Multimedia, pages </a:t>
-            </a:r>
-            <a:r>
-              <a:rPr lang="nn-NO" dirty="0" smtClean="0"/>
-              <a:t>604-611, New York, NY, USA, 2003. ACM.</a:t>
+              <a:t>. </a:t>
             </a:r>
             <a:endParaRPr lang="en-US" dirty="0"/>
           </a:p>
@@ -11371,15 +11240,7 @@
           <a:p>
             <a:r>
               <a:rPr lang="en-US" dirty="0" smtClean="0"/>
-              <a:t>Given </a:t>
-            </a:r>
-            <a:r>
-              <a:rPr lang="en-US" dirty="0" smtClean="0"/>
-              <a:t>two data matrices X and Y finds projection matrices A and B to </a:t>
-            </a:r>
-            <a:r>
-              <a:rPr lang="en-US" dirty="0" smtClean="0"/>
-              <a:t>maximize the correlation:</a:t>
+              <a:t>Given two data matrices X and Y finds projection matrices A and B to maximize the correlation:</a:t>
             </a:r>
             <a:endParaRPr lang="en-US" dirty="0"/>
           </a:p>

--- a/thesis-defense.pptx
+++ b/thesis-defense.pptx
@@ -50,7 +50,7 @@
     <p:sldId id="287" r:id="rId41"/>
   </p:sldIdLst>
   <p:sldSz cx="9144000" cy="6858000" type="screen4x3"/>
-  <p:notesSz cx="6858000" cy="9144000"/>
+  <p:notesSz cx="6856413" cy="9083675"/>
   <p:defaultTextStyle>
     <a:defPPr>
       <a:defRPr lang="en-US"/>
@@ -184,14 +184,14 @@
         <p:spPr>
           <a:xfrm>
             <a:off x="0" y="0"/>
-            <a:ext cx="2971800" cy="457200"/>
+            <a:ext cx="2971112" cy="454184"/>
           </a:xfrm>
           <a:prstGeom prst="rect">
             <a:avLst/>
           </a:prstGeom>
         </p:spPr>
         <p:txBody>
-          <a:bodyPr vert="horz" lIns="91440" tIns="45720" rIns="91440" bIns="45720" rtlCol="0"/>
+          <a:bodyPr vert="horz" lIns="91083" tIns="45542" rIns="91083" bIns="45542" rtlCol="0"/>
           <a:lstStyle>
             <a:lvl1pPr algn="l">
               <a:defRPr sz="1200"/>
@@ -214,15 +214,15 @@
         </p:nvSpPr>
         <p:spPr>
           <a:xfrm>
-            <a:off x="3884613" y="0"/>
-            <a:ext cx="2971800" cy="457200"/>
+            <a:off x="3883714" y="0"/>
+            <a:ext cx="2971112" cy="454184"/>
           </a:xfrm>
           <a:prstGeom prst="rect">
             <a:avLst/>
           </a:prstGeom>
         </p:spPr>
         <p:txBody>
-          <a:bodyPr vert="horz" lIns="91440" tIns="45720" rIns="91440" bIns="45720" rtlCol="0"/>
+          <a:bodyPr vert="horz" lIns="91083" tIns="45542" rIns="91083" bIns="45542" rtlCol="0"/>
           <a:lstStyle>
             <a:lvl1pPr algn="r">
               <a:defRPr sz="1200"/>
@@ -250,8 +250,8 @@
         </p:nvSpPr>
         <p:spPr>
           <a:xfrm>
-            <a:off x="1143000" y="685800"/>
-            <a:ext cx="4572000" cy="3429000"/>
+            <a:off x="1157288" y="681038"/>
+            <a:ext cx="4541837" cy="3406775"/>
           </a:xfrm>
           <a:prstGeom prst="rect">
             <a:avLst/>
@@ -264,7 +264,7 @@
           </a:ln>
         </p:spPr>
         <p:txBody>
-          <a:bodyPr vert="horz" lIns="91440" tIns="45720" rIns="91440" bIns="45720" rtlCol="0" anchor="ctr"/>
+          <a:bodyPr vert="horz" lIns="91083" tIns="45542" rIns="91083" bIns="45542" rtlCol="0" anchor="ctr"/>
           <a:lstStyle/>
           <a:p>
             <a:endParaRPr lang="en-US"/>
@@ -283,15 +283,15 @@
         </p:nvSpPr>
         <p:spPr>
           <a:xfrm>
-            <a:off x="685800" y="4343400"/>
-            <a:ext cx="5486400" cy="4114800"/>
+            <a:off x="685642" y="4314746"/>
+            <a:ext cx="5485130" cy="4087654"/>
           </a:xfrm>
           <a:prstGeom prst="rect">
             <a:avLst/>
           </a:prstGeom>
         </p:spPr>
         <p:txBody>
-          <a:bodyPr vert="horz" lIns="91440" tIns="45720" rIns="91440" bIns="45720" rtlCol="0">
+          <a:bodyPr vert="horz" lIns="91083" tIns="45542" rIns="91083" bIns="45542" rtlCol="0">
             <a:normAutofit/>
           </a:bodyPr>
           <a:lstStyle/>
@@ -345,15 +345,15 @@
         </p:nvSpPr>
         <p:spPr>
           <a:xfrm>
-            <a:off x="0" y="8685213"/>
-            <a:ext cx="2971800" cy="457200"/>
+            <a:off x="0" y="8627915"/>
+            <a:ext cx="2971112" cy="454184"/>
           </a:xfrm>
           <a:prstGeom prst="rect">
             <a:avLst/>
           </a:prstGeom>
         </p:spPr>
         <p:txBody>
-          <a:bodyPr vert="horz" lIns="91440" tIns="45720" rIns="91440" bIns="45720" rtlCol="0" anchor="b"/>
+          <a:bodyPr vert="horz" lIns="91083" tIns="45542" rIns="91083" bIns="45542" rtlCol="0" anchor="b"/>
           <a:lstStyle>
             <a:lvl1pPr algn="l">
               <a:defRPr sz="1200"/>
@@ -376,15 +376,15 @@
         </p:nvSpPr>
         <p:spPr>
           <a:xfrm>
-            <a:off x="3884613" y="8685213"/>
-            <a:ext cx="2971800" cy="457200"/>
+            <a:off x="3883714" y="8627915"/>
+            <a:ext cx="2971112" cy="454184"/>
           </a:xfrm>
           <a:prstGeom prst="rect">
             <a:avLst/>
           </a:prstGeom>
         </p:spPr>
         <p:txBody>
-          <a:bodyPr vert="horz" lIns="91440" tIns="45720" rIns="91440" bIns="45720" rtlCol="0" anchor="b"/>
+          <a:bodyPr vert="horz" lIns="91083" tIns="45542" rIns="91083" bIns="45542" rtlCol="0" anchor="b"/>
           <a:lstStyle>
             <a:lvl1pPr algn="r">
               <a:defRPr sz="1200"/>
@@ -550,13 +550,9 @@
             </a:r>
             <a:r>
               <a:rPr lang="en-US" baseline="0" dirty="0" smtClean="0"/>
-              <a:t> Speyer and the title of my </a:t>
-            </a:r>
-            <a:r>
-              <a:rPr lang="en-US" baseline="0" smtClean="0"/>
-              <a:t>thesis is…..</a:t>
-            </a:r>
-            <a:endParaRPr lang="en-US"/>
+              <a:t> Speyer and the title of my thesis is…..</a:t>
+            </a:r>
+            <a:endParaRPr lang="en-US" dirty="0"/>
           </a:p>
         </p:txBody>
       </p:sp>
@@ -638,15 +634,7 @@
           </a:bodyPr>
           <a:lstStyle/>
           <a:p>
-            <a:r>
-              <a:rPr lang="en-US" dirty="0" smtClean="0"/>
-              <a:t>Why</a:t>
-            </a:r>
-            <a:r>
-              <a:rPr lang="en-US" baseline="0" dirty="0" smtClean="0"/>
-              <a:t> it is cool, good for our uses. Important things to note</a:t>
-            </a:r>
-            <a:endParaRPr lang="en-US" dirty="0"/>
+            <a:endParaRPr lang="en-US"/>
           </a:p>
         </p:txBody>
       </p:sp>
@@ -668,7 +656,7 @@
             <a:fld id="{5ECBF4DF-172D-42A1-9E0F-400D1B677C2C}" type="slidenum">
               <a:rPr lang="en-US" smtClean="0"/>
               <a:pPr/>
-              <a:t>12</a:t>
+              <a:t>10</a:t>
             </a:fld>
             <a:endParaRPr lang="en-US"/>
           </a:p>
@@ -728,78 +716,14 @@
           </a:bodyPr>
           <a:lstStyle/>
           <a:p>
-            <a:pPr lvl="1"/>
-            <a:r>
-              <a:rPr lang="en-US" dirty="0" smtClean="0"/>
-              <a:t>Text-based</a:t>
+            <a:r>
+              <a:rPr lang="en-US" dirty="0" smtClean="0"/>
+              <a:t>Projects variables into unique space, allows us</a:t>
             </a:r>
             <a:r>
               <a:rPr lang="en-US" baseline="0" dirty="0" smtClean="0"/>
-              <a:t> retrieval</a:t>
-            </a:r>
-            <a:endParaRPr lang="en-US" dirty="0" smtClean="0"/>
-          </a:p>
-          <a:p>
-            <a:pPr lvl="1">
-              <a:buFont typeface="Arial" pitchFamily="34" charset="0"/>
-              <a:buChar char="•"/>
-            </a:pPr>
-            <a:r>
-              <a:rPr lang="en-US" dirty="0" smtClean="0"/>
-              <a:t>400 records of JPEG images for each class with associated text and a total of 3 classes</a:t>
-            </a:r>
-          </a:p>
-          <a:p>
-            <a:pPr lvl="1">
-              <a:buFont typeface="Arial" pitchFamily="34" charset="0"/>
-              <a:buChar char="•"/>
-            </a:pPr>
-            <a:r>
-              <a:rPr lang="en-US" dirty="0" smtClean="0"/>
-              <a:t>Data was split randomly into 2 parts for training and test</a:t>
-            </a:r>
-          </a:p>
-          <a:p>
-            <a:pPr lvl="1">
-              <a:buFont typeface="Arial" pitchFamily="34" charset="0"/>
-              <a:buChar char="•"/>
-            </a:pPr>
-            <a:r>
-              <a:rPr lang="en-US" dirty="0" smtClean="0"/>
-              <a:t>Features </a:t>
-            </a:r>
-          </a:p>
-          <a:p>
-            <a:pPr lvl="2">
-              <a:buFont typeface="Arial" pitchFamily="34" charset="0"/>
-              <a:buChar char="•"/>
-            </a:pPr>
-            <a:r>
-              <a:rPr lang="en-US" dirty="0" smtClean="0"/>
-              <a:t>Image – HSV Color, Gabor texture</a:t>
-            </a:r>
-          </a:p>
-          <a:p>
-            <a:pPr lvl="2">
-              <a:buFont typeface="Arial" pitchFamily="34" charset="0"/>
-              <a:buChar char="•"/>
-            </a:pPr>
-            <a:r>
-              <a:rPr lang="en-US" dirty="0" smtClean="0"/>
-              <a:t>Text – Term frequencies</a:t>
-            </a:r>
-          </a:p>
-          <a:p>
-            <a:pPr lvl="1">
-              <a:buFont typeface="Arial" pitchFamily="34" charset="0"/>
-              <a:buChar char="•"/>
-            </a:pPr>
-            <a:r>
-              <a:rPr lang="en-US" dirty="0" smtClean="0"/>
-              <a:t>Results were taken for an average of 10 runs</a:t>
-            </a:r>
-          </a:p>
-          <a:p>
+              <a:t> to relate multidimensional variables</a:t>
+            </a:r>
             <a:endParaRPr lang="en-US" dirty="0"/>
           </a:p>
         </p:txBody>
@@ -822,7 +746,7 @@
             <a:fld id="{5ECBF4DF-172D-42A1-9E0F-400D1B677C2C}" type="slidenum">
               <a:rPr lang="en-US" smtClean="0"/>
               <a:pPr/>
-              <a:t>13</a:t>
+              <a:t>11</a:t>
             </a:fld>
             <a:endParaRPr lang="en-US"/>
           </a:p>
@@ -884,23 +808,11 @@
           <a:p>
             <a:r>
               <a:rPr lang="en-US" dirty="0" smtClean="0"/>
-              <a:t>Another correlation</a:t>
+              <a:t>Why</a:t>
             </a:r>
             <a:r>
               <a:rPr lang="en-US" baseline="0" dirty="0" smtClean="0"/>
-              <a:t> technique used is PCA…</a:t>
-            </a:r>
-          </a:p>
-          <a:p>
-            <a:r>
-              <a:rPr lang="en-US" baseline="0" dirty="0" smtClean="0"/>
-              <a:t>Decomposes images into U,S,V</a:t>
-            </a:r>
-          </a:p>
-          <a:p>
-            <a:r>
-              <a:rPr lang="en-US" baseline="0" dirty="0" smtClean="0"/>
-              <a:t>Can represent each image by a few numbers</a:t>
+              <a:t> it is cool, good for our uses. Important things to note</a:t>
             </a:r>
             <a:endParaRPr lang="en-US" dirty="0"/>
           </a:p>
@@ -924,7 +836,7 @@
             <a:fld id="{5ECBF4DF-172D-42A1-9E0F-400D1B677C2C}" type="slidenum">
               <a:rPr lang="en-US" smtClean="0"/>
               <a:pPr/>
-              <a:t>14</a:t>
+              <a:t>12</a:t>
             </a:fld>
             <a:endParaRPr lang="en-US"/>
           </a:p>
@@ -984,10 +896,78 @@
           </a:bodyPr>
           <a:lstStyle/>
           <a:p>
-            <a:r>
-              <a:rPr lang="en-US" dirty="0" smtClean="0"/>
-              <a:t>Further explanation</a:t>
-            </a:r>
+            <a:pPr lvl="1"/>
+            <a:r>
+              <a:rPr lang="en-US" dirty="0" smtClean="0"/>
+              <a:t>Text-based</a:t>
+            </a:r>
+            <a:r>
+              <a:rPr lang="en-US" baseline="0" dirty="0" smtClean="0"/>
+              <a:t> retrieval</a:t>
+            </a:r>
+            <a:endParaRPr lang="en-US" dirty="0" smtClean="0"/>
+          </a:p>
+          <a:p>
+            <a:pPr lvl="1">
+              <a:buFont typeface="Arial" pitchFamily="34" charset="0"/>
+              <a:buChar char="•"/>
+            </a:pPr>
+            <a:r>
+              <a:rPr lang="en-US" dirty="0" smtClean="0"/>
+              <a:t>400 records of JPEG images for each class with associated text and a total of 3 classes</a:t>
+            </a:r>
+          </a:p>
+          <a:p>
+            <a:pPr lvl="1">
+              <a:buFont typeface="Arial" pitchFamily="34" charset="0"/>
+              <a:buChar char="•"/>
+            </a:pPr>
+            <a:r>
+              <a:rPr lang="en-US" dirty="0" smtClean="0"/>
+              <a:t>Data was split randomly into 2 parts for training and test</a:t>
+            </a:r>
+          </a:p>
+          <a:p>
+            <a:pPr lvl="1">
+              <a:buFont typeface="Arial" pitchFamily="34" charset="0"/>
+              <a:buChar char="•"/>
+            </a:pPr>
+            <a:r>
+              <a:rPr lang="en-US" dirty="0" smtClean="0"/>
+              <a:t>Features </a:t>
+            </a:r>
+          </a:p>
+          <a:p>
+            <a:pPr lvl="2">
+              <a:buFont typeface="Arial" pitchFamily="34" charset="0"/>
+              <a:buChar char="•"/>
+            </a:pPr>
+            <a:r>
+              <a:rPr lang="en-US" dirty="0" smtClean="0"/>
+              <a:t>Image – HSV Color, Gabor texture</a:t>
+            </a:r>
+          </a:p>
+          <a:p>
+            <a:pPr lvl="2">
+              <a:buFont typeface="Arial" pitchFamily="34" charset="0"/>
+              <a:buChar char="•"/>
+            </a:pPr>
+            <a:r>
+              <a:rPr lang="en-US" dirty="0" smtClean="0"/>
+              <a:t>Text – Term frequencies</a:t>
+            </a:r>
+          </a:p>
+          <a:p>
+            <a:pPr lvl="1">
+              <a:buFont typeface="Arial" pitchFamily="34" charset="0"/>
+              <a:buChar char="•"/>
+            </a:pPr>
+            <a:r>
+              <a:rPr lang="en-US" dirty="0" smtClean="0"/>
+              <a:t>Results were taken for an average of 10 runs</a:t>
+            </a:r>
+          </a:p>
+          <a:p>
             <a:endParaRPr lang="en-US" dirty="0"/>
           </a:p>
         </p:txBody>
@@ -1010,7 +990,7 @@
             <a:fld id="{5ECBF4DF-172D-42A1-9E0F-400D1B677C2C}" type="slidenum">
               <a:rPr lang="en-US" smtClean="0"/>
               <a:pPr/>
-              <a:t>15</a:t>
+              <a:t>13</a:t>
             </a:fld>
             <a:endParaRPr lang="en-US"/>
           </a:p>
@@ -1072,11 +1052,23 @@
           <a:p>
             <a:r>
               <a:rPr lang="en-US" dirty="0" smtClean="0"/>
-              <a:t>Visual example. See day/night, dawn/dusk.</a:t>
+              <a:t>Another correlation</a:t>
             </a:r>
             <a:r>
               <a:rPr lang="en-US" baseline="0" dirty="0" smtClean="0"/>
-              <a:t> Keep??</a:t>
+              <a:t> technique used is PCA…</a:t>
+            </a:r>
+          </a:p>
+          <a:p>
+            <a:r>
+              <a:rPr lang="en-US" baseline="0" dirty="0" smtClean="0"/>
+              <a:t>Decomposes images into U,S,V</a:t>
+            </a:r>
+          </a:p>
+          <a:p>
+            <a:r>
+              <a:rPr lang="en-US" baseline="0" dirty="0" smtClean="0"/>
+              <a:t>Can represent each image by a few numbers</a:t>
             </a:r>
             <a:endParaRPr lang="en-US" dirty="0"/>
           </a:p>
@@ -1100,7 +1092,7 @@
             <a:fld id="{5ECBF4DF-172D-42A1-9E0F-400D1B677C2C}" type="slidenum">
               <a:rPr lang="en-US" smtClean="0"/>
               <a:pPr/>
-              <a:t>16</a:t>
+              <a:t>14</a:t>
             </a:fld>
             <a:endParaRPr lang="en-US"/>
           </a:p>
@@ -1162,13 +1154,7 @@
           <a:p>
             <a:r>
               <a:rPr lang="en-US" dirty="0" smtClean="0"/>
-              <a:t>Why PCA is necessary, reduces computation time</a:t>
-            </a:r>
-          </a:p>
-          <a:p>
-            <a:r>
-              <a:rPr lang="en-US" dirty="0" smtClean="0"/>
-              <a:t>CCA clearly dependent on # of variables</a:t>
+              <a:t>Further explanation</a:t>
             </a:r>
             <a:endParaRPr lang="en-US" dirty="0"/>
           </a:p>
@@ -1192,7 +1178,7 @@
             <a:fld id="{5ECBF4DF-172D-42A1-9E0F-400D1B677C2C}" type="slidenum">
               <a:rPr lang="en-US" smtClean="0"/>
               <a:pPr/>
-              <a:t>17</a:t>
+              <a:t>15</a:t>
             </a:fld>
             <a:endParaRPr lang="en-US"/>
           </a:p>
@@ -1254,11 +1240,11 @@
           <a:p>
             <a:r>
               <a:rPr lang="en-US" dirty="0" smtClean="0"/>
-              <a:t>This is the big deal. How it all comes together to form</a:t>
+              <a:t>Visual example. See day/night, dawn/dusk.</a:t>
             </a:r>
             <a:r>
               <a:rPr lang="en-US" baseline="0" dirty="0" smtClean="0"/>
-              <a:t> a coherent algorithm</a:t>
+              <a:t> Keep?? Shows why we cannot use images from entire day, localize to certain range of hours</a:t>
             </a:r>
             <a:endParaRPr lang="en-US" dirty="0"/>
           </a:p>
@@ -1282,7 +1268,7 @@
             <a:fld id="{5ECBF4DF-172D-42A1-9E0F-400D1B677C2C}" type="slidenum">
               <a:rPr lang="en-US" smtClean="0"/>
               <a:pPr/>
-              <a:t>18</a:t>
+              <a:t>16</a:t>
             </a:fld>
             <a:endParaRPr lang="en-US"/>
           </a:p>
@@ -1344,27 +1330,13 @@
           <a:p>
             <a:r>
               <a:rPr lang="en-US" dirty="0" smtClean="0"/>
-              <a:t>How to predict weather given CCA matrices A and B. This converts images into some value in the measurement system of the weather signal. </a:t>
-            </a:r>
-            <a:r>
-              <a:rPr lang="en-US" dirty="0" err="1" smtClean="0"/>
-              <a:t>Ie</a:t>
-            </a:r>
-            <a:r>
-              <a:rPr lang="en-US" dirty="0" smtClean="0"/>
-              <a:t>:</a:t>
-            </a:r>
-            <a:r>
-              <a:rPr lang="en-US" baseline="0" dirty="0" smtClean="0"/>
-              <a:t> </a:t>
-            </a:r>
-            <a:r>
-              <a:rPr lang="en-US" baseline="0" dirty="0" err="1" smtClean="0"/>
-              <a:t>millibars</a:t>
-            </a:r>
-            <a:r>
-              <a:rPr lang="en-US" baseline="0" dirty="0" smtClean="0"/>
-              <a:t>, m/s</a:t>
+              <a:t>Why PCA is necessary, reduces computation time</a:t>
+            </a:r>
+          </a:p>
+          <a:p>
+            <a:r>
+              <a:rPr lang="en-US" dirty="0" smtClean="0"/>
+              <a:t>CCA clearly dependent on # of variables</a:t>
             </a:r>
             <a:endParaRPr lang="en-US" dirty="0"/>
           </a:p>
@@ -1388,7 +1360,7 @@
             <a:fld id="{5ECBF4DF-172D-42A1-9E0F-400D1B677C2C}" type="slidenum">
               <a:rPr lang="en-US" smtClean="0"/>
               <a:pPr/>
-              <a:t>19</a:t>
+              <a:t>17</a:t>
             </a:fld>
             <a:endParaRPr lang="en-US"/>
           </a:p>
@@ -1450,17 +1422,11 @@
           <a:p>
             <a:r>
               <a:rPr lang="en-US" dirty="0" smtClean="0"/>
-              <a:t>Time to show how it works. Chose two diverse examples to show robustness of algorithm</a:t>
-            </a:r>
-          </a:p>
-          <a:p>
-            <a:r>
-              <a:rPr lang="en-US" dirty="0" smtClean="0"/>
-              <a:t>Determine size of training set; how little</a:t>
+              <a:t>This is the big deal. How it all comes together to form</a:t>
             </a:r>
             <a:r>
               <a:rPr lang="en-US" baseline="0" dirty="0" smtClean="0"/>
-              <a:t> data is needed</a:t>
+              <a:t> a coherent algorithm</a:t>
             </a:r>
             <a:endParaRPr lang="en-US" dirty="0"/>
           </a:p>
@@ -1484,7 +1450,7 @@
             <a:fld id="{5ECBF4DF-172D-42A1-9E0F-400D1B677C2C}" type="slidenum">
               <a:rPr lang="en-US" smtClean="0"/>
               <a:pPr/>
-              <a:t>21</a:t>
+              <a:t>18</a:t>
             </a:fld>
             <a:endParaRPr lang="en-US"/>
           </a:p>
@@ -1546,11 +1512,27 @@
           <a:p>
             <a:r>
               <a:rPr lang="en-US" dirty="0" smtClean="0"/>
-              <a:t>This means we will only be able to predict the magnitude of wind velocity</a:t>
+              <a:t>How to predict weather given CCA matrices A and B. This converts images into some value in the measurement system of the weather signal. </a:t>
+            </a:r>
+            <a:r>
+              <a:rPr lang="en-US" dirty="0" err="1" smtClean="0"/>
+              <a:t>Ie</a:t>
+            </a:r>
+            <a:r>
+              <a:rPr lang="en-US" dirty="0" smtClean="0"/>
+              <a:t>:</a:t>
             </a:r>
             <a:r>
               <a:rPr lang="en-US" baseline="0" dirty="0" smtClean="0"/>
-              <a:t> along some unknown vector = camera orientation</a:t>
+              <a:t> </a:t>
+            </a:r>
+            <a:r>
+              <a:rPr lang="en-US" baseline="0" dirty="0" err="1" smtClean="0"/>
+              <a:t>millibars</a:t>
+            </a:r>
+            <a:r>
+              <a:rPr lang="en-US" baseline="0" dirty="0" smtClean="0"/>
+              <a:t>, m/s</a:t>
             </a:r>
             <a:endParaRPr lang="en-US" dirty="0"/>
           </a:p>
@@ -1574,7 +1556,7 @@
             <a:fld id="{5ECBF4DF-172D-42A1-9E0F-400D1B677C2C}" type="slidenum">
               <a:rPr lang="en-US" smtClean="0"/>
               <a:pPr/>
-              <a:t>23</a:t>
+              <a:t>19</a:t>
             </a:fld>
             <a:endParaRPr lang="en-US"/>
           </a:p>
@@ -1722,11 +1704,17 @@
           <a:p>
             <a:r>
               <a:rPr lang="en-US" dirty="0" smtClean="0"/>
-              <a:t>Now we can use the information we have to determine</a:t>
+              <a:t>Time to show how it works. Chose two diverse examples to show robustness of algorithm</a:t>
+            </a:r>
+          </a:p>
+          <a:p>
+            <a:r>
+              <a:rPr lang="en-US" dirty="0" smtClean="0"/>
+              <a:t>Determine size of training set; how little</a:t>
             </a:r>
             <a:r>
               <a:rPr lang="en-US" baseline="0" dirty="0" smtClean="0"/>
-              <a:t> the direction of the unknown vector = camera orientation. In my opinion one of the coolest byproducts of this method.</a:t>
+              <a:t> data is needed</a:t>
             </a:r>
             <a:endParaRPr lang="en-US" dirty="0"/>
           </a:p>
@@ -1750,7 +1738,7 @@
             <a:fld id="{5ECBF4DF-172D-42A1-9E0F-400D1B677C2C}" type="slidenum">
               <a:rPr lang="en-US" smtClean="0"/>
               <a:pPr/>
-              <a:t>26</a:t>
+              <a:t>21</a:t>
             </a:fld>
             <a:endParaRPr lang="en-US"/>
           </a:p>
@@ -1812,11 +1800,11 @@
           <a:p>
             <a:r>
               <a:rPr lang="en-US" dirty="0" smtClean="0"/>
-              <a:t>Very different challenge. Not</a:t>
+              <a:t>This means we will only be able to predict the magnitude of wind velocity</a:t>
             </a:r>
             <a:r>
               <a:rPr lang="en-US" baseline="0" dirty="0" smtClean="0"/>
-              <a:t> as easy for humans to visualize, determine.</a:t>
+              <a:t> along some unknown vector = camera orientation</a:t>
             </a:r>
             <a:endParaRPr lang="en-US" dirty="0"/>
           </a:p>
@@ -1840,7 +1828,7 @@
             <a:fld id="{5ECBF4DF-172D-42A1-9E0F-400D1B677C2C}" type="slidenum">
               <a:rPr lang="en-US" smtClean="0"/>
               <a:pPr/>
-              <a:t>28</a:t>
+              <a:t>23</a:t>
             </a:fld>
             <a:endParaRPr lang="en-US"/>
           </a:p>
@@ -1902,11 +1890,11 @@
           <a:p>
             <a:r>
               <a:rPr lang="en-US" dirty="0" smtClean="0"/>
-              <a:t>Gradient</a:t>
+              <a:t>Since we only have one good</a:t>
             </a:r>
             <a:r>
               <a:rPr lang="en-US" baseline="0" dirty="0" smtClean="0"/>
-              <a:t> images highlight edges and changes in images, so helps us find building edges as a key changing part of the image.</a:t>
+              <a:t> CCA dimension, we can only predict wind magnitude along an unknown vector</a:t>
             </a:r>
             <a:endParaRPr lang="en-US" dirty="0"/>
           </a:p>
@@ -1930,7 +1918,7 @@
             <a:fld id="{5ECBF4DF-172D-42A1-9E0F-400D1B677C2C}" type="slidenum">
               <a:rPr lang="en-US" smtClean="0"/>
               <a:pPr/>
-              <a:t>29</a:t>
+              <a:t>25</a:t>
             </a:fld>
             <a:endParaRPr lang="en-US"/>
           </a:p>
@@ -1992,7 +1980,11 @@
           <a:p>
             <a:r>
               <a:rPr lang="en-US" dirty="0" smtClean="0"/>
-              <a:t>Clouds effect visibility, etc.</a:t>
+              <a:t>Now we can use the information we have to determine</a:t>
+            </a:r>
+            <a:r>
+              <a:rPr lang="en-US" baseline="0" dirty="0" smtClean="0"/>
+              <a:t> the direction of the unknown vector = camera orientation. In my opinion one of the coolest byproducts of this method.</a:t>
             </a:r>
             <a:endParaRPr lang="en-US" dirty="0"/>
           </a:p>
@@ -2016,7 +2008,7 @@
             <a:fld id="{5ECBF4DF-172D-42A1-9E0F-400D1B677C2C}" type="slidenum">
               <a:rPr lang="en-US" smtClean="0"/>
               <a:pPr/>
-              <a:t>30</a:t>
+              <a:t>26</a:t>
             </a:fld>
             <a:endParaRPr lang="en-US"/>
           </a:p>
@@ -2078,7 +2070,11 @@
           <a:p>
             <a:r>
               <a:rPr lang="en-US" dirty="0" smtClean="0"/>
-              <a:t>Outliers will be explained in next slide</a:t>
+              <a:t>Very different challenge. Not</a:t>
+            </a:r>
+            <a:r>
+              <a:rPr lang="en-US" baseline="0" dirty="0" smtClean="0"/>
+              <a:t> as easy for humans to visualize, determine.</a:t>
             </a:r>
             <a:endParaRPr lang="en-US" dirty="0"/>
           </a:p>
@@ -2102,7 +2098,7 @@
             <a:fld id="{5ECBF4DF-172D-42A1-9E0F-400D1B677C2C}" type="slidenum">
               <a:rPr lang="en-US" smtClean="0"/>
               <a:pPr/>
-              <a:t>31</a:t>
+              <a:t>28</a:t>
             </a:fld>
             <a:endParaRPr lang="en-US"/>
           </a:p>
@@ -2164,11 +2160,11 @@
           <a:p>
             <a:r>
               <a:rPr lang="en-US" dirty="0" smtClean="0"/>
-              <a:t>March 12</a:t>
+              <a:t>Gradient</a:t>
             </a:r>
             <a:r>
               <a:rPr lang="en-US" baseline="0" dirty="0" smtClean="0"/>
-              <a:t> – so hazy we cannot make a clear prediction</a:t>
+              <a:t> images highlight edges and changes in images, so helps us find building edges as a key changing part of the image.</a:t>
             </a:r>
             <a:endParaRPr lang="en-US" dirty="0"/>
           </a:p>
@@ -2192,7 +2188,7 @@
             <a:fld id="{5ECBF4DF-172D-42A1-9E0F-400D1B677C2C}" type="slidenum">
               <a:rPr lang="en-US" smtClean="0"/>
               <a:pPr/>
-              <a:t>32</a:t>
+              <a:t>29</a:t>
             </a:fld>
             <a:endParaRPr lang="en-US"/>
           </a:p>
@@ -2252,6 +2248,10 @@
           </a:bodyPr>
           <a:lstStyle/>
           <a:p>
+            <a:r>
+              <a:rPr lang="en-US" dirty="0" smtClean="0"/>
+              <a:t>Clouds effect visibility, etc.</a:t>
+            </a:r>
             <a:endParaRPr lang="en-US" dirty="0"/>
           </a:p>
         </p:txBody>
@@ -2274,7 +2274,7 @@
             <a:fld id="{5ECBF4DF-172D-42A1-9E0F-400D1B677C2C}" type="slidenum">
               <a:rPr lang="en-US" smtClean="0"/>
               <a:pPr/>
-              <a:t>34</a:t>
+              <a:t>30</a:t>
             </a:fld>
             <a:endParaRPr lang="en-US"/>
           </a:p>
@@ -2336,11 +2336,7 @@
           <a:p>
             <a:r>
               <a:rPr lang="en-US" dirty="0" smtClean="0"/>
-              <a:t>Error bars in vapor pressure example do</a:t>
-            </a:r>
-            <a:r>
-              <a:rPr lang="en-US" baseline="0" dirty="0" smtClean="0"/>
-              <a:t> not reduce as much, due to bad data on March 12?? Notice lots of outliers on the bottom</a:t>
+              <a:t>Outliers will be explained in next slide</a:t>
             </a:r>
             <a:endParaRPr lang="en-US" dirty="0"/>
           </a:p>
@@ -2364,7 +2360,7 @@
             <a:fld id="{5ECBF4DF-172D-42A1-9E0F-400D1B677C2C}" type="slidenum">
               <a:rPr lang="en-US" smtClean="0"/>
               <a:pPr/>
-              <a:t>35</a:t>
+              <a:t>31</a:t>
             </a:fld>
             <a:endParaRPr lang="en-US"/>
           </a:p>
@@ -2426,11 +2422,11 @@
           <a:p>
             <a:r>
               <a:rPr lang="en-US" dirty="0" smtClean="0"/>
-              <a:t>Why</a:t>
+              <a:t>March 12</a:t>
             </a:r>
             <a:r>
               <a:rPr lang="en-US" baseline="0" dirty="0" smtClean="0"/>
-              <a:t> what we did is cool, interesting, compelling</a:t>
+              <a:t> – so hazy we cannot make a clear prediction</a:t>
             </a:r>
             <a:endParaRPr lang="en-US" dirty="0"/>
           </a:p>
@@ -2454,7 +2450,7 @@
             <a:fld id="{5ECBF4DF-172D-42A1-9E0F-400D1B677C2C}" type="slidenum">
               <a:rPr lang="en-US" smtClean="0"/>
               <a:pPr/>
-              <a:t>37</a:t>
+              <a:t>32</a:t>
             </a:fld>
             <a:endParaRPr lang="en-US"/>
           </a:p>
@@ -2514,14 +2510,6 @@
           </a:bodyPr>
           <a:lstStyle/>
           <a:p>
-            <a:r>
-              <a:rPr lang="en-US" dirty="0" smtClean="0"/>
-              <a:t>This is really</a:t>
-            </a:r>
-            <a:r>
-              <a:rPr lang="en-US" baseline="0" dirty="0" smtClean="0"/>
-              <a:t> a proof-of-concept, major payoff comes when we can apply this to large number of cameras</a:t>
-            </a:r>
             <a:endParaRPr lang="en-US" dirty="0"/>
           </a:p>
         </p:txBody>
@@ -2544,7 +2532,7 @@
             <a:fld id="{5ECBF4DF-172D-42A1-9E0F-400D1B677C2C}" type="slidenum">
               <a:rPr lang="en-US" smtClean="0"/>
               <a:pPr/>
-              <a:t>38</a:t>
+              <a:t>34</a:t>
             </a:fld>
             <a:endParaRPr lang="en-US"/>
           </a:p>
@@ -2644,6 +2632,276 @@
 </p:notes>
 </file>
 
+<file path=ppt/notesSlides/notesSlide30.xml><?xml version="1.0" encoding="utf-8"?>
+<p:notes xmlns:a="http://schemas.openxmlformats.org/drawingml/2006/main" xmlns:r="http://schemas.openxmlformats.org/officeDocument/2006/relationships" xmlns:p="http://schemas.openxmlformats.org/presentationml/2006/main">
+  <p:cSld>
+    <p:spTree>
+      <p:nvGrpSpPr>
+        <p:cNvPr id="1" name=""/>
+        <p:cNvGrpSpPr/>
+        <p:nvPr/>
+      </p:nvGrpSpPr>
+      <p:grpSpPr>
+        <a:xfrm>
+          <a:off x="0" y="0"/>
+          <a:ext cx="0" cy="0"/>
+          <a:chOff x="0" y="0"/>
+          <a:chExt cx="0" cy="0"/>
+        </a:xfrm>
+      </p:grpSpPr>
+      <p:sp>
+        <p:nvSpPr>
+          <p:cNvPr id="2" name="Slide Image Placeholder 1"/>
+          <p:cNvSpPr>
+            <a:spLocks noGrp="1" noRot="1" noChangeAspect="1"/>
+          </p:cNvSpPr>
+          <p:nvPr>
+            <p:ph type="sldImg"/>
+          </p:nvPr>
+        </p:nvSpPr>
+        <p:spPr/>
+      </p:sp>
+      <p:sp>
+        <p:nvSpPr>
+          <p:cNvPr id="3" name="Notes Placeholder 2"/>
+          <p:cNvSpPr>
+            <a:spLocks noGrp="1"/>
+          </p:cNvSpPr>
+          <p:nvPr>
+            <p:ph type="body" idx="1"/>
+          </p:nvPr>
+        </p:nvSpPr>
+        <p:spPr/>
+        <p:txBody>
+          <a:bodyPr>
+            <a:normAutofit/>
+          </a:bodyPr>
+          <a:lstStyle/>
+          <a:p>
+            <a:r>
+              <a:rPr lang="en-US" dirty="0" smtClean="0"/>
+              <a:t>Error bars in vapor pressure example do</a:t>
+            </a:r>
+            <a:r>
+              <a:rPr lang="en-US" baseline="0" dirty="0" smtClean="0"/>
+              <a:t> not reduce as much, due to bad data on March 12?? Notice lots of outliers on the bottom</a:t>
+            </a:r>
+            <a:endParaRPr lang="en-US" dirty="0"/>
+          </a:p>
+        </p:txBody>
+      </p:sp>
+      <p:sp>
+        <p:nvSpPr>
+          <p:cNvPr id="4" name="Slide Number Placeholder 3"/>
+          <p:cNvSpPr>
+            <a:spLocks noGrp="1"/>
+          </p:cNvSpPr>
+          <p:nvPr>
+            <p:ph type="sldNum" sz="quarter" idx="10"/>
+          </p:nvPr>
+        </p:nvSpPr>
+        <p:spPr/>
+        <p:txBody>
+          <a:bodyPr/>
+          <a:lstStyle/>
+          <a:p>
+            <a:fld id="{5ECBF4DF-172D-42A1-9E0F-400D1B677C2C}" type="slidenum">
+              <a:rPr lang="en-US" smtClean="0"/>
+              <a:pPr/>
+              <a:t>35</a:t>
+            </a:fld>
+            <a:endParaRPr lang="en-US"/>
+          </a:p>
+        </p:txBody>
+      </p:sp>
+    </p:spTree>
+  </p:cSld>
+  <p:clrMapOvr>
+    <a:masterClrMapping/>
+  </p:clrMapOvr>
+</p:notes>
+</file>
+
+<file path=ppt/notesSlides/notesSlide31.xml><?xml version="1.0" encoding="utf-8"?>
+<p:notes xmlns:a="http://schemas.openxmlformats.org/drawingml/2006/main" xmlns:r="http://schemas.openxmlformats.org/officeDocument/2006/relationships" xmlns:p="http://schemas.openxmlformats.org/presentationml/2006/main">
+  <p:cSld>
+    <p:spTree>
+      <p:nvGrpSpPr>
+        <p:cNvPr id="1" name=""/>
+        <p:cNvGrpSpPr/>
+        <p:nvPr/>
+      </p:nvGrpSpPr>
+      <p:grpSpPr>
+        <a:xfrm>
+          <a:off x="0" y="0"/>
+          <a:ext cx="0" cy="0"/>
+          <a:chOff x="0" y="0"/>
+          <a:chExt cx="0" cy="0"/>
+        </a:xfrm>
+      </p:grpSpPr>
+      <p:sp>
+        <p:nvSpPr>
+          <p:cNvPr id="2" name="Slide Image Placeholder 1"/>
+          <p:cNvSpPr>
+            <a:spLocks noGrp="1" noRot="1" noChangeAspect="1"/>
+          </p:cNvSpPr>
+          <p:nvPr>
+            <p:ph type="sldImg"/>
+          </p:nvPr>
+        </p:nvSpPr>
+        <p:spPr/>
+      </p:sp>
+      <p:sp>
+        <p:nvSpPr>
+          <p:cNvPr id="3" name="Notes Placeholder 2"/>
+          <p:cNvSpPr>
+            <a:spLocks noGrp="1"/>
+          </p:cNvSpPr>
+          <p:nvPr>
+            <p:ph type="body" idx="1"/>
+          </p:nvPr>
+        </p:nvSpPr>
+        <p:spPr/>
+        <p:txBody>
+          <a:bodyPr>
+            <a:normAutofit/>
+          </a:bodyPr>
+          <a:lstStyle/>
+          <a:p>
+            <a:r>
+              <a:rPr lang="en-US" dirty="0" smtClean="0"/>
+              <a:t>Why</a:t>
+            </a:r>
+            <a:r>
+              <a:rPr lang="en-US" baseline="0" dirty="0" smtClean="0"/>
+              <a:t> what we did is cool, interesting, compelling</a:t>
+            </a:r>
+            <a:endParaRPr lang="en-US" dirty="0"/>
+          </a:p>
+        </p:txBody>
+      </p:sp>
+      <p:sp>
+        <p:nvSpPr>
+          <p:cNvPr id="4" name="Slide Number Placeholder 3"/>
+          <p:cNvSpPr>
+            <a:spLocks noGrp="1"/>
+          </p:cNvSpPr>
+          <p:nvPr>
+            <p:ph type="sldNum" sz="quarter" idx="10"/>
+          </p:nvPr>
+        </p:nvSpPr>
+        <p:spPr/>
+        <p:txBody>
+          <a:bodyPr/>
+          <a:lstStyle/>
+          <a:p>
+            <a:fld id="{5ECBF4DF-172D-42A1-9E0F-400D1B677C2C}" type="slidenum">
+              <a:rPr lang="en-US" smtClean="0"/>
+              <a:pPr/>
+              <a:t>37</a:t>
+            </a:fld>
+            <a:endParaRPr lang="en-US"/>
+          </a:p>
+        </p:txBody>
+      </p:sp>
+    </p:spTree>
+  </p:cSld>
+  <p:clrMapOvr>
+    <a:masterClrMapping/>
+  </p:clrMapOvr>
+</p:notes>
+</file>
+
+<file path=ppt/notesSlides/notesSlide32.xml><?xml version="1.0" encoding="utf-8"?>
+<p:notes xmlns:a="http://schemas.openxmlformats.org/drawingml/2006/main" xmlns:r="http://schemas.openxmlformats.org/officeDocument/2006/relationships" xmlns:p="http://schemas.openxmlformats.org/presentationml/2006/main">
+  <p:cSld>
+    <p:spTree>
+      <p:nvGrpSpPr>
+        <p:cNvPr id="1" name=""/>
+        <p:cNvGrpSpPr/>
+        <p:nvPr/>
+      </p:nvGrpSpPr>
+      <p:grpSpPr>
+        <a:xfrm>
+          <a:off x="0" y="0"/>
+          <a:ext cx="0" cy="0"/>
+          <a:chOff x="0" y="0"/>
+          <a:chExt cx="0" cy="0"/>
+        </a:xfrm>
+      </p:grpSpPr>
+      <p:sp>
+        <p:nvSpPr>
+          <p:cNvPr id="2" name="Slide Image Placeholder 1"/>
+          <p:cNvSpPr>
+            <a:spLocks noGrp="1" noRot="1" noChangeAspect="1"/>
+          </p:cNvSpPr>
+          <p:nvPr>
+            <p:ph type="sldImg"/>
+          </p:nvPr>
+        </p:nvSpPr>
+        <p:spPr/>
+      </p:sp>
+      <p:sp>
+        <p:nvSpPr>
+          <p:cNvPr id="3" name="Notes Placeholder 2"/>
+          <p:cNvSpPr>
+            <a:spLocks noGrp="1"/>
+          </p:cNvSpPr>
+          <p:nvPr>
+            <p:ph type="body" idx="1"/>
+          </p:nvPr>
+        </p:nvSpPr>
+        <p:spPr/>
+        <p:txBody>
+          <a:bodyPr>
+            <a:normAutofit/>
+          </a:bodyPr>
+          <a:lstStyle/>
+          <a:p>
+            <a:r>
+              <a:rPr lang="en-US" dirty="0" smtClean="0"/>
+              <a:t>This is really</a:t>
+            </a:r>
+            <a:r>
+              <a:rPr lang="en-US" baseline="0" dirty="0" smtClean="0"/>
+              <a:t> a proof-of-concept, major payoff comes when we can apply this to large number of cameras</a:t>
+            </a:r>
+            <a:endParaRPr lang="en-US" dirty="0"/>
+          </a:p>
+        </p:txBody>
+      </p:sp>
+      <p:sp>
+        <p:nvSpPr>
+          <p:cNvPr id="4" name="Slide Number Placeholder 3"/>
+          <p:cNvSpPr>
+            <a:spLocks noGrp="1"/>
+          </p:cNvSpPr>
+          <p:nvPr>
+            <p:ph type="sldNum" sz="quarter" idx="10"/>
+          </p:nvPr>
+        </p:nvSpPr>
+        <p:spPr/>
+        <p:txBody>
+          <a:bodyPr/>
+          <a:lstStyle/>
+          <a:p>
+            <a:fld id="{5ECBF4DF-172D-42A1-9E0F-400D1B677C2C}" type="slidenum">
+              <a:rPr lang="en-US" smtClean="0"/>
+              <a:pPr/>
+              <a:t>38</a:t>
+            </a:fld>
+            <a:endParaRPr lang="en-US"/>
+          </a:p>
+        </p:txBody>
+      </p:sp>
+    </p:spTree>
+  </p:cSld>
+  <p:clrMapOvr>
+    <a:masterClrMapping/>
+  </p:clrMapOvr>
+</p:notes>
+</file>
+
 <file path=ppt/notesSlides/notesSlide4.xml><?xml version="1.0" encoding="utf-8"?>
 <p:notes xmlns:a="http://schemas.openxmlformats.org/drawingml/2006/main" xmlns:r="http://schemas.openxmlformats.org/officeDocument/2006/relationships" xmlns:p="http://schemas.openxmlformats.org/presentationml/2006/main">
   <p:cSld>
@@ -2690,15 +2948,7 @@
           </a:bodyPr>
           <a:lstStyle/>
           <a:p>
-            <a:r>
-              <a:rPr lang="en-US" dirty="0" smtClean="0"/>
-              <a:t>What makes webcams cool, motivation</a:t>
-            </a:r>
-            <a:r>
-              <a:rPr lang="en-US" baseline="0" dirty="0" smtClean="0"/>
-              <a:t> for using them</a:t>
-            </a:r>
-            <a:endParaRPr lang="en-US" dirty="0"/>
+            <a:endParaRPr lang="en-US"/>
           </a:p>
         </p:txBody>
       </p:sp>
@@ -2720,7 +2970,7 @@
             <a:fld id="{5ECBF4DF-172D-42A1-9E0F-400D1B677C2C}" type="slidenum">
               <a:rPr lang="en-US" smtClean="0"/>
               <a:pPr/>
-              <a:t>5</a:t>
+              <a:t>4</a:t>
             </a:fld>
             <a:endParaRPr lang="en-US"/>
           </a:p>
@@ -2782,11 +3032,11 @@
           <a:p>
             <a:r>
               <a:rPr lang="en-US" dirty="0" smtClean="0"/>
-              <a:t>Largest known dataset</a:t>
+              <a:t>What makes webcams cool, motivation</a:t>
             </a:r>
             <a:r>
               <a:rPr lang="en-US" baseline="0" dirty="0" smtClean="0"/>
-              <a:t> of its type, provides vast number of cameras to work with, lots of opportunities</a:t>
+              <a:t> for using them</a:t>
             </a:r>
             <a:endParaRPr lang="en-US" dirty="0"/>
           </a:p>
@@ -2810,7 +3060,7 @@
             <a:fld id="{5ECBF4DF-172D-42A1-9E0F-400D1B677C2C}" type="slidenum">
               <a:rPr lang="en-US" smtClean="0"/>
               <a:pPr/>
-              <a:t>6</a:t>
+              <a:t>5</a:t>
             </a:fld>
             <a:endParaRPr lang="en-US"/>
           </a:p>
@@ -2872,7 +3122,11 @@
           <a:p>
             <a:r>
               <a:rPr lang="en-US" dirty="0" smtClean="0"/>
-              <a:t>More info, variations</a:t>
+              <a:t>Largest known dataset</a:t>
+            </a:r>
+            <a:r>
+              <a:rPr lang="en-US" baseline="0" dirty="0" smtClean="0"/>
+              <a:t> of its type, provides vast number of cameras to work with, lots of opportunities</a:t>
             </a:r>
             <a:endParaRPr lang="en-US" dirty="0"/>
           </a:p>
@@ -2896,7 +3150,7 @@
             <a:fld id="{5ECBF4DF-172D-42A1-9E0F-400D1B677C2C}" type="slidenum">
               <a:rPr lang="en-US" smtClean="0"/>
               <a:pPr/>
-              <a:t>7</a:t>
+              <a:t>6</a:t>
             </a:fld>
             <a:endParaRPr lang="en-US"/>
           </a:p>
@@ -2958,47 +3212,7 @@
           <a:p>
             <a:r>
               <a:rPr lang="en-US" dirty="0" smtClean="0"/>
-              <a:t>Government</a:t>
-            </a:r>
-            <a:r>
-              <a:rPr lang="en-US" baseline="0" dirty="0" smtClean="0"/>
-              <a:t> collected data</a:t>
-            </a:r>
-          </a:p>
-          <a:p>
-            <a:r>
-              <a:rPr lang="en-US" baseline="0" dirty="0" smtClean="0"/>
-              <a:t>Vapor pressure</a:t>
-            </a:r>
-          </a:p>
-          <a:p>
-            <a:r>
-              <a:rPr lang="en-US" baseline="0" dirty="0" smtClean="0"/>
-              <a:t>Relative humidity</a:t>
-            </a:r>
-          </a:p>
-          <a:p>
-            <a:r>
-              <a:rPr lang="en-US" baseline="0" dirty="0" smtClean="0"/>
-              <a:t>Cloud cover</a:t>
-            </a:r>
-          </a:p>
-          <a:p>
-            <a:r>
-              <a:rPr lang="en-US" baseline="0" dirty="0" smtClean="0"/>
-              <a:t>Wind speed</a:t>
-            </a:r>
-          </a:p>
-          <a:p>
-            <a:r>
-              <a:rPr lang="en-US" baseline="0" dirty="0" smtClean="0"/>
-              <a:t>Precipitation</a:t>
-            </a:r>
-          </a:p>
-          <a:p>
-            <a:r>
-              <a:rPr lang="en-US" baseline="0" dirty="0" smtClean="0"/>
-              <a:t>Etc.</a:t>
+              <a:t>More info, variations</a:t>
             </a:r>
             <a:endParaRPr lang="en-US" dirty="0"/>
           </a:p>
@@ -3022,7 +3236,7 @@
             <a:fld id="{5ECBF4DF-172D-42A1-9E0F-400D1B677C2C}" type="slidenum">
               <a:rPr lang="en-US" smtClean="0"/>
               <a:pPr/>
-              <a:t>8</a:t>
+              <a:t>7</a:t>
             </a:fld>
             <a:endParaRPr lang="en-US"/>
           </a:p>
@@ -3082,43 +3296,49 @@
           </a:bodyPr>
           <a:lstStyle/>
           <a:p>
-            <a:pPr marL="228600" indent="-228600">
-              <a:buAutoNum type="arabicPeriod"/>
-            </a:pPr>
-            <a:r>
-              <a:rPr lang="en-US" dirty="0" smtClean="0"/>
-              <a:t>WILD</a:t>
+            <a:r>
+              <a:rPr lang="en-US" dirty="0" smtClean="0"/>
+              <a:t>Government</a:t>
             </a:r>
             <a:r>
               <a:rPr lang="en-US" baseline="0" dirty="0" smtClean="0"/>
-              <a:t> database – variations due to weather, etc. Can use known variations to de-fog, de-haze bad images</a:t>
-            </a:r>
-          </a:p>
-          <a:p>
-            <a:pPr marL="228600" indent="-228600">
-              <a:buAutoNum type="arabicPeriod"/>
-            </a:pPr>
+              <a:t> collected data</a:t>
+            </a:r>
+          </a:p>
+          <a:p>
             <a:r>
               <a:rPr lang="en-US" baseline="0" dirty="0" smtClean="0"/>
-              <a:t>Single image inference of location using distributions across world</a:t>
-            </a:r>
-          </a:p>
-          <a:p>
-            <a:pPr marL="228600" indent="-228600">
-              <a:buAutoNum type="arabicPeriod"/>
-            </a:pPr>
+              <a:t>Vapor pressure</a:t>
+            </a:r>
+          </a:p>
+          <a:p>
             <a:r>
               <a:rPr lang="en-US" baseline="0" dirty="0" smtClean="0"/>
-              <a:t>Use sky appearance and sun position to determine camera calibration variables</a:t>
-            </a:r>
-          </a:p>
-          <a:p>
-            <a:pPr marL="228600" indent="-228600">
-              <a:buAutoNum type="arabicPeriod"/>
-            </a:pPr>
+              <a:t>Relative humidity</a:t>
+            </a:r>
+          </a:p>
+          <a:p>
             <a:r>
               <a:rPr lang="en-US" baseline="0" dirty="0" smtClean="0"/>
-              <a:t>Sound-image retrieval using CCA</a:t>
+              <a:t>Cloud cover</a:t>
+            </a:r>
+          </a:p>
+          <a:p>
+            <a:r>
+              <a:rPr lang="en-US" baseline="0" dirty="0" smtClean="0"/>
+              <a:t>Wind speed</a:t>
+            </a:r>
+          </a:p>
+          <a:p>
+            <a:r>
+              <a:rPr lang="en-US" baseline="0" dirty="0" smtClean="0"/>
+              <a:t>Precipitation</a:t>
+            </a:r>
+          </a:p>
+          <a:p>
+            <a:r>
+              <a:rPr lang="en-US" baseline="0" dirty="0" smtClean="0"/>
+              <a:t>Etc.</a:t>
             </a:r>
             <a:endParaRPr lang="en-US" dirty="0"/>
           </a:p>
@@ -3142,7 +3362,7 @@
             <a:fld id="{5ECBF4DF-172D-42A1-9E0F-400D1B677C2C}" type="slidenum">
               <a:rPr lang="en-US" smtClean="0"/>
               <a:pPr/>
-              <a:t>9</a:t>
+              <a:t>8</a:t>
             </a:fld>
             <a:endParaRPr lang="en-US"/>
           </a:p>
@@ -3202,13 +3422,43 @@
           </a:bodyPr>
           <a:lstStyle/>
           <a:p>
-            <a:r>
-              <a:rPr lang="en-US" dirty="0" smtClean="0"/>
-              <a:t>Projects variables into unique space, allows us</a:t>
+            <a:pPr marL="227708" indent="-227708">
+              <a:buAutoNum type="arabicPeriod"/>
+            </a:pPr>
+            <a:r>
+              <a:rPr lang="en-US" dirty="0" smtClean="0"/>
+              <a:t>WILD</a:t>
             </a:r>
             <a:r>
               <a:rPr lang="en-US" baseline="0" dirty="0" smtClean="0"/>
-              <a:t> to relate multidimensional variables</a:t>
+              <a:t> database – variations due to weather, etc. Can use known variations to de-fog, de-haze bad images</a:t>
+            </a:r>
+          </a:p>
+          <a:p>
+            <a:pPr marL="227708" indent="-227708">
+              <a:buAutoNum type="arabicPeriod"/>
+            </a:pPr>
+            <a:r>
+              <a:rPr lang="en-US" baseline="0" dirty="0" smtClean="0"/>
+              <a:t>Single image inference of location using distributions across world</a:t>
+            </a:r>
+          </a:p>
+          <a:p>
+            <a:pPr marL="227708" indent="-227708">
+              <a:buAutoNum type="arabicPeriod"/>
+            </a:pPr>
+            <a:r>
+              <a:rPr lang="en-US" baseline="0" dirty="0" smtClean="0"/>
+              <a:t>Use sky appearance and sun position to determine camera calibration variables</a:t>
+            </a:r>
+          </a:p>
+          <a:p>
+            <a:pPr marL="227708" indent="-227708">
+              <a:buAutoNum type="arabicPeriod"/>
+            </a:pPr>
+            <a:r>
+              <a:rPr lang="en-US" baseline="0" dirty="0" smtClean="0"/>
+              <a:t>Sound-image retrieval using CCA</a:t>
             </a:r>
             <a:endParaRPr lang="en-US" dirty="0"/>
           </a:p>
@@ -3232,7 +3482,7 @@
             <a:fld id="{5ECBF4DF-172D-42A1-9E0F-400D1B677C2C}" type="slidenum">
               <a:rPr lang="en-US" smtClean="0"/>
               <a:pPr/>
-              <a:t>11</a:t>
+              <a:t>9</a:t>
             </a:fld>
             <a:endParaRPr lang="en-US"/>
           </a:p>
@@ -7256,19 +7506,21 @@
           <a:p>
             <a:r>
               <a:rPr lang="en-US" dirty="0" smtClean="0"/>
-              <a:t>Measures the linear relationship between two multi-dimensional variables</a:t>
-            </a:r>
-          </a:p>
-          <a:p>
-            <a:r>
-              <a:rPr lang="en-US" dirty="0" smtClean="0"/>
-              <a:t>Finds two sets of basis vectors such that the correlation between the projections of the variables onto these basis vectors is maximized</a:t>
-            </a:r>
-          </a:p>
-          <a:p>
-            <a:r>
-              <a:rPr lang="en-US" dirty="0" smtClean="0"/>
-              <a:t>Given two data matrices X and Y finds projection matrices A and B to maximize the correlation</a:t>
+              <a:t>Measures the linear relationship between two multi-dimensional </a:t>
+            </a:r>
+            <a:r>
+              <a:rPr lang="en-US" dirty="0" smtClean="0"/>
+              <a:t>variables</a:t>
+            </a:r>
+          </a:p>
+          <a:p>
+            <a:r>
+              <a:rPr lang="en-US" dirty="0" smtClean="0"/>
+              <a:t>Given </a:t>
+            </a:r>
+            <a:r>
+              <a:rPr lang="en-US" dirty="0" smtClean="0"/>
+              <a:t>two data matrices X and Y finds projection matrices A and B to maximize the correlation</a:t>
             </a:r>
             <a:r>
               <a:rPr lang="en-US" dirty="0" smtClean="0"/>
@@ -7281,6 +7533,17 @@
           <a:p>
             <a:r>
               <a:rPr lang="en-US" dirty="0" smtClean="0"/>
+              <a:t>Finds two sets of basis vectors such that the correlation between the projections of the variables onto these basis vectors is </a:t>
+            </a:r>
+            <a:r>
+              <a:rPr lang="en-US" dirty="0" smtClean="0"/>
+              <a:t>maximized</a:t>
+            </a:r>
+            <a:endParaRPr lang="en-US" dirty="0" smtClean="0"/>
+          </a:p>
+          <a:p>
+            <a:r>
+              <a:rPr lang="en-US" dirty="0" smtClean="0"/>
               <a:t>Iteratively finds vectors which maximize the correlation between the two datasets and minimize the correlation between previously measured vectors</a:t>
             </a:r>
           </a:p>
@@ -7293,12 +7556,36 @@
           </a:p>
           <a:p>
             <a:endParaRPr lang="en-US" dirty="0"/>
+          </a:p>
+        </p:txBody>
+      </p:sp>
+      <p:sp>
+        <p:nvSpPr>
+          <p:cNvPr id="5" name="Slide Number Placeholder 4"/>
+          <p:cNvSpPr>
+            <a:spLocks noGrp="1"/>
+          </p:cNvSpPr>
+          <p:nvPr>
+            <p:ph type="sldNum" sz="quarter" idx="12"/>
+          </p:nvPr>
+        </p:nvSpPr>
+        <p:spPr/>
+        <p:txBody>
+          <a:bodyPr/>
+          <a:lstStyle/>
+          <a:p>
+            <a:fld id="{45E96854-6E70-484C-818F-A5764320AC80}" type="slidenum">
+              <a:rPr lang="en-US" smtClean="0"/>
+              <a:pPr/>
+              <a:t>11</a:t>
+            </a:fld>
+            <a:endParaRPr lang="en-US"/>
           </a:p>
         </p:txBody>
       </p:sp>
       <p:pic>
         <p:nvPicPr>
-          <p:cNvPr id="3074" name="Picture 2"/>
+          <p:cNvPr id="4" name="Picture 2"/>
           <p:cNvPicPr>
             <a:picLocks noChangeAspect="1" noChangeArrowheads="1"/>
           </p:cNvPicPr>
@@ -7313,8 +7600,8 @@
         </p:blipFill>
         <p:spPr bwMode="auto">
           <a:xfrm>
-            <a:off x="3048000" y="3886201"/>
-            <a:ext cx="2667000" cy="575112"/>
+            <a:off x="3048000" y="2743200"/>
+            <a:ext cx="2819400" cy="546100"/>
           </a:xfrm>
           <a:prstGeom prst="rect">
             <a:avLst/>
@@ -7329,30 +7616,6 @@
           <a:effectLst/>
         </p:spPr>
       </p:pic>
-      <p:sp>
-        <p:nvSpPr>
-          <p:cNvPr id="5" name="Slide Number Placeholder 4"/>
-          <p:cNvSpPr>
-            <a:spLocks noGrp="1"/>
-          </p:cNvSpPr>
-          <p:nvPr>
-            <p:ph type="sldNum" sz="quarter" idx="12"/>
-          </p:nvPr>
-        </p:nvSpPr>
-        <p:spPr/>
-        <p:txBody>
-          <a:bodyPr/>
-          <a:lstStyle/>
-          <a:p>
-            <a:fld id="{45E96854-6E70-484C-818F-A5764320AC80}" type="slidenum">
-              <a:rPr lang="en-US" smtClean="0"/>
-              <a:pPr/>
-              <a:t>11</a:t>
-            </a:fld>
-            <a:endParaRPr lang="en-US"/>
-          </a:p>
-        </p:txBody>
-      </p:sp>
     </p:spTree>
   </p:cSld>
   <p:clrMapOvr>
@@ -7772,9 +8035,16 @@
             <p:ph sz="quarter" idx="1"/>
           </p:nvPr>
         </p:nvSpPr>
-        <p:spPr/>
-        <p:txBody>
-          <a:bodyPr/>
+        <p:spPr>
+          <a:xfrm>
+            <a:off x="457200" y="1219200"/>
+            <a:ext cx="8229600" cy="4419600"/>
+          </a:xfrm>
+        </p:spPr>
+        <p:txBody>
+          <a:bodyPr>
+            <a:normAutofit fontScale="92500"/>
+          </a:bodyPr>
           <a:lstStyle/>
           <a:p>
             <a:r>
@@ -7806,7 +8076,15 @@
             <a:pPr lvl="1"/>
             <a:r>
               <a:rPr lang="en-US" dirty="0" smtClean="0"/>
-              <a:t>U contains the k feature vectors, all of which are orthogonal</a:t>
+              <a:t>U contains the k </a:t>
+            </a:r>
+            <a:r>
+              <a:rPr lang="en-US" dirty="0" smtClean="0"/>
+              <a:t>feature, or basis, images, </a:t>
+            </a:r>
+            <a:r>
+              <a:rPr lang="en-US" dirty="0" smtClean="0"/>
+              <a:t>all of which are orthogonal</a:t>
             </a:r>
           </a:p>
           <a:p>
@@ -7820,31 +8098,31 @@
             <a:pPr lvl="1"/>
             <a:r>
               <a:rPr lang="en-US" dirty="0" smtClean="0"/>
-              <a:t>V contains the coefficients of each vector for each image</a:t>
-            </a:r>
-          </a:p>
-          <a:p>
-            <a:r>
-              <a:rPr lang="en-US" dirty="0" smtClean="0"/>
-              <a:t>We can reconstruct image x: i</a:t>
-            </a:r>
-            <a:r>
-              <a:rPr lang="en-US" baseline="-25000" dirty="0" smtClean="0"/>
-              <a:t>x</a:t>
-            </a:r>
-            <a:r>
-              <a:rPr lang="en-US" dirty="0" smtClean="0"/>
-              <a:t>=</a:t>
-            </a:r>
-            <a:r>
-              <a:rPr lang="en-US" dirty="0" err="1" smtClean="0"/>
-              <a:t>USv</a:t>
-            </a:r>
-            <a:r>
-              <a:rPr lang="en-US" baseline="-25000" dirty="0" err="1" smtClean="0"/>
-              <a:t>x</a:t>
-            </a:r>
-            <a:endParaRPr lang="en-US" dirty="0"/>
+              <a:t>V contains the coefficients of each </a:t>
+            </a:r>
+            <a:r>
+              <a:rPr lang="en-US" dirty="0" smtClean="0"/>
+              <a:t>basis image for </a:t>
+            </a:r>
+            <a:r>
+              <a:rPr lang="en-US" dirty="0" smtClean="0"/>
+              <a:t>each </a:t>
+            </a:r>
+            <a:r>
+              <a:rPr lang="en-US" dirty="0" smtClean="0"/>
+              <a:t>image</a:t>
+            </a:r>
+            <a:endParaRPr lang="en-US" dirty="0" smtClean="0"/>
+          </a:p>
+          <a:p>
+            <a:r>
+              <a:rPr lang="en-US" dirty="0" smtClean="0"/>
+              <a:t>Will extract the most significant features to minimize</a:t>
+            </a:r>
+          </a:p>
+          <a:p>
+            <a:pPr lvl="1"/>
+            <a:endParaRPr lang="en-US" dirty="0" smtClean="0"/>
           </a:p>
         </p:txBody>
       </p:sp>
@@ -7872,6 +8150,39 @@
           </a:p>
         </p:txBody>
       </p:sp>
+      <p:pic>
+        <p:nvPicPr>
+          <p:cNvPr id="5" name="Picture 4"/>
+          <p:cNvPicPr>
+            <a:picLocks noChangeAspect="1" noChangeArrowheads="1"/>
+          </p:cNvPicPr>
+          <p:nvPr/>
+        </p:nvPicPr>
+        <p:blipFill>
+          <a:blip r:embed="rId3"/>
+          <a:srcRect t="23079" b="14364"/>
+          <a:stretch>
+            <a:fillRect/>
+          </a:stretch>
+        </p:blipFill>
+        <p:spPr bwMode="auto">
+          <a:xfrm>
+            <a:off x="3403601" y="5486401"/>
+            <a:ext cx="2158999" cy="761999"/>
+          </a:xfrm>
+          <a:prstGeom prst="rect">
+            <a:avLst/>
+          </a:prstGeom>
+          <a:noFill/>
+          <a:ln w="9525">
+            <a:noFill/>
+            <a:miter lim="800000"/>
+            <a:headEnd/>
+            <a:tailEnd/>
+          </a:ln>
+          <a:effectLst/>
+        </p:spPr>
+      </p:pic>
     </p:spTree>
   </p:cSld>
   <p:clrMapOvr>
@@ -7949,21 +8260,52 @@
           <a:p>
             <a:r>
               <a:rPr lang="en-US" dirty="0" smtClean="0"/>
-              <a:t>Images will not be exact reconstructions of original images</a:t>
+              <a:t>We can reconstruct image x: </a:t>
+            </a:r>
+            <a:r>
+              <a:rPr lang="en-US" dirty="0" smtClean="0"/>
+              <a:t>i</a:t>
+            </a:r>
+            <a:r>
+              <a:rPr lang="en-US" baseline="-25000" dirty="0" smtClean="0"/>
+              <a:t>x</a:t>
+            </a:r>
+            <a:r>
+              <a:rPr lang="en-US" dirty="0" smtClean="0"/>
+              <a:t>=</a:t>
+            </a:r>
+            <a:r>
+              <a:rPr lang="en-US" dirty="0" err="1" smtClean="0"/>
+              <a:t>USv</a:t>
+            </a:r>
+            <a:r>
+              <a:rPr lang="en-US" baseline="-25000" dirty="0" err="1" smtClean="0"/>
+              <a:t>x</a:t>
+            </a:r>
+            <a:endParaRPr lang="en-US" dirty="0" smtClean="0"/>
+          </a:p>
+          <a:p>
+            <a:r>
+              <a:rPr lang="en-US" dirty="0" smtClean="0"/>
+              <a:t>Images </a:t>
+            </a:r>
+            <a:r>
+              <a:rPr lang="en-US" dirty="0" smtClean="0"/>
+              <a:t>will not be exact reconstructions of original images</a:t>
             </a:r>
           </a:p>
           <a:p>
             <a:pPr lvl="1"/>
             <a:r>
               <a:rPr lang="en-US" dirty="0" smtClean="0"/>
-              <a:t>Similarity increases as we increase the number of coefficients k</a:t>
-            </a:r>
-          </a:p>
-          <a:p>
-            <a:r>
-              <a:rPr lang="en-US" dirty="0" smtClean="0"/>
-              <a:t>Will extract the most significant features to minimize</a:t>
-            </a:r>
+              <a:t>Similarity increases as we increase the number of coefficients </a:t>
+            </a:r>
+            <a:r>
+              <a:rPr lang="en-US" dirty="0" smtClean="0"/>
+              <a:t>k</a:t>
+            </a:r>
+          </a:p>
+          <a:p>
             <a:endParaRPr lang="en-US" dirty="0"/>
           </a:p>
         </p:txBody>
@@ -8147,7 +8489,7 @@
         </p:nvSpPr>
         <p:spPr bwMode="auto">
           <a:xfrm>
-            <a:off x="3657600" y="1295400"/>
+            <a:off x="3581400" y="1295400"/>
             <a:ext cx="838200" cy="381000"/>
           </a:xfrm>
           <a:prstGeom prst="rect">
@@ -8190,7 +8532,7 @@
         </p:nvSpPr>
         <p:spPr bwMode="auto">
           <a:xfrm>
-            <a:off x="381000" y="2671763"/>
+            <a:off x="381000" y="2757488"/>
             <a:ext cx="962025" cy="366712"/>
           </a:xfrm>
           <a:prstGeom prst="rect">
@@ -8212,7 +8554,7 @@
           <a:lstStyle/>
           <a:p>
             <a:r>
-              <a:rPr lang="en-US" sz="1800" b="0"/>
+              <a:rPr lang="en-US" sz="1800" b="0" dirty="0"/>
               <a:t>Images</a:t>
             </a:r>
           </a:p>
@@ -8228,7 +8570,7 @@
         </p:nvSpPr>
         <p:spPr bwMode="auto">
           <a:xfrm>
-            <a:off x="3032125" y="2632075"/>
+            <a:off x="2971800" y="2681287"/>
             <a:ext cx="1577975" cy="366713"/>
           </a:xfrm>
           <a:prstGeom prst="rect">
@@ -8250,7 +8592,7 @@
           <a:lstStyle/>
           <a:p>
             <a:r>
-              <a:rPr lang="en-US" sz="1800" b="0"/>
+              <a:rPr lang="en-US" sz="1800" b="0" dirty="0"/>
               <a:t>Basis Images</a:t>
             </a:r>
           </a:p>
@@ -8266,7 +8608,7 @@
         </p:nvSpPr>
         <p:spPr bwMode="auto">
           <a:xfrm>
-            <a:off x="3810000" y="1676400"/>
+            <a:off x="3962400" y="1676400"/>
             <a:ext cx="1334661" cy="369332"/>
           </a:xfrm>
           <a:prstGeom prst="rect">
@@ -8299,39 +8641,6 @@
           </a:p>
         </p:txBody>
       </p:sp>
-      <p:pic>
-        <p:nvPicPr>
-          <p:cNvPr id="2052" name="Picture 4"/>
-          <p:cNvPicPr>
-            <a:picLocks noChangeAspect="1" noChangeArrowheads="1"/>
-          </p:cNvPicPr>
-          <p:nvPr/>
-        </p:nvPicPr>
-        <p:blipFill>
-          <a:blip r:embed="rId3"/>
-          <a:srcRect t="23079" b="14364"/>
-          <a:stretch>
-            <a:fillRect/>
-          </a:stretch>
-        </p:blipFill>
-        <p:spPr bwMode="auto">
-          <a:xfrm>
-            <a:off x="3200400" y="5334000"/>
-            <a:ext cx="2590800" cy="914400"/>
-          </a:xfrm>
-          <a:prstGeom prst="rect">
-            <a:avLst/>
-          </a:prstGeom>
-          <a:noFill/>
-          <a:ln w="9525">
-            <a:noFill/>
-            <a:miter lim="800000"/>
-            <a:headEnd/>
-            <a:tailEnd/>
-          </a:ln>
-          <a:effectLst/>
-        </p:spPr>
-      </p:pic>
       <p:sp>
         <p:nvSpPr>
           <p:cNvPr id="13" name="Slide Number Placeholder 12"/>
@@ -9117,7 +9426,15 @@
           <a:p>
             <a:r>
               <a:rPr lang="en-US" dirty="0" smtClean="0"/>
-              <a:t>Most of the images in the AMOS dataset are 320 x 240 pixels = 76800 pixels</a:t>
+              <a:t>Most of the images in the AMOS dataset are 320 x 240 pixels = </a:t>
+            </a:r>
+            <a:r>
+              <a:rPr lang="en-US" dirty="0" smtClean="0"/>
+              <a:t>76,800 </a:t>
+            </a:r>
+            <a:r>
+              <a:rPr lang="en-US" dirty="0" smtClean="0"/>
+              <a:t>pixels</a:t>
             </a:r>
           </a:p>
           <a:p>
@@ -9353,8 +9670,13 @@
             </a:r>
             <a:r>
               <a:rPr lang="en-US" dirty="0" smtClean="0"/>
-              <a:t> are the basis vectors</a:t>
-            </a:r>
+              <a:t> are the basis </a:t>
+            </a:r>
+            <a:r>
+              <a:rPr lang="en-US" dirty="0" smtClean="0"/>
+              <a:t>images</a:t>
+            </a:r>
+            <a:endParaRPr lang="en-US" dirty="0" smtClean="0"/>
           </a:p>
           <a:p>
             <a:r>
@@ -9482,46 +9804,31 @@
             <a:pPr lvl="1"/>
             <a:r>
               <a:rPr lang="en-US" dirty="0" smtClean="0"/>
-              <a:t>Find the PCA coefficients of the new image I on our existing basis vectors U (v</a:t>
-            </a:r>
-            <a:r>
-              <a:rPr lang="en-US" baseline="-25000" dirty="0" smtClean="0"/>
-              <a:t>i</a:t>
+              <a:t>Find the PCA coefficients of the new image I on our existing basis vectors U (</a:t>
+            </a:r>
+            <a:r>
+              <a:rPr lang="en-US" b="1" dirty="0" smtClean="0"/>
+              <a:t>v</a:t>
             </a:r>
             <a:r>
               <a:rPr lang="en-US" dirty="0" smtClean="0"/>
               <a:t>)</a:t>
             </a:r>
+            <a:endParaRPr lang="en-US" dirty="0" smtClean="0"/>
           </a:p>
           <a:p>
             <a:pPr lvl="1"/>
             <a:r>
               <a:rPr lang="en-US" dirty="0" smtClean="0"/>
-              <a:t>Value of weather signal is </a:t>
-            </a:r>
-            <a:r>
-              <a:rPr lang="en-US" b="1" dirty="0" err="1" smtClean="0"/>
-              <a:t>w</a:t>
-            </a:r>
-            <a:r>
-              <a:rPr lang="en-US" b="1" baseline="-25000" dirty="0" err="1" smtClean="0"/>
-              <a:t>i</a:t>
+              <a:t>Value of weather signal </a:t>
             </a:r>
             <a:r>
               <a:rPr lang="en-US" b="1" dirty="0" smtClean="0"/>
-              <a:t> = Av</a:t>
-            </a:r>
-            <a:r>
-              <a:rPr lang="en-US" b="1" baseline="-25000" dirty="0" smtClean="0"/>
-              <a:t>i</a:t>
-            </a:r>
-            <a:r>
-              <a:rPr lang="en-US" b="1" dirty="0" smtClean="0"/>
-              <a:t>B</a:t>
-            </a:r>
-            <a:r>
-              <a:rPr lang="en-US" b="1" baseline="30000" dirty="0" smtClean="0"/>
-              <a:t>-1</a:t>
+              <a:t>w </a:t>
+            </a:r>
+            <a:r>
+              <a:rPr lang="en-US" dirty="0" smtClean="0"/>
+              <a:t>is:</a:t>
             </a:r>
             <a:endParaRPr lang="en-US" b="1" dirty="0"/>
           </a:p>
@@ -9551,6 +9858,39 @@
           </a:p>
         </p:txBody>
       </p:sp>
+      <p:pic>
+        <p:nvPicPr>
+          <p:cNvPr id="4099" name="Picture 3"/>
+          <p:cNvPicPr>
+            <a:picLocks noChangeAspect="1" noChangeArrowheads="1"/>
+          </p:cNvPicPr>
+          <p:nvPr/>
+        </p:nvPicPr>
+        <p:blipFill>
+          <a:blip r:embed="rId3"/>
+          <a:srcRect/>
+          <a:stretch>
+            <a:fillRect/>
+          </a:stretch>
+        </p:blipFill>
+        <p:spPr bwMode="auto">
+          <a:xfrm>
+            <a:off x="3352800" y="3657600"/>
+            <a:ext cx="2057400" cy="578862"/>
+          </a:xfrm>
+          <a:prstGeom prst="rect">
+            <a:avLst/>
+          </a:prstGeom>
+          <a:noFill/>
+          <a:ln w="9525">
+            <a:noFill/>
+            <a:miter lim="800000"/>
+            <a:headEnd/>
+            <a:tailEnd/>
+          </a:ln>
+          <a:effectLst/>
+        </p:spPr>
+      </p:pic>
     </p:spTree>
   </p:cSld>
   <p:clrMapOvr>
@@ -10055,12 +10395,29 @@
         </p:nvSpPr>
         <p:spPr/>
         <p:txBody>
-          <a:bodyPr/>
-          <a:lstStyle/>
-          <a:p>
-            <a:r>
-              <a:rPr lang="en-US" dirty="0" smtClean="0"/>
-              <a:t>Effects are only noticeable on very local regions of the image</a:t>
+          <a:bodyPr>
+            <a:normAutofit fontScale="92500" lnSpcReduction="10000"/>
+          </a:bodyPr>
+          <a:lstStyle/>
+          <a:p>
+            <a:r>
+              <a:rPr lang="en-US" dirty="0" smtClean="0"/>
+              <a:t>Wind velocity is made up of 2 components: north/south and </a:t>
+            </a:r>
+            <a:r>
+              <a:rPr lang="en-US" dirty="0" smtClean="0"/>
+              <a:t>east/west</a:t>
+            </a:r>
+            <a:endParaRPr lang="en-US" dirty="0" smtClean="0"/>
+          </a:p>
+          <a:p>
+            <a:r>
+              <a:rPr lang="en-US" dirty="0" smtClean="0"/>
+              <a:t>Effects </a:t>
+            </a:r>
+            <a:r>
+              <a:rPr lang="en-US" dirty="0" smtClean="0"/>
+              <a:t>are only noticeable on very local regions of the image</a:t>
             </a:r>
           </a:p>
           <a:p>
@@ -10080,7 +10437,73 @@
           <a:p>
             <a:r>
               <a:rPr lang="en-US" dirty="0" smtClean="0"/>
-              <a:t>In order to ignore changes due to time of day, all images are captured between 10 AM and 2 PM</a:t>
+              <a:t>In order to ignore changes due </a:t>
+            </a:r>
+            <a:endParaRPr lang="en-US" dirty="0" smtClean="0"/>
+          </a:p>
+          <a:p>
+            <a:pPr>
+              <a:buNone/>
+            </a:pPr>
+            <a:r>
+              <a:rPr lang="en-US" dirty="0" smtClean="0"/>
+              <a:t> </a:t>
+            </a:r>
+            <a:r>
+              <a:rPr lang="en-US" dirty="0" smtClean="0"/>
+              <a:t>  </a:t>
+            </a:r>
+            <a:r>
+              <a:rPr lang="en-US" dirty="0" smtClean="0"/>
+              <a:t>to </a:t>
+            </a:r>
+            <a:r>
+              <a:rPr lang="en-US" dirty="0" smtClean="0"/>
+              <a:t>time of day, all images are </a:t>
+            </a:r>
+            <a:endParaRPr lang="en-US" dirty="0" smtClean="0"/>
+          </a:p>
+          <a:p>
+            <a:pPr>
+              <a:buNone/>
+            </a:pPr>
+            <a:r>
+              <a:rPr lang="en-US" dirty="0" smtClean="0"/>
+              <a:t> </a:t>
+            </a:r>
+            <a:r>
+              <a:rPr lang="en-US" dirty="0" smtClean="0"/>
+              <a:t>  </a:t>
+            </a:r>
+            <a:r>
+              <a:rPr lang="en-US" dirty="0" smtClean="0"/>
+              <a:t>captured </a:t>
+            </a:r>
+            <a:r>
+              <a:rPr lang="en-US" dirty="0" smtClean="0"/>
+              <a:t>between 10 AM and </a:t>
+            </a:r>
+            <a:endParaRPr lang="en-US" dirty="0" smtClean="0"/>
+          </a:p>
+          <a:p>
+            <a:pPr>
+              <a:buNone/>
+            </a:pPr>
+            <a:r>
+              <a:rPr lang="en-US" dirty="0" smtClean="0"/>
+              <a:t> </a:t>
+            </a:r>
+            <a:r>
+              <a:rPr lang="en-US" dirty="0" smtClean="0"/>
+              <a:t>  </a:t>
+            </a:r>
+            <a:r>
+              <a:rPr lang="en-US" dirty="0" smtClean="0"/>
+              <a:t>2 </a:t>
+            </a:r>
+            <a:r>
+              <a:rPr lang="en-US" dirty="0" smtClean="0"/>
+              <a:t>PM</a:t>
             </a:r>
           </a:p>
           <a:p>
@@ -10117,8 +10540,8 @@
         </p:blipFill>
         <p:spPr>
           <a:xfrm>
-            <a:off x="5486400" y="3886200"/>
-            <a:ext cx="3200400" cy="2400300"/>
+            <a:off x="5257800" y="3048000"/>
+            <a:ext cx="3505200" cy="2628900"/>
           </a:xfrm>
           <a:prstGeom prst="rect">
             <a:avLst/>
@@ -10160,8 +10583,8 @@
         </p:nvSpPr>
         <p:spPr>
           <a:xfrm>
-            <a:off x="2895600" y="5867400"/>
-            <a:ext cx="2667000" cy="457200"/>
+            <a:off x="5257800" y="5715000"/>
+            <a:ext cx="3505200" cy="457200"/>
           </a:xfrm>
           <a:prstGeom prst="rect">
             <a:avLst/>
@@ -10247,14 +10670,38 @@
             <p:ph sz="quarter" idx="1"/>
           </p:nvPr>
         </p:nvSpPr>
-        <p:spPr/>
-        <p:txBody>
-          <a:bodyPr/>
-          <a:lstStyle/>
-          <a:p>
-            <a:r>
-              <a:rPr lang="en-US" dirty="0" smtClean="0"/>
-              <a:t>Analysis of CCA basis images shows only one accurate dimension</a:t>
+        <p:spPr>
+          <a:xfrm>
+            <a:off x="457200" y="1219200"/>
+            <a:ext cx="8229600" cy="1905000"/>
+          </a:xfrm>
+        </p:spPr>
+        <p:txBody>
+          <a:bodyPr>
+            <a:normAutofit fontScale="85000" lnSpcReduction="20000"/>
+          </a:bodyPr>
+          <a:lstStyle/>
+          <a:p>
+            <a:r>
+              <a:rPr lang="en-US" dirty="0" smtClean="0"/>
+              <a:t>Can visualize the derived CCA bases by projecting back onto the image space using the basis images U (U</a:t>
+            </a:r>
+            <a:r>
+              <a:rPr lang="en-US" dirty="0" smtClean="0">
+                <a:cs typeface="Times New Roman"/>
+              </a:rPr>
+              <a:t>×A)</a:t>
+            </a:r>
+            <a:endParaRPr lang="en-US" dirty="0" smtClean="0"/>
+          </a:p>
+          <a:p>
+            <a:r>
+              <a:rPr lang="en-US" dirty="0" smtClean="0"/>
+              <a:t>Analysis </a:t>
+            </a:r>
+            <a:r>
+              <a:rPr lang="en-US" dirty="0" smtClean="0"/>
+              <a:t>of CCA basis images shows only one accurate dimension</a:t>
             </a:r>
           </a:p>
           <a:p>
@@ -10463,7 +10910,12 @@
             <p:ph sz="quarter" idx="1"/>
           </p:nvPr>
         </p:nvSpPr>
-        <p:spPr/>
+        <p:spPr>
+          <a:xfrm>
+            <a:off x="457200" y="1219200"/>
+            <a:ext cx="8229600" cy="1295400"/>
+          </a:xfrm>
+        </p:spPr>
         <p:txBody>
           <a:bodyPr/>
           <a:lstStyle/>
@@ -10678,7 +11130,7 @@
           </p:nvPr>
         </p:nvPicPr>
         <p:blipFill>
-          <a:blip r:embed="rId2" cstate="print"/>
+          <a:blip r:embed="rId3" cstate="print"/>
           <a:stretch>
             <a:fillRect/>
           </a:stretch>
@@ -10699,7 +11151,7 @@
           <p:nvPr/>
         </p:nvPicPr>
         <p:blipFill>
-          <a:blip r:embed="rId3"/>
+          <a:blip r:embed="rId4"/>
           <a:stretch>
             <a:fillRect/>
           </a:stretch>
@@ -10810,13 +11262,11 @@
           <a:p>
             <a:r>
               <a:rPr lang="en-US" dirty="0" smtClean="0"/>
-              <a:t>Wind velocity is made up of 2 components: north/south and east/west</a:t>
-            </a:r>
-          </a:p>
-          <a:p>
-            <a:r>
-              <a:rPr lang="en-US" dirty="0" smtClean="0"/>
-              <a:t>Since flag can only be viewed in 2D, we only predicted the magnitude along some unknown vector</a:t>
+              <a:t>Since </a:t>
+            </a:r>
+            <a:r>
+              <a:rPr lang="en-US" dirty="0" smtClean="0"/>
+              <a:t>flag can only be viewed in 2D, we only predicted the magnitude along some unknown vector</a:t>
             </a:r>
           </a:p>
           <a:p>
@@ -11634,7 +12084,7 @@
           <a:p>
             <a:r>
               <a:rPr lang="en-US" dirty="0" smtClean="0"/>
-              <a:t>We will use regression and correlation techniques to achieve this goal</a:t>
+              <a:t>We will use regression and correlation techniques such as Canonical Correlation Analysis (CCA) to achieve this goal</a:t>
             </a:r>
             <a:endParaRPr lang="en-US" dirty="0"/>
           </a:p>
@@ -13470,7 +13920,11 @@
           <a:p>
             <a:r>
               <a:rPr lang="en-US" dirty="0" smtClean="0"/>
-              <a:t>Webcam Data</a:t>
+              <a:t>Images &amp; Webcam </a:t>
+            </a:r>
+            <a:r>
+              <a:rPr lang="en-US" dirty="0" smtClean="0"/>
+              <a:t>Data</a:t>
             </a:r>
             <a:endParaRPr lang="en-US" dirty="0"/>
           </a:p>
@@ -13493,6 +13947,26 @@
           <a:p>
             <a:r>
               <a:rPr lang="en-US" dirty="0" smtClean="0"/>
+              <a:t>Images </a:t>
+            </a:r>
+            <a:r>
+              <a:rPr lang="en-US" dirty="0" smtClean="0"/>
+              <a:t>inherently contain large amounts of information beyond just pixel colors</a:t>
+            </a:r>
+          </a:p>
+          <a:p>
+            <a:r>
+              <a:rPr lang="en-US" dirty="0" smtClean="0"/>
+              <a:t>Our job as researchers is to develop methods to extract this information to gain a better understanding what is going on in a given </a:t>
+            </a:r>
+            <a:r>
+              <a:rPr lang="en-US" dirty="0" smtClean="0"/>
+              <a:t>scene</a:t>
+            </a:r>
+          </a:p>
+          <a:p>
+            <a:r>
+              <a:rPr lang="en-US" dirty="0" smtClean="0"/>
               <a:t>Thousands of webcams are already installed all over the world and are constantly collecting data</a:t>
             </a:r>
           </a:p>
@@ -13503,16 +13977,7 @@
             </a:r>
           </a:p>
           <a:p>
-            <a:r>
-              <a:rPr lang="en-US" dirty="0" smtClean="0"/>
-              <a:t>Images inherently contain large amounts of information beyond just pixel colors</a:t>
-            </a:r>
-          </a:p>
-          <a:p>
-            <a:r>
-              <a:rPr lang="en-US" dirty="0" smtClean="0"/>
-              <a:t>Our job as researchers is to develop methods to extract this information to gain a better understanding what is going on in a given scene</a:t>
-            </a:r>
+            <a:endParaRPr lang="en-US" dirty="0" smtClean="0"/>
           </a:p>
           <a:p>
             <a:endParaRPr lang="en-US" dirty="0" smtClean="0"/>
@@ -13611,9 +14076,16 @@
             <p:ph sz="quarter" idx="1"/>
           </p:nvPr>
         </p:nvSpPr>
-        <p:spPr/>
-        <p:txBody>
-          <a:bodyPr/>
+        <p:spPr>
+          <a:xfrm>
+            <a:off x="457200" y="1219200"/>
+            <a:ext cx="8229600" cy="3505200"/>
+          </a:xfrm>
+        </p:spPr>
+        <p:txBody>
+          <a:bodyPr>
+            <a:normAutofit lnSpcReduction="10000"/>
+          </a:bodyPr>
           <a:lstStyle/>
           <a:p>
             <a:r>
@@ -13638,16 +14110,16 @@
           <a:p>
             <a:pPr lvl="1"/>
             <a:r>
-              <a:rPr lang="en-US" sz="2800" i="1" dirty="0" smtClean="0">
+              <a:rPr lang="en-US" i="1" dirty="0" smtClean="0">
                 <a:hlinkClick r:id="rId3"/>
               </a:rPr>
               <a:t>www.cs.wustl.edu/amos</a:t>
             </a:r>
             <a:r>
-              <a:rPr lang="en-US" sz="2800" i="1" dirty="0" smtClean="0"/>
+              <a:rPr lang="en-US" i="1" dirty="0" smtClean="0"/>
               <a:t> </a:t>
             </a:r>
-            <a:endParaRPr lang="en-US" sz="2800" i="1" dirty="0" smtClean="0"/>
+            <a:endParaRPr lang="en-US" i="1" dirty="0" smtClean="0"/>
           </a:p>
           <a:p>
             <a:pPr marL="342900" indent="-342900">
@@ -13679,19 +14151,37 @@
             </a:pPr>
             <a:r>
               <a:rPr lang="en-US" sz="2100" dirty="0" smtClean="0"/>
-              <a:t>Seasonal and weather variations (over a year).</a:t>
-            </a:r>
-          </a:p>
-          <a:p>
-            <a:pPr marL="617220" lvl="1" indent="-342900">
+              <a:t>Seasonal and weather variations (over a year</a:t>
+            </a:r>
+            <a:r>
+              <a:rPr lang="en-US" sz="2100" dirty="0" smtClean="0"/>
+              <a:t>).</a:t>
+            </a:r>
+            <a:endParaRPr lang="en-US" sz="2100" dirty="0" smtClean="0"/>
+          </a:p>
+          <a:p>
+            <a:pPr marL="342900" indent="-342900">
               <a:spcBef>
                 <a:spcPct val="20000"/>
               </a:spcBef>
             </a:pPr>
             <a:r>
-              <a:rPr lang="en-US" sz="2100" dirty="0" smtClean="0"/>
-              <a:t>From cameras mostly in the USA (a few elsewhere).</a:t>
-            </a:r>
+              <a:rPr lang="en-US" sz="2400" dirty="0" smtClean="0"/>
+              <a:t>Collected f</a:t>
+            </a:r>
+            <a:r>
+              <a:rPr lang="en-US" sz="2400" dirty="0" smtClean="0"/>
+              <a:t>rom </a:t>
+            </a:r>
+            <a:r>
+              <a:rPr lang="en-US" sz="2400" dirty="0" smtClean="0"/>
+              <a:t>cameras mostly in the USA (a few elsewhere</a:t>
+            </a:r>
+            <a:r>
+              <a:rPr lang="en-US" sz="2400" dirty="0" smtClean="0"/>
+              <a:t>)</a:t>
+            </a:r>
+            <a:endParaRPr lang="en-US" sz="2400" dirty="0" smtClean="0"/>
           </a:p>
           <a:p>
             <a:pPr lvl="1"/>
@@ -13975,7 +14465,15 @@
             </a:pPr>
             <a:r>
               <a:rPr lang="en-US" dirty="0" smtClean="0"/>
-              <a:t>x            3 years</a:t>
+              <a:t>x            </a:t>
+            </a:r>
+            <a:r>
+              <a:rPr lang="en-US" dirty="0" smtClean="0"/>
+              <a:t>  3 </a:t>
+            </a:r>
+            <a:r>
+              <a:rPr lang="en-US" dirty="0" smtClean="0"/>
+              <a:t>years</a:t>
             </a:r>
           </a:p>
           <a:p>
@@ -14174,7 +14672,7 @@
         <p:spPr>
           <a:xfrm>
             <a:off x="1676400" y="2436864"/>
-            <a:ext cx="2286000" cy="1536"/>
+            <a:ext cx="2438400" cy="1638"/>
           </a:xfrm>
           <a:prstGeom prst="line">
             <a:avLst/>

--- a/thesis-defense.pptx
+++ b/thesis-defense.pptx
@@ -1240,11 +1240,19 @@
           <a:p>
             <a:r>
               <a:rPr lang="en-US" dirty="0" smtClean="0"/>
-              <a:t>Visual example. See day/night, dawn/dusk.</a:t>
+              <a:t>Visual example. See day/night, dawn/dusk</a:t>
+            </a:r>
+            <a:r>
+              <a:rPr lang="en-US" b="1" dirty="0" smtClean="0"/>
+              <a:t>.</a:t>
+            </a:r>
+            <a:r>
+              <a:rPr lang="en-US" b="1" baseline="0" dirty="0" smtClean="0"/>
+              <a:t> Keep?? </a:t>
             </a:r>
             <a:r>
               <a:rPr lang="en-US" baseline="0" dirty="0" smtClean="0"/>
-              <a:t> Keep?? Shows why we cannot use images from entire day, localize to certain range of hours</a:t>
+              <a:t>Shows why we cannot use images from entire day, localize to certain range of hours</a:t>
             </a:r>
             <a:endParaRPr lang="en-US" dirty="0"/>
           </a:p>
@@ -1890,11 +1898,11 @@
           <a:p>
             <a:r>
               <a:rPr lang="en-US" dirty="0" smtClean="0"/>
-              <a:t>Since we only have one good</a:t>
+              <a:t>To compare, second CCA component</a:t>
             </a:r>
             <a:r>
               <a:rPr lang="en-US" baseline="0" dirty="0" smtClean="0"/>
-              <a:t> CCA dimension, we can only predict wind magnitude along an unknown vector</a:t>
+              <a:t> yields r=0.3523</a:t>
             </a:r>
             <a:endParaRPr lang="en-US" dirty="0"/>
           </a:p>
@@ -1918,7 +1926,7 @@
             <a:fld id="{5ECBF4DF-172D-42A1-9E0F-400D1B677C2C}" type="slidenum">
               <a:rPr lang="en-US" smtClean="0"/>
               <a:pPr/>
-              <a:t>25</a:t>
+              <a:t>24</a:t>
             </a:fld>
             <a:endParaRPr lang="en-US"/>
           </a:p>
@@ -1980,11 +1988,11 @@
           <a:p>
             <a:r>
               <a:rPr lang="en-US" dirty="0" smtClean="0"/>
-              <a:t>Now we can use the information we have to determine</a:t>
+              <a:t>Since we only have one good</a:t>
             </a:r>
             <a:r>
               <a:rPr lang="en-US" baseline="0" dirty="0" smtClean="0"/>
-              <a:t> the direction of the unknown vector = camera orientation. In my opinion one of the coolest byproducts of this method.</a:t>
+              <a:t> CCA dimension, we can only predict wind magnitude along an unknown vector</a:t>
             </a:r>
             <a:endParaRPr lang="en-US" dirty="0"/>
           </a:p>
@@ -2008,7 +2016,7 @@
             <a:fld id="{5ECBF4DF-172D-42A1-9E0F-400D1B677C2C}" type="slidenum">
               <a:rPr lang="en-US" smtClean="0"/>
               <a:pPr/>
-              <a:t>26</a:t>
+              <a:t>25</a:t>
             </a:fld>
             <a:endParaRPr lang="en-US"/>
           </a:p>
@@ -2070,11 +2078,11 @@
           <a:p>
             <a:r>
               <a:rPr lang="en-US" dirty="0" smtClean="0"/>
-              <a:t>Very different challenge. Not</a:t>
+              <a:t>Now we can use the information we have to determine</a:t>
             </a:r>
             <a:r>
               <a:rPr lang="en-US" baseline="0" dirty="0" smtClean="0"/>
-              <a:t> as easy for humans to visualize, determine.</a:t>
+              <a:t> the direction of the unknown vector = camera orientation. In my opinion one of the coolest byproducts of this method.</a:t>
             </a:r>
             <a:endParaRPr lang="en-US" dirty="0"/>
           </a:p>
@@ -2098,7 +2106,7 @@
             <a:fld id="{5ECBF4DF-172D-42A1-9E0F-400D1B677C2C}" type="slidenum">
               <a:rPr lang="en-US" smtClean="0"/>
               <a:pPr/>
-              <a:t>28</a:t>
+              <a:t>26</a:t>
             </a:fld>
             <a:endParaRPr lang="en-US"/>
           </a:p>
@@ -2160,11 +2168,11 @@
           <a:p>
             <a:r>
               <a:rPr lang="en-US" dirty="0" smtClean="0"/>
-              <a:t>Gradient</a:t>
+              <a:t>Very different challenge. Not</a:t>
             </a:r>
             <a:r>
               <a:rPr lang="en-US" baseline="0" dirty="0" smtClean="0"/>
-              <a:t> images highlight edges and changes in images, so helps us find building edges as a key changing part of the image.</a:t>
+              <a:t> as easy for humans to visualize, determine.</a:t>
             </a:r>
             <a:endParaRPr lang="en-US" dirty="0"/>
           </a:p>
@@ -2188,7 +2196,7 @@
             <a:fld id="{5ECBF4DF-172D-42A1-9E0F-400D1B677C2C}" type="slidenum">
               <a:rPr lang="en-US" smtClean="0"/>
               <a:pPr/>
-              <a:t>29</a:t>
+              <a:t>28</a:t>
             </a:fld>
             <a:endParaRPr lang="en-US"/>
           </a:p>
@@ -2250,7 +2258,11 @@
           <a:p>
             <a:r>
               <a:rPr lang="en-US" dirty="0" smtClean="0"/>
-              <a:t>Clouds effect visibility, etc.</a:t>
+              <a:t>Gradient</a:t>
+            </a:r>
+            <a:r>
+              <a:rPr lang="en-US" baseline="0" dirty="0" smtClean="0"/>
+              <a:t> images highlight edges and changes in images, so helps us find building edges as a key changing part of the image.</a:t>
             </a:r>
             <a:endParaRPr lang="en-US" dirty="0"/>
           </a:p>
@@ -2274,7 +2286,7 @@
             <a:fld id="{5ECBF4DF-172D-42A1-9E0F-400D1B677C2C}" type="slidenum">
               <a:rPr lang="en-US" smtClean="0"/>
               <a:pPr/>
-              <a:t>30</a:t>
+              <a:t>29</a:t>
             </a:fld>
             <a:endParaRPr lang="en-US"/>
           </a:p>
@@ -2336,7 +2348,7 @@
           <a:p>
             <a:r>
               <a:rPr lang="en-US" dirty="0" smtClean="0"/>
-              <a:t>Outliers will be explained in next slide</a:t>
+              <a:t>Clouds effect visibility, etc.</a:t>
             </a:r>
             <a:endParaRPr lang="en-US" dirty="0"/>
           </a:p>
@@ -2360,7 +2372,7 @@
             <a:fld id="{5ECBF4DF-172D-42A1-9E0F-400D1B677C2C}" type="slidenum">
               <a:rPr lang="en-US" smtClean="0"/>
               <a:pPr/>
-              <a:t>31</a:t>
+              <a:t>30</a:t>
             </a:fld>
             <a:endParaRPr lang="en-US"/>
           </a:p>
@@ -2422,11 +2434,7 @@
           <a:p>
             <a:r>
               <a:rPr lang="en-US" dirty="0" smtClean="0"/>
-              <a:t>March 12</a:t>
-            </a:r>
-            <a:r>
-              <a:rPr lang="en-US" baseline="0" dirty="0" smtClean="0"/>
-              <a:t> – so hazy we cannot make a clear prediction</a:t>
+              <a:t>Outliers will be explained in next slide</a:t>
             </a:r>
             <a:endParaRPr lang="en-US" dirty="0"/>
           </a:p>
@@ -2450,7 +2458,7 @@
             <a:fld id="{5ECBF4DF-172D-42A1-9E0F-400D1B677C2C}" type="slidenum">
               <a:rPr lang="en-US" smtClean="0"/>
               <a:pPr/>
-              <a:t>32</a:t>
+              <a:t>31</a:t>
             </a:fld>
             <a:endParaRPr lang="en-US"/>
           </a:p>
@@ -2510,6 +2518,14 @@
           </a:bodyPr>
           <a:lstStyle/>
           <a:p>
+            <a:r>
+              <a:rPr lang="en-US" dirty="0" smtClean="0"/>
+              <a:t>March 12</a:t>
+            </a:r>
+            <a:r>
+              <a:rPr lang="en-US" baseline="0" dirty="0" smtClean="0"/>
+              <a:t> – so hazy we cannot make a clear prediction</a:t>
+            </a:r>
             <a:endParaRPr lang="en-US" dirty="0"/>
           </a:p>
         </p:txBody>
@@ -2532,7 +2548,7 @@
             <a:fld id="{5ECBF4DF-172D-42A1-9E0F-400D1B677C2C}" type="slidenum">
               <a:rPr lang="en-US" smtClean="0"/>
               <a:pPr/>
-              <a:t>34</a:t>
+              <a:t>32</a:t>
             </a:fld>
             <a:endParaRPr lang="en-US"/>
           </a:p>
@@ -2678,14 +2694,6 @@
           </a:bodyPr>
           <a:lstStyle/>
           <a:p>
-            <a:r>
-              <a:rPr lang="en-US" dirty="0" smtClean="0"/>
-              <a:t>Error bars in vapor pressure example do</a:t>
-            </a:r>
-            <a:r>
-              <a:rPr lang="en-US" baseline="0" dirty="0" smtClean="0"/>
-              <a:t> not reduce as much, due to bad data on March 12?? Notice lots of outliers on the bottom</a:t>
-            </a:r>
             <a:endParaRPr lang="en-US" dirty="0"/>
           </a:p>
         </p:txBody>
@@ -2708,7 +2716,7 @@
             <a:fld id="{5ECBF4DF-172D-42A1-9E0F-400D1B677C2C}" type="slidenum">
               <a:rPr lang="en-US" smtClean="0"/>
               <a:pPr/>
-              <a:t>35</a:t>
+              <a:t>34</a:t>
             </a:fld>
             <a:endParaRPr lang="en-US"/>
           </a:p>
@@ -2770,11 +2778,11 @@
           <a:p>
             <a:r>
               <a:rPr lang="en-US" dirty="0" smtClean="0"/>
-              <a:t>Why</a:t>
+              <a:t>Error bars in vapor pressure example do</a:t>
             </a:r>
             <a:r>
               <a:rPr lang="en-US" baseline="0" dirty="0" smtClean="0"/>
-              <a:t> what we did is cool, interesting, compelling</a:t>
+              <a:t> not reduce as much, due to bad data on March 12?? Notice lots of outliers on the bottom</a:t>
             </a:r>
             <a:endParaRPr lang="en-US" dirty="0"/>
           </a:p>
@@ -2798,7 +2806,7 @@
             <a:fld id="{5ECBF4DF-172D-42A1-9E0F-400D1B677C2C}" type="slidenum">
               <a:rPr lang="en-US" smtClean="0"/>
               <a:pPr/>
-              <a:t>37</a:t>
+              <a:t>35</a:t>
             </a:fld>
             <a:endParaRPr lang="en-US"/>
           </a:p>
@@ -2813,6 +2821,96 @@
 </file>
 
 <file path=ppt/notesSlides/notesSlide32.xml><?xml version="1.0" encoding="utf-8"?>
+<p:notes xmlns:a="http://schemas.openxmlformats.org/drawingml/2006/main" xmlns:r="http://schemas.openxmlformats.org/officeDocument/2006/relationships" xmlns:p="http://schemas.openxmlformats.org/presentationml/2006/main">
+  <p:cSld>
+    <p:spTree>
+      <p:nvGrpSpPr>
+        <p:cNvPr id="1" name=""/>
+        <p:cNvGrpSpPr/>
+        <p:nvPr/>
+      </p:nvGrpSpPr>
+      <p:grpSpPr>
+        <a:xfrm>
+          <a:off x="0" y="0"/>
+          <a:ext cx="0" cy="0"/>
+          <a:chOff x="0" y="0"/>
+          <a:chExt cx="0" cy="0"/>
+        </a:xfrm>
+      </p:grpSpPr>
+      <p:sp>
+        <p:nvSpPr>
+          <p:cNvPr id="2" name="Slide Image Placeholder 1"/>
+          <p:cNvSpPr>
+            <a:spLocks noGrp="1" noRot="1" noChangeAspect="1"/>
+          </p:cNvSpPr>
+          <p:nvPr>
+            <p:ph type="sldImg"/>
+          </p:nvPr>
+        </p:nvSpPr>
+        <p:spPr/>
+      </p:sp>
+      <p:sp>
+        <p:nvSpPr>
+          <p:cNvPr id="3" name="Notes Placeholder 2"/>
+          <p:cNvSpPr>
+            <a:spLocks noGrp="1"/>
+          </p:cNvSpPr>
+          <p:nvPr>
+            <p:ph type="body" idx="1"/>
+          </p:nvPr>
+        </p:nvSpPr>
+        <p:spPr/>
+        <p:txBody>
+          <a:bodyPr>
+            <a:normAutofit/>
+          </a:bodyPr>
+          <a:lstStyle/>
+          <a:p>
+            <a:r>
+              <a:rPr lang="en-US" dirty="0" smtClean="0"/>
+              <a:t>Why</a:t>
+            </a:r>
+            <a:r>
+              <a:rPr lang="en-US" baseline="0" dirty="0" smtClean="0"/>
+              <a:t> what we did is cool, interesting, compelling</a:t>
+            </a:r>
+            <a:endParaRPr lang="en-US" dirty="0"/>
+          </a:p>
+        </p:txBody>
+      </p:sp>
+      <p:sp>
+        <p:nvSpPr>
+          <p:cNvPr id="4" name="Slide Number Placeholder 3"/>
+          <p:cNvSpPr>
+            <a:spLocks noGrp="1"/>
+          </p:cNvSpPr>
+          <p:nvPr>
+            <p:ph type="sldNum" sz="quarter" idx="10"/>
+          </p:nvPr>
+        </p:nvSpPr>
+        <p:spPr/>
+        <p:txBody>
+          <a:bodyPr/>
+          <a:lstStyle/>
+          <a:p>
+            <a:fld id="{5ECBF4DF-172D-42A1-9E0F-400D1B677C2C}" type="slidenum">
+              <a:rPr lang="en-US" smtClean="0"/>
+              <a:pPr/>
+              <a:t>37</a:t>
+            </a:fld>
+            <a:endParaRPr lang="en-US"/>
+          </a:p>
+        </p:txBody>
+      </p:sp>
+    </p:spTree>
+  </p:cSld>
+  <p:clrMapOvr>
+    <a:masterClrMapping/>
+  </p:clrMapOvr>
+</p:notes>
+</file>
+
+<file path=ppt/notesSlides/notesSlide33.xml><?xml version="1.0" encoding="utf-8"?>
 <p:notes xmlns:a="http://schemas.openxmlformats.org/drawingml/2006/main" xmlns:r="http://schemas.openxmlformats.org/officeDocument/2006/relationships" xmlns:p="http://schemas.openxmlformats.org/presentationml/2006/main">
   <p:cSld>
     <p:spTree>
@@ -7520,7 +7618,19 @@
             </a:r>
             <a:r>
               <a:rPr lang="en-US" dirty="0" smtClean="0"/>
-              <a:t>two data matrices X and Y finds projection matrices A and B to maximize the correlation</a:t>
+              <a:t>two data matrices X and Y </a:t>
+            </a:r>
+            <a:r>
+              <a:rPr lang="en-US" smtClean="0"/>
+              <a:t>finds </a:t>
+            </a:r>
+            <a:r>
+              <a:rPr lang="en-US" smtClean="0"/>
+              <a:t>two matrices </a:t>
+            </a:r>
+            <a:r>
+              <a:rPr lang="en-US" dirty="0" smtClean="0"/>
+              <a:t>A and B to maximize the correlation</a:t>
             </a:r>
             <a:r>
               <a:rPr lang="en-US" dirty="0" smtClean="0"/>
@@ -8043,7 +8153,7 @@
         </p:spPr>
         <p:txBody>
           <a:bodyPr>
-            <a:normAutofit fontScale="92500"/>
+            <a:normAutofit fontScale="92500" lnSpcReduction="10000"/>
           </a:bodyPr>
           <a:lstStyle/>
           <a:p>
@@ -8084,8 +8194,13 @@
             </a:r>
             <a:r>
               <a:rPr lang="en-US" dirty="0" smtClean="0"/>
-              <a:t>all of which are orthogonal</a:t>
-            </a:r>
+              <a:t>all of which are </a:t>
+            </a:r>
+            <a:r>
+              <a:rPr lang="en-US" dirty="0" smtClean="0"/>
+              <a:t>orthogonal to each other</a:t>
+            </a:r>
+            <a:endParaRPr lang="en-US" dirty="0" smtClean="0"/>
           </a:p>
           <a:p>
             <a:pPr lvl="1"/>
@@ -8110,7 +8225,7 @@
             </a:r>
             <a:r>
               <a:rPr lang="en-US" dirty="0" smtClean="0"/>
-              <a:t>image</a:t>
+              <a:t>actual image</a:t>
             </a:r>
             <a:endParaRPr lang="en-US" dirty="0" smtClean="0"/>
           </a:p>
@@ -8260,11 +8375,11 @@
           <a:p>
             <a:r>
               <a:rPr lang="en-US" dirty="0" smtClean="0"/>
-              <a:t>We can reconstruct image x: </a:t>
-            </a:r>
-            <a:r>
-              <a:rPr lang="en-US" dirty="0" smtClean="0"/>
-              <a:t>i</a:t>
+              <a:t>We can reconstruct image </a:t>
+            </a:r>
+            <a:r>
+              <a:rPr lang="en-US" dirty="0" smtClean="0"/>
+              <a:t>x as a linear combination of the basis images: i</a:t>
             </a:r>
             <a:r>
               <a:rPr lang="en-US" baseline="-25000" dirty="0" smtClean="0"/>
@@ -8287,11 +8402,19 @@
           <a:p>
             <a:r>
               <a:rPr lang="en-US" dirty="0" smtClean="0"/>
-              <a:t>Images </a:t>
-            </a:r>
-            <a:r>
-              <a:rPr lang="en-US" dirty="0" smtClean="0"/>
-              <a:t>will not be exact reconstructions of original images</a:t>
+              <a:t>Reconstructed images </a:t>
+            </a:r>
+            <a:r>
+              <a:rPr lang="en-US" dirty="0" smtClean="0"/>
+              <a:t>will </a:t>
+            </a:r>
+            <a:r>
+              <a:rPr lang="en-US" dirty="0" smtClean="0"/>
+              <a:t>not exactly match the original </a:t>
+            </a:r>
+            <a:r>
+              <a:rPr lang="en-US" dirty="0" smtClean="0"/>
+              <a:t>images</a:t>
             </a:r>
           </a:p>
           <a:p>
@@ -10937,7 +11060,7 @@
           <p:nvPr/>
         </p:nvPicPr>
         <p:blipFill>
-          <a:blip r:embed="rId2"/>
+          <a:blip r:embed="rId3"/>
           <a:srcRect/>
           <a:stretch>
             <a:fillRect/>
@@ -10963,7 +11086,7 @@
           <p:nvPr/>
         </p:nvPicPr>
         <p:blipFill>
-          <a:blip r:embed="rId3"/>
+          <a:blip r:embed="rId4"/>
           <a:srcRect l="5814" t="5374" r="10465"/>
           <a:stretch>
             <a:fillRect/>
@@ -11461,8 +11584,8 @@
         </p:blipFill>
         <p:spPr>
           <a:xfrm>
-            <a:off x="4724044" y="3200400"/>
-            <a:ext cx="3810596" cy="3048000"/>
+            <a:off x="4609474" y="3048000"/>
+            <a:ext cx="4001126" cy="3200400"/>
           </a:xfrm>
           <a:prstGeom prst="rect">
             <a:avLst/>

--- a/thesis-defense.pptx
+++ b/thesis-defense.pptx
@@ -7618,14 +7618,10 @@
             </a:r>
             <a:r>
               <a:rPr lang="en-US" dirty="0" smtClean="0"/>
-              <a:t>two data matrices X and Y </a:t>
-            </a:r>
-            <a:r>
-              <a:rPr lang="en-US" smtClean="0"/>
-              <a:t>finds </a:t>
-            </a:r>
-            <a:r>
-              <a:rPr lang="en-US" smtClean="0"/>
+              <a:t>two data matrices X and Y finds </a:t>
+            </a:r>
+            <a:r>
+              <a:rPr lang="en-US" dirty="0" smtClean="0"/>
               <a:t>two matrices </a:t>
             </a:r>
             <a:r>
